--- a/SOČ/Prezentácia/SOČ-prezentacia-TV.pptx
+++ b/SOČ/Prezentácia/SOČ-prezentacia-TV.pptx
@@ -4,13 +4,23 @@
   <p:sldMasterIdLst>
     <p:sldMasterId id="2147483660" r:id="rId1"/>
   </p:sldMasterIdLst>
+  <p:notesMasterIdLst>
+    <p:notesMasterId r:id="rId15"/>
+  </p:notesMasterIdLst>
   <p:sldIdLst>
     <p:sldId id="256" r:id="rId2"/>
     <p:sldId id="257" r:id="rId3"/>
-    <p:sldId id="258" r:id="rId4"/>
-    <p:sldId id="261" r:id="rId5"/>
-    <p:sldId id="260" r:id="rId6"/>
-    <p:sldId id="259" r:id="rId7"/>
+    <p:sldId id="267" r:id="rId4"/>
+    <p:sldId id="270" r:id="rId5"/>
+    <p:sldId id="268" r:id="rId6"/>
+    <p:sldId id="261" r:id="rId7"/>
+    <p:sldId id="269" r:id="rId8"/>
+    <p:sldId id="271" r:id="rId9"/>
+    <p:sldId id="262" r:id="rId10"/>
+    <p:sldId id="263" r:id="rId11"/>
+    <p:sldId id="264" r:id="rId12"/>
+    <p:sldId id="265" r:id="rId13"/>
+    <p:sldId id="259" r:id="rId14"/>
   </p:sldIdLst>
   <p:sldSz cx="12192000" cy="6858000"/>
   <p:notesSz cx="6858000" cy="9144000"/>
@@ -109,7 +119,445 @@
       </a:defRPr>
     </a:lvl9pPr>
   </p:defaultTextStyle>
+  <p:extLst>
+    <p:ext uri="{EFAFB233-063F-42B5-8137-9DF3F51BA10A}">
+      <p15:sldGuideLst xmlns:p15="http://schemas.microsoft.com/office/powerpoint/2012/main"/>
+    </p:ext>
+  </p:extLst>
 </p:presentation>
+</file>
+
+<file path=ppt/notesMasters/notesMaster1.xml><?xml version="1.0" encoding="utf-8"?>
+<p:notesMaster xmlns:a="http://schemas.openxmlformats.org/drawingml/2006/main" xmlns:r="http://schemas.openxmlformats.org/officeDocument/2006/relationships" xmlns:p="http://schemas.openxmlformats.org/presentationml/2006/main">
+  <p:cSld>
+    <p:bg>
+      <p:bgRef idx="1001">
+        <a:schemeClr val="bg1"/>
+      </p:bgRef>
+    </p:bg>
+    <p:spTree>
+      <p:nvGrpSpPr>
+        <p:cNvPr id="1" name=""/>
+        <p:cNvGrpSpPr/>
+        <p:nvPr/>
+      </p:nvGrpSpPr>
+      <p:grpSpPr>
+        <a:xfrm>
+          <a:off x="0" y="0"/>
+          <a:ext cx="0" cy="0"/>
+          <a:chOff x="0" y="0"/>
+          <a:chExt cx="0" cy="0"/>
+        </a:xfrm>
+      </p:grpSpPr>
+      <p:sp>
+        <p:nvSpPr>
+          <p:cNvPr id="2" name="Zástupný objekt pre hlavičku 1"/>
+          <p:cNvSpPr>
+            <a:spLocks noGrp="1"/>
+          </p:cNvSpPr>
+          <p:nvPr>
+            <p:ph type="hdr" sz="quarter"/>
+          </p:nvPr>
+        </p:nvSpPr>
+        <p:spPr>
+          <a:xfrm>
+            <a:off x="0" y="0"/>
+            <a:ext cx="2971800" cy="458788"/>
+          </a:xfrm>
+          <a:prstGeom prst="rect">
+            <a:avLst/>
+          </a:prstGeom>
+        </p:spPr>
+        <p:txBody>
+          <a:bodyPr vert="horz" lIns="91440" tIns="45720" rIns="91440" bIns="45720" rtlCol="0"/>
+          <a:lstStyle>
+            <a:lvl1pPr algn="l">
+              <a:defRPr sz="1200"/>
+            </a:lvl1pPr>
+          </a:lstStyle>
+          <a:p>
+            <a:endParaRPr lang="sk-SK"/>
+          </a:p>
+        </p:txBody>
+      </p:sp>
+      <p:sp>
+        <p:nvSpPr>
+          <p:cNvPr id="3" name="Zástupný objekt pre dátum 2"/>
+          <p:cNvSpPr>
+            <a:spLocks noGrp="1"/>
+          </p:cNvSpPr>
+          <p:nvPr>
+            <p:ph type="dt" idx="1"/>
+          </p:nvPr>
+        </p:nvSpPr>
+        <p:spPr>
+          <a:xfrm>
+            <a:off x="3884613" y="0"/>
+            <a:ext cx="2971800" cy="458788"/>
+          </a:xfrm>
+          <a:prstGeom prst="rect">
+            <a:avLst/>
+          </a:prstGeom>
+        </p:spPr>
+        <p:txBody>
+          <a:bodyPr vert="horz" lIns="91440" tIns="45720" rIns="91440" bIns="45720" rtlCol="0"/>
+          <a:lstStyle>
+            <a:lvl1pPr algn="r">
+              <a:defRPr sz="1200"/>
+            </a:lvl1pPr>
+          </a:lstStyle>
+          <a:p>
+            <a:fld id="{21011C19-7C25-48FB-A0CC-BE27822AD094}" type="datetimeFigureOut">
+              <a:rPr lang="sk-SK" smtClean="0"/>
+              <a:t>13. 3. 2023</a:t>
+            </a:fld>
+            <a:endParaRPr lang="sk-SK"/>
+          </a:p>
+        </p:txBody>
+      </p:sp>
+      <p:sp>
+        <p:nvSpPr>
+          <p:cNvPr id="4" name="Zástupný objekt pre obrázok snímky 3"/>
+          <p:cNvSpPr>
+            <a:spLocks noGrp="1" noRot="1" noChangeAspect="1"/>
+          </p:cNvSpPr>
+          <p:nvPr>
+            <p:ph type="sldImg" idx="2"/>
+          </p:nvPr>
+        </p:nvSpPr>
+        <p:spPr>
+          <a:xfrm>
+            <a:off x="685800" y="1143000"/>
+            <a:ext cx="5486400" cy="3086100"/>
+          </a:xfrm>
+          <a:prstGeom prst="rect">
+            <a:avLst/>
+          </a:prstGeom>
+          <a:noFill/>
+          <a:ln w="12700">
+            <a:solidFill>
+              <a:prstClr val="black"/>
+            </a:solidFill>
+          </a:ln>
+        </p:spPr>
+        <p:txBody>
+          <a:bodyPr vert="horz" lIns="91440" tIns="45720" rIns="91440" bIns="45720" rtlCol="0" anchor="ctr"/>
+          <a:lstStyle/>
+          <a:p>
+            <a:endParaRPr lang="sk-SK"/>
+          </a:p>
+        </p:txBody>
+      </p:sp>
+      <p:sp>
+        <p:nvSpPr>
+          <p:cNvPr id="5" name="Zástupný objekt pre poznámky 4"/>
+          <p:cNvSpPr>
+            <a:spLocks noGrp="1"/>
+          </p:cNvSpPr>
+          <p:nvPr>
+            <p:ph type="body" sz="quarter" idx="3"/>
+          </p:nvPr>
+        </p:nvSpPr>
+        <p:spPr>
+          <a:xfrm>
+            <a:off x="685800" y="4400550"/>
+            <a:ext cx="5486400" cy="3600450"/>
+          </a:xfrm>
+          <a:prstGeom prst="rect">
+            <a:avLst/>
+          </a:prstGeom>
+        </p:spPr>
+        <p:txBody>
+          <a:bodyPr vert="horz" lIns="91440" tIns="45720" rIns="91440" bIns="45720" rtlCol="0"/>
+          <a:lstStyle/>
+          <a:p>
+            <a:pPr lvl="0"/>
+            <a:r>
+              <a:rPr lang="sk-SK"/>
+              <a:t>Kliknite sem a upravte štýly predlohy textu</a:t>
+            </a:r>
+          </a:p>
+          <a:p>
+            <a:pPr lvl="1"/>
+            <a:r>
+              <a:rPr lang="sk-SK"/>
+              <a:t>Druhá úroveň</a:t>
+            </a:r>
+          </a:p>
+          <a:p>
+            <a:pPr lvl="2"/>
+            <a:r>
+              <a:rPr lang="sk-SK"/>
+              <a:t>Tretia úroveň</a:t>
+            </a:r>
+          </a:p>
+          <a:p>
+            <a:pPr lvl="3"/>
+            <a:r>
+              <a:rPr lang="sk-SK"/>
+              <a:t>Štvrtá úroveň</a:t>
+            </a:r>
+          </a:p>
+          <a:p>
+            <a:pPr lvl="4"/>
+            <a:r>
+              <a:rPr lang="sk-SK"/>
+              <a:t>Piata úroveň</a:t>
+            </a:r>
+          </a:p>
+        </p:txBody>
+      </p:sp>
+      <p:sp>
+        <p:nvSpPr>
+          <p:cNvPr id="6" name="Zástupný objekt pre pätu 5"/>
+          <p:cNvSpPr>
+            <a:spLocks noGrp="1"/>
+          </p:cNvSpPr>
+          <p:nvPr>
+            <p:ph type="ftr" sz="quarter" idx="4"/>
+          </p:nvPr>
+        </p:nvSpPr>
+        <p:spPr>
+          <a:xfrm>
+            <a:off x="0" y="8685213"/>
+            <a:ext cx="2971800" cy="458787"/>
+          </a:xfrm>
+          <a:prstGeom prst="rect">
+            <a:avLst/>
+          </a:prstGeom>
+        </p:spPr>
+        <p:txBody>
+          <a:bodyPr vert="horz" lIns="91440" tIns="45720" rIns="91440" bIns="45720" rtlCol="0" anchor="b"/>
+          <a:lstStyle>
+            <a:lvl1pPr algn="l">
+              <a:defRPr sz="1200"/>
+            </a:lvl1pPr>
+          </a:lstStyle>
+          <a:p>
+            <a:endParaRPr lang="sk-SK"/>
+          </a:p>
+        </p:txBody>
+      </p:sp>
+      <p:sp>
+        <p:nvSpPr>
+          <p:cNvPr id="7" name="Zástupný objekt pre číslo snímky 6"/>
+          <p:cNvSpPr>
+            <a:spLocks noGrp="1"/>
+          </p:cNvSpPr>
+          <p:nvPr>
+            <p:ph type="sldNum" sz="quarter" idx="5"/>
+          </p:nvPr>
+        </p:nvSpPr>
+        <p:spPr>
+          <a:xfrm>
+            <a:off x="3884613" y="8685213"/>
+            <a:ext cx="2971800" cy="458787"/>
+          </a:xfrm>
+          <a:prstGeom prst="rect">
+            <a:avLst/>
+          </a:prstGeom>
+        </p:spPr>
+        <p:txBody>
+          <a:bodyPr vert="horz" lIns="91440" tIns="45720" rIns="91440" bIns="45720" rtlCol="0" anchor="b"/>
+          <a:lstStyle>
+            <a:lvl1pPr algn="r">
+              <a:defRPr sz="1200"/>
+            </a:lvl1pPr>
+          </a:lstStyle>
+          <a:p>
+            <a:fld id="{07A9A6AC-F1A7-4A03-8DB2-FFA2B3A9EA10}" type="slidenum">
+              <a:rPr lang="sk-SK" smtClean="0"/>
+              <a:t>‹#›</a:t>
+            </a:fld>
+            <a:endParaRPr lang="sk-SK"/>
+          </a:p>
+        </p:txBody>
+      </p:sp>
+    </p:spTree>
+    <p:extLst>
+      <p:ext uri="{BB962C8B-B14F-4D97-AF65-F5344CB8AC3E}">
+        <p14:creationId xmlns:p14="http://schemas.microsoft.com/office/powerpoint/2010/main" val="93682590"/>
+      </p:ext>
+    </p:extLst>
+  </p:cSld>
+  <p:clrMap bg1="lt1" tx1="dk1" bg2="lt2" tx2="dk2" accent1="accent1" accent2="accent2" accent3="accent3" accent4="accent4" accent5="accent5" accent6="accent6" hlink="hlink" folHlink="folHlink"/>
+  <p:notesStyle>
+    <a:lvl1pPr marL="0" algn="l" defTabSz="914400" rtl="0" eaLnBrk="1" latinLnBrk="0" hangingPunct="1">
+      <a:defRPr sz="1200" kern="1200">
+        <a:solidFill>
+          <a:schemeClr val="tx1"/>
+        </a:solidFill>
+        <a:latin typeface="+mn-lt"/>
+        <a:ea typeface="+mn-ea"/>
+        <a:cs typeface="+mn-cs"/>
+      </a:defRPr>
+    </a:lvl1pPr>
+    <a:lvl2pPr marL="457200" algn="l" defTabSz="914400" rtl="0" eaLnBrk="1" latinLnBrk="0" hangingPunct="1">
+      <a:defRPr sz="1200" kern="1200">
+        <a:solidFill>
+          <a:schemeClr val="tx1"/>
+        </a:solidFill>
+        <a:latin typeface="+mn-lt"/>
+        <a:ea typeface="+mn-ea"/>
+        <a:cs typeface="+mn-cs"/>
+      </a:defRPr>
+    </a:lvl2pPr>
+    <a:lvl3pPr marL="914400" algn="l" defTabSz="914400" rtl="0" eaLnBrk="1" latinLnBrk="0" hangingPunct="1">
+      <a:defRPr sz="1200" kern="1200">
+        <a:solidFill>
+          <a:schemeClr val="tx1"/>
+        </a:solidFill>
+        <a:latin typeface="+mn-lt"/>
+        <a:ea typeface="+mn-ea"/>
+        <a:cs typeface="+mn-cs"/>
+      </a:defRPr>
+    </a:lvl3pPr>
+    <a:lvl4pPr marL="1371600" algn="l" defTabSz="914400" rtl="0" eaLnBrk="1" latinLnBrk="0" hangingPunct="1">
+      <a:defRPr sz="1200" kern="1200">
+        <a:solidFill>
+          <a:schemeClr val="tx1"/>
+        </a:solidFill>
+        <a:latin typeface="+mn-lt"/>
+        <a:ea typeface="+mn-ea"/>
+        <a:cs typeface="+mn-cs"/>
+      </a:defRPr>
+    </a:lvl4pPr>
+    <a:lvl5pPr marL="1828800" algn="l" defTabSz="914400" rtl="0" eaLnBrk="1" latinLnBrk="0" hangingPunct="1">
+      <a:defRPr sz="1200" kern="1200">
+        <a:solidFill>
+          <a:schemeClr val="tx1"/>
+        </a:solidFill>
+        <a:latin typeface="+mn-lt"/>
+        <a:ea typeface="+mn-ea"/>
+        <a:cs typeface="+mn-cs"/>
+      </a:defRPr>
+    </a:lvl5pPr>
+    <a:lvl6pPr marL="2286000" algn="l" defTabSz="914400" rtl="0" eaLnBrk="1" latinLnBrk="0" hangingPunct="1">
+      <a:defRPr sz="1200" kern="1200">
+        <a:solidFill>
+          <a:schemeClr val="tx1"/>
+        </a:solidFill>
+        <a:latin typeface="+mn-lt"/>
+        <a:ea typeface="+mn-ea"/>
+        <a:cs typeface="+mn-cs"/>
+      </a:defRPr>
+    </a:lvl6pPr>
+    <a:lvl7pPr marL="2743200" algn="l" defTabSz="914400" rtl="0" eaLnBrk="1" latinLnBrk="0" hangingPunct="1">
+      <a:defRPr sz="1200" kern="1200">
+        <a:solidFill>
+          <a:schemeClr val="tx1"/>
+        </a:solidFill>
+        <a:latin typeface="+mn-lt"/>
+        <a:ea typeface="+mn-ea"/>
+        <a:cs typeface="+mn-cs"/>
+      </a:defRPr>
+    </a:lvl7pPr>
+    <a:lvl8pPr marL="3200400" algn="l" defTabSz="914400" rtl="0" eaLnBrk="1" latinLnBrk="0" hangingPunct="1">
+      <a:defRPr sz="1200" kern="1200">
+        <a:solidFill>
+          <a:schemeClr val="tx1"/>
+        </a:solidFill>
+        <a:latin typeface="+mn-lt"/>
+        <a:ea typeface="+mn-ea"/>
+        <a:cs typeface="+mn-cs"/>
+      </a:defRPr>
+    </a:lvl8pPr>
+    <a:lvl9pPr marL="3657600" algn="l" defTabSz="914400" rtl="0" eaLnBrk="1" latinLnBrk="0" hangingPunct="1">
+      <a:defRPr sz="1200" kern="1200">
+        <a:solidFill>
+          <a:schemeClr val="tx1"/>
+        </a:solidFill>
+        <a:latin typeface="+mn-lt"/>
+        <a:ea typeface="+mn-ea"/>
+        <a:cs typeface="+mn-cs"/>
+      </a:defRPr>
+    </a:lvl9pPr>
+  </p:notesStyle>
+</p:notesMaster>
+</file>
+
+<file path=ppt/notesSlides/notesSlide1.xml><?xml version="1.0" encoding="utf-8"?>
+<p:notes xmlns:a="http://schemas.openxmlformats.org/drawingml/2006/main" xmlns:r="http://schemas.openxmlformats.org/officeDocument/2006/relationships" xmlns:p="http://schemas.openxmlformats.org/presentationml/2006/main">
+  <p:cSld>
+    <p:spTree>
+      <p:nvGrpSpPr>
+        <p:cNvPr id="1" name=""/>
+        <p:cNvGrpSpPr/>
+        <p:nvPr/>
+      </p:nvGrpSpPr>
+      <p:grpSpPr>
+        <a:xfrm>
+          <a:off x="0" y="0"/>
+          <a:ext cx="0" cy="0"/>
+          <a:chOff x="0" y="0"/>
+          <a:chExt cx="0" cy="0"/>
+        </a:xfrm>
+      </p:grpSpPr>
+      <p:sp>
+        <p:nvSpPr>
+          <p:cNvPr id="2" name="Zástupný objekt pre obrázok snímky 1"/>
+          <p:cNvSpPr>
+            <a:spLocks noGrp="1" noRot="1" noChangeAspect="1"/>
+          </p:cNvSpPr>
+          <p:nvPr>
+            <p:ph type="sldImg"/>
+          </p:nvPr>
+        </p:nvSpPr>
+        <p:spPr/>
+      </p:sp>
+      <p:sp>
+        <p:nvSpPr>
+          <p:cNvPr id="3" name="Zástupný objekt pre poznámky 2"/>
+          <p:cNvSpPr>
+            <a:spLocks noGrp="1"/>
+          </p:cNvSpPr>
+          <p:nvPr>
+            <p:ph type="body" idx="1"/>
+          </p:nvPr>
+        </p:nvSpPr>
+        <p:spPr/>
+        <p:txBody>
+          <a:bodyPr/>
+          <a:lstStyle/>
+          <a:p>
+            <a:endParaRPr lang="sk-SK" dirty="0"/>
+          </a:p>
+        </p:txBody>
+      </p:sp>
+      <p:sp>
+        <p:nvSpPr>
+          <p:cNvPr id="4" name="Zástupný objekt pre číslo snímky 3"/>
+          <p:cNvSpPr>
+            <a:spLocks noGrp="1"/>
+          </p:cNvSpPr>
+          <p:nvPr>
+            <p:ph type="sldNum" sz="quarter" idx="5"/>
+          </p:nvPr>
+        </p:nvSpPr>
+        <p:spPr/>
+        <p:txBody>
+          <a:bodyPr/>
+          <a:lstStyle/>
+          <a:p>
+            <a:fld id="{07A9A6AC-F1A7-4A03-8DB2-FFA2B3A9EA10}" type="slidenum">
+              <a:rPr lang="sk-SK" smtClean="0"/>
+              <a:t>9</a:t>
+            </a:fld>
+            <a:endParaRPr lang="sk-SK"/>
+          </a:p>
+        </p:txBody>
+      </p:sp>
+    </p:spTree>
+    <p:extLst>
+      <p:ext uri="{BB962C8B-B14F-4D97-AF65-F5344CB8AC3E}">
+        <p14:creationId xmlns:p14="http://schemas.microsoft.com/office/powerpoint/2010/main" val="302546515"/>
+      </p:ext>
+    </p:extLst>
+  </p:cSld>
+  <p:clrMapOvr>
+    <a:masterClrMapping/>
+  </p:clrMapOvr>
+</p:notes>
 </file>
 
 <file path=ppt/slideLayouts/slideLayout1.xml><?xml version="1.0" encoding="utf-8"?>
@@ -156,7 +604,7 @@
           </a:lstStyle>
           <a:p>
             <a:r>
-              <a:rPr lang="sk-SK" smtClean="0"/>
+              <a:rPr lang="sk-SK"/>
               <a:t>Upravte štýly predlohy textu</a:t>
             </a:r>
             <a:endParaRPr lang="en-US" dirty="0"/>
@@ -273,7 +721,7 @@
           </a:lstStyle>
           <a:p>
             <a:r>
-              <a:rPr lang="sk-SK" smtClean="0"/>
+              <a:rPr lang="sk-SK"/>
               <a:t>Kliknutím upravte štýl predlohy podnadpisov</a:t>
             </a:r>
             <a:endParaRPr lang="en-US" dirty="0"/>
@@ -297,7 +745,7 @@
           <a:p>
             <a:fld id="{12E5C828-21AA-455D-9B31-A22531D01353}" type="datetimeFigureOut">
               <a:rPr lang="sk-SK" smtClean="0"/>
-              <a:t>3. 3. 2023</a:t>
+              <a:t>12. 3. 2023</a:t>
             </a:fld>
             <a:endParaRPr lang="sk-SK"/>
           </a:p>
@@ -432,7 +880,7 @@
           </a:lstStyle>
           <a:p>
             <a:r>
-              <a:rPr lang="sk-SK" smtClean="0"/>
+              <a:rPr lang="sk-SK"/>
               <a:t>Upravte štýly predlohy textu</a:t>
             </a:r>
             <a:endParaRPr lang="en-US" dirty="0"/>
@@ -506,7 +954,7 @@
           </a:lstStyle>
           <a:p>
             <a:r>
-              <a:rPr lang="sk-SK" smtClean="0"/>
+              <a:rPr lang="sk-SK"/>
               <a:t>Ak chcete pridať obrázok, kliknite na ikonu</a:t>
             </a:r>
             <a:endParaRPr lang="en-US" dirty="0"/>
@@ -572,7 +1020,7 @@
           <a:p>
             <a:pPr lvl="0"/>
             <a:r>
-              <a:rPr lang="sk-SK" smtClean="0"/>
+              <a:rPr lang="sk-SK"/>
               <a:t>Upraviť štýly predlohy textu</a:t>
             </a:r>
           </a:p>
@@ -595,7 +1043,7 @@
           <a:p>
             <a:fld id="{12E5C828-21AA-455D-9B31-A22531D01353}" type="datetimeFigureOut">
               <a:rPr lang="sk-SK" smtClean="0"/>
-              <a:t>3. 3. 2023</a:t>
+              <a:t>12. 3. 2023</a:t>
             </a:fld>
             <a:endParaRPr lang="sk-SK"/>
           </a:p>
@@ -698,7 +1146,7 @@
           </a:lstStyle>
           <a:p>
             <a:r>
-              <a:rPr lang="sk-SK" smtClean="0"/>
+              <a:rPr lang="sk-SK"/>
               <a:t>Upravte štýly predlohy textu</a:t>
             </a:r>
             <a:endParaRPr lang="en-US" dirty="0"/>
@@ -764,7 +1212,7 @@
           <a:p>
             <a:pPr lvl="0"/>
             <a:r>
-              <a:rPr lang="sk-SK" smtClean="0"/>
+              <a:rPr lang="sk-SK"/>
               <a:t>Upraviť štýly predlohy textu</a:t>
             </a:r>
           </a:p>
@@ -787,7 +1235,7 @@
           <a:p>
             <a:fld id="{12E5C828-21AA-455D-9B31-A22531D01353}" type="datetimeFigureOut">
               <a:rPr lang="sk-SK" smtClean="0"/>
-              <a:t>3. 3. 2023</a:t>
+              <a:t>12. 3. 2023</a:t>
             </a:fld>
             <a:endParaRPr lang="sk-SK"/>
           </a:p>
@@ -890,7 +1338,7 @@
           </a:lstStyle>
           <a:p>
             <a:r>
-              <a:rPr lang="sk-SK" smtClean="0"/>
+              <a:rPr lang="sk-SK"/>
               <a:t>Upravte štýly predlohy textu</a:t>
             </a:r>
             <a:endParaRPr lang="en-US" dirty="0"/>
@@ -958,7 +1406,7 @@
           <a:p>
             <a:pPr lvl="0"/>
             <a:r>
-              <a:rPr lang="sk-SK" smtClean="0"/>
+              <a:rPr lang="sk-SK"/>
               <a:t>Upraviť štýly predlohy textu</a:t>
             </a:r>
           </a:p>
@@ -1025,7 +1473,7 @@
           <a:p>
             <a:pPr lvl="0"/>
             <a:r>
-              <a:rPr lang="sk-SK" smtClean="0"/>
+              <a:rPr lang="sk-SK"/>
               <a:t>Upraviť štýly predlohy textu</a:t>
             </a:r>
           </a:p>
@@ -1048,7 +1496,7 @@
           <a:p>
             <a:fld id="{12E5C828-21AA-455D-9B31-A22531D01353}" type="datetimeFigureOut">
               <a:rPr lang="sk-SK" smtClean="0"/>
-              <a:t>3. 3. 2023</a:t>
+              <a:t>12. 3. 2023</a:t>
             </a:fld>
             <a:endParaRPr lang="sk-SK"/>
           </a:p>
@@ -1383,7 +1831,7 @@
           </a:lstStyle>
           <a:p>
             <a:r>
-              <a:rPr lang="sk-SK" smtClean="0"/>
+              <a:rPr lang="sk-SK"/>
               <a:t>Upravte štýly predlohy textu</a:t>
             </a:r>
             <a:endParaRPr lang="en-US" dirty="0"/>
@@ -1449,7 +1897,7 @@
           <a:p>
             <a:pPr lvl="0"/>
             <a:r>
-              <a:rPr lang="sk-SK" smtClean="0"/>
+              <a:rPr lang="sk-SK"/>
               <a:t>Upraviť štýly predlohy textu</a:t>
             </a:r>
           </a:p>
@@ -1472,7 +1920,7 @@
           <a:p>
             <a:fld id="{12E5C828-21AA-455D-9B31-A22531D01353}" type="datetimeFigureOut">
               <a:rPr lang="sk-SK" smtClean="0"/>
-              <a:t>3. 3. 2023</a:t>
+              <a:t>12. 3. 2023</a:t>
             </a:fld>
             <a:endParaRPr lang="sk-SK"/>
           </a:p>
@@ -1571,7 +2019,7 @@
           <a:lstStyle/>
           <a:p>
             <a:r>
-              <a:rPr lang="sk-SK" smtClean="0"/>
+              <a:rPr lang="sk-SK"/>
               <a:t>Upravte štýly predlohy textu</a:t>
             </a:r>
             <a:endParaRPr lang="en-US" dirty="0"/>
@@ -1643,7 +2091,7 @@
           <a:p>
             <a:pPr lvl="0"/>
             <a:r>
-              <a:rPr lang="sk-SK" smtClean="0"/>
+              <a:rPr lang="sk-SK"/>
               <a:t>Upraviť štýly predlohy textu</a:t>
             </a:r>
           </a:p>
@@ -1710,7 +2158,7 @@
           <a:p>
             <a:pPr lvl="0"/>
             <a:r>
-              <a:rPr lang="sk-SK" smtClean="0"/>
+              <a:rPr lang="sk-SK"/>
               <a:t>Upraviť štýly predlohy textu</a:t>
             </a:r>
           </a:p>
@@ -1781,7 +2229,7 @@
           <a:p>
             <a:pPr lvl="0"/>
             <a:r>
-              <a:rPr lang="sk-SK" smtClean="0"/>
+              <a:rPr lang="sk-SK"/>
               <a:t>Upraviť štýly predlohy textu</a:t>
             </a:r>
           </a:p>
@@ -1848,7 +2296,7 @@
           <a:p>
             <a:pPr lvl="0"/>
             <a:r>
-              <a:rPr lang="sk-SK" smtClean="0"/>
+              <a:rPr lang="sk-SK"/>
               <a:t>Upraviť štýly predlohy textu</a:t>
             </a:r>
           </a:p>
@@ -1919,7 +2367,7 @@
           <a:p>
             <a:pPr lvl="0"/>
             <a:r>
-              <a:rPr lang="sk-SK" smtClean="0"/>
+              <a:rPr lang="sk-SK"/>
               <a:t>Upraviť štýly predlohy textu</a:t>
             </a:r>
           </a:p>
@@ -1986,7 +2434,7 @@
           <a:p>
             <a:pPr lvl="0"/>
             <a:r>
-              <a:rPr lang="sk-SK" smtClean="0"/>
+              <a:rPr lang="sk-SK"/>
               <a:t>Upraviť štýly predlohy textu</a:t>
             </a:r>
           </a:p>
@@ -2009,7 +2457,7 @@
           <a:p>
             <a:fld id="{12E5C828-21AA-455D-9B31-A22531D01353}" type="datetimeFigureOut">
               <a:rPr lang="sk-SK" smtClean="0"/>
-              <a:t>3. 3. 2023</a:t>
+              <a:t>12. 3. 2023</a:t>
             </a:fld>
             <a:endParaRPr lang="sk-SK"/>
           </a:p>
@@ -2198,7 +2646,7 @@
           <a:lstStyle/>
           <a:p>
             <a:r>
-              <a:rPr lang="sk-SK" smtClean="0"/>
+              <a:rPr lang="sk-SK"/>
               <a:t>Upravte štýly predlohy textu</a:t>
             </a:r>
             <a:endParaRPr lang="en-US" dirty="0"/>
@@ -2270,7 +2718,7 @@
           <a:p>
             <a:pPr lvl="0"/>
             <a:r>
-              <a:rPr lang="sk-SK" smtClean="0"/>
+              <a:rPr lang="sk-SK"/>
               <a:t>Upraviť štýly predlohy textu</a:t>
             </a:r>
           </a:p>
@@ -2348,7 +2796,7 @@
           </a:lstStyle>
           <a:p>
             <a:r>
-              <a:rPr lang="sk-SK" smtClean="0"/>
+              <a:rPr lang="sk-SK"/>
               <a:t>Ak chcete pridať obrázok, kliknite na ikonu</a:t>
             </a:r>
             <a:endParaRPr lang="en-US" dirty="0"/>
@@ -2416,7 +2864,7 @@
           <a:p>
             <a:pPr lvl="0"/>
             <a:r>
-              <a:rPr lang="sk-SK" smtClean="0"/>
+              <a:rPr lang="sk-SK"/>
               <a:t>Upraviť štýly predlohy textu</a:t>
             </a:r>
           </a:p>
@@ -2487,7 +2935,7 @@
           <a:p>
             <a:pPr lvl="0"/>
             <a:r>
-              <a:rPr lang="sk-SK" smtClean="0"/>
+              <a:rPr lang="sk-SK"/>
               <a:t>Upraviť štýly predlohy textu</a:t>
             </a:r>
           </a:p>
@@ -2565,7 +3013,7 @@
           </a:lstStyle>
           <a:p>
             <a:r>
-              <a:rPr lang="sk-SK" smtClean="0"/>
+              <a:rPr lang="sk-SK"/>
               <a:t>Ak chcete pridať obrázok, kliknite na ikonu</a:t>
             </a:r>
             <a:endParaRPr lang="en-US" dirty="0"/>
@@ -2633,7 +3081,7 @@
           <a:p>
             <a:pPr lvl="0"/>
             <a:r>
-              <a:rPr lang="sk-SK" smtClean="0"/>
+              <a:rPr lang="sk-SK"/>
               <a:t>Upraviť štýly predlohy textu</a:t>
             </a:r>
           </a:p>
@@ -2704,7 +3152,7 @@
           <a:p>
             <a:pPr lvl="0"/>
             <a:r>
-              <a:rPr lang="sk-SK" smtClean="0"/>
+              <a:rPr lang="sk-SK"/>
               <a:t>Upraviť štýly predlohy textu</a:t>
             </a:r>
           </a:p>
@@ -2782,7 +3230,7 @@
           </a:lstStyle>
           <a:p>
             <a:r>
-              <a:rPr lang="sk-SK" smtClean="0"/>
+              <a:rPr lang="sk-SK"/>
               <a:t>Ak chcete pridať obrázok, kliknite na ikonu</a:t>
             </a:r>
             <a:endParaRPr lang="en-US" dirty="0"/>
@@ -2850,7 +3298,7 @@
           <a:p>
             <a:pPr lvl="0"/>
             <a:r>
-              <a:rPr lang="sk-SK" smtClean="0"/>
+              <a:rPr lang="sk-SK"/>
               <a:t>Upraviť štýly predlohy textu</a:t>
             </a:r>
           </a:p>
@@ -2873,7 +3321,7 @@
           <a:p>
             <a:fld id="{12E5C828-21AA-455D-9B31-A22531D01353}" type="datetimeFigureOut">
               <a:rPr lang="sk-SK" smtClean="0"/>
-              <a:t>3. 3. 2023</a:t>
+              <a:t>12. 3. 2023</a:t>
             </a:fld>
             <a:endParaRPr lang="sk-SK"/>
           </a:p>
@@ -2967,7 +3415,7 @@
           <a:lstStyle/>
           <a:p>
             <a:r>
-              <a:rPr lang="sk-SK" smtClean="0"/>
+              <a:rPr lang="sk-SK"/>
               <a:t>Upravte štýly predlohy textu</a:t>
             </a:r>
             <a:endParaRPr lang="en-US" dirty="0"/>
@@ -2991,35 +3439,35 @@
           <a:p>
             <a:pPr lvl="0"/>
             <a:r>
-              <a:rPr lang="sk-SK" smtClean="0"/>
+              <a:rPr lang="sk-SK"/>
               <a:t>Upraviť štýly predlohy textu</a:t>
             </a:r>
           </a:p>
           <a:p>
             <a:pPr lvl="1"/>
             <a:r>
-              <a:rPr lang="sk-SK" smtClean="0"/>
+              <a:rPr lang="sk-SK"/>
               <a:t>Druhá úroveň</a:t>
             </a:r>
           </a:p>
           <a:p>
             <a:pPr lvl="2"/>
             <a:r>
-              <a:rPr lang="sk-SK" smtClean="0"/>
+              <a:rPr lang="sk-SK"/>
               <a:t>Tretia úroveň</a:t>
             </a:r>
           </a:p>
           <a:p>
             <a:pPr lvl="3"/>
             <a:r>
-              <a:rPr lang="sk-SK" smtClean="0"/>
+              <a:rPr lang="sk-SK"/>
               <a:t>Štvrtá úroveň</a:t>
             </a:r>
           </a:p>
           <a:p>
             <a:pPr lvl="4"/>
             <a:r>
-              <a:rPr lang="sk-SK" smtClean="0"/>
+              <a:rPr lang="sk-SK"/>
               <a:t>Piata úroveň</a:t>
             </a:r>
             <a:endParaRPr lang="en-US" dirty="0"/>
@@ -3043,7 +3491,7 @@
           <a:p>
             <a:fld id="{12E5C828-21AA-455D-9B31-A22531D01353}" type="datetimeFigureOut">
               <a:rPr lang="sk-SK" smtClean="0"/>
-              <a:t>3. 3. 2023</a:t>
+              <a:t>12. 3. 2023</a:t>
             </a:fld>
             <a:endParaRPr lang="sk-SK"/>
           </a:p>
@@ -3146,7 +3594,7 @@
           </a:lstStyle>
           <a:p>
             <a:r>
-              <a:rPr lang="sk-SK" smtClean="0"/>
+              <a:rPr lang="sk-SK"/>
               <a:t>Upravte štýly predlohy textu</a:t>
             </a:r>
             <a:endParaRPr lang="en-US" dirty="0"/>
@@ -3175,35 +3623,35 @@
           <a:p>
             <a:pPr lvl="0"/>
             <a:r>
-              <a:rPr lang="sk-SK" smtClean="0"/>
+              <a:rPr lang="sk-SK"/>
               <a:t>Upraviť štýly predlohy textu</a:t>
             </a:r>
           </a:p>
           <a:p>
             <a:pPr lvl="1"/>
             <a:r>
-              <a:rPr lang="sk-SK" smtClean="0"/>
+              <a:rPr lang="sk-SK"/>
               <a:t>Druhá úroveň</a:t>
             </a:r>
           </a:p>
           <a:p>
             <a:pPr lvl="2"/>
             <a:r>
-              <a:rPr lang="sk-SK" smtClean="0"/>
+              <a:rPr lang="sk-SK"/>
               <a:t>Tretia úroveň</a:t>
             </a:r>
           </a:p>
           <a:p>
             <a:pPr lvl="3"/>
             <a:r>
-              <a:rPr lang="sk-SK" smtClean="0"/>
+              <a:rPr lang="sk-SK"/>
               <a:t>Štvrtá úroveň</a:t>
             </a:r>
           </a:p>
           <a:p>
             <a:pPr lvl="4"/>
             <a:r>
-              <a:rPr lang="sk-SK" smtClean="0"/>
+              <a:rPr lang="sk-SK"/>
               <a:t>Piata úroveň</a:t>
             </a:r>
             <a:endParaRPr lang="en-US" dirty="0"/>
@@ -3227,7 +3675,7 @@
           <a:p>
             <a:fld id="{12E5C828-21AA-455D-9B31-A22531D01353}" type="datetimeFigureOut">
               <a:rPr lang="sk-SK" smtClean="0"/>
-              <a:t>3. 3. 2023</a:t>
+              <a:t>12. 3. 2023</a:t>
             </a:fld>
             <a:endParaRPr lang="sk-SK"/>
           </a:p>
@@ -3321,7 +3769,7 @@
           <a:lstStyle/>
           <a:p>
             <a:r>
-              <a:rPr lang="sk-SK" smtClean="0"/>
+              <a:rPr lang="sk-SK"/>
               <a:t>Upravte štýly predlohy textu</a:t>
             </a:r>
             <a:endParaRPr lang="en-US" dirty="0"/>
@@ -3345,35 +3793,35 @@
           <a:p>
             <a:pPr lvl="0"/>
             <a:r>
-              <a:rPr lang="sk-SK" smtClean="0"/>
+              <a:rPr lang="sk-SK"/>
               <a:t>Upraviť štýly predlohy textu</a:t>
             </a:r>
           </a:p>
           <a:p>
             <a:pPr lvl="1"/>
             <a:r>
-              <a:rPr lang="sk-SK" smtClean="0"/>
+              <a:rPr lang="sk-SK"/>
               <a:t>Druhá úroveň</a:t>
             </a:r>
           </a:p>
           <a:p>
             <a:pPr lvl="2"/>
             <a:r>
-              <a:rPr lang="sk-SK" smtClean="0"/>
+              <a:rPr lang="sk-SK"/>
               <a:t>Tretia úroveň</a:t>
             </a:r>
           </a:p>
           <a:p>
             <a:pPr lvl="3"/>
             <a:r>
-              <a:rPr lang="sk-SK" smtClean="0"/>
+              <a:rPr lang="sk-SK"/>
               <a:t>Štvrtá úroveň</a:t>
             </a:r>
           </a:p>
           <a:p>
             <a:pPr lvl="4"/>
             <a:r>
-              <a:rPr lang="sk-SK" smtClean="0"/>
+              <a:rPr lang="sk-SK"/>
               <a:t>Piata úroveň</a:t>
             </a:r>
             <a:endParaRPr lang="en-US" dirty="0"/>
@@ -3397,7 +3845,7 @@
           <a:p>
             <a:fld id="{12E5C828-21AA-455D-9B31-A22531D01353}" type="datetimeFigureOut">
               <a:rPr lang="sk-SK" smtClean="0"/>
-              <a:t>3. 3. 2023</a:t>
+              <a:t>12. 3. 2023</a:t>
             </a:fld>
             <a:endParaRPr lang="sk-SK"/>
           </a:p>
@@ -3500,7 +3948,7 @@
           </a:lstStyle>
           <a:p>
             <a:r>
-              <a:rPr lang="sk-SK" smtClean="0"/>
+              <a:rPr lang="sk-SK"/>
               <a:t>Upravte štýly predlohy textu</a:t>
             </a:r>
             <a:endParaRPr lang="en-US" dirty="0"/>
@@ -3618,7 +4066,7 @@
           <a:p>
             <a:pPr lvl="0"/>
             <a:r>
-              <a:rPr lang="sk-SK" smtClean="0"/>
+              <a:rPr lang="sk-SK"/>
               <a:t>Upraviť štýly predlohy textu</a:t>
             </a:r>
           </a:p>
@@ -3641,7 +4089,7 @@
           <a:p>
             <a:fld id="{12E5C828-21AA-455D-9B31-A22531D01353}" type="datetimeFigureOut">
               <a:rPr lang="sk-SK" smtClean="0"/>
-              <a:t>3. 3. 2023</a:t>
+              <a:t>12. 3. 2023</a:t>
             </a:fld>
             <a:endParaRPr lang="sk-SK"/>
           </a:p>
@@ -3735,7 +4183,7 @@
           <a:lstStyle/>
           <a:p>
             <a:r>
-              <a:rPr lang="sk-SK" smtClean="0"/>
+              <a:rPr lang="sk-SK"/>
               <a:t>Upravte štýly predlohy textu</a:t>
             </a:r>
             <a:endParaRPr lang="en-US" dirty="0"/>
@@ -3766,35 +4214,35 @@
           <a:p>
             <a:pPr lvl="0"/>
             <a:r>
-              <a:rPr lang="sk-SK" smtClean="0"/>
+              <a:rPr lang="sk-SK"/>
               <a:t>Upraviť štýly predlohy textu</a:t>
             </a:r>
           </a:p>
           <a:p>
             <a:pPr lvl="1"/>
             <a:r>
-              <a:rPr lang="sk-SK" smtClean="0"/>
+              <a:rPr lang="sk-SK"/>
               <a:t>Druhá úroveň</a:t>
             </a:r>
           </a:p>
           <a:p>
             <a:pPr lvl="2"/>
             <a:r>
-              <a:rPr lang="sk-SK" smtClean="0"/>
+              <a:rPr lang="sk-SK"/>
               <a:t>Tretia úroveň</a:t>
             </a:r>
           </a:p>
           <a:p>
             <a:pPr lvl="3"/>
             <a:r>
-              <a:rPr lang="sk-SK" smtClean="0"/>
+              <a:rPr lang="sk-SK"/>
               <a:t>Štvrtá úroveň</a:t>
             </a:r>
           </a:p>
           <a:p>
             <a:pPr lvl="4"/>
             <a:r>
-              <a:rPr lang="sk-SK" smtClean="0"/>
+              <a:rPr lang="sk-SK"/>
               <a:t>Piata úroveň</a:t>
             </a:r>
             <a:endParaRPr lang="en-US" dirty="0"/>
@@ -3825,35 +4273,35 @@
           <a:p>
             <a:pPr lvl="0"/>
             <a:r>
-              <a:rPr lang="sk-SK" smtClean="0"/>
+              <a:rPr lang="sk-SK"/>
               <a:t>Upraviť štýly predlohy textu</a:t>
             </a:r>
           </a:p>
           <a:p>
             <a:pPr lvl="1"/>
             <a:r>
-              <a:rPr lang="sk-SK" smtClean="0"/>
+              <a:rPr lang="sk-SK"/>
               <a:t>Druhá úroveň</a:t>
             </a:r>
           </a:p>
           <a:p>
             <a:pPr lvl="2"/>
             <a:r>
-              <a:rPr lang="sk-SK" smtClean="0"/>
+              <a:rPr lang="sk-SK"/>
               <a:t>Tretia úroveň</a:t>
             </a:r>
           </a:p>
           <a:p>
             <a:pPr lvl="3"/>
             <a:r>
-              <a:rPr lang="sk-SK" smtClean="0"/>
+              <a:rPr lang="sk-SK"/>
               <a:t>Štvrtá úroveň</a:t>
             </a:r>
           </a:p>
           <a:p>
             <a:pPr lvl="4"/>
             <a:r>
-              <a:rPr lang="sk-SK" smtClean="0"/>
+              <a:rPr lang="sk-SK"/>
               <a:t>Piata úroveň</a:t>
             </a:r>
             <a:endParaRPr lang="en-US" dirty="0"/>
@@ -3877,7 +4325,7 @@
           <a:p>
             <a:fld id="{12E5C828-21AA-455D-9B31-A22531D01353}" type="datetimeFigureOut">
               <a:rPr lang="sk-SK" smtClean="0"/>
-              <a:t>3. 3. 2023</a:t>
+              <a:t>12. 3. 2023</a:t>
             </a:fld>
             <a:endParaRPr lang="sk-SK"/>
           </a:p>
@@ -4035,7 +4483,7 @@
           </a:lstStyle>
           <a:p>
             <a:r>
-              <a:rPr lang="sk-SK" smtClean="0"/>
+              <a:rPr lang="sk-SK"/>
               <a:t>Upravte štýly predlohy textu</a:t>
             </a:r>
             <a:endParaRPr lang="en-US" dirty="0"/>
@@ -4103,7 +4551,7 @@
           <a:p>
             <a:pPr lvl="0"/>
             <a:r>
-              <a:rPr lang="sk-SK" smtClean="0"/>
+              <a:rPr lang="sk-SK"/>
               <a:t>Upraviť štýly predlohy textu</a:t>
             </a:r>
           </a:p>
@@ -4149,35 +4597,35 @@
           <a:p>
             <a:pPr lvl="0"/>
             <a:r>
-              <a:rPr lang="sk-SK" smtClean="0"/>
+              <a:rPr lang="sk-SK"/>
               <a:t>Upraviť štýly predlohy textu</a:t>
             </a:r>
           </a:p>
           <a:p>
             <a:pPr lvl="1"/>
             <a:r>
-              <a:rPr lang="sk-SK" smtClean="0"/>
+              <a:rPr lang="sk-SK"/>
               <a:t>Druhá úroveň</a:t>
             </a:r>
           </a:p>
           <a:p>
             <a:pPr lvl="2"/>
             <a:r>
-              <a:rPr lang="sk-SK" smtClean="0"/>
+              <a:rPr lang="sk-SK"/>
               <a:t>Tretia úroveň</a:t>
             </a:r>
           </a:p>
           <a:p>
             <a:pPr lvl="3"/>
             <a:r>
-              <a:rPr lang="sk-SK" smtClean="0"/>
+              <a:rPr lang="sk-SK"/>
               <a:t>Štvrtá úroveň</a:t>
             </a:r>
           </a:p>
           <a:p>
             <a:pPr lvl="4"/>
             <a:r>
-              <a:rPr lang="sk-SK" smtClean="0"/>
+              <a:rPr lang="sk-SK"/>
               <a:t>Piata úroveň</a:t>
             </a:r>
             <a:endParaRPr lang="en-US" dirty="0"/>
@@ -4245,7 +4693,7 @@
           <a:p>
             <a:pPr lvl="0"/>
             <a:r>
-              <a:rPr lang="sk-SK" smtClean="0"/>
+              <a:rPr lang="sk-SK"/>
               <a:t>Upraviť štýly predlohy textu</a:t>
             </a:r>
           </a:p>
@@ -4291,35 +4739,35 @@
           <a:p>
             <a:pPr lvl="0"/>
             <a:r>
-              <a:rPr lang="sk-SK" smtClean="0"/>
+              <a:rPr lang="sk-SK"/>
               <a:t>Upraviť štýly predlohy textu</a:t>
             </a:r>
           </a:p>
           <a:p>
             <a:pPr lvl="1"/>
             <a:r>
-              <a:rPr lang="sk-SK" smtClean="0"/>
+              <a:rPr lang="sk-SK"/>
               <a:t>Druhá úroveň</a:t>
             </a:r>
           </a:p>
           <a:p>
             <a:pPr lvl="2"/>
             <a:r>
-              <a:rPr lang="sk-SK" smtClean="0"/>
+              <a:rPr lang="sk-SK"/>
               <a:t>Tretia úroveň</a:t>
             </a:r>
           </a:p>
           <a:p>
             <a:pPr lvl="3"/>
             <a:r>
-              <a:rPr lang="sk-SK" smtClean="0"/>
+              <a:rPr lang="sk-SK"/>
               <a:t>Štvrtá úroveň</a:t>
             </a:r>
           </a:p>
           <a:p>
             <a:pPr lvl="4"/>
             <a:r>
-              <a:rPr lang="sk-SK" smtClean="0"/>
+              <a:rPr lang="sk-SK"/>
               <a:t>Piata úroveň</a:t>
             </a:r>
             <a:endParaRPr lang="en-US" dirty="0"/>
@@ -4343,7 +4791,7 @@
           <a:p>
             <a:fld id="{12E5C828-21AA-455D-9B31-A22531D01353}" type="datetimeFigureOut">
               <a:rPr lang="sk-SK" smtClean="0"/>
-              <a:t>3. 3. 2023</a:t>
+              <a:t>12. 3. 2023</a:t>
             </a:fld>
             <a:endParaRPr lang="sk-SK"/>
           </a:p>
@@ -4437,7 +4885,7 @@
           <a:lstStyle/>
           <a:p>
             <a:r>
-              <a:rPr lang="sk-SK" smtClean="0"/>
+              <a:rPr lang="sk-SK"/>
               <a:t>Upravte štýly predlohy textu</a:t>
             </a:r>
             <a:endParaRPr lang="en-US" dirty="0"/>
@@ -4461,7 +4909,7 @@
           <a:p>
             <a:fld id="{12E5C828-21AA-455D-9B31-A22531D01353}" type="datetimeFigureOut">
               <a:rPr lang="sk-SK" smtClean="0"/>
-              <a:t>3. 3. 2023</a:t>
+              <a:t>12. 3. 2023</a:t>
             </a:fld>
             <a:endParaRPr lang="sk-SK"/>
           </a:p>
@@ -4556,7 +5004,7 @@
           <a:p>
             <a:fld id="{12E5C828-21AA-455D-9B31-A22531D01353}" type="datetimeFigureOut">
               <a:rPr lang="sk-SK" smtClean="0"/>
-              <a:t>3. 3. 2023</a:t>
+              <a:t>12. 3. 2023</a:t>
             </a:fld>
             <a:endParaRPr lang="sk-SK"/>
           </a:p>
@@ -4661,7 +5109,7 @@
           </a:lstStyle>
           <a:p>
             <a:r>
-              <a:rPr lang="sk-SK" smtClean="0"/>
+              <a:rPr lang="sk-SK"/>
               <a:t>Upravte štýly predlohy textu</a:t>
             </a:r>
             <a:endParaRPr lang="en-US" dirty="0"/>
@@ -4692,35 +5140,35 @@
           <a:p>
             <a:pPr lvl="0"/>
             <a:r>
-              <a:rPr lang="sk-SK" smtClean="0"/>
+              <a:rPr lang="sk-SK"/>
               <a:t>Upraviť štýly predlohy textu</a:t>
             </a:r>
           </a:p>
           <a:p>
             <a:pPr lvl="1"/>
             <a:r>
-              <a:rPr lang="sk-SK" smtClean="0"/>
+              <a:rPr lang="sk-SK"/>
               <a:t>Druhá úroveň</a:t>
             </a:r>
           </a:p>
           <a:p>
             <a:pPr lvl="2"/>
             <a:r>
-              <a:rPr lang="sk-SK" smtClean="0"/>
+              <a:rPr lang="sk-SK"/>
               <a:t>Tretia úroveň</a:t>
             </a:r>
           </a:p>
           <a:p>
             <a:pPr lvl="3"/>
             <a:r>
-              <a:rPr lang="sk-SK" smtClean="0"/>
+              <a:rPr lang="sk-SK"/>
               <a:t>Štvrtá úroveň</a:t>
             </a:r>
           </a:p>
           <a:p>
             <a:pPr lvl="4"/>
             <a:r>
-              <a:rPr lang="sk-SK" smtClean="0"/>
+              <a:rPr lang="sk-SK"/>
               <a:t>Piata úroveň</a:t>
             </a:r>
             <a:endParaRPr lang="en-US" dirty="0"/>
@@ -4788,7 +5236,7 @@
           <a:p>
             <a:pPr lvl="0"/>
             <a:r>
-              <a:rPr lang="sk-SK" smtClean="0"/>
+              <a:rPr lang="sk-SK"/>
               <a:t>Upraviť štýly predlohy textu</a:t>
             </a:r>
           </a:p>
@@ -4811,7 +5259,7 @@
           <a:p>
             <a:fld id="{12E5C828-21AA-455D-9B31-A22531D01353}" type="datetimeFigureOut">
               <a:rPr lang="sk-SK" smtClean="0"/>
-              <a:t>3. 3. 2023</a:t>
+              <a:t>12. 3. 2023</a:t>
             </a:fld>
             <a:endParaRPr lang="sk-SK"/>
           </a:p>
@@ -4946,7 +5394,7 @@
           </a:lstStyle>
           <a:p>
             <a:r>
-              <a:rPr lang="sk-SK" smtClean="0"/>
+              <a:rPr lang="sk-SK"/>
               <a:t>Upravte štýly predlohy textu</a:t>
             </a:r>
             <a:endParaRPr lang="en-US" dirty="0"/>
@@ -5020,7 +5468,7 @@
           </a:lstStyle>
           <a:p>
             <a:r>
-              <a:rPr lang="sk-SK" smtClean="0"/>
+              <a:rPr lang="sk-SK"/>
               <a:t>Ak chcete pridať obrázok, kliknite na ikonu</a:t>
             </a:r>
             <a:endParaRPr lang="en-US" dirty="0"/>
@@ -5088,7 +5536,7 @@
           <a:p>
             <a:pPr lvl="0"/>
             <a:r>
-              <a:rPr lang="sk-SK" smtClean="0"/>
+              <a:rPr lang="sk-SK"/>
               <a:t>Upraviť štýly predlohy textu</a:t>
             </a:r>
           </a:p>
@@ -5111,7 +5559,7 @@
           <a:p>
             <a:fld id="{12E5C828-21AA-455D-9B31-A22531D01353}" type="datetimeFigureOut">
               <a:rPr lang="sk-SK" smtClean="0"/>
-              <a:t>3. 3. 2023</a:t>
+              <a:t>12. 3. 2023</a:t>
             </a:fld>
             <a:endParaRPr lang="sk-SK"/>
           </a:p>
@@ -5227,7 +5675,7 @@
           <a:lstStyle/>
           <a:p>
             <a:r>
-              <a:rPr lang="sk-SK" smtClean="0"/>
+              <a:rPr lang="sk-SK"/>
               <a:t>Upravte štýly predlohy textu</a:t>
             </a:r>
             <a:endParaRPr lang="en-US" dirty="0"/>
@@ -5268,35 +5716,35 @@
           <a:p>
             <a:pPr lvl="0"/>
             <a:r>
-              <a:rPr lang="sk-SK" smtClean="0"/>
+              <a:rPr lang="sk-SK"/>
               <a:t>Upraviť štýly predlohy textu</a:t>
             </a:r>
           </a:p>
           <a:p>
             <a:pPr lvl="1"/>
             <a:r>
-              <a:rPr lang="sk-SK" smtClean="0"/>
+              <a:rPr lang="sk-SK"/>
               <a:t>Druhá úroveň</a:t>
             </a:r>
           </a:p>
           <a:p>
             <a:pPr lvl="2"/>
             <a:r>
-              <a:rPr lang="sk-SK" smtClean="0"/>
+              <a:rPr lang="sk-SK"/>
               <a:t>Tretia úroveň</a:t>
             </a:r>
           </a:p>
           <a:p>
             <a:pPr lvl="3"/>
             <a:r>
-              <a:rPr lang="sk-SK" smtClean="0"/>
+              <a:rPr lang="sk-SK"/>
               <a:t>Štvrtá úroveň</a:t>
             </a:r>
           </a:p>
           <a:p>
             <a:pPr lvl="4"/>
             <a:r>
-              <a:rPr lang="sk-SK" smtClean="0"/>
+              <a:rPr lang="sk-SK"/>
               <a:t>Piata úroveň</a:t>
             </a:r>
             <a:endParaRPr lang="en-US" dirty="0"/>
@@ -5345,7 +5793,7 @@
           <a:p>
             <a:fld id="{12E5C828-21AA-455D-9B31-A22531D01353}" type="datetimeFigureOut">
               <a:rPr lang="sk-SK" smtClean="0"/>
-              <a:t>3. 3. 2023</a:t>
+              <a:t>12. 3. 2023</a:t>
             </a:fld>
             <a:endParaRPr lang="sk-SK"/>
           </a:p>
@@ -6057,10 +6505,9 @@
           <a:lstStyle/>
           <a:p>
             <a:r>
-              <a:rPr lang="sk-SK" dirty="0" smtClean="0"/>
+              <a:rPr lang="sk-SK" dirty="0"/>
               <a:t>Tomáš Varga</a:t>
             </a:r>
-            <a:endParaRPr lang="sk-SK" dirty="0"/>
           </a:p>
         </p:txBody>
       </p:sp>
@@ -6074,13 +6521,1424 @@
   <p:clrMapOvr>
     <a:masterClrMapping/>
   </p:clrMapOvr>
-  <p:timing>
-    <p:tnLst>
-      <p:par>
-        <p:cTn id="1" dur="indefinite" restart="never" nodeType="tmRoot"/>
-      </p:par>
-    </p:tnLst>
-  </p:timing>
+  <mc:AlternateContent xmlns:mc="http://schemas.openxmlformats.org/markup-compatibility/2006">
+    <mc:Choice xmlns:p14="http://schemas.microsoft.com/office/powerpoint/2010/main" Requires="p14">
+      <p:transition spd="slow" p14:dur="2000" advClick="0" advTm="17000"/>
+    </mc:Choice>
+    <mc:Fallback>
+      <p:transition spd="slow" advClick="0" advTm="17000"/>
+    </mc:Fallback>
+  </mc:AlternateContent>
+</p:sld>
+</file>
+
+<file path=ppt/slides/slide10.xml><?xml version="1.0" encoding="utf-8"?>
+<p:sld xmlns:a="http://schemas.openxmlformats.org/drawingml/2006/main" xmlns:r="http://schemas.openxmlformats.org/officeDocument/2006/relationships" xmlns:p="http://schemas.openxmlformats.org/presentationml/2006/main">
+  <p:cSld>
+    <p:spTree>
+      <p:nvGrpSpPr>
+        <p:cNvPr id="1" name=""/>
+        <p:cNvGrpSpPr/>
+        <p:nvPr/>
+      </p:nvGrpSpPr>
+      <p:grpSpPr>
+        <a:xfrm>
+          <a:off x="0" y="0"/>
+          <a:ext cx="0" cy="0"/>
+          <a:chOff x="0" y="0"/>
+          <a:chExt cx="0" cy="0"/>
+        </a:xfrm>
+      </p:grpSpPr>
+      <p:sp>
+        <p:nvSpPr>
+          <p:cNvPr id="2" name="Nadpis 1">
+            <a:extLst>
+              <a:ext uri="{FF2B5EF4-FFF2-40B4-BE49-F238E27FC236}">
+                <a16:creationId xmlns:a16="http://schemas.microsoft.com/office/drawing/2014/main" id="{0CC28920-11B9-3F11-184E-F61216C77634}"/>
+              </a:ext>
+            </a:extLst>
+          </p:cNvPr>
+          <p:cNvSpPr>
+            <a:spLocks noGrp="1"/>
+          </p:cNvSpPr>
+          <p:nvPr>
+            <p:ph type="title"/>
+          </p:nvPr>
+        </p:nvSpPr>
+        <p:spPr/>
+        <p:txBody>
+          <a:bodyPr/>
+          <a:lstStyle/>
+          <a:p>
+            <a:r>
+              <a:rPr lang="sk-SK" dirty="0"/>
+              <a:t>Praktická časť</a:t>
+            </a:r>
+          </a:p>
+        </p:txBody>
+      </p:sp>
+      <p:sp>
+        <p:nvSpPr>
+          <p:cNvPr id="5" name="Zástupný objekt pre obsah 4">
+            <a:extLst>
+              <a:ext uri="{FF2B5EF4-FFF2-40B4-BE49-F238E27FC236}">
+                <a16:creationId xmlns:a16="http://schemas.microsoft.com/office/drawing/2014/main" id="{5F8D622A-B8D2-A0BA-AE9B-3245E6EC2AB6}"/>
+              </a:ext>
+            </a:extLst>
+          </p:cNvPr>
+          <p:cNvSpPr>
+            <a:spLocks noGrp="1"/>
+          </p:cNvSpPr>
+          <p:nvPr>
+            <p:ph idx="1"/>
+          </p:nvPr>
+        </p:nvSpPr>
+        <p:spPr>
+          <a:xfrm>
+            <a:off x="579549" y="1580050"/>
+            <a:ext cx="11114468" cy="4515951"/>
+          </a:xfrm>
+        </p:spPr>
+        <p:txBody>
+          <a:bodyPr>
+            <a:noAutofit/>
+          </a:bodyPr>
+          <a:lstStyle/>
+          <a:p>
+            <a:r>
+              <a:rPr lang="sk-SK" sz="2200" dirty="0">
+                <a:latin typeface="Arial" panose="020B0604020202020204" pitchFamily="34" charset="0"/>
+                <a:cs typeface="Arial" panose="020B0604020202020204" pitchFamily="34" charset="0"/>
+              </a:rPr>
+              <a:t>model = </a:t>
+            </a:r>
+            <a:r>
+              <a:rPr lang="sk-SK" sz="2200" dirty="0" err="1">
+                <a:latin typeface="Arial" panose="020B0604020202020204" pitchFamily="34" charset="0"/>
+                <a:cs typeface="Arial" panose="020B0604020202020204" pitchFamily="34" charset="0"/>
+              </a:rPr>
+              <a:t>keras.Sequential</a:t>
+            </a:r>
+            <a:r>
+              <a:rPr lang="sk-SK" sz="2200" dirty="0">
+                <a:latin typeface="Arial" panose="020B0604020202020204" pitchFamily="34" charset="0"/>
+                <a:cs typeface="Arial" panose="020B0604020202020204" pitchFamily="34" charset="0"/>
+              </a:rPr>
+              <a:t>()</a:t>
+            </a:r>
+          </a:p>
+          <a:p>
+            <a:r>
+              <a:rPr lang="sk-SK" sz="2200" dirty="0" err="1">
+                <a:latin typeface="Arial" panose="020B0604020202020204" pitchFamily="34" charset="0"/>
+                <a:cs typeface="Arial" panose="020B0604020202020204" pitchFamily="34" charset="0"/>
+              </a:rPr>
+              <a:t>model.add</a:t>
+            </a:r>
+            <a:r>
+              <a:rPr lang="sk-SK" sz="2200" dirty="0">
+                <a:latin typeface="Arial" panose="020B0604020202020204" pitchFamily="34" charset="0"/>
+                <a:cs typeface="Arial" panose="020B0604020202020204" pitchFamily="34" charset="0"/>
+              </a:rPr>
+              <a:t>(keras.layers.Conv2D(32, (3, 3), </a:t>
+            </a:r>
+            <a:r>
+              <a:rPr lang="sk-SK" sz="2200" dirty="0" err="1">
+                <a:latin typeface="Arial" panose="020B0604020202020204" pitchFamily="34" charset="0"/>
+                <a:cs typeface="Arial" panose="020B0604020202020204" pitchFamily="34" charset="0"/>
+              </a:rPr>
+              <a:t>input_shape</a:t>
+            </a:r>
+            <a:r>
+              <a:rPr lang="sk-SK" sz="2200" dirty="0">
+                <a:latin typeface="Arial" panose="020B0604020202020204" pitchFamily="34" charset="0"/>
+                <a:cs typeface="Arial" panose="020B0604020202020204" pitchFamily="34" charset="0"/>
+              </a:rPr>
+              <a:t>=</a:t>
+            </a:r>
+            <a:r>
+              <a:rPr lang="sk-SK" sz="2200" dirty="0" err="1">
+                <a:latin typeface="Arial" panose="020B0604020202020204" pitchFamily="34" charset="0"/>
+                <a:cs typeface="Arial" panose="020B0604020202020204" pitchFamily="34" charset="0"/>
+              </a:rPr>
+              <a:t>X_train.shape</a:t>
+            </a:r>
+            <a:r>
+              <a:rPr lang="sk-SK" sz="2200" dirty="0">
+                <a:latin typeface="Arial" panose="020B0604020202020204" pitchFamily="34" charset="0"/>
+                <a:cs typeface="Arial" panose="020B0604020202020204" pitchFamily="34" charset="0"/>
+              </a:rPr>
+              <a:t>[1:], </a:t>
+            </a:r>
+            <a:r>
+              <a:rPr lang="sk-SK" sz="2200" dirty="0" err="1">
+                <a:latin typeface="Arial" panose="020B0604020202020204" pitchFamily="34" charset="0"/>
+                <a:cs typeface="Arial" panose="020B0604020202020204" pitchFamily="34" charset="0"/>
+              </a:rPr>
+              <a:t>activation</a:t>
+            </a:r>
+            <a:r>
+              <a:rPr lang="sk-SK" sz="2200" dirty="0">
+                <a:latin typeface="Arial" panose="020B0604020202020204" pitchFamily="34" charset="0"/>
+                <a:cs typeface="Arial" panose="020B0604020202020204" pitchFamily="34" charset="0"/>
+              </a:rPr>
+              <a:t>='</a:t>
+            </a:r>
+            <a:r>
+              <a:rPr lang="sk-SK" sz="2200" dirty="0" err="1">
+                <a:latin typeface="Arial" panose="020B0604020202020204" pitchFamily="34" charset="0"/>
+                <a:cs typeface="Arial" panose="020B0604020202020204" pitchFamily="34" charset="0"/>
+              </a:rPr>
+              <a:t>relu</a:t>
+            </a:r>
+            <a:r>
+              <a:rPr lang="sk-SK" sz="2200" dirty="0">
+                <a:latin typeface="Arial" panose="020B0604020202020204" pitchFamily="34" charset="0"/>
+                <a:cs typeface="Arial" panose="020B0604020202020204" pitchFamily="34" charset="0"/>
+              </a:rPr>
+              <a:t>', </a:t>
+            </a:r>
+            <a:r>
+              <a:rPr lang="sk-SK" sz="2200" dirty="0" err="1">
+                <a:latin typeface="Arial" panose="020B0604020202020204" pitchFamily="34" charset="0"/>
+                <a:cs typeface="Arial" panose="020B0604020202020204" pitchFamily="34" charset="0"/>
+              </a:rPr>
+              <a:t>padding</a:t>
+            </a:r>
+            <a:r>
+              <a:rPr lang="sk-SK" sz="2200" dirty="0">
+                <a:latin typeface="Arial" panose="020B0604020202020204" pitchFamily="34" charset="0"/>
+                <a:cs typeface="Arial" panose="020B0604020202020204" pitchFamily="34" charset="0"/>
+              </a:rPr>
+              <a:t>='</a:t>
+            </a:r>
+            <a:r>
+              <a:rPr lang="sk-SK" sz="2200" dirty="0" err="1">
+                <a:latin typeface="Arial" panose="020B0604020202020204" pitchFamily="34" charset="0"/>
+                <a:cs typeface="Arial" panose="020B0604020202020204" pitchFamily="34" charset="0"/>
+              </a:rPr>
+              <a:t>same</a:t>
+            </a:r>
+            <a:r>
+              <a:rPr lang="sk-SK" sz="2200" dirty="0">
+                <a:latin typeface="Arial" panose="020B0604020202020204" pitchFamily="34" charset="0"/>
+                <a:cs typeface="Arial" panose="020B0604020202020204" pitchFamily="34" charset="0"/>
+              </a:rPr>
+              <a:t>'))</a:t>
+            </a:r>
+          </a:p>
+          <a:p>
+            <a:endParaRPr lang="sk-SK" sz="2200" dirty="0">
+              <a:latin typeface="Arial" panose="020B0604020202020204" pitchFamily="34" charset="0"/>
+              <a:cs typeface="Arial" panose="020B0604020202020204" pitchFamily="34" charset="0"/>
+            </a:endParaRPr>
+          </a:p>
+          <a:p>
+            <a:r>
+              <a:rPr lang="sk-SK" sz="2200" dirty="0" err="1">
+                <a:latin typeface="Arial" panose="020B0604020202020204" pitchFamily="34" charset="0"/>
+                <a:cs typeface="Arial" panose="020B0604020202020204" pitchFamily="34" charset="0"/>
+              </a:rPr>
+              <a:t>model.add</a:t>
+            </a:r>
+            <a:r>
+              <a:rPr lang="sk-SK" sz="2200" dirty="0">
+                <a:latin typeface="Arial" panose="020B0604020202020204" pitchFamily="34" charset="0"/>
+                <a:cs typeface="Arial" panose="020B0604020202020204" pitchFamily="34" charset="0"/>
+              </a:rPr>
+              <a:t>(</a:t>
+            </a:r>
+            <a:r>
+              <a:rPr lang="sk-SK" sz="2200" dirty="0" err="1">
+                <a:latin typeface="Arial" panose="020B0604020202020204" pitchFamily="34" charset="0"/>
+                <a:cs typeface="Arial" panose="020B0604020202020204" pitchFamily="34" charset="0"/>
+              </a:rPr>
+              <a:t>keras.layers.Dropout</a:t>
+            </a:r>
+            <a:r>
+              <a:rPr lang="sk-SK" sz="2200" dirty="0">
+                <a:latin typeface="Arial" panose="020B0604020202020204" pitchFamily="34" charset="0"/>
+                <a:cs typeface="Arial" panose="020B0604020202020204" pitchFamily="34" charset="0"/>
+              </a:rPr>
+              <a:t>(0.2))</a:t>
+            </a:r>
+          </a:p>
+          <a:p>
+            <a:r>
+              <a:rPr lang="sk-SK" sz="2200" dirty="0" err="1">
+                <a:latin typeface="Arial" panose="020B0604020202020204" pitchFamily="34" charset="0"/>
+                <a:cs typeface="Arial" panose="020B0604020202020204" pitchFamily="34" charset="0"/>
+              </a:rPr>
+              <a:t>model.add</a:t>
+            </a:r>
+            <a:r>
+              <a:rPr lang="sk-SK" sz="2200" dirty="0">
+                <a:latin typeface="Arial" panose="020B0604020202020204" pitchFamily="34" charset="0"/>
+                <a:cs typeface="Arial" panose="020B0604020202020204" pitchFamily="34" charset="0"/>
+              </a:rPr>
+              <a:t>(</a:t>
+            </a:r>
+            <a:r>
+              <a:rPr lang="sk-SK" sz="2200" dirty="0" err="1">
+                <a:latin typeface="Arial" panose="020B0604020202020204" pitchFamily="34" charset="0"/>
+                <a:cs typeface="Arial" panose="020B0604020202020204" pitchFamily="34" charset="0"/>
+              </a:rPr>
+              <a:t>keras.layers.BatchNormalization</a:t>
+            </a:r>
+            <a:r>
+              <a:rPr lang="sk-SK" sz="2200" dirty="0">
+                <a:latin typeface="Arial" panose="020B0604020202020204" pitchFamily="34" charset="0"/>
+                <a:cs typeface="Arial" panose="020B0604020202020204" pitchFamily="34" charset="0"/>
+              </a:rPr>
+              <a:t>())</a:t>
+            </a:r>
+          </a:p>
+          <a:p>
+            <a:endParaRPr lang="sk-SK" sz="2200" dirty="0">
+              <a:latin typeface="Arial" panose="020B0604020202020204" pitchFamily="34" charset="0"/>
+              <a:cs typeface="Arial" panose="020B0604020202020204" pitchFamily="34" charset="0"/>
+            </a:endParaRPr>
+          </a:p>
+          <a:p>
+            <a:r>
+              <a:rPr lang="sk-SK" sz="2200" dirty="0" err="1">
+                <a:latin typeface="Arial" panose="020B0604020202020204" pitchFamily="34" charset="0"/>
+                <a:cs typeface="Arial" panose="020B0604020202020204" pitchFamily="34" charset="0"/>
+              </a:rPr>
+              <a:t>model.add</a:t>
+            </a:r>
+            <a:r>
+              <a:rPr lang="sk-SK" sz="2200" dirty="0">
+                <a:latin typeface="Arial" panose="020B0604020202020204" pitchFamily="34" charset="0"/>
+                <a:cs typeface="Arial" panose="020B0604020202020204" pitchFamily="34" charset="0"/>
+              </a:rPr>
+              <a:t>(keras.layers.Conv2D(64, 3, </a:t>
+            </a:r>
+            <a:r>
+              <a:rPr lang="sk-SK" sz="2200" dirty="0" err="1">
+                <a:latin typeface="Arial" panose="020B0604020202020204" pitchFamily="34" charset="0"/>
+                <a:cs typeface="Arial" panose="020B0604020202020204" pitchFamily="34" charset="0"/>
+              </a:rPr>
+              <a:t>activation</a:t>
+            </a:r>
+            <a:r>
+              <a:rPr lang="sk-SK" sz="2200" dirty="0">
+                <a:latin typeface="Arial" panose="020B0604020202020204" pitchFamily="34" charset="0"/>
+                <a:cs typeface="Arial" panose="020B0604020202020204" pitchFamily="34" charset="0"/>
+              </a:rPr>
+              <a:t>='</a:t>
+            </a:r>
+            <a:r>
+              <a:rPr lang="sk-SK" sz="2200" dirty="0" err="1">
+                <a:latin typeface="Arial" panose="020B0604020202020204" pitchFamily="34" charset="0"/>
+                <a:cs typeface="Arial" panose="020B0604020202020204" pitchFamily="34" charset="0"/>
+              </a:rPr>
+              <a:t>relu</a:t>
+            </a:r>
+            <a:r>
+              <a:rPr lang="sk-SK" sz="2200" dirty="0">
+                <a:latin typeface="Arial" panose="020B0604020202020204" pitchFamily="34" charset="0"/>
+                <a:cs typeface="Arial" panose="020B0604020202020204" pitchFamily="34" charset="0"/>
+              </a:rPr>
+              <a:t>', </a:t>
+            </a:r>
+            <a:r>
+              <a:rPr lang="sk-SK" sz="2200" dirty="0" err="1">
+                <a:latin typeface="Arial" panose="020B0604020202020204" pitchFamily="34" charset="0"/>
+                <a:cs typeface="Arial" panose="020B0604020202020204" pitchFamily="34" charset="0"/>
+              </a:rPr>
+              <a:t>padding</a:t>
+            </a:r>
+            <a:r>
+              <a:rPr lang="sk-SK" sz="2200" dirty="0">
+                <a:latin typeface="Arial" panose="020B0604020202020204" pitchFamily="34" charset="0"/>
+                <a:cs typeface="Arial" panose="020B0604020202020204" pitchFamily="34" charset="0"/>
+              </a:rPr>
+              <a:t>='</a:t>
+            </a:r>
+            <a:r>
+              <a:rPr lang="sk-SK" sz="2200" dirty="0" err="1">
+                <a:latin typeface="Arial" panose="020B0604020202020204" pitchFamily="34" charset="0"/>
+                <a:cs typeface="Arial" panose="020B0604020202020204" pitchFamily="34" charset="0"/>
+              </a:rPr>
+              <a:t>same</a:t>
+            </a:r>
+            <a:r>
+              <a:rPr lang="sk-SK" sz="2200" dirty="0">
+                <a:latin typeface="Arial" panose="020B0604020202020204" pitchFamily="34" charset="0"/>
+                <a:cs typeface="Arial" panose="020B0604020202020204" pitchFamily="34" charset="0"/>
+              </a:rPr>
+              <a:t>'))</a:t>
+            </a:r>
+          </a:p>
+          <a:p>
+            <a:r>
+              <a:rPr lang="sk-SK" sz="2200" dirty="0" err="1">
+                <a:latin typeface="Arial" panose="020B0604020202020204" pitchFamily="34" charset="0"/>
+                <a:cs typeface="Arial" panose="020B0604020202020204" pitchFamily="34" charset="0"/>
+              </a:rPr>
+              <a:t>model.add</a:t>
+            </a:r>
+            <a:r>
+              <a:rPr lang="sk-SK" sz="2200" dirty="0">
+                <a:latin typeface="Arial" panose="020B0604020202020204" pitchFamily="34" charset="0"/>
+                <a:cs typeface="Arial" panose="020B0604020202020204" pitchFamily="34" charset="0"/>
+              </a:rPr>
+              <a:t>(keras.layers.MaxPooling2D(2))</a:t>
+            </a:r>
+          </a:p>
+          <a:p>
+            <a:r>
+              <a:rPr lang="sk-SK" sz="2200" dirty="0" err="1">
+                <a:latin typeface="Arial" panose="020B0604020202020204" pitchFamily="34" charset="0"/>
+                <a:cs typeface="Arial" panose="020B0604020202020204" pitchFamily="34" charset="0"/>
+              </a:rPr>
+              <a:t>model.add</a:t>
+            </a:r>
+            <a:r>
+              <a:rPr lang="sk-SK" sz="2200" dirty="0">
+                <a:latin typeface="Arial" panose="020B0604020202020204" pitchFamily="34" charset="0"/>
+                <a:cs typeface="Arial" panose="020B0604020202020204" pitchFamily="34" charset="0"/>
+              </a:rPr>
+              <a:t>(</a:t>
+            </a:r>
+            <a:r>
+              <a:rPr lang="sk-SK" sz="2200" dirty="0" err="1">
+                <a:latin typeface="Arial" panose="020B0604020202020204" pitchFamily="34" charset="0"/>
+                <a:cs typeface="Arial" panose="020B0604020202020204" pitchFamily="34" charset="0"/>
+              </a:rPr>
+              <a:t>keras.layers.Dropout</a:t>
+            </a:r>
+            <a:r>
+              <a:rPr lang="sk-SK" sz="2200" dirty="0">
+                <a:latin typeface="Arial" panose="020B0604020202020204" pitchFamily="34" charset="0"/>
+                <a:cs typeface="Arial" panose="020B0604020202020204" pitchFamily="34" charset="0"/>
+              </a:rPr>
+              <a:t>(0.2))</a:t>
+            </a:r>
+          </a:p>
+          <a:p>
+            <a:r>
+              <a:rPr lang="sk-SK" sz="2200" dirty="0" err="1">
+                <a:latin typeface="Arial" panose="020B0604020202020204" pitchFamily="34" charset="0"/>
+                <a:cs typeface="Arial" panose="020B0604020202020204" pitchFamily="34" charset="0"/>
+              </a:rPr>
+              <a:t>model.add</a:t>
+            </a:r>
+            <a:r>
+              <a:rPr lang="sk-SK" sz="2200" dirty="0">
+                <a:latin typeface="Arial" panose="020B0604020202020204" pitchFamily="34" charset="0"/>
+                <a:cs typeface="Arial" panose="020B0604020202020204" pitchFamily="34" charset="0"/>
+              </a:rPr>
+              <a:t>(</a:t>
+            </a:r>
+            <a:r>
+              <a:rPr lang="sk-SK" sz="2200" dirty="0" err="1">
+                <a:latin typeface="Arial" panose="020B0604020202020204" pitchFamily="34" charset="0"/>
+                <a:cs typeface="Arial" panose="020B0604020202020204" pitchFamily="34" charset="0"/>
+              </a:rPr>
+              <a:t>keras.layers.BatchNormalization</a:t>
+            </a:r>
+            <a:r>
+              <a:rPr lang="sk-SK" sz="2200" dirty="0">
+                <a:latin typeface="Arial" panose="020B0604020202020204" pitchFamily="34" charset="0"/>
+                <a:cs typeface="Arial" panose="020B0604020202020204" pitchFamily="34" charset="0"/>
+              </a:rPr>
+              <a:t>())</a:t>
+            </a:r>
+          </a:p>
+          <a:p>
+            <a:pPr marL="36900" indent="0">
+              <a:buNone/>
+            </a:pPr>
+            <a:endParaRPr lang="sk-SK" sz="2200" dirty="0">
+              <a:latin typeface="Arial" panose="020B0604020202020204" pitchFamily="34" charset="0"/>
+              <a:cs typeface="Arial" panose="020B0604020202020204" pitchFamily="34" charset="0"/>
+            </a:endParaRPr>
+          </a:p>
+        </p:txBody>
+      </p:sp>
+    </p:spTree>
+    <p:extLst>
+      <p:ext uri="{BB962C8B-B14F-4D97-AF65-F5344CB8AC3E}">
+        <p14:creationId xmlns:p14="http://schemas.microsoft.com/office/powerpoint/2010/main" val="2564248029"/>
+      </p:ext>
+    </p:extLst>
+  </p:cSld>
+  <p:clrMapOvr>
+    <a:masterClrMapping/>
+  </p:clrMapOvr>
+  <mc:AlternateContent xmlns:mc="http://schemas.openxmlformats.org/markup-compatibility/2006">
+    <mc:Choice xmlns:p14="http://schemas.microsoft.com/office/powerpoint/2010/main" Requires="p14">
+      <p:transition spd="slow" p14:dur="2000" advClick="0" advTm="90000"/>
+    </mc:Choice>
+    <mc:Fallback>
+      <p:transition spd="slow" advClick="0" advTm="90000"/>
+    </mc:Fallback>
+  </mc:AlternateContent>
+</p:sld>
+</file>
+
+<file path=ppt/slides/slide11.xml><?xml version="1.0" encoding="utf-8"?>
+<p:sld xmlns:a="http://schemas.openxmlformats.org/drawingml/2006/main" xmlns:r="http://schemas.openxmlformats.org/officeDocument/2006/relationships" xmlns:p="http://schemas.openxmlformats.org/presentationml/2006/main">
+  <p:cSld>
+    <p:spTree>
+      <p:nvGrpSpPr>
+        <p:cNvPr id="1" name=""/>
+        <p:cNvGrpSpPr/>
+        <p:nvPr/>
+      </p:nvGrpSpPr>
+      <p:grpSpPr>
+        <a:xfrm>
+          <a:off x="0" y="0"/>
+          <a:ext cx="0" cy="0"/>
+          <a:chOff x="0" y="0"/>
+          <a:chExt cx="0" cy="0"/>
+        </a:xfrm>
+      </p:grpSpPr>
+      <p:sp>
+        <p:nvSpPr>
+          <p:cNvPr id="3" name="Zástupný objekt pre obsah 2">
+            <a:extLst>
+              <a:ext uri="{FF2B5EF4-FFF2-40B4-BE49-F238E27FC236}">
+                <a16:creationId xmlns:a16="http://schemas.microsoft.com/office/drawing/2014/main" id="{89365534-685A-F4D3-7E5C-F423FF66F1A8}"/>
+              </a:ext>
+            </a:extLst>
+          </p:cNvPr>
+          <p:cNvSpPr>
+            <a:spLocks noGrp="1"/>
+          </p:cNvSpPr>
+          <p:nvPr>
+            <p:ph idx="1"/>
+          </p:nvPr>
+        </p:nvSpPr>
+        <p:spPr/>
+        <p:txBody>
+          <a:bodyPr>
+            <a:noAutofit/>
+          </a:bodyPr>
+          <a:lstStyle/>
+          <a:p>
+            <a:r>
+              <a:rPr lang="sk-SK" sz="2200" dirty="0" err="1">
+                <a:latin typeface="Arial" panose="020B0604020202020204" pitchFamily="34" charset="0"/>
+                <a:cs typeface="Arial" panose="020B0604020202020204" pitchFamily="34" charset="0"/>
+              </a:rPr>
+              <a:t>model.add</a:t>
+            </a:r>
+            <a:r>
+              <a:rPr lang="sk-SK" sz="2200" dirty="0">
+                <a:latin typeface="Arial" panose="020B0604020202020204" pitchFamily="34" charset="0"/>
+                <a:cs typeface="Arial" panose="020B0604020202020204" pitchFamily="34" charset="0"/>
+              </a:rPr>
+              <a:t>(keras.layers.Conv2D(128, 3, </a:t>
+            </a:r>
+            <a:r>
+              <a:rPr lang="sk-SK" sz="2200" dirty="0" err="1">
+                <a:latin typeface="Arial" panose="020B0604020202020204" pitchFamily="34" charset="0"/>
+                <a:cs typeface="Arial" panose="020B0604020202020204" pitchFamily="34" charset="0"/>
+              </a:rPr>
+              <a:t>activation</a:t>
+            </a:r>
+            <a:r>
+              <a:rPr lang="sk-SK" sz="2200" dirty="0">
+                <a:latin typeface="Arial" panose="020B0604020202020204" pitchFamily="34" charset="0"/>
+                <a:cs typeface="Arial" panose="020B0604020202020204" pitchFamily="34" charset="0"/>
+              </a:rPr>
+              <a:t>='</a:t>
+            </a:r>
+            <a:r>
+              <a:rPr lang="sk-SK" sz="2200" dirty="0" err="1">
+                <a:latin typeface="Arial" panose="020B0604020202020204" pitchFamily="34" charset="0"/>
+                <a:cs typeface="Arial" panose="020B0604020202020204" pitchFamily="34" charset="0"/>
+              </a:rPr>
+              <a:t>relu</a:t>
+            </a:r>
+            <a:r>
+              <a:rPr lang="sk-SK" sz="2200" dirty="0">
+                <a:latin typeface="Arial" panose="020B0604020202020204" pitchFamily="34" charset="0"/>
+                <a:cs typeface="Arial" panose="020B0604020202020204" pitchFamily="34" charset="0"/>
+              </a:rPr>
+              <a:t>', </a:t>
+            </a:r>
+            <a:r>
+              <a:rPr lang="sk-SK" sz="2200" dirty="0" err="1">
+                <a:latin typeface="Arial" panose="020B0604020202020204" pitchFamily="34" charset="0"/>
+                <a:cs typeface="Arial" panose="020B0604020202020204" pitchFamily="34" charset="0"/>
+              </a:rPr>
+              <a:t>padding</a:t>
+            </a:r>
+            <a:r>
+              <a:rPr lang="sk-SK" sz="2200" dirty="0">
+                <a:latin typeface="Arial" panose="020B0604020202020204" pitchFamily="34" charset="0"/>
+                <a:cs typeface="Arial" panose="020B0604020202020204" pitchFamily="34" charset="0"/>
+              </a:rPr>
+              <a:t>='</a:t>
+            </a:r>
+            <a:r>
+              <a:rPr lang="sk-SK" sz="2200" dirty="0" err="1">
+                <a:latin typeface="Arial" panose="020B0604020202020204" pitchFamily="34" charset="0"/>
+                <a:cs typeface="Arial" panose="020B0604020202020204" pitchFamily="34" charset="0"/>
+              </a:rPr>
+              <a:t>same</a:t>
+            </a:r>
+            <a:r>
+              <a:rPr lang="sk-SK" sz="2200" dirty="0">
+                <a:latin typeface="Arial" panose="020B0604020202020204" pitchFamily="34" charset="0"/>
+                <a:cs typeface="Arial" panose="020B0604020202020204" pitchFamily="34" charset="0"/>
+              </a:rPr>
+              <a:t>'))</a:t>
+            </a:r>
+          </a:p>
+          <a:p>
+            <a:r>
+              <a:rPr lang="sk-SK" sz="2200" dirty="0" err="1">
+                <a:latin typeface="Arial" panose="020B0604020202020204" pitchFamily="34" charset="0"/>
+                <a:cs typeface="Arial" panose="020B0604020202020204" pitchFamily="34" charset="0"/>
+              </a:rPr>
+              <a:t>model.add</a:t>
+            </a:r>
+            <a:r>
+              <a:rPr lang="sk-SK" sz="2200" dirty="0">
+                <a:latin typeface="Arial" panose="020B0604020202020204" pitchFamily="34" charset="0"/>
+                <a:cs typeface="Arial" panose="020B0604020202020204" pitchFamily="34" charset="0"/>
+              </a:rPr>
+              <a:t>(</a:t>
+            </a:r>
+            <a:r>
+              <a:rPr lang="sk-SK" sz="2200" dirty="0" err="1">
+                <a:latin typeface="Arial" panose="020B0604020202020204" pitchFamily="34" charset="0"/>
+                <a:cs typeface="Arial" panose="020B0604020202020204" pitchFamily="34" charset="0"/>
+              </a:rPr>
+              <a:t>keras.layers.Dropout</a:t>
+            </a:r>
+            <a:r>
+              <a:rPr lang="sk-SK" sz="2200" dirty="0">
+                <a:latin typeface="Arial" panose="020B0604020202020204" pitchFamily="34" charset="0"/>
+                <a:cs typeface="Arial" panose="020B0604020202020204" pitchFamily="34" charset="0"/>
+              </a:rPr>
+              <a:t>(0.2))</a:t>
+            </a:r>
+          </a:p>
+          <a:p>
+            <a:r>
+              <a:rPr lang="sk-SK" sz="2200" dirty="0" err="1">
+                <a:latin typeface="Arial" panose="020B0604020202020204" pitchFamily="34" charset="0"/>
+                <a:cs typeface="Arial" panose="020B0604020202020204" pitchFamily="34" charset="0"/>
+              </a:rPr>
+              <a:t>model.add</a:t>
+            </a:r>
+            <a:r>
+              <a:rPr lang="sk-SK" sz="2200" dirty="0">
+                <a:latin typeface="Arial" panose="020B0604020202020204" pitchFamily="34" charset="0"/>
+                <a:cs typeface="Arial" panose="020B0604020202020204" pitchFamily="34" charset="0"/>
+              </a:rPr>
+              <a:t>(</a:t>
+            </a:r>
+            <a:r>
+              <a:rPr lang="sk-SK" sz="2200" dirty="0" err="1">
+                <a:latin typeface="Arial" panose="020B0604020202020204" pitchFamily="34" charset="0"/>
+                <a:cs typeface="Arial" panose="020B0604020202020204" pitchFamily="34" charset="0"/>
+              </a:rPr>
+              <a:t>keras.layers.BatchNormalization</a:t>
+            </a:r>
+            <a:r>
+              <a:rPr lang="sk-SK" sz="2200" dirty="0">
+                <a:latin typeface="Arial" panose="020B0604020202020204" pitchFamily="34" charset="0"/>
+                <a:cs typeface="Arial" panose="020B0604020202020204" pitchFamily="34" charset="0"/>
+              </a:rPr>
+              <a:t>())</a:t>
+            </a:r>
+          </a:p>
+          <a:p>
+            <a:endParaRPr lang="sk-SK" sz="2200" dirty="0">
+              <a:latin typeface="Arial" panose="020B0604020202020204" pitchFamily="34" charset="0"/>
+              <a:cs typeface="Arial" panose="020B0604020202020204" pitchFamily="34" charset="0"/>
+            </a:endParaRPr>
+          </a:p>
+          <a:p>
+            <a:r>
+              <a:rPr lang="sk-SK" sz="2200" dirty="0" err="1">
+                <a:latin typeface="Arial" panose="020B0604020202020204" pitchFamily="34" charset="0"/>
+                <a:cs typeface="Arial" panose="020B0604020202020204" pitchFamily="34" charset="0"/>
+              </a:rPr>
+              <a:t>model.add</a:t>
+            </a:r>
+            <a:r>
+              <a:rPr lang="sk-SK" sz="2200" dirty="0">
+                <a:latin typeface="Arial" panose="020B0604020202020204" pitchFamily="34" charset="0"/>
+                <a:cs typeface="Arial" panose="020B0604020202020204" pitchFamily="34" charset="0"/>
+              </a:rPr>
+              <a:t>(</a:t>
+            </a:r>
+            <a:r>
+              <a:rPr lang="sk-SK" sz="2200" dirty="0" err="1">
+                <a:latin typeface="Arial" panose="020B0604020202020204" pitchFamily="34" charset="0"/>
+                <a:cs typeface="Arial" panose="020B0604020202020204" pitchFamily="34" charset="0"/>
+              </a:rPr>
+              <a:t>keras.layers.Flatten</a:t>
+            </a:r>
+            <a:r>
+              <a:rPr lang="sk-SK" sz="2200" dirty="0">
+                <a:latin typeface="Arial" panose="020B0604020202020204" pitchFamily="34" charset="0"/>
+                <a:cs typeface="Arial" panose="020B0604020202020204" pitchFamily="34" charset="0"/>
+              </a:rPr>
+              <a:t>())</a:t>
+            </a:r>
+          </a:p>
+          <a:p>
+            <a:r>
+              <a:rPr lang="sk-SK" sz="2200" dirty="0" err="1">
+                <a:latin typeface="Arial" panose="020B0604020202020204" pitchFamily="34" charset="0"/>
+                <a:cs typeface="Arial" panose="020B0604020202020204" pitchFamily="34" charset="0"/>
+              </a:rPr>
+              <a:t>model.add</a:t>
+            </a:r>
+            <a:r>
+              <a:rPr lang="sk-SK" sz="2200" dirty="0">
+                <a:latin typeface="Arial" panose="020B0604020202020204" pitchFamily="34" charset="0"/>
+                <a:cs typeface="Arial" panose="020B0604020202020204" pitchFamily="34" charset="0"/>
+              </a:rPr>
+              <a:t>(</a:t>
+            </a:r>
+            <a:r>
+              <a:rPr lang="sk-SK" sz="2200" dirty="0" err="1">
+                <a:latin typeface="Arial" panose="020B0604020202020204" pitchFamily="34" charset="0"/>
+                <a:cs typeface="Arial" panose="020B0604020202020204" pitchFamily="34" charset="0"/>
+              </a:rPr>
+              <a:t>keras.layers.Dropout</a:t>
+            </a:r>
+            <a:r>
+              <a:rPr lang="sk-SK" sz="2200" dirty="0">
+                <a:latin typeface="Arial" panose="020B0604020202020204" pitchFamily="34" charset="0"/>
+                <a:cs typeface="Arial" panose="020B0604020202020204" pitchFamily="34" charset="0"/>
+              </a:rPr>
+              <a:t>(0.2))</a:t>
+            </a:r>
+          </a:p>
+          <a:p>
+            <a:pPr marL="36900" indent="0">
+              <a:buNone/>
+            </a:pPr>
+            <a:endParaRPr lang="sk-SK" sz="2200" dirty="0">
+              <a:latin typeface="Arial" panose="020B0604020202020204" pitchFamily="34" charset="0"/>
+              <a:cs typeface="Arial" panose="020B0604020202020204" pitchFamily="34" charset="0"/>
+            </a:endParaRPr>
+          </a:p>
+          <a:p>
+            <a:r>
+              <a:rPr lang="sk-SK" sz="2200" dirty="0" err="1">
+                <a:latin typeface="Arial" panose="020B0604020202020204" pitchFamily="34" charset="0"/>
+                <a:cs typeface="Arial" panose="020B0604020202020204" pitchFamily="34" charset="0"/>
+              </a:rPr>
+              <a:t>model.add</a:t>
+            </a:r>
+            <a:r>
+              <a:rPr lang="sk-SK" sz="2200" dirty="0">
+                <a:latin typeface="Arial" panose="020B0604020202020204" pitchFamily="34" charset="0"/>
+                <a:cs typeface="Arial" panose="020B0604020202020204" pitchFamily="34" charset="0"/>
+              </a:rPr>
+              <a:t>(</a:t>
+            </a:r>
+            <a:r>
+              <a:rPr lang="sk-SK" sz="2200" dirty="0" err="1">
+                <a:latin typeface="Arial" panose="020B0604020202020204" pitchFamily="34" charset="0"/>
+                <a:cs typeface="Arial" panose="020B0604020202020204" pitchFamily="34" charset="0"/>
+              </a:rPr>
+              <a:t>keras.layers.Dense</a:t>
+            </a:r>
+            <a:r>
+              <a:rPr lang="sk-SK" sz="2200" dirty="0">
+                <a:latin typeface="Arial" panose="020B0604020202020204" pitchFamily="34" charset="0"/>
+                <a:cs typeface="Arial" panose="020B0604020202020204" pitchFamily="34" charset="0"/>
+              </a:rPr>
+              <a:t>(32, </a:t>
+            </a:r>
+            <a:r>
+              <a:rPr lang="sk-SK" sz="2200" dirty="0" err="1">
+                <a:latin typeface="Arial" panose="020B0604020202020204" pitchFamily="34" charset="0"/>
+                <a:cs typeface="Arial" panose="020B0604020202020204" pitchFamily="34" charset="0"/>
+              </a:rPr>
+              <a:t>activation</a:t>
+            </a:r>
+            <a:r>
+              <a:rPr lang="sk-SK" sz="2200" dirty="0">
+                <a:latin typeface="Arial" panose="020B0604020202020204" pitchFamily="34" charset="0"/>
+                <a:cs typeface="Arial" panose="020B0604020202020204" pitchFamily="34" charset="0"/>
+              </a:rPr>
+              <a:t>='</a:t>
+            </a:r>
+            <a:r>
+              <a:rPr lang="sk-SK" sz="2200" dirty="0" err="1">
+                <a:latin typeface="Arial" panose="020B0604020202020204" pitchFamily="34" charset="0"/>
+                <a:cs typeface="Arial" panose="020B0604020202020204" pitchFamily="34" charset="0"/>
+              </a:rPr>
+              <a:t>relu</a:t>
+            </a:r>
+            <a:r>
+              <a:rPr lang="sk-SK" sz="2200" dirty="0">
+                <a:latin typeface="Arial" panose="020B0604020202020204" pitchFamily="34" charset="0"/>
+                <a:cs typeface="Arial" panose="020B0604020202020204" pitchFamily="34" charset="0"/>
+              </a:rPr>
+              <a:t>'))</a:t>
+            </a:r>
+          </a:p>
+          <a:p>
+            <a:r>
+              <a:rPr lang="sk-SK" sz="2200" dirty="0" err="1">
+                <a:latin typeface="Arial" panose="020B0604020202020204" pitchFamily="34" charset="0"/>
+                <a:cs typeface="Arial" panose="020B0604020202020204" pitchFamily="34" charset="0"/>
+              </a:rPr>
+              <a:t>model.add</a:t>
+            </a:r>
+            <a:r>
+              <a:rPr lang="sk-SK" sz="2200" dirty="0">
+                <a:latin typeface="Arial" panose="020B0604020202020204" pitchFamily="34" charset="0"/>
+                <a:cs typeface="Arial" panose="020B0604020202020204" pitchFamily="34" charset="0"/>
+              </a:rPr>
+              <a:t>(</a:t>
+            </a:r>
+            <a:r>
+              <a:rPr lang="sk-SK" sz="2200" dirty="0" err="1">
+                <a:latin typeface="Arial" panose="020B0604020202020204" pitchFamily="34" charset="0"/>
+                <a:cs typeface="Arial" panose="020B0604020202020204" pitchFamily="34" charset="0"/>
+              </a:rPr>
+              <a:t>keras.layers.Dropout</a:t>
+            </a:r>
+            <a:r>
+              <a:rPr lang="sk-SK" sz="2200" dirty="0">
+                <a:latin typeface="Arial" panose="020B0604020202020204" pitchFamily="34" charset="0"/>
+                <a:cs typeface="Arial" panose="020B0604020202020204" pitchFamily="34" charset="0"/>
+              </a:rPr>
+              <a:t>(0.3))</a:t>
+            </a:r>
+          </a:p>
+          <a:p>
+            <a:r>
+              <a:rPr lang="sk-SK" sz="2200" dirty="0" err="1">
+                <a:latin typeface="Arial" panose="020B0604020202020204" pitchFamily="34" charset="0"/>
+                <a:cs typeface="Arial" panose="020B0604020202020204" pitchFamily="34" charset="0"/>
+              </a:rPr>
+              <a:t>model.add</a:t>
+            </a:r>
+            <a:r>
+              <a:rPr lang="sk-SK" sz="2200" dirty="0">
+                <a:latin typeface="Arial" panose="020B0604020202020204" pitchFamily="34" charset="0"/>
+                <a:cs typeface="Arial" panose="020B0604020202020204" pitchFamily="34" charset="0"/>
+              </a:rPr>
+              <a:t>(</a:t>
+            </a:r>
+            <a:r>
+              <a:rPr lang="sk-SK" sz="2200" dirty="0" err="1">
+                <a:latin typeface="Arial" panose="020B0604020202020204" pitchFamily="34" charset="0"/>
+                <a:cs typeface="Arial" panose="020B0604020202020204" pitchFamily="34" charset="0"/>
+              </a:rPr>
+              <a:t>keras.layers.BatchNormalization</a:t>
+            </a:r>
+            <a:r>
+              <a:rPr lang="sk-SK" sz="2200" dirty="0">
+                <a:latin typeface="Arial" panose="020B0604020202020204" pitchFamily="34" charset="0"/>
+                <a:cs typeface="Arial" panose="020B0604020202020204" pitchFamily="34" charset="0"/>
+              </a:rPr>
+              <a:t>())</a:t>
+            </a:r>
+          </a:p>
+        </p:txBody>
+      </p:sp>
+      <p:sp>
+        <p:nvSpPr>
+          <p:cNvPr id="4" name="Nadpis 1">
+            <a:extLst>
+              <a:ext uri="{FF2B5EF4-FFF2-40B4-BE49-F238E27FC236}">
+                <a16:creationId xmlns:a16="http://schemas.microsoft.com/office/drawing/2014/main" id="{2903A36C-3DF6-68BE-7DF7-68D4223FAE22}"/>
+              </a:ext>
+            </a:extLst>
+          </p:cNvPr>
+          <p:cNvSpPr txBox="1">
+            <a:spLocks/>
+          </p:cNvSpPr>
+          <p:nvPr/>
+        </p:nvSpPr>
+        <p:spPr>
+          <a:xfrm>
+            <a:off x="919119" y="581575"/>
+            <a:ext cx="10353762" cy="970450"/>
+          </a:xfrm>
+          <a:prstGeom prst="rect">
+            <a:avLst/>
+          </a:prstGeom>
+          <a:effectLst>
+            <a:outerShdw blurRad="25400" dir="17880000">
+              <a:srgbClr val="000000">
+                <a:alpha val="46000"/>
+              </a:srgbClr>
+            </a:outerShdw>
+          </a:effectLst>
+        </p:spPr>
+        <p:txBody>
+          <a:bodyPr vert="horz" lIns="91440" tIns="45720" rIns="91440" bIns="45720" rtlCol="0" anchor="ctr">
+            <a:normAutofit/>
+          </a:bodyPr>
+          <a:lstStyle>
+            <a:lvl1pPr algn="ctr" defTabSz="457200" rtl="0" eaLnBrk="1" latinLnBrk="0" hangingPunct="1">
+              <a:spcBef>
+                <a:spcPct val="0"/>
+              </a:spcBef>
+              <a:buNone/>
+              <a:defRPr sz="4000" kern="1200">
+                <a:ln>
+                  <a:solidFill>
+                    <a:schemeClr val="bg1">
+                      <a:lumMod val="75000"/>
+                      <a:lumOff val="25000"/>
+                      <a:alpha val="10000"/>
+                    </a:schemeClr>
+                  </a:solidFill>
+                </a:ln>
+                <a:solidFill>
+                  <a:schemeClr val="tx2"/>
+                </a:solidFill>
+                <a:effectLst>
+                  <a:outerShdw blurRad="9525" dist="25400" dir="14640000" algn="tl" rotWithShape="0">
+                    <a:schemeClr val="bg1">
+                      <a:alpha val="30000"/>
+                    </a:schemeClr>
+                  </a:outerShdw>
+                </a:effectLst>
+                <a:latin typeface="+mj-lt"/>
+                <a:ea typeface="+mj-ea"/>
+                <a:cs typeface="Trebuchet MS"/>
+              </a:defRPr>
+            </a:lvl1pPr>
+            <a:lvl2pPr eaLnBrk="1" hangingPunct="1">
+              <a:defRPr>
+                <a:solidFill>
+                  <a:schemeClr val="tx2"/>
+                </a:solidFill>
+              </a:defRPr>
+            </a:lvl2pPr>
+            <a:lvl3pPr eaLnBrk="1" hangingPunct="1">
+              <a:defRPr>
+                <a:solidFill>
+                  <a:schemeClr val="tx2"/>
+                </a:solidFill>
+              </a:defRPr>
+            </a:lvl3pPr>
+            <a:lvl4pPr eaLnBrk="1" hangingPunct="1">
+              <a:defRPr>
+                <a:solidFill>
+                  <a:schemeClr val="tx2"/>
+                </a:solidFill>
+              </a:defRPr>
+            </a:lvl4pPr>
+            <a:lvl5pPr eaLnBrk="1" hangingPunct="1">
+              <a:defRPr>
+                <a:solidFill>
+                  <a:schemeClr val="tx2"/>
+                </a:solidFill>
+              </a:defRPr>
+            </a:lvl5pPr>
+            <a:lvl6pPr eaLnBrk="1" hangingPunct="1">
+              <a:defRPr>
+                <a:solidFill>
+                  <a:schemeClr val="tx2"/>
+                </a:solidFill>
+              </a:defRPr>
+            </a:lvl6pPr>
+            <a:lvl7pPr eaLnBrk="1" hangingPunct="1">
+              <a:defRPr>
+                <a:solidFill>
+                  <a:schemeClr val="tx2"/>
+                </a:solidFill>
+              </a:defRPr>
+            </a:lvl7pPr>
+            <a:lvl8pPr eaLnBrk="1" hangingPunct="1">
+              <a:defRPr>
+                <a:solidFill>
+                  <a:schemeClr val="tx2"/>
+                </a:solidFill>
+              </a:defRPr>
+            </a:lvl8pPr>
+            <a:lvl9pPr eaLnBrk="1" hangingPunct="1">
+              <a:defRPr>
+                <a:solidFill>
+                  <a:schemeClr val="tx2"/>
+                </a:solidFill>
+              </a:defRPr>
+            </a:lvl9pPr>
+          </a:lstStyle>
+          <a:p>
+            <a:r>
+              <a:rPr lang="sk-SK"/>
+              <a:t>Praktická časť</a:t>
+            </a:r>
+          </a:p>
+        </p:txBody>
+      </p:sp>
+    </p:spTree>
+    <p:extLst>
+      <p:ext uri="{BB962C8B-B14F-4D97-AF65-F5344CB8AC3E}">
+        <p14:creationId xmlns:p14="http://schemas.microsoft.com/office/powerpoint/2010/main" val="3686986890"/>
+      </p:ext>
+    </p:extLst>
+  </p:cSld>
+  <p:clrMapOvr>
+    <a:masterClrMapping/>
+  </p:clrMapOvr>
+  <mc:AlternateContent xmlns:mc="http://schemas.openxmlformats.org/markup-compatibility/2006">
+    <mc:Choice xmlns:p14="http://schemas.microsoft.com/office/powerpoint/2010/main" Requires="p14">
+      <p:transition spd="slow" p14:dur="2000" advClick="0" advTm="30000"/>
+    </mc:Choice>
+    <mc:Fallback>
+      <p:transition spd="slow" advClick="0" advTm="30000"/>
+    </mc:Fallback>
+  </mc:AlternateContent>
+</p:sld>
+</file>
+
+<file path=ppt/slides/slide12.xml><?xml version="1.0" encoding="utf-8"?>
+<p:sld xmlns:a="http://schemas.openxmlformats.org/drawingml/2006/main" xmlns:r="http://schemas.openxmlformats.org/officeDocument/2006/relationships" xmlns:p="http://schemas.openxmlformats.org/presentationml/2006/main">
+  <p:cSld>
+    <p:spTree>
+      <p:nvGrpSpPr>
+        <p:cNvPr id="1" name=""/>
+        <p:cNvGrpSpPr/>
+        <p:nvPr/>
+      </p:nvGrpSpPr>
+      <p:grpSpPr>
+        <a:xfrm>
+          <a:off x="0" y="0"/>
+          <a:ext cx="0" cy="0"/>
+          <a:chOff x="0" y="0"/>
+          <a:chExt cx="0" cy="0"/>
+        </a:xfrm>
+      </p:grpSpPr>
+      <p:sp>
+        <p:nvSpPr>
+          <p:cNvPr id="2" name="Nadpis 1">
+            <a:extLst>
+              <a:ext uri="{FF2B5EF4-FFF2-40B4-BE49-F238E27FC236}">
+                <a16:creationId xmlns:a16="http://schemas.microsoft.com/office/drawing/2014/main" id="{0616B20C-D357-A024-0CAB-4E425F4ECBD9}"/>
+              </a:ext>
+            </a:extLst>
+          </p:cNvPr>
+          <p:cNvSpPr>
+            <a:spLocks noGrp="1"/>
+          </p:cNvSpPr>
+          <p:nvPr>
+            <p:ph type="title"/>
+          </p:nvPr>
+        </p:nvSpPr>
+        <p:spPr/>
+        <p:txBody>
+          <a:bodyPr/>
+          <a:lstStyle/>
+          <a:p>
+            <a:r>
+              <a:rPr lang="sk-SK" dirty="0"/>
+              <a:t>Praktická časť</a:t>
+            </a:r>
+          </a:p>
+        </p:txBody>
+      </p:sp>
+      <p:sp>
+        <p:nvSpPr>
+          <p:cNvPr id="3" name="Zástupný objekt pre obsah 2">
+            <a:extLst>
+              <a:ext uri="{FF2B5EF4-FFF2-40B4-BE49-F238E27FC236}">
+                <a16:creationId xmlns:a16="http://schemas.microsoft.com/office/drawing/2014/main" id="{1D10A48D-C108-AE16-9951-93083D2E74DB}"/>
+              </a:ext>
+            </a:extLst>
+          </p:cNvPr>
+          <p:cNvSpPr>
+            <a:spLocks noGrp="1"/>
+          </p:cNvSpPr>
+          <p:nvPr>
+            <p:ph idx="1"/>
+          </p:nvPr>
+        </p:nvSpPr>
+        <p:spPr>
+          <a:xfrm>
+            <a:off x="359275" y="1745328"/>
+            <a:ext cx="11462802" cy="4058751"/>
+          </a:xfrm>
+        </p:spPr>
+        <p:txBody>
+          <a:bodyPr>
+            <a:normAutofit/>
+          </a:bodyPr>
+          <a:lstStyle/>
+          <a:p>
+            <a:r>
+              <a:rPr lang="sk-SK" sz="2200" dirty="0" err="1">
+                <a:latin typeface="Arial" panose="020B0604020202020204" pitchFamily="34" charset="0"/>
+                <a:cs typeface="Arial" panose="020B0604020202020204" pitchFamily="34" charset="0"/>
+              </a:rPr>
+              <a:t>model.add</a:t>
+            </a:r>
+            <a:r>
+              <a:rPr lang="sk-SK" sz="2200" dirty="0">
+                <a:latin typeface="Arial" panose="020B0604020202020204" pitchFamily="34" charset="0"/>
+                <a:cs typeface="Arial" panose="020B0604020202020204" pitchFamily="34" charset="0"/>
+              </a:rPr>
+              <a:t>(</a:t>
+            </a:r>
+            <a:r>
+              <a:rPr lang="sk-SK" sz="2200" dirty="0" err="1">
+                <a:latin typeface="Arial" panose="020B0604020202020204" pitchFamily="34" charset="0"/>
+                <a:cs typeface="Arial" panose="020B0604020202020204" pitchFamily="34" charset="0"/>
+              </a:rPr>
+              <a:t>keras.layers.Dense</a:t>
+            </a:r>
+            <a:r>
+              <a:rPr lang="sk-SK" sz="2200" dirty="0">
+                <a:latin typeface="Arial" panose="020B0604020202020204" pitchFamily="34" charset="0"/>
+                <a:cs typeface="Arial" panose="020B0604020202020204" pitchFamily="34" charset="0"/>
+              </a:rPr>
+              <a:t>(</a:t>
+            </a:r>
+            <a:r>
+              <a:rPr lang="sk-SK" sz="2200" dirty="0" err="1">
+                <a:latin typeface="Arial" panose="020B0604020202020204" pitchFamily="34" charset="0"/>
+                <a:cs typeface="Arial" panose="020B0604020202020204" pitchFamily="34" charset="0"/>
+              </a:rPr>
+              <a:t>class_num</a:t>
+            </a:r>
+            <a:r>
+              <a:rPr lang="sk-SK" sz="2200" dirty="0">
+                <a:latin typeface="Arial" panose="020B0604020202020204" pitchFamily="34" charset="0"/>
+                <a:cs typeface="Arial" panose="020B0604020202020204" pitchFamily="34" charset="0"/>
+              </a:rPr>
+              <a:t>, </a:t>
+            </a:r>
+            <a:r>
+              <a:rPr lang="sk-SK" sz="2200" dirty="0" err="1">
+                <a:latin typeface="Arial" panose="020B0604020202020204" pitchFamily="34" charset="0"/>
+                <a:cs typeface="Arial" panose="020B0604020202020204" pitchFamily="34" charset="0"/>
+              </a:rPr>
+              <a:t>activation</a:t>
+            </a:r>
+            <a:r>
+              <a:rPr lang="sk-SK" sz="2200" dirty="0">
+                <a:latin typeface="Arial" panose="020B0604020202020204" pitchFamily="34" charset="0"/>
+                <a:cs typeface="Arial" panose="020B0604020202020204" pitchFamily="34" charset="0"/>
+              </a:rPr>
+              <a:t>='</a:t>
+            </a:r>
+            <a:r>
+              <a:rPr lang="sk-SK" sz="2200" dirty="0" err="1">
+                <a:latin typeface="Arial" panose="020B0604020202020204" pitchFamily="34" charset="0"/>
+                <a:cs typeface="Arial" panose="020B0604020202020204" pitchFamily="34" charset="0"/>
+              </a:rPr>
+              <a:t>softmax</a:t>
+            </a:r>
+            <a:r>
+              <a:rPr lang="sk-SK" sz="2200" dirty="0">
+                <a:latin typeface="Arial" panose="020B0604020202020204" pitchFamily="34" charset="0"/>
+                <a:cs typeface="Arial" panose="020B0604020202020204" pitchFamily="34" charset="0"/>
+              </a:rPr>
+              <a:t>'))</a:t>
+            </a:r>
+          </a:p>
+          <a:p>
+            <a:r>
+              <a:rPr lang="sk-SK" sz="2200" dirty="0" err="1">
+                <a:latin typeface="Arial" panose="020B0604020202020204" pitchFamily="34" charset="0"/>
+                <a:cs typeface="Arial" panose="020B0604020202020204" pitchFamily="34" charset="0"/>
+              </a:rPr>
+              <a:t>model.compile</a:t>
+            </a:r>
+            <a:r>
+              <a:rPr lang="sk-SK" sz="2200" dirty="0">
+                <a:latin typeface="Arial" panose="020B0604020202020204" pitchFamily="34" charset="0"/>
+                <a:cs typeface="Arial" panose="020B0604020202020204" pitchFamily="34" charset="0"/>
+              </a:rPr>
+              <a:t>(</a:t>
+            </a:r>
+            <a:r>
+              <a:rPr lang="sk-SK" sz="2200" dirty="0" err="1">
+                <a:latin typeface="Arial" panose="020B0604020202020204" pitchFamily="34" charset="0"/>
+                <a:cs typeface="Arial" panose="020B0604020202020204" pitchFamily="34" charset="0"/>
+              </a:rPr>
+              <a:t>loss</a:t>
+            </a:r>
+            <a:r>
+              <a:rPr lang="sk-SK" sz="2200" dirty="0">
+                <a:latin typeface="Arial" panose="020B0604020202020204" pitchFamily="34" charset="0"/>
+                <a:cs typeface="Arial" panose="020B0604020202020204" pitchFamily="34" charset="0"/>
+              </a:rPr>
+              <a:t>='</a:t>
+            </a:r>
+            <a:r>
+              <a:rPr lang="sk-SK" sz="2200" dirty="0" err="1">
+                <a:latin typeface="Arial" panose="020B0604020202020204" pitchFamily="34" charset="0"/>
+                <a:cs typeface="Arial" panose="020B0604020202020204" pitchFamily="34" charset="0"/>
+              </a:rPr>
+              <a:t>categorical_crossentropy</a:t>
+            </a:r>
+            <a:r>
+              <a:rPr lang="sk-SK" sz="2200" dirty="0">
+                <a:latin typeface="Arial" panose="020B0604020202020204" pitchFamily="34" charset="0"/>
+                <a:cs typeface="Arial" panose="020B0604020202020204" pitchFamily="34" charset="0"/>
+              </a:rPr>
+              <a:t>', </a:t>
+            </a:r>
+            <a:r>
+              <a:rPr lang="sk-SK" sz="2200" dirty="0" err="1">
+                <a:latin typeface="Arial" panose="020B0604020202020204" pitchFamily="34" charset="0"/>
+                <a:cs typeface="Arial" panose="020B0604020202020204" pitchFamily="34" charset="0"/>
+              </a:rPr>
+              <a:t>optimizer</a:t>
+            </a:r>
+            <a:r>
+              <a:rPr lang="sk-SK" sz="2200" dirty="0">
+                <a:latin typeface="Arial" panose="020B0604020202020204" pitchFamily="34" charset="0"/>
+                <a:cs typeface="Arial" panose="020B0604020202020204" pitchFamily="34" charset="0"/>
+              </a:rPr>
+              <a:t>='</a:t>
+            </a:r>
+            <a:r>
+              <a:rPr lang="sk-SK" sz="2200" dirty="0" err="1">
+                <a:latin typeface="Arial" panose="020B0604020202020204" pitchFamily="34" charset="0"/>
+                <a:cs typeface="Arial" panose="020B0604020202020204" pitchFamily="34" charset="0"/>
+              </a:rPr>
+              <a:t>adam</a:t>
+            </a:r>
+            <a:r>
+              <a:rPr lang="sk-SK" sz="2200" dirty="0">
+                <a:latin typeface="Arial" panose="020B0604020202020204" pitchFamily="34" charset="0"/>
+                <a:cs typeface="Arial" panose="020B0604020202020204" pitchFamily="34" charset="0"/>
+              </a:rPr>
+              <a:t>', </a:t>
+            </a:r>
+            <a:r>
+              <a:rPr lang="sk-SK" sz="2200" dirty="0" err="1">
+                <a:latin typeface="Arial" panose="020B0604020202020204" pitchFamily="34" charset="0"/>
+                <a:cs typeface="Arial" panose="020B0604020202020204" pitchFamily="34" charset="0"/>
+              </a:rPr>
+              <a:t>metrics</a:t>
+            </a:r>
+            <a:r>
+              <a:rPr lang="sk-SK" sz="2200" dirty="0">
+                <a:latin typeface="Arial" panose="020B0604020202020204" pitchFamily="34" charset="0"/>
+                <a:cs typeface="Arial" panose="020B0604020202020204" pitchFamily="34" charset="0"/>
+              </a:rPr>
+              <a:t>=['</a:t>
+            </a:r>
+            <a:r>
+              <a:rPr lang="sk-SK" sz="2200" dirty="0" err="1">
+                <a:latin typeface="Arial" panose="020B0604020202020204" pitchFamily="34" charset="0"/>
+                <a:cs typeface="Arial" panose="020B0604020202020204" pitchFamily="34" charset="0"/>
+              </a:rPr>
+              <a:t>accuracy</a:t>
+            </a:r>
+            <a:r>
+              <a:rPr lang="sk-SK" sz="2200" dirty="0">
+                <a:latin typeface="Arial" panose="020B0604020202020204" pitchFamily="34" charset="0"/>
+                <a:cs typeface="Arial" panose="020B0604020202020204" pitchFamily="34" charset="0"/>
+              </a:rPr>
+              <a:t>'])</a:t>
+            </a:r>
+          </a:p>
+          <a:p>
+            <a:r>
+              <a:rPr lang="sk-SK" sz="2200" dirty="0" err="1">
+                <a:latin typeface="Arial" panose="020B0604020202020204" pitchFamily="34" charset="0"/>
+                <a:cs typeface="Arial" panose="020B0604020202020204" pitchFamily="34" charset="0"/>
+              </a:rPr>
+              <a:t>model.fit</a:t>
+            </a:r>
+            <a:r>
+              <a:rPr lang="sk-SK" sz="2200" dirty="0">
+                <a:latin typeface="Arial" panose="020B0604020202020204" pitchFamily="34" charset="0"/>
+                <a:cs typeface="Arial" panose="020B0604020202020204" pitchFamily="34" charset="0"/>
+              </a:rPr>
+              <a:t>(</a:t>
+            </a:r>
+            <a:r>
+              <a:rPr lang="sk-SK" sz="2200" dirty="0" err="1">
+                <a:latin typeface="Arial" panose="020B0604020202020204" pitchFamily="34" charset="0"/>
+                <a:cs typeface="Arial" panose="020B0604020202020204" pitchFamily="34" charset="0"/>
+              </a:rPr>
+              <a:t>X_train</a:t>
+            </a:r>
+            <a:r>
+              <a:rPr lang="sk-SK" sz="2200" dirty="0">
+                <a:latin typeface="Arial" panose="020B0604020202020204" pitchFamily="34" charset="0"/>
+                <a:cs typeface="Arial" panose="020B0604020202020204" pitchFamily="34" charset="0"/>
+              </a:rPr>
+              <a:t>, </a:t>
+            </a:r>
+            <a:r>
+              <a:rPr lang="sk-SK" sz="2200" dirty="0" err="1">
+                <a:latin typeface="Arial" panose="020B0604020202020204" pitchFamily="34" charset="0"/>
+                <a:cs typeface="Arial" panose="020B0604020202020204" pitchFamily="34" charset="0"/>
+              </a:rPr>
+              <a:t>y_train</a:t>
+            </a:r>
+            <a:r>
+              <a:rPr lang="sk-SK" sz="2200" dirty="0">
+                <a:latin typeface="Arial" panose="020B0604020202020204" pitchFamily="34" charset="0"/>
+                <a:cs typeface="Arial" panose="020B0604020202020204" pitchFamily="34" charset="0"/>
+              </a:rPr>
+              <a:t>, </a:t>
+            </a:r>
+            <a:r>
+              <a:rPr lang="sk-SK" sz="2200" dirty="0" err="1">
+                <a:latin typeface="Arial" panose="020B0604020202020204" pitchFamily="34" charset="0"/>
+                <a:cs typeface="Arial" panose="020B0604020202020204" pitchFamily="34" charset="0"/>
+              </a:rPr>
+              <a:t>validation_data</a:t>
+            </a:r>
+            <a:r>
+              <a:rPr lang="sk-SK" sz="2200" dirty="0">
+                <a:latin typeface="Arial" panose="020B0604020202020204" pitchFamily="34" charset="0"/>
+                <a:cs typeface="Arial" panose="020B0604020202020204" pitchFamily="34" charset="0"/>
+              </a:rPr>
+              <a:t>=(</a:t>
+            </a:r>
+            <a:r>
+              <a:rPr lang="sk-SK" sz="2200" dirty="0" err="1">
+                <a:latin typeface="Arial" panose="020B0604020202020204" pitchFamily="34" charset="0"/>
+                <a:cs typeface="Arial" panose="020B0604020202020204" pitchFamily="34" charset="0"/>
+              </a:rPr>
+              <a:t>X_test</a:t>
+            </a:r>
+            <a:r>
+              <a:rPr lang="sk-SK" sz="2200" dirty="0">
+                <a:latin typeface="Arial" panose="020B0604020202020204" pitchFamily="34" charset="0"/>
+                <a:cs typeface="Arial" panose="020B0604020202020204" pitchFamily="34" charset="0"/>
+              </a:rPr>
+              <a:t>, </a:t>
+            </a:r>
+            <a:r>
+              <a:rPr lang="sk-SK" sz="2200" dirty="0" err="1">
+                <a:latin typeface="Arial" panose="020B0604020202020204" pitchFamily="34" charset="0"/>
+                <a:cs typeface="Arial" panose="020B0604020202020204" pitchFamily="34" charset="0"/>
+              </a:rPr>
+              <a:t>y_test</a:t>
+            </a:r>
+            <a:r>
+              <a:rPr lang="sk-SK" sz="2200" dirty="0">
+                <a:latin typeface="Arial" panose="020B0604020202020204" pitchFamily="34" charset="0"/>
+                <a:cs typeface="Arial" panose="020B0604020202020204" pitchFamily="34" charset="0"/>
+              </a:rPr>
+              <a:t>), </a:t>
+            </a:r>
+            <a:r>
+              <a:rPr lang="sk-SK" sz="2200" dirty="0" err="1">
+                <a:latin typeface="Arial" panose="020B0604020202020204" pitchFamily="34" charset="0"/>
+                <a:cs typeface="Arial" panose="020B0604020202020204" pitchFamily="34" charset="0"/>
+              </a:rPr>
+              <a:t>epochs</a:t>
+            </a:r>
+            <a:r>
+              <a:rPr lang="sk-SK" sz="2200" dirty="0">
+                <a:latin typeface="Arial" panose="020B0604020202020204" pitchFamily="34" charset="0"/>
+                <a:cs typeface="Arial" panose="020B0604020202020204" pitchFamily="34" charset="0"/>
+              </a:rPr>
+              <a:t>=25, </a:t>
+            </a:r>
+            <a:r>
+              <a:rPr lang="sk-SK" sz="2200" dirty="0" err="1">
+                <a:latin typeface="Arial" panose="020B0604020202020204" pitchFamily="34" charset="0"/>
+                <a:cs typeface="Arial" panose="020B0604020202020204" pitchFamily="34" charset="0"/>
+              </a:rPr>
+              <a:t>batch_size</a:t>
+            </a:r>
+            <a:r>
+              <a:rPr lang="sk-SK" sz="2200" dirty="0">
+                <a:latin typeface="Arial" panose="020B0604020202020204" pitchFamily="34" charset="0"/>
+                <a:cs typeface="Arial" panose="020B0604020202020204" pitchFamily="34" charset="0"/>
+              </a:rPr>
+              <a:t>=64)</a:t>
+            </a:r>
+          </a:p>
+        </p:txBody>
+      </p:sp>
+    </p:spTree>
+    <p:extLst>
+      <p:ext uri="{BB962C8B-B14F-4D97-AF65-F5344CB8AC3E}">
+        <p14:creationId xmlns:p14="http://schemas.microsoft.com/office/powerpoint/2010/main" val="1425733147"/>
+      </p:ext>
+    </p:extLst>
+  </p:cSld>
+  <p:clrMapOvr>
+    <a:masterClrMapping/>
+  </p:clrMapOvr>
+  <mc:AlternateContent xmlns:mc="http://schemas.openxmlformats.org/markup-compatibility/2006">
+    <mc:Choice xmlns:p14="http://schemas.microsoft.com/office/powerpoint/2010/main" Requires="p14">
+      <p:transition spd="slow" p14:dur="2000" advClick="0" advTm="70000"/>
+    </mc:Choice>
+    <mc:Fallback>
+      <p:transition spd="slow" advClick="0" advTm="70000"/>
+    </mc:Fallback>
+  </mc:AlternateContent>
+</p:sld>
+</file>
+
+<file path=ppt/slides/slide13.xml><?xml version="1.0" encoding="utf-8"?>
+<p:sld xmlns:a="http://schemas.openxmlformats.org/drawingml/2006/main" xmlns:r="http://schemas.openxmlformats.org/officeDocument/2006/relationships" xmlns:p="http://schemas.openxmlformats.org/presentationml/2006/main">
+  <p:cSld>
+    <p:spTree>
+      <p:nvGrpSpPr>
+        <p:cNvPr id="1" name=""/>
+        <p:cNvGrpSpPr/>
+        <p:nvPr/>
+      </p:nvGrpSpPr>
+      <p:grpSpPr>
+        <a:xfrm>
+          <a:off x="0" y="0"/>
+          <a:ext cx="0" cy="0"/>
+          <a:chOff x="0" y="0"/>
+          <a:chExt cx="0" cy="0"/>
+        </a:xfrm>
+      </p:grpSpPr>
+      <p:sp>
+        <p:nvSpPr>
+          <p:cNvPr id="2" name="Nadpis 1"/>
+          <p:cNvSpPr>
+            <a:spLocks noGrp="1"/>
+          </p:cNvSpPr>
+          <p:nvPr>
+            <p:ph type="title"/>
+          </p:nvPr>
+        </p:nvSpPr>
+        <p:spPr>
+          <a:xfrm>
+            <a:off x="919119" y="1458442"/>
+            <a:ext cx="10353762" cy="3534344"/>
+          </a:xfrm>
+        </p:spPr>
+        <p:txBody>
+          <a:bodyPr/>
+          <a:lstStyle/>
+          <a:p>
+            <a:r>
+              <a:rPr lang="sk-SK" dirty="0"/>
+              <a:t>Ďakujem za pozornosť</a:t>
+            </a:r>
+          </a:p>
+        </p:txBody>
+      </p:sp>
+    </p:spTree>
+    <p:extLst>
+      <p:ext uri="{BB962C8B-B14F-4D97-AF65-F5344CB8AC3E}">
+        <p14:creationId xmlns:p14="http://schemas.microsoft.com/office/powerpoint/2010/main" val="3561178146"/>
+      </p:ext>
+    </p:extLst>
+  </p:cSld>
+  <p:clrMapOvr>
+    <a:masterClrMapping/>
+  </p:clrMapOvr>
+  <mc:AlternateContent xmlns:mc="http://schemas.openxmlformats.org/markup-compatibility/2006">
+    <mc:Choice xmlns:p14="http://schemas.microsoft.com/office/powerpoint/2010/main" Requires="p14">
+      <p:transition spd="slow" p14:dur="2000" advClick="0" advTm="20000"/>
+    </mc:Choice>
+    <mc:Fallback>
+      <p:transition spd="slow" advClick="0" advTm="20000"/>
+    </mc:Fallback>
+  </mc:AlternateContent>
 </p:sld>
 </file>
 
@@ -6123,7 +7981,7 @@
         </p:blipFill>
         <p:spPr>
           <a:xfrm>
-            <a:off x="6355257" y="1580050"/>
+            <a:off x="6395598" y="1580050"/>
             <a:ext cx="5422489" cy="4059237"/>
           </a:xfrm>
           <a:prstGeom prst="rect">
@@ -6154,10 +8012,9 @@
           <a:lstStyle/>
           <a:p>
             <a:r>
-              <a:rPr lang="sk-SK" dirty="0" smtClean="0"/>
+              <a:rPr lang="sk-SK" dirty="0"/>
               <a:t>Úvod</a:t>
             </a:r>
-            <a:endParaRPr lang="sk-SK" dirty="0"/>
           </a:p>
         </p:txBody>
       </p:sp>
@@ -6192,30 +8049,6 @@
       </p:pic>
       <p:pic>
         <p:nvPicPr>
-          <p:cNvPr id="6" name="Obrázok 5"/>
-          <p:cNvPicPr>
-            <a:picLocks noChangeAspect="1"/>
-          </p:cNvPicPr>
-          <p:nvPr/>
-        </p:nvPicPr>
-        <p:blipFill>
-          <a:blip r:embed="rId4"/>
-          <a:stretch>
-            <a:fillRect/>
-          </a:stretch>
-        </p:blipFill>
-        <p:spPr>
-          <a:xfrm>
-            <a:off x="1676893" y="32604"/>
-            <a:ext cx="8086708" cy="6825396"/>
-          </a:xfrm>
-          <a:prstGeom prst="rect">
-            <a:avLst/>
-          </a:prstGeom>
-        </p:spPr>
-      </p:pic>
-      <p:pic>
-        <p:nvPicPr>
           <p:cNvPr id="8" name="Obrázok 7"/>
           <p:cNvPicPr>
             <a:picLocks noChangeAspect="1"/>
@@ -6223,7 +8056,7 @@
           <p:nvPr/>
         </p:nvPicPr>
         <p:blipFill>
-          <a:blip r:embed="rId5" cstate="print">
+          <a:blip r:embed="rId4" cstate="print">
             <a:extLst>
               <a:ext uri="{28A0092B-C50C-407E-A947-70E740481C1C}">
                 <a14:useLocalDpi xmlns:a14="http://schemas.microsoft.com/office/drawing/2010/main" val="0"/>
@@ -6236,38 +8069,8 @@
         </p:blipFill>
         <p:spPr>
           <a:xfrm>
-            <a:off x="2363348" y="879231"/>
+            <a:off x="1945732" y="1371600"/>
             <a:ext cx="7465304" cy="5099538"/>
-          </a:xfrm>
-          <a:prstGeom prst="rect">
-            <a:avLst/>
-          </a:prstGeom>
-        </p:spPr>
-      </p:pic>
-      <p:pic>
-        <p:nvPicPr>
-          <p:cNvPr id="9" name="Obrázok 8"/>
-          <p:cNvPicPr>
-            <a:picLocks noChangeAspect="1"/>
-          </p:cNvPicPr>
-          <p:nvPr/>
-        </p:nvPicPr>
-        <p:blipFill>
-          <a:blip r:embed="rId6" cstate="print">
-            <a:extLst>
-              <a:ext uri="{28A0092B-C50C-407E-A947-70E740481C1C}">
-                <a14:useLocalDpi xmlns:a14="http://schemas.microsoft.com/office/drawing/2010/main" val="0"/>
-              </a:ext>
-            </a:extLst>
-          </a:blip>
-          <a:stretch>
-            <a:fillRect/>
-          </a:stretch>
-        </p:blipFill>
-        <p:spPr>
-          <a:xfrm>
-            <a:off x="599518" y="1803829"/>
-            <a:ext cx="6057610" cy="3480347"/>
           </a:xfrm>
           <a:prstGeom prst="rect">
             <a:avLst/>
@@ -6284,6 +8087,14 @@
   <p:clrMapOvr>
     <a:masterClrMapping/>
   </p:clrMapOvr>
+  <mc:AlternateContent xmlns:mc="http://schemas.openxmlformats.org/markup-compatibility/2006">
+    <mc:Choice xmlns:p14="http://schemas.microsoft.com/office/powerpoint/2010/main" Requires="p14">
+      <p:transition spd="slow" p14:dur="2000" advClick="0" advTm="45000"/>
+    </mc:Choice>
+    <mc:Fallback>
+      <p:transition spd="slow" advClick="0" advTm="45000"/>
+    </mc:Fallback>
+  </mc:AlternateContent>
   <p:timing>
     <p:tnLst>
       <p:par>
@@ -6361,21 +8172,30 @@
                                   </p:childTnLst>
                                 </p:cTn>
                               </p:par>
+                            </p:childTnLst>
+                          </p:cTn>
+                        </p:par>
+                        <p:par>
+                          <p:cTn id="9" fill="hold">
+                            <p:stCondLst>
+                              <p:cond delay="0"/>
+                            </p:stCondLst>
+                            <p:childTnLst>
                               <p:par>
-                                <p:cTn id="9" presetID="1" presetClass="entr" presetSubtype="0" fill="hold" nodeType="withEffect">
+                                <p:cTn id="10" presetID="1" presetClass="entr" presetSubtype="0" fill="hold" nodeType="afterEffect">
                                   <p:stCondLst>
-                                    <p:cond delay="10000"/>
+                                    <p:cond delay="20000"/>
                                   </p:stCondLst>
                                   <p:childTnLst>
                                     <p:set>
                                       <p:cBhvr>
-                                        <p:cTn id="10" dur="1" fill="hold">
+                                        <p:cTn id="11" dur="1" fill="hold">
                                           <p:stCondLst>
                                             <p:cond delay="0"/>
                                           </p:stCondLst>
                                         </p:cTn>
                                         <p:tgtEl>
-                                          <p:spTgt spid="6"/>
+                                          <p:spTgt spid="8"/>
                                         </p:tgtEl>
                                         <p:attrNameLst>
                                           <p:attrName>style.visibility</p:attrName>
@@ -6438,7 +8258,13 @@
       </p:grpSpPr>
       <p:sp>
         <p:nvSpPr>
-          <p:cNvPr id="2" name="Nadpis 1"/>
+          <p:cNvPr id="2" name="Nadpis 1">
+            <a:extLst>
+              <a:ext uri="{FF2B5EF4-FFF2-40B4-BE49-F238E27FC236}">
+                <a16:creationId xmlns:a16="http://schemas.microsoft.com/office/drawing/2014/main" id="{0DEABD71-0722-BF3A-F19A-8A1F378DB102}"/>
+              </a:ext>
+            </a:extLst>
+          </p:cNvPr>
           <p:cNvSpPr>
             <a:spLocks noGrp="1"/>
           </p:cNvSpPr>
@@ -6452,24 +8278,35 @@
           <a:lstStyle/>
           <a:p>
             <a:r>
-              <a:rPr lang="sk-SK" dirty="0">
-                <a:effectLst/>
-              </a:rPr>
-              <a:t>Charakterizácia neurónových sietí</a:t>
-            </a:r>
-            <a:endParaRPr lang="sk-SK" dirty="0"/>
+              <a:rPr lang="en-US" dirty="0"/>
+              <a:t>Z</a:t>
+            </a:r>
+            <a:r>
+              <a:rPr lang="sk-SK" dirty="0" err="1"/>
+              <a:t>ákladná</a:t>
+            </a:r>
+            <a:r>
+              <a:rPr lang="sk-SK" dirty="0"/>
+              <a:t> nervová sieť</a:t>
+            </a:r>
           </a:p>
         </p:txBody>
       </p:sp>
       <p:pic>
         <p:nvPicPr>
-          <p:cNvPr id="4" name="Obrázok 3"/>
+          <p:cNvPr id="2050" name="Picture 2" descr="Neural Networks — As Simple as They Get | by Abhijeet Singh | The ...">
+            <a:extLst>
+              <a:ext uri="{FF2B5EF4-FFF2-40B4-BE49-F238E27FC236}">
+                <a16:creationId xmlns:a16="http://schemas.microsoft.com/office/drawing/2014/main" id="{B850BDD6-D053-A4F6-E387-CD57AF531E7A}"/>
+              </a:ext>
+            </a:extLst>
+          </p:cNvPr>
           <p:cNvPicPr>
-            <a:picLocks noChangeAspect="1"/>
+            <a:picLocks noChangeAspect="1" noChangeArrowheads="1"/>
           </p:cNvPicPr>
           <p:nvPr/>
         </p:nvPicPr>
-        <p:blipFill>
+        <p:blipFill rotWithShape="1">
           <a:blip r:embed="rId2">
             <a:extLst>
               <a:ext uri="{28A0092B-C50C-407E-A947-70E740481C1C}">
@@ -6477,59 +8314,213 @@
               </a:ext>
             </a:extLst>
           </a:blip>
-          <a:stretch>
-            <a:fillRect/>
-          </a:stretch>
+          <a:srcRect t="25262"/>
+          <a:stretch/>
         </p:blipFill>
-        <p:spPr>
+        <p:spPr bwMode="auto">
           <a:xfrm>
-            <a:off x="3094892" y="1624708"/>
-            <a:ext cx="5991568" cy="4493676"/>
+            <a:off x="4054822" y="1732449"/>
+            <a:ext cx="4071708" cy="4058751"/>
           </a:xfrm>
           <a:prstGeom prst="rect">
             <a:avLst/>
           </a:prstGeom>
+          <a:noFill/>
+          <a:extLst>
+            <a:ext uri="{909E8E84-426E-40DD-AFC4-6F175D3DCCD1}">
+              <a14:hiddenFill xmlns:a14="http://schemas.microsoft.com/office/drawing/2010/main">
+                <a:solidFill>
+                  <a:srgbClr val="FFFFFF"/>
+                </a:solidFill>
+              </a14:hiddenFill>
+            </a:ext>
+          </a:extLst>
         </p:spPr>
       </p:pic>
-      <p:pic>
-        <p:nvPicPr>
-          <p:cNvPr id="14" name="Obrázok 13"/>
-          <p:cNvPicPr>
-            <a:picLocks noChangeAspect="1"/>
-          </p:cNvPicPr>
-          <p:nvPr/>
-        </p:nvPicPr>
-        <p:blipFill>
-          <a:blip r:embed="rId3">
+    </p:spTree>
+    <p:extLst>
+      <p:ext uri="{BB962C8B-B14F-4D97-AF65-F5344CB8AC3E}">
+        <p14:creationId xmlns:p14="http://schemas.microsoft.com/office/powerpoint/2010/main" val="2274496472"/>
+      </p:ext>
+    </p:extLst>
+  </p:cSld>
+  <p:clrMapOvr>
+    <a:masterClrMapping/>
+  </p:clrMapOvr>
+  <mc:AlternateContent xmlns:mc="http://schemas.openxmlformats.org/markup-compatibility/2006">
+    <mc:Choice xmlns:p14="http://schemas.microsoft.com/office/powerpoint/2010/main" Requires="p14">
+      <p:transition spd="slow" p14:dur="2000" advClick="0" advTm="60000"/>
+    </mc:Choice>
+    <mc:Fallback>
+      <p:transition spd="slow" advClick="0" advTm="60000"/>
+    </mc:Fallback>
+  </mc:AlternateContent>
+  <p:timing>
+    <p:tnLst>
+      <p:par>
+        <p:cTn id="1" dur="indefinite" restart="never" nodeType="tmRoot">
+          <p:childTnLst>
+            <p:seq concurrent="1" nextAc="seek">
+              <p:cTn id="2" dur="indefinite" nodeType="mainSeq">
+                <p:childTnLst>
+                  <p:par>
+                    <p:cTn id="3" fill="hold">
+                      <p:stCondLst>
+                        <p:cond delay="indefinite"/>
+                        <p:cond evt="onBegin" delay="0">
+                          <p:tn val="2"/>
+                        </p:cond>
+                      </p:stCondLst>
+                      <p:childTnLst>
+                        <p:par>
+                          <p:cTn id="4" fill="hold">
+                            <p:stCondLst>
+                              <p:cond delay="0"/>
+                            </p:stCondLst>
+                            <p:childTnLst>
+                              <p:par>
+                                <p:cTn id="5" presetID="1" presetClass="entr" presetSubtype="0" fill="hold" nodeType="withEffect">
+                                  <p:stCondLst>
+                                    <p:cond delay="0"/>
+                                  </p:stCondLst>
+                                  <p:childTnLst>
+                                    <p:set>
+                                      <p:cBhvr>
+                                        <p:cTn id="6" dur="1" fill="hold">
+                                          <p:stCondLst>
+                                            <p:cond delay="0"/>
+                                          </p:stCondLst>
+                                        </p:cTn>
+                                        <p:tgtEl>
+                                          <p:spTgt spid="2050"/>
+                                        </p:tgtEl>
+                                        <p:attrNameLst>
+                                          <p:attrName>style.visibility</p:attrName>
+                                        </p:attrNameLst>
+                                      </p:cBhvr>
+                                      <p:to>
+                                        <p:strVal val="visible"/>
+                                      </p:to>
+                                    </p:set>
+                                  </p:childTnLst>
+                                </p:cTn>
+                              </p:par>
+                            </p:childTnLst>
+                          </p:cTn>
+                        </p:par>
+                      </p:childTnLst>
+                    </p:cTn>
+                  </p:par>
+                </p:childTnLst>
+              </p:cTn>
+              <p:prevCondLst>
+                <p:cond evt="onPrev" delay="0">
+                  <p:tgtEl>
+                    <p:sldTgt/>
+                  </p:tgtEl>
+                </p:cond>
+              </p:prevCondLst>
+              <p:nextCondLst>
+                <p:cond evt="onNext" delay="0">
+                  <p:tgtEl>
+                    <p:sldTgt/>
+                  </p:tgtEl>
+                </p:cond>
+              </p:nextCondLst>
+            </p:seq>
+          </p:childTnLst>
+        </p:cTn>
+      </p:par>
+    </p:tnLst>
+  </p:timing>
+</p:sld>
+</file>
+
+<file path=ppt/slides/slide4.xml><?xml version="1.0" encoding="utf-8"?>
+<p:sld xmlns:a="http://schemas.openxmlformats.org/drawingml/2006/main" xmlns:r="http://schemas.openxmlformats.org/officeDocument/2006/relationships" xmlns:p="http://schemas.openxmlformats.org/presentationml/2006/main">
+  <p:cSld>
+    <p:spTree>
+      <p:nvGrpSpPr>
+        <p:cNvPr id="1" name=""/>
+        <p:cNvGrpSpPr/>
+        <p:nvPr/>
+      </p:nvGrpSpPr>
+      <p:grpSpPr>
+        <a:xfrm>
+          <a:off x="0" y="0"/>
+          <a:ext cx="0" cy="0"/>
+          <a:chOff x="0" y="0"/>
+          <a:chExt cx="0" cy="0"/>
+        </a:xfrm>
+      </p:grpSpPr>
+      <p:sp>
+        <p:nvSpPr>
+          <p:cNvPr id="2" name="Nadpis 1">
             <a:extLst>
-              <a:ext uri="{28A0092B-C50C-407E-A947-70E740481C1C}">
-                <a14:useLocalDpi xmlns:a14="http://schemas.microsoft.com/office/drawing/2010/main" val="0"/>
+              <a:ext uri="{FF2B5EF4-FFF2-40B4-BE49-F238E27FC236}">
+                <a16:creationId xmlns:a16="http://schemas.microsoft.com/office/drawing/2014/main" id="{7B7079D6-A195-A846-CBDC-8B8A6C12D25D}"/>
               </a:ext>
             </a:extLst>
-          </a:blip>
-          <a:stretch>
-            <a:fillRect/>
-          </a:stretch>
-        </p:blipFill>
-        <p:spPr>
-          <a:xfrm>
-            <a:off x="2945423" y="1500847"/>
-            <a:ext cx="6301154" cy="3856306"/>
-          </a:xfrm>
-          <a:prstGeom prst="rect">
-            <a:avLst/>
-          </a:prstGeom>
-        </p:spPr>
-      </p:pic>
+          </p:cNvPr>
+          <p:cNvSpPr>
+            <a:spLocks noGrp="1"/>
+          </p:cNvSpPr>
+          <p:nvPr>
+            <p:ph type="title"/>
+          </p:nvPr>
+        </p:nvSpPr>
+        <p:spPr/>
+        <p:txBody>
+          <a:bodyPr/>
+          <a:lstStyle/>
+          <a:p>
+            <a:r>
+              <a:rPr lang="sk-SK" dirty="0"/>
+              <a:t>Perceptron</a:t>
+            </a:r>
+          </a:p>
+        </p:txBody>
+      </p:sp>
+      <p:sp>
+        <p:nvSpPr>
+          <p:cNvPr id="3" name="Zástupný objekt pre obsah 2">
+            <a:extLst>
+              <a:ext uri="{FF2B5EF4-FFF2-40B4-BE49-F238E27FC236}">
+                <a16:creationId xmlns:a16="http://schemas.microsoft.com/office/drawing/2014/main" id="{BA0E0797-2487-85E9-25B9-4F2E0E58A172}"/>
+              </a:ext>
+            </a:extLst>
+          </p:cNvPr>
+          <p:cNvSpPr>
+            <a:spLocks noGrp="1"/>
+          </p:cNvSpPr>
+          <p:nvPr>
+            <p:ph idx="1"/>
+          </p:nvPr>
+        </p:nvSpPr>
+        <p:spPr/>
+        <p:txBody>
+          <a:bodyPr/>
+          <a:lstStyle/>
+          <a:p>
+            <a:endParaRPr lang="sk-SK"/>
+          </a:p>
+        </p:txBody>
+      </p:sp>
       <p:grpSp>
         <p:nvGrpSpPr>
-          <p:cNvPr id="17" name="Skupina 16"/>
+          <p:cNvPr id="4" name="Skupina 3">
+            <a:extLst>
+              <a:ext uri="{FF2B5EF4-FFF2-40B4-BE49-F238E27FC236}">
+                <a16:creationId xmlns:a16="http://schemas.microsoft.com/office/drawing/2014/main" id="{F27C3B01-0878-8752-7E40-8BB840A91640}"/>
+              </a:ext>
+            </a:extLst>
+          </p:cNvPr>
           <p:cNvGrpSpPr/>
           <p:nvPr/>
         </p:nvGrpSpPr>
         <p:grpSpPr>
           <a:xfrm>
-            <a:off x="2757854" y="1580050"/>
+            <a:off x="463723" y="1580050"/>
             <a:ext cx="6488723" cy="4789308"/>
             <a:chOff x="3446585" y="1092746"/>
             <a:chExt cx="6488723" cy="4789308"/>
@@ -6537,7 +8528,13 @@
         </p:grpSpPr>
         <p:sp>
           <p:nvSpPr>
-            <p:cNvPr id="16" name="Obdĺžnik 15"/>
+            <p:cNvPr id="5" name="Obdĺžnik 4">
+              <a:extLst>
+                <a:ext uri="{FF2B5EF4-FFF2-40B4-BE49-F238E27FC236}">
+                  <a16:creationId xmlns:a16="http://schemas.microsoft.com/office/drawing/2014/main" id="{1301FB03-ED6C-5545-C871-F83553FC4A69}"/>
+                </a:ext>
+              </a:extLst>
+            </p:cNvPr>
             <p:cNvSpPr/>
             <p:nvPr/>
           </p:nvSpPr>
@@ -6583,12 +8580,18 @@
         </p:sp>
         <p:pic>
           <p:nvPicPr>
-            <p:cNvPr id="15" name="Obrázok 14" descr="Neural Networks: Creating a Perceptron Model in Python | LEARN ..."/>
+            <p:cNvPr id="6" name="Obrázok 5" descr="Neural Networks: Creating a Perceptron Model in Python | LEARN ...">
+              <a:extLst>
+                <a:ext uri="{FF2B5EF4-FFF2-40B4-BE49-F238E27FC236}">
+                  <a16:creationId xmlns:a16="http://schemas.microsoft.com/office/drawing/2014/main" id="{6CFB3A36-D70D-7415-D332-AE3DBB8180BE}"/>
+                </a:ext>
+              </a:extLst>
+            </p:cNvPr>
             <p:cNvPicPr/>
             <p:nvPr/>
           </p:nvPicPr>
           <p:blipFill>
-            <a:blip r:embed="rId4" cstate="print">
+            <a:blip r:embed="rId2" cstate="print">
               <a:extLst>
                 <a:ext uri="{28A0092B-C50C-407E-A947-70E740481C1C}">
                   <a14:useLocalDpi xmlns:a14="http://schemas.microsoft.com/office/drawing/2010/main" val="0"/>
@@ -6615,90 +8618,42 @@
           </p:spPr>
         </p:pic>
       </p:grpSp>
-    </p:spTree>
-    <p:extLst>
-      <p:ext uri="{BB962C8B-B14F-4D97-AF65-F5344CB8AC3E}">
-        <p14:creationId xmlns:p14="http://schemas.microsoft.com/office/powerpoint/2010/main" val="3593094566"/>
-      </p:ext>
-    </p:extLst>
-  </p:cSld>
-  <p:clrMapOvr>
-    <a:masterClrMapping/>
-  </p:clrMapOvr>
-  <p:timing>
-    <p:tnLst>
-      <p:par>
-        <p:cTn id="1" dur="indefinite" restart="never" nodeType="tmRoot"/>
-      </p:par>
-    </p:tnLst>
-  </p:timing>
-</p:sld>
-</file>
-
-<file path=ppt/slides/slide4.xml><?xml version="1.0" encoding="utf-8"?>
-<p:sld xmlns:a="http://schemas.openxmlformats.org/drawingml/2006/main" xmlns:r="http://schemas.openxmlformats.org/officeDocument/2006/relationships" xmlns:p="http://schemas.openxmlformats.org/presentationml/2006/main">
-  <p:cSld>
-    <p:spTree>
-      <p:nvGrpSpPr>
-        <p:cNvPr id="1" name=""/>
-        <p:cNvGrpSpPr/>
-        <p:nvPr/>
-      </p:nvGrpSpPr>
-      <p:grpSpPr>
-        <a:xfrm>
-          <a:off x="0" y="0"/>
-          <a:ext cx="0" cy="0"/>
-          <a:chOff x="0" y="0"/>
-          <a:chExt cx="0" cy="0"/>
-        </a:xfrm>
-      </p:grpSpPr>
-      <p:sp>
-        <p:nvSpPr>
-          <p:cNvPr id="2" name="Nadpis 1"/>
-          <p:cNvSpPr>
-            <a:spLocks noGrp="1"/>
-          </p:cNvSpPr>
-          <p:nvPr>
-            <p:ph type="title"/>
-          </p:nvPr>
-        </p:nvSpPr>
-        <p:spPr/>
-        <p:txBody>
-          <a:bodyPr/>
-          <a:lstStyle/>
-          <a:p>
-            <a:r>
-              <a:rPr lang="sk-SK" dirty="0" smtClean="0"/>
-              <a:t>Typy neurónových sietí</a:t>
-            </a:r>
-            <a:endParaRPr lang="sk-SK" dirty="0"/>
-          </a:p>
-        </p:txBody>
-      </p:sp>
       <p:grpSp>
         <p:nvGrpSpPr>
-          <p:cNvPr id="4" name="Skupina 3"/>
+          <p:cNvPr id="7" name="Skupina 6">
+            <a:extLst>
+              <a:ext uri="{FF2B5EF4-FFF2-40B4-BE49-F238E27FC236}">
+                <a16:creationId xmlns:a16="http://schemas.microsoft.com/office/drawing/2014/main" id="{C616360F-99D0-64F9-FDCB-B6FABF8C6875}"/>
+              </a:ext>
+            </a:extLst>
+          </p:cNvPr>
           <p:cNvGrpSpPr/>
           <p:nvPr/>
         </p:nvGrpSpPr>
         <p:grpSpPr>
           <a:xfrm>
-            <a:off x="3391485" y="1580050"/>
-            <a:ext cx="3899971" cy="3917156"/>
-            <a:chOff x="2863946" y="1318846"/>
-            <a:chExt cx="5453577" cy="5477608"/>
+            <a:off x="6721741" y="1505996"/>
+            <a:ext cx="5049549" cy="5023027"/>
+            <a:chOff x="6090676" y="1236372"/>
+            <a:chExt cx="5049549" cy="5023027"/>
           </a:xfrm>
         </p:grpSpPr>
         <p:sp>
           <p:nvSpPr>
-            <p:cNvPr id="5" name="Obdĺžnik 4"/>
+            <p:cNvPr id="8" name="Obdĺžnik 7">
+              <a:extLst>
+                <a:ext uri="{FF2B5EF4-FFF2-40B4-BE49-F238E27FC236}">
+                  <a16:creationId xmlns:a16="http://schemas.microsoft.com/office/drawing/2014/main" id="{EFA03F3F-5D94-1C46-9F96-91858D465B5B}"/>
+                </a:ext>
+              </a:extLst>
+            </p:cNvPr>
             <p:cNvSpPr/>
             <p:nvPr/>
           </p:nvSpPr>
           <p:spPr>
             <a:xfrm>
-              <a:off x="2866292" y="1318846"/>
-              <a:ext cx="5451231" cy="5477608"/>
+              <a:off x="6090676" y="1236372"/>
+              <a:ext cx="5049549" cy="5012028"/>
             </a:xfrm>
             <a:prstGeom prst="rect">
               <a:avLst/>
@@ -6737,12 +8692,20 @@
         </p:sp>
         <p:pic>
           <p:nvPicPr>
-            <p:cNvPr id="6" name="Obrázok 5"/>
-            <p:cNvPicPr/>
+            <p:cNvPr id="9" name="Obrázok 8">
+              <a:extLst>
+                <a:ext uri="{FF2B5EF4-FFF2-40B4-BE49-F238E27FC236}">
+                  <a16:creationId xmlns:a16="http://schemas.microsoft.com/office/drawing/2014/main" id="{A5937A52-FCA5-F776-EC47-90DE777DFA7F}"/>
+                </a:ext>
+              </a:extLst>
+            </p:cNvPr>
+            <p:cNvPicPr>
+              <a:picLocks noChangeAspect="1"/>
+            </p:cNvPicPr>
             <p:nvPr/>
           </p:nvPicPr>
           <p:blipFill>
-            <a:blip r:embed="rId2">
+            <a:blip r:embed="rId3">
               <a:extLst>
                 <a:ext uri="{28A0092B-C50C-407E-A947-70E740481C1C}">
                   <a14:useLocalDpi xmlns:a14="http://schemas.microsoft.com/office/drawing/2010/main" val="0"/>
@@ -6756,8 +8719,8 @@
           </p:blipFill>
           <p:spPr bwMode="auto">
             <a:xfrm>
-              <a:off x="2863946" y="1340229"/>
-              <a:ext cx="5444783" cy="5444783"/>
+              <a:off x="6090676" y="1264248"/>
+              <a:ext cx="4995151" cy="4995151"/>
             </a:xfrm>
             <a:prstGeom prst="rect">
               <a:avLst/>
@@ -6769,30 +8732,891 @@
           </p:spPr>
         </p:pic>
       </p:grpSp>
+    </p:spTree>
+    <p:extLst>
+      <p:ext uri="{BB962C8B-B14F-4D97-AF65-F5344CB8AC3E}">
+        <p14:creationId xmlns:p14="http://schemas.microsoft.com/office/powerpoint/2010/main" val="2621566529"/>
+      </p:ext>
+    </p:extLst>
+  </p:cSld>
+  <p:clrMapOvr>
+    <a:masterClrMapping/>
+  </p:clrMapOvr>
+  <mc:AlternateContent xmlns:mc="http://schemas.openxmlformats.org/markup-compatibility/2006">
+    <mc:Choice xmlns:p14="http://schemas.microsoft.com/office/powerpoint/2010/main" Requires="p14">
+      <p:transition spd="slow" p14:dur="2000" advClick="0" advTm="35000"/>
+    </mc:Choice>
+    <mc:Fallback>
+      <p:transition spd="slow" advClick="0" advTm="35000"/>
+    </mc:Fallback>
+  </mc:AlternateContent>
+  <p:timing>
+    <p:tnLst>
+      <p:par>
+        <p:cTn id="1" dur="indefinite" restart="never" nodeType="tmRoot">
+          <p:childTnLst>
+            <p:seq concurrent="1" nextAc="seek">
+              <p:cTn id="2" dur="indefinite" nodeType="mainSeq">
+                <p:childTnLst>
+                  <p:par>
+                    <p:cTn id="3" fill="hold">
+                      <p:stCondLst>
+                        <p:cond delay="indefinite"/>
+                        <p:cond evt="onBegin" delay="0">
+                          <p:tn val="2"/>
+                        </p:cond>
+                      </p:stCondLst>
+                      <p:childTnLst>
+                        <p:par>
+                          <p:cTn id="4" fill="hold">
+                            <p:stCondLst>
+                              <p:cond delay="0"/>
+                            </p:stCondLst>
+                            <p:childTnLst>
+                              <p:par>
+                                <p:cTn id="5" presetID="1" presetClass="entr" presetSubtype="0" fill="hold" nodeType="withEffect">
+                                  <p:stCondLst>
+                                    <p:cond delay="0"/>
+                                  </p:stCondLst>
+                                  <p:childTnLst>
+                                    <p:set>
+                                      <p:cBhvr>
+                                        <p:cTn id="6" dur="1" fill="hold">
+                                          <p:stCondLst>
+                                            <p:cond delay="0"/>
+                                          </p:stCondLst>
+                                        </p:cTn>
+                                        <p:tgtEl>
+                                          <p:spTgt spid="4"/>
+                                        </p:tgtEl>
+                                        <p:attrNameLst>
+                                          <p:attrName>style.visibility</p:attrName>
+                                        </p:attrNameLst>
+                                      </p:cBhvr>
+                                      <p:to>
+                                        <p:strVal val="visible"/>
+                                      </p:to>
+                                    </p:set>
+                                  </p:childTnLst>
+                                </p:cTn>
+                              </p:par>
+                              <p:par>
+                                <p:cTn id="7" presetID="1" presetClass="entr" presetSubtype="0" fill="hold" nodeType="withEffect">
+                                  <p:stCondLst>
+                                    <p:cond delay="0"/>
+                                  </p:stCondLst>
+                                  <p:childTnLst>
+                                    <p:set>
+                                      <p:cBhvr>
+                                        <p:cTn id="8" dur="1" fill="hold">
+                                          <p:stCondLst>
+                                            <p:cond delay="0"/>
+                                          </p:stCondLst>
+                                        </p:cTn>
+                                        <p:tgtEl>
+                                          <p:spTgt spid="7"/>
+                                        </p:tgtEl>
+                                        <p:attrNameLst>
+                                          <p:attrName>style.visibility</p:attrName>
+                                        </p:attrNameLst>
+                                      </p:cBhvr>
+                                      <p:to>
+                                        <p:strVal val="visible"/>
+                                      </p:to>
+                                    </p:set>
+                                  </p:childTnLst>
+                                </p:cTn>
+                              </p:par>
+                            </p:childTnLst>
+                          </p:cTn>
+                        </p:par>
+                      </p:childTnLst>
+                    </p:cTn>
+                  </p:par>
+                </p:childTnLst>
+              </p:cTn>
+              <p:prevCondLst>
+                <p:cond evt="onPrev" delay="0">
+                  <p:tgtEl>
+                    <p:sldTgt/>
+                  </p:tgtEl>
+                </p:cond>
+              </p:prevCondLst>
+              <p:nextCondLst>
+                <p:cond evt="onNext" delay="0">
+                  <p:tgtEl>
+                    <p:sldTgt/>
+                  </p:tgtEl>
+                </p:cond>
+              </p:nextCondLst>
+            </p:seq>
+          </p:childTnLst>
+        </p:cTn>
+      </p:par>
+    </p:tnLst>
+  </p:timing>
+</p:sld>
+</file>
+
+<file path=ppt/slides/slide5.xml><?xml version="1.0" encoding="utf-8"?>
+<p:sld xmlns:a="http://schemas.openxmlformats.org/drawingml/2006/main" xmlns:r="http://schemas.openxmlformats.org/officeDocument/2006/relationships" xmlns:p="http://schemas.openxmlformats.org/presentationml/2006/main">
+  <p:cSld>
+    <p:spTree>
+      <p:nvGrpSpPr>
+        <p:cNvPr id="1" name=""/>
+        <p:cNvGrpSpPr/>
+        <p:nvPr/>
+      </p:nvGrpSpPr>
+      <p:grpSpPr>
+        <a:xfrm>
+          <a:off x="0" y="0"/>
+          <a:ext cx="0" cy="0"/>
+          <a:chOff x="0" y="0"/>
+          <a:chExt cx="0" cy="0"/>
+        </a:xfrm>
+      </p:grpSpPr>
+      <p:sp>
+        <p:nvSpPr>
+          <p:cNvPr id="2" name="Nadpis 1">
+            <a:extLst>
+              <a:ext uri="{FF2B5EF4-FFF2-40B4-BE49-F238E27FC236}">
+                <a16:creationId xmlns:a16="http://schemas.microsoft.com/office/drawing/2014/main" id="{4BEC554D-578A-5D1F-122F-6E30F6DA78E9}"/>
+              </a:ext>
+            </a:extLst>
+          </p:cNvPr>
+          <p:cNvSpPr>
+            <a:spLocks noGrp="1"/>
+          </p:cNvSpPr>
+          <p:nvPr>
+            <p:ph type="title"/>
+          </p:nvPr>
+        </p:nvSpPr>
+        <p:spPr/>
+        <p:txBody>
+          <a:bodyPr/>
+          <a:lstStyle/>
+          <a:p>
+            <a:r>
+              <a:rPr lang="en-US" dirty="0" err="1"/>
+              <a:t>Viacvrstvov</a:t>
+            </a:r>
+            <a:r>
+              <a:rPr lang="sk-SK" dirty="0"/>
+              <a:t>ý </a:t>
+            </a:r>
+            <a:r>
+              <a:rPr lang="sk-SK" dirty="0" err="1"/>
+              <a:t>perceptron</a:t>
+            </a:r>
+            <a:endParaRPr lang="sk-SK" dirty="0"/>
+          </a:p>
+        </p:txBody>
+      </p:sp>
+      <p:pic>
+        <p:nvPicPr>
+          <p:cNvPr id="4098" name="Picture 2">
+            <a:extLst>
+              <a:ext uri="{FF2B5EF4-FFF2-40B4-BE49-F238E27FC236}">
+                <a16:creationId xmlns:a16="http://schemas.microsoft.com/office/drawing/2014/main" id="{328703EB-06B9-7393-6549-95D6614BE1BD}"/>
+              </a:ext>
+            </a:extLst>
+          </p:cNvPr>
+          <p:cNvPicPr>
+            <a:picLocks noChangeAspect="1" noChangeArrowheads="1"/>
+          </p:cNvPicPr>
+          <p:nvPr/>
+        </p:nvPicPr>
+        <p:blipFill>
+          <a:blip r:embed="rId2">
+            <a:extLst>
+              <a:ext uri="{28A0092B-C50C-407E-A947-70E740481C1C}">
+                <a14:useLocalDpi xmlns:a14="http://schemas.microsoft.com/office/drawing/2010/main" val="0"/>
+              </a:ext>
+            </a:extLst>
+          </a:blip>
+          <a:srcRect/>
+          <a:stretch>
+            <a:fillRect/>
+          </a:stretch>
+        </p:blipFill>
+        <p:spPr bwMode="auto">
+          <a:xfrm>
+            <a:off x="2899197" y="1833954"/>
+            <a:ext cx="6382957" cy="3622395"/>
+          </a:xfrm>
+          <a:prstGeom prst="rect">
+            <a:avLst/>
+          </a:prstGeom>
+          <a:noFill/>
+          <a:extLst>
+            <a:ext uri="{909E8E84-426E-40DD-AFC4-6F175D3DCCD1}">
+              <a14:hiddenFill xmlns:a14="http://schemas.microsoft.com/office/drawing/2010/main">
+                <a:solidFill>
+                  <a:srgbClr val="FFFFFF"/>
+                </a:solidFill>
+              </a14:hiddenFill>
+            </a:ext>
+          </a:extLst>
+        </p:spPr>
+      </p:pic>
+      <p:pic>
+        <p:nvPicPr>
+          <p:cNvPr id="4" name="Picture 2" descr="Electrical Systems: Linear and Nonlinear Systems in Electrical Engineering">
+            <a:extLst>
+              <a:ext uri="{FF2B5EF4-FFF2-40B4-BE49-F238E27FC236}">
+                <a16:creationId xmlns:a16="http://schemas.microsoft.com/office/drawing/2014/main" id="{A7208469-E49C-5403-4D74-77AFCC5B484B}"/>
+              </a:ext>
+            </a:extLst>
+          </p:cNvPr>
+          <p:cNvPicPr>
+            <a:picLocks noGrp="1" noChangeAspect="1" noChangeArrowheads="1"/>
+          </p:cNvPicPr>
+          <p:nvPr>
+            <p:ph idx="1"/>
+          </p:nvPr>
+        </p:nvPicPr>
+        <p:blipFill>
+          <a:blip r:embed="rId3">
+            <a:extLst>
+              <a:ext uri="{28A0092B-C50C-407E-A947-70E740481C1C}">
+                <a14:useLocalDpi xmlns:a14="http://schemas.microsoft.com/office/drawing/2010/main" val="0"/>
+              </a:ext>
+            </a:extLst>
+          </a:blip>
+          <a:srcRect/>
+          <a:stretch>
+            <a:fillRect/>
+          </a:stretch>
+        </p:blipFill>
+        <p:spPr bwMode="auto">
+          <a:xfrm>
+            <a:off x="960375" y="1615532"/>
+            <a:ext cx="10260599" cy="4059237"/>
+          </a:xfrm>
+          <a:prstGeom prst="rect">
+            <a:avLst/>
+          </a:prstGeom>
+          <a:noFill/>
+          <a:extLst>
+            <a:ext uri="{909E8E84-426E-40DD-AFC4-6F175D3DCCD1}">
+              <a14:hiddenFill xmlns:a14="http://schemas.microsoft.com/office/drawing/2010/main">
+                <a:solidFill>
+                  <a:srgbClr val="FFFFFF"/>
+                </a:solidFill>
+              </a14:hiddenFill>
+            </a:ext>
+          </a:extLst>
+        </p:spPr>
+      </p:pic>
+    </p:spTree>
+    <p:extLst>
+      <p:ext uri="{BB962C8B-B14F-4D97-AF65-F5344CB8AC3E}">
+        <p14:creationId xmlns:p14="http://schemas.microsoft.com/office/powerpoint/2010/main" val="2788083261"/>
+      </p:ext>
+    </p:extLst>
+  </p:cSld>
+  <p:clrMapOvr>
+    <a:masterClrMapping/>
+  </p:clrMapOvr>
+  <mc:AlternateContent xmlns:mc="http://schemas.openxmlformats.org/markup-compatibility/2006">
+    <mc:Choice xmlns:p14="http://schemas.microsoft.com/office/powerpoint/2010/main" Requires="p14">
+      <p:transition spd="slow" p14:dur="2000" advClick="0" advTm="26000"/>
+    </mc:Choice>
+    <mc:Fallback>
+      <p:transition spd="slow" advClick="0" advTm="26000"/>
+    </mc:Fallback>
+  </mc:AlternateContent>
+  <p:timing>
+    <p:tnLst>
+      <p:par>
+        <p:cTn id="1" dur="indefinite" restart="never" nodeType="tmRoot">
+          <p:childTnLst>
+            <p:seq concurrent="1" nextAc="seek">
+              <p:cTn id="2" dur="indefinite" nodeType="mainSeq">
+                <p:childTnLst>
+                  <p:par>
+                    <p:cTn id="3" fill="hold">
+                      <p:stCondLst>
+                        <p:cond delay="indefinite"/>
+                        <p:cond evt="onBegin" delay="0">
+                          <p:tn val="2"/>
+                        </p:cond>
+                      </p:stCondLst>
+                      <p:childTnLst>
+                        <p:par>
+                          <p:cTn id="4" fill="hold">
+                            <p:stCondLst>
+                              <p:cond delay="0"/>
+                            </p:stCondLst>
+                            <p:childTnLst>
+                              <p:par>
+                                <p:cTn id="5" presetID="1" presetClass="entr" presetSubtype="0" fill="hold" nodeType="withEffect">
+                                  <p:stCondLst>
+                                    <p:cond delay="0"/>
+                                  </p:stCondLst>
+                                  <p:childTnLst>
+                                    <p:set>
+                                      <p:cBhvr>
+                                        <p:cTn id="6" dur="1" fill="hold">
+                                          <p:stCondLst>
+                                            <p:cond delay="0"/>
+                                          </p:stCondLst>
+                                        </p:cTn>
+                                        <p:tgtEl>
+                                          <p:spTgt spid="4098"/>
+                                        </p:tgtEl>
+                                        <p:attrNameLst>
+                                          <p:attrName>style.visibility</p:attrName>
+                                        </p:attrNameLst>
+                                      </p:cBhvr>
+                                      <p:to>
+                                        <p:strVal val="visible"/>
+                                      </p:to>
+                                    </p:set>
+                                  </p:childTnLst>
+                                </p:cTn>
+                              </p:par>
+                            </p:childTnLst>
+                          </p:cTn>
+                        </p:par>
+                        <p:par>
+                          <p:cTn id="7" fill="hold">
+                            <p:stCondLst>
+                              <p:cond delay="0"/>
+                            </p:stCondLst>
+                            <p:childTnLst>
+                              <p:par>
+                                <p:cTn id="8" presetID="1" presetClass="entr" presetSubtype="0" fill="hold" nodeType="afterEffect">
+                                  <p:stCondLst>
+                                    <p:cond delay="10000"/>
+                                  </p:stCondLst>
+                                  <p:childTnLst>
+                                    <p:set>
+                                      <p:cBhvr>
+                                        <p:cTn id="9" dur="1" fill="hold">
+                                          <p:stCondLst>
+                                            <p:cond delay="0"/>
+                                          </p:stCondLst>
+                                        </p:cTn>
+                                        <p:tgtEl>
+                                          <p:spTgt spid="4"/>
+                                        </p:tgtEl>
+                                        <p:attrNameLst>
+                                          <p:attrName>style.visibility</p:attrName>
+                                        </p:attrNameLst>
+                                      </p:cBhvr>
+                                      <p:to>
+                                        <p:strVal val="visible"/>
+                                      </p:to>
+                                    </p:set>
+                                  </p:childTnLst>
+                                </p:cTn>
+                              </p:par>
+                            </p:childTnLst>
+                          </p:cTn>
+                        </p:par>
+                      </p:childTnLst>
+                    </p:cTn>
+                  </p:par>
+                </p:childTnLst>
+              </p:cTn>
+              <p:prevCondLst>
+                <p:cond evt="onPrev" delay="0">
+                  <p:tgtEl>
+                    <p:sldTgt/>
+                  </p:tgtEl>
+                </p:cond>
+              </p:prevCondLst>
+              <p:nextCondLst>
+                <p:cond evt="onNext" delay="0">
+                  <p:tgtEl>
+                    <p:sldTgt/>
+                  </p:tgtEl>
+                </p:cond>
+              </p:nextCondLst>
+            </p:seq>
+          </p:childTnLst>
+        </p:cTn>
+      </p:par>
+    </p:tnLst>
+  </p:timing>
+</p:sld>
+</file>
+
+<file path=ppt/slides/slide6.xml><?xml version="1.0" encoding="utf-8"?>
+<p:sld xmlns:a="http://schemas.openxmlformats.org/drawingml/2006/main" xmlns:r="http://schemas.openxmlformats.org/officeDocument/2006/relationships" xmlns:p="http://schemas.openxmlformats.org/presentationml/2006/main">
+  <p:cSld>
+    <p:spTree>
+      <p:nvGrpSpPr>
+        <p:cNvPr id="1" name=""/>
+        <p:cNvGrpSpPr/>
+        <p:nvPr/>
+      </p:nvGrpSpPr>
+      <p:grpSpPr>
+        <a:xfrm>
+          <a:off x="0" y="0"/>
+          <a:ext cx="0" cy="0"/>
+          <a:chOff x="0" y="0"/>
+          <a:chExt cx="0" cy="0"/>
+        </a:xfrm>
+      </p:grpSpPr>
+      <p:sp>
+        <p:nvSpPr>
+          <p:cNvPr id="2" name="Nadpis 1"/>
+          <p:cNvSpPr>
+            <a:spLocks noGrp="1"/>
+          </p:cNvSpPr>
+          <p:nvPr>
+            <p:ph type="title"/>
+          </p:nvPr>
+        </p:nvSpPr>
+        <p:spPr/>
+        <p:txBody>
+          <a:bodyPr/>
+          <a:lstStyle/>
+          <a:p>
+            <a:r>
+              <a:rPr lang="sk-SK" dirty="0"/>
+              <a:t>Konvolučná neurónová sieť</a:t>
+            </a:r>
+          </a:p>
+        </p:txBody>
+      </p:sp>
+      <p:pic>
+        <p:nvPicPr>
+          <p:cNvPr id="10" name="Obrázok 9"/>
+          <p:cNvPicPr>
+            <a:picLocks noChangeAspect="1"/>
+          </p:cNvPicPr>
+          <p:nvPr/>
+        </p:nvPicPr>
+        <p:blipFill>
+          <a:blip r:embed="rId2">
+            <a:extLst>
+              <a:ext uri="{28A0092B-C50C-407E-A947-70E740481C1C}">
+                <a14:useLocalDpi xmlns:a14="http://schemas.microsoft.com/office/drawing/2010/main" val="0"/>
+              </a:ext>
+            </a:extLst>
+          </a:blip>
+          <a:stretch>
+            <a:fillRect/>
+          </a:stretch>
+        </p:blipFill>
+        <p:spPr>
+          <a:xfrm>
+            <a:off x="2720291" y="1830912"/>
+            <a:ext cx="6740770" cy="3606312"/>
+          </a:xfrm>
+          <a:prstGeom prst="rect">
+            <a:avLst/>
+          </a:prstGeom>
+        </p:spPr>
+      </p:pic>
+    </p:spTree>
+    <p:extLst>
+      <p:ext uri="{BB962C8B-B14F-4D97-AF65-F5344CB8AC3E}">
+        <p14:creationId xmlns:p14="http://schemas.microsoft.com/office/powerpoint/2010/main" val="2067531360"/>
+      </p:ext>
+    </p:extLst>
+  </p:cSld>
+  <p:clrMapOvr>
+    <a:masterClrMapping/>
+  </p:clrMapOvr>
+  <mc:AlternateContent xmlns:mc="http://schemas.openxmlformats.org/markup-compatibility/2006">
+    <mc:Choice xmlns:p14="http://schemas.microsoft.com/office/powerpoint/2010/main" Requires="p14">
+      <p:transition spd="slow" p14:dur="2000" advClick="0" advTm="32000"/>
+    </mc:Choice>
+    <mc:Fallback>
+      <p:transition spd="slow" advClick="0" advTm="32000"/>
+    </mc:Fallback>
+  </mc:AlternateContent>
+</p:sld>
+</file>
+
+<file path=ppt/slides/slide7.xml><?xml version="1.0" encoding="utf-8"?>
+<p:sld xmlns:a="http://schemas.openxmlformats.org/drawingml/2006/main" xmlns:r="http://schemas.openxmlformats.org/officeDocument/2006/relationships" xmlns:p="http://schemas.openxmlformats.org/presentationml/2006/main">
+  <p:cSld>
+    <p:spTree>
+      <p:nvGrpSpPr>
+        <p:cNvPr id="1" name=""/>
+        <p:cNvGrpSpPr/>
+        <p:nvPr/>
+      </p:nvGrpSpPr>
+      <p:grpSpPr>
+        <a:xfrm>
+          <a:off x="0" y="0"/>
+          <a:ext cx="0" cy="0"/>
+          <a:chOff x="0" y="0"/>
+          <a:chExt cx="0" cy="0"/>
+        </a:xfrm>
+      </p:grpSpPr>
+      <p:sp>
+        <p:nvSpPr>
+          <p:cNvPr id="2" name="Nadpis 1">
+            <a:extLst>
+              <a:ext uri="{FF2B5EF4-FFF2-40B4-BE49-F238E27FC236}">
+                <a16:creationId xmlns:a16="http://schemas.microsoft.com/office/drawing/2014/main" id="{8479AB56-047D-2D1B-E388-454645EF0348}"/>
+              </a:ext>
+            </a:extLst>
+          </p:cNvPr>
+          <p:cNvSpPr>
+            <a:spLocks noGrp="1"/>
+          </p:cNvSpPr>
+          <p:nvPr>
+            <p:ph type="title"/>
+          </p:nvPr>
+        </p:nvSpPr>
+        <p:spPr/>
+        <p:txBody>
+          <a:bodyPr/>
+          <a:lstStyle/>
+          <a:p>
+            <a:r>
+              <a:rPr lang="sk-SK" dirty="0"/>
+              <a:t>DALL-E 2</a:t>
+            </a:r>
+          </a:p>
+        </p:txBody>
+      </p:sp>
+      <p:pic>
+        <p:nvPicPr>
+          <p:cNvPr id="5" name="Obrázok 4">
+            <a:extLst>
+              <a:ext uri="{FF2B5EF4-FFF2-40B4-BE49-F238E27FC236}">
+                <a16:creationId xmlns:a16="http://schemas.microsoft.com/office/drawing/2014/main" id="{70D16706-994F-274F-8D82-36F0C4105451}"/>
+              </a:ext>
+            </a:extLst>
+          </p:cNvPr>
+          <p:cNvPicPr>
+            <a:picLocks noChangeAspect="1"/>
+          </p:cNvPicPr>
+          <p:nvPr/>
+        </p:nvPicPr>
+        <p:blipFill>
+          <a:blip r:embed="rId2"/>
+          <a:stretch>
+            <a:fillRect/>
+          </a:stretch>
+        </p:blipFill>
+        <p:spPr>
+          <a:xfrm>
+            <a:off x="2942900" y="2059138"/>
+            <a:ext cx="6351449" cy="3095664"/>
+          </a:xfrm>
+          <a:prstGeom prst="rect">
+            <a:avLst/>
+          </a:prstGeom>
+        </p:spPr>
+      </p:pic>
       <p:grpSp>
         <p:nvGrpSpPr>
-          <p:cNvPr id="9" name="Skupina 8"/>
+          <p:cNvPr id="10" name="Skupina 9">
+            <a:extLst>
+              <a:ext uri="{FF2B5EF4-FFF2-40B4-BE49-F238E27FC236}">
+                <a16:creationId xmlns:a16="http://schemas.microsoft.com/office/drawing/2014/main" id="{0E2F7DB0-85FB-0279-7FD8-45C55C4AB84B}"/>
+              </a:ext>
+            </a:extLst>
+          </p:cNvPr>
           <p:cNvGrpSpPr/>
           <p:nvPr/>
         </p:nvGrpSpPr>
         <p:grpSpPr>
           <a:xfrm>
-            <a:off x="3307531" y="2022231"/>
-            <a:ext cx="4781392" cy="2866293"/>
-            <a:chOff x="1003946" y="1266092"/>
-            <a:chExt cx="4781392" cy="2866293"/>
+            <a:off x="3025827" y="3393160"/>
+            <a:ext cx="5700395" cy="3395980"/>
+            <a:chOff x="3052619" y="2058031"/>
+            <a:chExt cx="5700395" cy="3395980"/>
+          </a:xfrm>
+        </p:grpSpPr>
+        <p:pic>
+          <p:nvPicPr>
+            <p:cNvPr id="6" name="Obrázok 5">
+              <a:extLst>
+                <a:ext uri="{FF2B5EF4-FFF2-40B4-BE49-F238E27FC236}">
+                  <a16:creationId xmlns:a16="http://schemas.microsoft.com/office/drawing/2014/main" id="{28F9BBDB-0A4A-BE49-7582-15D490160331}"/>
+                </a:ext>
+              </a:extLst>
+            </p:cNvPr>
+            <p:cNvPicPr>
+              <a:picLocks noChangeAspect="1"/>
+            </p:cNvPicPr>
+            <p:nvPr/>
+          </p:nvPicPr>
+          <p:blipFill>
+            <a:blip r:embed="rId3" cstate="print">
+              <a:extLst>
+                <a:ext uri="{28A0092B-C50C-407E-A947-70E740481C1C}">
+                  <a14:useLocalDpi xmlns:a14="http://schemas.microsoft.com/office/drawing/2010/main" val="0"/>
+                </a:ext>
+              </a:extLst>
+            </a:blip>
+            <a:srcRect/>
+            <a:stretch>
+              <a:fillRect/>
+            </a:stretch>
+          </p:blipFill>
+          <p:spPr bwMode="auto">
+            <a:xfrm>
+              <a:off x="3052619" y="2062476"/>
+              <a:ext cx="2496820" cy="2496820"/>
+            </a:xfrm>
+            <a:prstGeom prst="rect">
+              <a:avLst/>
+            </a:prstGeom>
+            <a:noFill/>
+            <a:ln>
+              <a:noFill/>
+            </a:ln>
+          </p:spPr>
+        </p:pic>
+        <p:pic>
+          <p:nvPicPr>
+            <p:cNvPr id="7" name="Obrázok 6">
+              <a:extLst>
+                <a:ext uri="{FF2B5EF4-FFF2-40B4-BE49-F238E27FC236}">
+                  <a16:creationId xmlns:a16="http://schemas.microsoft.com/office/drawing/2014/main" id="{82FC6C86-7E2A-0A3B-497D-AEEE70EF544D}"/>
+                </a:ext>
+              </a:extLst>
+            </p:cNvPr>
+            <p:cNvPicPr>
+              <a:picLocks noChangeAspect="1"/>
+            </p:cNvPicPr>
+            <p:nvPr/>
+          </p:nvPicPr>
+          <p:blipFill>
+            <a:blip r:embed="rId4" cstate="print">
+              <a:extLst>
+                <a:ext uri="{28A0092B-C50C-407E-A947-70E740481C1C}">
+                  <a14:useLocalDpi xmlns:a14="http://schemas.microsoft.com/office/drawing/2010/main" val="0"/>
+                </a:ext>
+              </a:extLst>
+            </a:blip>
+            <a:srcRect/>
+            <a:stretch>
+              <a:fillRect/>
+            </a:stretch>
+          </p:blipFill>
+          <p:spPr bwMode="auto">
+            <a:xfrm>
+              <a:off x="6211744" y="2058031"/>
+              <a:ext cx="2541270" cy="2541270"/>
+            </a:xfrm>
+            <a:prstGeom prst="rect">
+              <a:avLst/>
+            </a:prstGeom>
+            <a:noFill/>
+            <a:ln>
+              <a:noFill/>
+            </a:ln>
+          </p:spPr>
+        </p:pic>
+        <p:sp>
+          <p:nvSpPr>
+            <p:cNvPr id="8" name="Textové pole 3">
+              <a:extLst>
+                <a:ext uri="{FF2B5EF4-FFF2-40B4-BE49-F238E27FC236}">
+                  <a16:creationId xmlns:a16="http://schemas.microsoft.com/office/drawing/2014/main" id="{8C6478D3-46C2-9B18-F2DC-306C9C53B288}"/>
+                </a:ext>
+              </a:extLst>
+            </p:cNvPr>
+            <p:cNvSpPr txBox="1"/>
+            <p:nvPr/>
+          </p:nvSpPr>
+          <p:spPr>
+            <a:xfrm>
+              <a:off x="3053254" y="4683756"/>
+              <a:ext cx="2481580" cy="521970"/>
+            </a:xfrm>
+            <a:prstGeom prst="rect">
+              <a:avLst/>
+            </a:prstGeom>
+            <a:noFill/>
+            <a:ln w="6350">
+              <a:noFill/>
+            </a:ln>
+          </p:spPr>
+          <p:txBody>
+            <a:bodyPr rot="0" spcFirstLastPara="0" vert="horz" wrap="square" lIns="0" tIns="0" rIns="0" bIns="0" numCol="1" spcCol="0" rtlCol="0" fromWordArt="0" anchor="ctr" anchorCtr="0" forceAA="0" compatLnSpc="1">
+              <a:prstTxWarp prst="textNoShape">
+                <a:avLst/>
+              </a:prstTxWarp>
+              <a:noAutofit/>
+            </a:bodyPr>
+            <a:lstStyle/>
+            <a:p>
+              <a:pPr algn="ctr">
+                <a:lnSpc>
+                  <a:spcPct val="107000"/>
+                </a:lnSpc>
+                <a:spcAft>
+                  <a:spcPts val="800"/>
+                </a:spcAft>
+              </a:pPr>
+              <a:r>
+                <a:rPr lang="sk-SK" sz="1200" i="1">
+                  <a:effectLst/>
+                  <a:latin typeface="Times New Roman" panose="02020603050405020304" pitchFamily="18" charset="0"/>
+                  <a:ea typeface="Calibri" panose="020F0502020204030204" pitchFamily="34" charset="0"/>
+                  <a:cs typeface="Times New Roman" panose="02020603050405020304" pitchFamily="18" charset="0"/>
+                </a:rPr>
+                <a:t>Obrázok mačky v kostýme astronauta, ktorá sa pozerá na hviezdy</a:t>
+              </a:r>
+              <a:endParaRPr lang="en-US" sz="1200">
+                <a:effectLst/>
+                <a:latin typeface="Times New Roman" panose="02020603050405020304" pitchFamily="18" charset="0"/>
+                <a:ea typeface="Calibri" panose="020F0502020204030204" pitchFamily="34" charset="0"/>
+                <a:cs typeface="Times New Roman" panose="02020603050405020304" pitchFamily="18" charset="0"/>
+              </a:endParaRPr>
+            </a:p>
+            <a:p>
+              <a:pPr algn="ctr">
+                <a:lnSpc>
+                  <a:spcPct val="107000"/>
+                </a:lnSpc>
+                <a:spcAft>
+                  <a:spcPts val="800"/>
+                </a:spcAft>
+              </a:pPr>
+              <a:r>
+                <a:rPr lang="sk-SK" sz="1200">
+                  <a:effectLst/>
+                  <a:latin typeface="Times New Roman" panose="02020603050405020304" pitchFamily="18" charset="0"/>
+                  <a:ea typeface="Calibri" panose="020F0502020204030204" pitchFamily="34" charset="0"/>
+                  <a:cs typeface="Times New Roman" panose="02020603050405020304" pitchFamily="18" charset="0"/>
+                </a:rPr>
+                <a:t> </a:t>
+              </a:r>
+              <a:endParaRPr lang="en-US" sz="1200">
+                <a:effectLst/>
+                <a:latin typeface="Times New Roman" panose="02020603050405020304" pitchFamily="18" charset="0"/>
+                <a:ea typeface="Calibri" panose="020F0502020204030204" pitchFamily="34" charset="0"/>
+                <a:cs typeface="Times New Roman" panose="02020603050405020304" pitchFamily="18" charset="0"/>
+              </a:endParaRPr>
+            </a:p>
+          </p:txBody>
+        </p:sp>
+        <p:sp>
+          <p:nvSpPr>
+            <p:cNvPr id="9" name="Textové pole 4">
+              <a:extLst>
+                <a:ext uri="{FF2B5EF4-FFF2-40B4-BE49-F238E27FC236}">
+                  <a16:creationId xmlns:a16="http://schemas.microsoft.com/office/drawing/2014/main" id="{56FC8EF7-2727-AD23-9C8B-FB8985070E1C}"/>
+                </a:ext>
+              </a:extLst>
+            </p:cNvPr>
+            <p:cNvSpPr txBox="1"/>
+            <p:nvPr/>
+          </p:nvSpPr>
+          <p:spPr>
+            <a:xfrm>
+              <a:off x="6270799" y="4718046"/>
+              <a:ext cx="2469515" cy="735965"/>
+            </a:xfrm>
+            <a:prstGeom prst="rect">
+              <a:avLst/>
+            </a:prstGeom>
+            <a:noFill/>
+            <a:ln w="6350">
+              <a:noFill/>
+            </a:ln>
+          </p:spPr>
+          <p:txBody>
+            <a:bodyPr rot="0" spcFirstLastPara="0" vert="horz" wrap="square" lIns="0" tIns="0" rIns="0" bIns="0" numCol="1" spcCol="0" rtlCol="0" fromWordArt="0" anchor="ctr" anchorCtr="0" forceAA="0" compatLnSpc="1">
+              <a:prstTxWarp prst="textNoShape">
+                <a:avLst/>
+              </a:prstTxWarp>
+              <a:noAutofit/>
+            </a:bodyPr>
+            <a:lstStyle/>
+            <a:p>
+              <a:pPr algn="ctr">
+                <a:lnSpc>
+                  <a:spcPct val="107000"/>
+                </a:lnSpc>
+                <a:spcAft>
+                  <a:spcPts val="800"/>
+                </a:spcAft>
+              </a:pPr>
+              <a:r>
+                <a:rPr lang="sk-SK" sz="1200" i="1">
+                  <a:effectLst/>
+                  <a:latin typeface="Times New Roman" panose="02020603050405020304" pitchFamily="18" charset="0"/>
+                  <a:ea typeface="Calibri" panose="020F0502020204030204" pitchFamily="34" charset="0"/>
+                  <a:cs typeface="Times New Roman" panose="02020603050405020304" pitchFamily="18" charset="0"/>
+                </a:rPr>
+                <a:t>Impresionistická maľba mačky v kostýme astronauta, ktorá sa pozerá na hviezdy</a:t>
+              </a:r>
+              <a:endParaRPr lang="en-US" sz="1200">
+                <a:effectLst/>
+                <a:latin typeface="Times New Roman" panose="02020603050405020304" pitchFamily="18" charset="0"/>
+                <a:ea typeface="Calibri" panose="020F0502020204030204" pitchFamily="34" charset="0"/>
+                <a:cs typeface="Times New Roman" panose="02020603050405020304" pitchFamily="18" charset="0"/>
+              </a:endParaRPr>
+            </a:p>
+            <a:p>
+              <a:pPr algn="ctr">
+                <a:lnSpc>
+                  <a:spcPct val="107000"/>
+                </a:lnSpc>
+                <a:spcAft>
+                  <a:spcPts val="800"/>
+                </a:spcAft>
+              </a:pPr>
+              <a:r>
+                <a:rPr lang="sk-SK" sz="1200">
+                  <a:effectLst/>
+                  <a:latin typeface="Times New Roman" panose="02020603050405020304" pitchFamily="18" charset="0"/>
+                  <a:ea typeface="Calibri" panose="020F0502020204030204" pitchFamily="34" charset="0"/>
+                  <a:cs typeface="Times New Roman" panose="02020603050405020304" pitchFamily="18" charset="0"/>
+                </a:rPr>
+                <a:t> </a:t>
+              </a:r>
+              <a:endParaRPr lang="en-US" sz="1200">
+                <a:effectLst/>
+                <a:latin typeface="Times New Roman" panose="02020603050405020304" pitchFamily="18" charset="0"/>
+                <a:ea typeface="Calibri" panose="020F0502020204030204" pitchFamily="34" charset="0"/>
+                <a:cs typeface="Times New Roman" panose="02020603050405020304" pitchFamily="18" charset="0"/>
+              </a:endParaRPr>
+            </a:p>
+          </p:txBody>
+        </p:sp>
+      </p:grpSp>
+      <p:grpSp>
+        <p:nvGrpSpPr>
+          <p:cNvPr id="19" name="Skupina 18">
+            <a:extLst>
+              <a:ext uri="{FF2B5EF4-FFF2-40B4-BE49-F238E27FC236}">
+                <a16:creationId xmlns:a16="http://schemas.microsoft.com/office/drawing/2014/main" id="{18DD9E61-B4D7-1B02-2D6B-DC8F7098932D}"/>
+              </a:ext>
+            </a:extLst>
+          </p:cNvPr>
+          <p:cNvGrpSpPr/>
+          <p:nvPr/>
+        </p:nvGrpSpPr>
+        <p:grpSpPr>
+          <a:xfrm>
+            <a:off x="2661715" y="648690"/>
+            <a:ext cx="6314456" cy="2620010"/>
+            <a:chOff x="2914951" y="2058031"/>
+            <a:chExt cx="6314456" cy="2620010"/>
           </a:xfrm>
         </p:grpSpPr>
         <p:sp>
           <p:nvSpPr>
-            <p:cNvPr id="8" name="Obdĺžnik 7"/>
+            <p:cNvPr id="18" name="Obdĺžnik 17">
+              <a:extLst>
+                <a:ext uri="{FF2B5EF4-FFF2-40B4-BE49-F238E27FC236}">
+                  <a16:creationId xmlns:a16="http://schemas.microsoft.com/office/drawing/2014/main" id="{6078E404-8A6A-77BC-EE0B-E79EF8A0227F}"/>
+                </a:ext>
+              </a:extLst>
+            </p:cNvPr>
             <p:cNvSpPr/>
             <p:nvPr/>
           </p:nvSpPr>
           <p:spPr>
             <a:xfrm>
-              <a:off x="1009396" y="1266092"/>
-              <a:ext cx="4775942" cy="2866293"/>
+              <a:off x="2914951" y="2058031"/>
+              <a:ext cx="6314456" cy="2620010"/>
             </a:xfrm>
             <a:prstGeom prst="rect">
               <a:avLst/>
@@ -6829,91 +9653,412 @@
             </a:p>
           </p:txBody>
         </p:sp>
-        <p:pic>
-          <p:nvPicPr>
-            <p:cNvPr id="7" name="Obrázok 6"/>
-            <p:cNvPicPr>
-              <a:picLocks noChangeAspect="1"/>
-            </p:cNvPicPr>
-            <p:nvPr/>
-          </p:nvPicPr>
-          <p:blipFill>
-            <a:blip r:embed="rId3">
+        <p:grpSp>
+          <p:nvGrpSpPr>
+            <p:cNvPr id="17" name="Skupina 16">
               <a:extLst>
-                <a:ext uri="{28A0092B-C50C-407E-A947-70E740481C1C}">
-                  <a14:useLocalDpi xmlns:a14="http://schemas.microsoft.com/office/drawing/2010/main" val="0"/>
+                <a:ext uri="{FF2B5EF4-FFF2-40B4-BE49-F238E27FC236}">
+                  <a16:creationId xmlns:a16="http://schemas.microsoft.com/office/drawing/2014/main" id="{AC3C690E-F145-B588-2186-762713B5583D}"/>
                 </a:ext>
               </a:extLst>
-            </a:blip>
-            <a:stretch>
-              <a:fillRect/>
-            </a:stretch>
-          </p:blipFill>
-          <p:spPr>
+            </p:cNvPr>
+            <p:cNvGrpSpPr/>
+            <p:nvPr/>
+          </p:nvGrpSpPr>
+          <p:grpSpPr>
             <a:xfrm>
-              <a:off x="1003946" y="1270489"/>
-              <a:ext cx="4762500" cy="2857500"/>
+              <a:off x="2962592" y="2239645"/>
+              <a:ext cx="6266815" cy="2378710"/>
+              <a:chOff x="2962592" y="2239645"/>
+              <a:chExt cx="6266815" cy="2378710"/>
             </a:xfrm>
-            <a:prstGeom prst="rect">
-              <a:avLst/>
-            </a:prstGeom>
-          </p:spPr>
-        </p:pic>
+          </p:grpSpPr>
+          <p:pic>
+            <p:nvPicPr>
+              <p:cNvPr id="11" name="Obrázok 10">
+                <a:extLst>
+                  <a:ext uri="{FF2B5EF4-FFF2-40B4-BE49-F238E27FC236}">
+                    <a16:creationId xmlns:a16="http://schemas.microsoft.com/office/drawing/2014/main" id="{1E9FAC0A-BF6D-4448-B631-BD9B92387113}"/>
+                  </a:ext>
+                </a:extLst>
+              </p:cNvPr>
+              <p:cNvPicPr>
+                <a:picLocks noChangeAspect="1"/>
+              </p:cNvPicPr>
+              <p:nvPr/>
+            </p:nvPicPr>
+            <p:blipFill>
+              <a:blip r:embed="rId5" cstate="print">
+                <a:extLst>
+                  <a:ext uri="{28A0092B-C50C-407E-A947-70E740481C1C}">
+                    <a14:useLocalDpi xmlns:a14="http://schemas.microsoft.com/office/drawing/2010/main" val="0"/>
+                  </a:ext>
+                </a:extLst>
+              </a:blip>
+              <a:srcRect/>
+              <a:stretch>
+                <a:fillRect/>
+              </a:stretch>
+            </p:blipFill>
+            <p:spPr bwMode="auto">
+              <a:xfrm>
+                <a:off x="2962592" y="2239645"/>
+                <a:ext cx="1990725" cy="1651635"/>
+              </a:xfrm>
+              <a:prstGeom prst="rect">
+                <a:avLst/>
+              </a:prstGeom>
+              <a:noFill/>
+              <a:ln>
+                <a:noFill/>
+              </a:ln>
+            </p:spPr>
+          </p:pic>
+          <p:sp>
+            <p:nvSpPr>
+              <p:cNvPr id="12" name="Textové pole 11">
+                <a:extLst>
+                  <a:ext uri="{FF2B5EF4-FFF2-40B4-BE49-F238E27FC236}">
+                    <a16:creationId xmlns:a16="http://schemas.microsoft.com/office/drawing/2014/main" id="{BD063EAE-E65C-8EAE-9536-4B67F18F1776}"/>
+                  </a:ext>
+                </a:extLst>
+              </p:cNvPr>
+              <p:cNvSpPr txBox="1"/>
+              <p:nvPr/>
+            </p:nvSpPr>
+            <p:spPr>
+              <a:xfrm>
+                <a:off x="2962592" y="3903345"/>
+                <a:ext cx="2000250" cy="466725"/>
+              </a:xfrm>
+              <a:prstGeom prst="rect">
+                <a:avLst/>
+              </a:prstGeom>
+              <a:noFill/>
+              <a:ln w="6350">
+                <a:noFill/>
+              </a:ln>
+            </p:spPr>
+            <p:txBody>
+              <a:bodyPr rot="0" spcFirstLastPara="0" vert="horz" wrap="square" lIns="0" tIns="0" rIns="0" bIns="0" numCol="1" spcCol="0" rtlCol="0" fromWordArt="0" anchor="ctr" anchorCtr="0" forceAA="0" compatLnSpc="1">
+                <a:prstTxWarp prst="textNoShape">
+                  <a:avLst/>
+                </a:prstTxWarp>
+                <a:noAutofit/>
+              </a:bodyPr>
+              <a:lstStyle/>
+              <a:p>
+                <a:pPr algn="ctr">
+                  <a:lnSpc>
+                    <a:spcPct val="107000"/>
+                  </a:lnSpc>
+                  <a:spcAft>
+                    <a:spcPts val="800"/>
+                  </a:spcAft>
+                </a:pPr>
+                <a:r>
+                  <a:rPr lang="sk-SK" sz="1200" i="1" dirty="0">
+                    <a:solidFill>
+                      <a:schemeClr val="bg1"/>
+                    </a:solidFill>
+                    <a:effectLst/>
+                    <a:latin typeface="Times New Roman" panose="02020603050405020304" pitchFamily="18" charset="0"/>
+                    <a:ea typeface="Calibri" panose="020F0502020204030204" pitchFamily="34" charset="0"/>
+                    <a:cs typeface="Times New Roman" panose="02020603050405020304" pitchFamily="18" charset="0"/>
+                  </a:rPr>
+                  <a:t>Tu môžete vidieť maľbu </a:t>
+                </a:r>
+                <a:r>
+                  <a:rPr lang="sk-SK" sz="1200" i="1" dirty="0" err="1">
+                    <a:solidFill>
+                      <a:schemeClr val="bg1"/>
+                    </a:solidFill>
+                    <a:effectLst/>
+                    <a:latin typeface="Times New Roman" panose="02020603050405020304" pitchFamily="18" charset="0"/>
+                    <a:ea typeface="Calibri" panose="020F0502020204030204" pitchFamily="34" charset="0"/>
+                    <a:cs typeface="Times New Roman" panose="02020603050405020304" pitchFamily="18" charset="0"/>
+                  </a:rPr>
+                  <a:t>Mona</a:t>
+                </a:r>
+                <a:r>
+                  <a:rPr lang="sk-SK" sz="1200" i="1" dirty="0">
+                    <a:solidFill>
+                      <a:schemeClr val="bg1"/>
+                    </a:solidFill>
+                    <a:effectLst/>
+                    <a:latin typeface="Times New Roman" panose="02020603050405020304" pitchFamily="18" charset="0"/>
+                    <a:ea typeface="Calibri" panose="020F0502020204030204" pitchFamily="34" charset="0"/>
+                    <a:cs typeface="Times New Roman" panose="02020603050405020304" pitchFamily="18" charset="0"/>
+                  </a:rPr>
+                  <a:t> Líza, ktorá bola rozšírená </a:t>
+                </a:r>
+                <a:endParaRPr lang="en-US" sz="1200" dirty="0">
+                  <a:solidFill>
+                    <a:schemeClr val="bg1"/>
+                  </a:solidFill>
+                  <a:effectLst/>
+                  <a:latin typeface="Times New Roman" panose="02020603050405020304" pitchFamily="18" charset="0"/>
+                  <a:ea typeface="Calibri" panose="020F0502020204030204" pitchFamily="34" charset="0"/>
+                  <a:cs typeface="Times New Roman" panose="02020603050405020304" pitchFamily="18" charset="0"/>
+                </a:endParaRPr>
+              </a:p>
+            </p:txBody>
+          </p:sp>
+          <p:pic>
+            <p:nvPicPr>
+              <p:cNvPr id="13" name="Obrázok 12">
+                <a:extLst>
+                  <a:ext uri="{FF2B5EF4-FFF2-40B4-BE49-F238E27FC236}">
+                    <a16:creationId xmlns:a16="http://schemas.microsoft.com/office/drawing/2014/main" id="{03F992C6-3447-1C9B-3F06-40A287C2C6A3}"/>
+                  </a:ext>
+                </a:extLst>
+              </p:cNvPr>
+              <p:cNvPicPr>
+                <a:picLocks noChangeAspect="1"/>
+              </p:cNvPicPr>
+              <p:nvPr/>
+            </p:nvPicPr>
+            <p:blipFill rotWithShape="1">
+              <a:blip r:embed="rId6" cstate="print">
+                <a:extLst>
+                  <a:ext uri="{28A0092B-C50C-407E-A947-70E740481C1C}">
+                    <a14:useLocalDpi xmlns:a14="http://schemas.microsoft.com/office/drawing/2010/main" val="0"/>
+                  </a:ext>
+                </a:extLst>
+              </a:blip>
+              <a:srcRect l="14797" r="14797"/>
+              <a:stretch/>
+            </p:blipFill>
+            <p:spPr bwMode="auto">
+              <a:xfrm>
+                <a:off x="5252402" y="2239645"/>
+                <a:ext cx="1553845" cy="1470660"/>
+              </a:xfrm>
+              <a:prstGeom prst="rect">
+                <a:avLst/>
+              </a:prstGeom>
+              <a:noFill/>
+              <a:ln>
+                <a:noFill/>
+              </a:ln>
+              <a:extLst>
+                <a:ext uri="{53640926-AAD7-44D8-BBD7-CCE9431645EC}">
+                  <a14:shadowObscured xmlns:a14="http://schemas.microsoft.com/office/drawing/2010/main"/>
+                </a:ext>
+              </a:extLst>
+            </p:spPr>
+          </p:pic>
+          <p:sp>
+            <p:nvSpPr>
+              <p:cNvPr id="14" name="Textové pole 8">
+                <a:extLst>
+                  <a:ext uri="{FF2B5EF4-FFF2-40B4-BE49-F238E27FC236}">
+                    <a16:creationId xmlns:a16="http://schemas.microsoft.com/office/drawing/2014/main" id="{1D172378-2F13-150F-E159-BBE200A9AFF4}"/>
+                  </a:ext>
+                </a:extLst>
+              </p:cNvPr>
+              <p:cNvSpPr txBox="1"/>
+              <p:nvPr/>
+            </p:nvSpPr>
+            <p:spPr>
+              <a:xfrm>
+                <a:off x="5156517" y="3709670"/>
+                <a:ext cx="1732915" cy="230505"/>
+              </a:xfrm>
+              <a:prstGeom prst="rect">
+                <a:avLst/>
+              </a:prstGeom>
+              <a:noFill/>
+              <a:ln w="6350">
+                <a:noFill/>
+              </a:ln>
+            </p:spPr>
+            <p:txBody>
+              <a:bodyPr rot="0" spcFirstLastPara="0" vert="horz" wrap="square" lIns="0" tIns="0" rIns="0" bIns="0" numCol="1" spcCol="0" rtlCol="0" fromWordArt="0" anchor="ctr" anchorCtr="0" forceAA="0" compatLnSpc="1">
+                <a:prstTxWarp prst="textNoShape">
+                  <a:avLst/>
+                </a:prstTxWarp>
+                <a:noAutofit/>
+              </a:bodyPr>
+              <a:lstStyle/>
+              <a:p>
+                <a:pPr algn="ctr">
+                  <a:lnSpc>
+                    <a:spcPct val="107000"/>
+                  </a:lnSpc>
+                  <a:spcAft>
+                    <a:spcPts val="800"/>
+                  </a:spcAft>
+                </a:pPr>
+                <a:r>
+                  <a:rPr lang="sk-SK" sz="1200" i="1" dirty="0">
+                    <a:solidFill>
+                      <a:schemeClr val="bg1"/>
+                    </a:solidFill>
+                    <a:effectLst/>
+                    <a:latin typeface="Times New Roman" panose="02020603050405020304" pitchFamily="18" charset="0"/>
+                    <a:ea typeface="Calibri" panose="020F0502020204030204" pitchFamily="34" charset="0"/>
+                    <a:cs typeface="Times New Roman" panose="02020603050405020304" pitchFamily="18" charset="0"/>
+                  </a:rPr>
+                  <a:t>Originál</a:t>
+                </a:r>
+                <a:endParaRPr lang="en-US" sz="1200" dirty="0">
+                  <a:solidFill>
+                    <a:schemeClr val="bg1"/>
+                  </a:solidFill>
+                  <a:effectLst/>
+                  <a:latin typeface="Times New Roman" panose="02020603050405020304" pitchFamily="18" charset="0"/>
+                  <a:ea typeface="Calibri" panose="020F0502020204030204" pitchFamily="34" charset="0"/>
+                  <a:cs typeface="Times New Roman" panose="02020603050405020304" pitchFamily="18" charset="0"/>
+                </a:endParaRPr>
+              </a:p>
+            </p:txBody>
+          </p:sp>
+          <p:pic>
+            <p:nvPicPr>
+              <p:cNvPr id="15" name="Obrázok 14">
+                <a:extLst>
+                  <a:ext uri="{FF2B5EF4-FFF2-40B4-BE49-F238E27FC236}">
+                    <a16:creationId xmlns:a16="http://schemas.microsoft.com/office/drawing/2014/main" id="{3B5C70C2-B6DA-7A0D-82E7-63FD5D32145A}"/>
+                  </a:ext>
+                </a:extLst>
+              </p:cNvPr>
+              <p:cNvPicPr>
+                <a:picLocks noChangeAspect="1"/>
+              </p:cNvPicPr>
+              <p:nvPr/>
+            </p:nvPicPr>
+            <p:blipFill>
+              <a:blip r:embed="rId7" cstate="print">
+                <a:extLst>
+                  <a:ext uri="{28A0092B-C50C-407E-A947-70E740481C1C}">
+                    <a14:useLocalDpi xmlns:a14="http://schemas.microsoft.com/office/drawing/2010/main" val="0"/>
+                  </a:ext>
+                </a:extLst>
+              </a:blip>
+              <a:srcRect/>
+              <a:stretch>
+                <a:fillRect/>
+              </a:stretch>
+            </p:blipFill>
+            <p:spPr bwMode="auto">
+              <a:xfrm>
+                <a:off x="7204392" y="2239645"/>
+                <a:ext cx="1477645" cy="1477645"/>
+              </a:xfrm>
+              <a:prstGeom prst="rect">
+                <a:avLst/>
+              </a:prstGeom>
+              <a:noFill/>
+              <a:ln>
+                <a:noFill/>
+              </a:ln>
+            </p:spPr>
+          </p:pic>
+          <p:sp>
+            <p:nvSpPr>
+              <p:cNvPr id="16" name="Textové pole 6">
+                <a:extLst>
+                  <a:ext uri="{FF2B5EF4-FFF2-40B4-BE49-F238E27FC236}">
+                    <a16:creationId xmlns:a16="http://schemas.microsoft.com/office/drawing/2014/main" id="{04FE9350-5F5D-DF57-3E77-F69C0161A275}"/>
+                  </a:ext>
+                </a:extLst>
+              </p:cNvPr>
+              <p:cNvSpPr txBox="1"/>
+              <p:nvPr/>
+            </p:nvSpPr>
+            <p:spPr>
+              <a:xfrm>
+                <a:off x="6685597" y="3683000"/>
+                <a:ext cx="2543810" cy="935355"/>
+              </a:xfrm>
+              <a:prstGeom prst="rect">
+                <a:avLst/>
+              </a:prstGeom>
+              <a:noFill/>
+              <a:ln w="6350">
+                <a:noFill/>
+              </a:ln>
+            </p:spPr>
+            <p:txBody>
+              <a:bodyPr rot="0" spcFirstLastPara="0" vert="horz" wrap="square" lIns="0" tIns="0" rIns="0" bIns="0" numCol="1" spcCol="0" rtlCol="0" fromWordArt="0" anchor="ctr" anchorCtr="0" forceAA="0" compatLnSpc="1">
+                <a:prstTxWarp prst="textNoShape">
+                  <a:avLst/>
+                </a:prstTxWarp>
+                <a:noAutofit/>
+              </a:bodyPr>
+              <a:lstStyle/>
+              <a:p>
+                <a:pPr algn="ctr">
+                  <a:lnSpc>
+                    <a:spcPct val="107000"/>
+                  </a:lnSpc>
+                  <a:spcAft>
+                    <a:spcPts val="800"/>
+                  </a:spcAft>
+                </a:pPr>
+                <a:r>
+                  <a:rPr lang="sk-SK" sz="1200" i="1" dirty="0">
+                    <a:solidFill>
+                      <a:schemeClr val="bg1"/>
+                    </a:solidFill>
+                    <a:effectLst/>
+                    <a:latin typeface="Times New Roman" panose="02020603050405020304" pitchFamily="18" charset="0"/>
+                    <a:ea typeface="Calibri" panose="020F0502020204030204" pitchFamily="34" charset="0"/>
+                    <a:cs typeface="Times New Roman" panose="02020603050405020304" pitchFamily="18" charset="0"/>
+                  </a:rPr>
+                  <a:t>Verzia obrázka vedľa, kde bola zadná stena zmazaná a nahradená generovanou odpoveďou na textovú výzvu: Stena vyzdobená trofejami </a:t>
+                </a:r>
+                <a:endParaRPr lang="en-US" sz="1200" dirty="0">
+                  <a:solidFill>
+                    <a:schemeClr val="bg1"/>
+                  </a:solidFill>
+                  <a:effectLst/>
+                  <a:latin typeface="Times New Roman" panose="02020603050405020304" pitchFamily="18" charset="0"/>
+                  <a:ea typeface="Calibri" panose="020F0502020204030204" pitchFamily="34" charset="0"/>
+                  <a:cs typeface="Times New Roman" panose="02020603050405020304" pitchFamily="18" charset="0"/>
+                </a:endParaRPr>
+              </a:p>
+            </p:txBody>
+          </p:sp>
+        </p:grpSp>
       </p:grpSp>
-      <p:pic>
-        <p:nvPicPr>
-          <p:cNvPr id="10" name="Obrázok 9"/>
-          <p:cNvPicPr>
-            <a:picLocks noChangeAspect="1"/>
-          </p:cNvPicPr>
-          <p:nvPr/>
-        </p:nvPicPr>
-        <p:blipFill>
-          <a:blip r:embed="rId4">
+      <p:grpSp>
+        <p:nvGrpSpPr>
+          <p:cNvPr id="26" name="Skupina 25">
             <a:extLst>
-              <a:ext uri="{28A0092B-C50C-407E-A947-70E740481C1C}">
-                <a14:useLocalDpi xmlns:a14="http://schemas.microsoft.com/office/drawing/2010/main" val="0"/>
+              <a:ext uri="{FF2B5EF4-FFF2-40B4-BE49-F238E27FC236}">
+                <a16:creationId xmlns:a16="http://schemas.microsoft.com/office/drawing/2014/main" id="{E4DC7F45-7742-E4E9-A30D-378C684B6180}"/>
               </a:ext>
             </a:extLst>
-          </a:blip>
-          <a:stretch>
-            <a:fillRect/>
-          </a:stretch>
-        </p:blipFill>
-        <p:spPr>
-          <a:xfrm>
-            <a:off x="2725615" y="1625844"/>
-            <a:ext cx="6740770" cy="3606312"/>
-          </a:xfrm>
-          <a:prstGeom prst="rect">
-            <a:avLst/>
-          </a:prstGeom>
-        </p:spPr>
-      </p:pic>
-      <p:grpSp>
-        <p:nvGrpSpPr>
-          <p:cNvPr id="13" name="Skupina 12"/>
+          </p:cNvPr>
           <p:cNvGrpSpPr/>
           <p:nvPr/>
         </p:nvGrpSpPr>
         <p:grpSpPr>
           <a:xfrm>
-            <a:off x="2365131" y="1094825"/>
-            <a:ext cx="7438292" cy="4813606"/>
-            <a:chOff x="2365131" y="1094825"/>
-            <a:chExt cx="7438292" cy="4813606"/>
+            <a:off x="3255498" y="3424642"/>
+            <a:ext cx="4945487" cy="2440679"/>
+            <a:chOff x="3049903" y="3369570"/>
+            <a:chExt cx="4945487" cy="2440679"/>
           </a:xfrm>
         </p:grpSpPr>
         <p:sp>
           <p:nvSpPr>
-            <p:cNvPr id="12" name="Obdĺžnik 11"/>
+            <p:cNvPr id="25" name="Obdĺžnik 24">
+              <a:extLst>
+                <a:ext uri="{FF2B5EF4-FFF2-40B4-BE49-F238E27FC236}">
+                  <a16:creationId xmlns:a16="http://schemas.microsoft.com/office/drawing/2014/main" id="{9E74683A-661E-E5A3-9EF8-C7E6146AE09E}"/>
+                </a:ext>
+              </a:extLst>
+            </p:cNvPr>
             <p:cNvSpPr/>
             <p:nvPr/>
           </p:nvSpPr>
           <p:spPr>
             <a:xfrm>
-              <a:off x="2365131" y="1094825"/>
-              <a:ext cx="7438292" cy="4813606"/>
+              <a:off x="3049903" y="3369570"/>
+              <a:ext cx="4945487" cy="2417089"/>
             </a:xfrm>
             <a:prstGeom prst="rect">
               <a:avLst/>
@@ -6950,57 +10095,450 @@
             </a:p>
           </p:txBody>
         </p:sp>
-        <p:pic>
-          <p:nvPicPr>
-            <p:cNvPr id="11" name="Obrázok 10"/>
-            <p:cNvPicPr>
-              <a:picLocks noChangeAspect="1"/>
-            </p:cNvPicPr>
-            <p:nvPr/>
-          </p:nvPicPr>
-          <p:blipFill rotWithShape="1">
-            <a:blip r:embed="rId5">
+        <p:grpSp>
+          <p:nvGrpSpPr>
+            <p:cNvPr id="24" name="Skupina 23">
               <a:extLst>
-                <a:ext uri="{28A0092B-C50C-407E-A947-70E740481C1C}">
-                  <a14:useLocalDpi xmlns:a14="http://schemas.microsoft.com/office/drawing/2010/main" val="0"/>
+                <a:ext uri="{FF2B5EF4-FFF2-40B4-BE49-F238E27FC236}">
+                  <a16:creationId xmlns:a16="http://schemas.microsoft.com/office/drawing/2014/main" id="{D21BF265-2A2D-5164-BCF2-43D264B0AA2D}"/>
                 </a:ext>
               </a:extLst>
-            </a:blip>
-            <a:srcRect t="18231"/>
-            <a:stretch/>
-          </p:blipFill>
-          <p:spPr>
+            </p:cNvPr>
+            <p:cNvGrpSpPr/>
+            <p:nvPr/>
+          </p:nvGrpSpPr>
+          <p:grpSpPr>
             <a:xfrm>
-              <a:off x="2381787" y="1094825"/>
-              <a:ext cx="7417777" cy="4797669"/>
+              <a:off x="3300653" y="3437889"/>
+              <a:ext cx="4534535" cy="2372360"/>
+              <a:chOff x="3300653" y="3437889"/>
+              <a:chExt cx="4534535" cy="2372360"/>
             </a:xfrm>
-            <a:prstGeom prst="rect">
-              <a:avLst/>
-            </a:prstGeom>
-          </p:spPr>
-        </p:pic>
+          </p:grpSpPr>
+          <p:pic>
+            <p:nvPicPr>
+              <p:cNvPr id="20" name="Obrázok 19">
+                <a:extLst>
+                  <a:ext uri="{FF2B5EF4-FFF2-40B4-BE49-F238E27FC236}">
+                    <a16:creationId xmlns:a16="http://schemas.microsoft.com/office/drawing/2014/main" id="{05EF9217-62AD-49AE-4457-6768338B8B75}"/>
+                  </a:ext>
+                </a:extLst>
+              </p:cNvPr>
+              <p:cNvPicPr>
+                <a:picLocks noChangeAspect="1"/>
+              </p:cNvPicPr>
+              <p:nvPr/>
+            </p:nvPicPr>
+            <p:blipFill>
+              <a:blip r:embed="rId8" cstate="print">
+                <a:extLst>
+                  <a:ext uri="{28A0092B-C50C-407E-A947-70E740481C1C}">
+                    <a14:useLocalDpi xmlns:a14="http://schemas.microsoft.com/office/drawing/2010/main" val="0"/>
+                  </a:ext>
+                </a:extLst>
+              </a:blip>
+              <a:srcRect/>
+              <a:stretch>
+                <a:fillRect/>
+              </a:stretch>
+            </p:blipFill>
+            <p:spPr bwMode="auto">
+              <a:xfrm>
+                <a:off x="5775883" y="3437889"/>
+                <a:ext cx="2049145" cy="2066925"/>
+              </a:xfrm>
+              <a:prstGeom prst="rect">
+                <a:avLst/>
+              </a:prstGeom>
+              <a:noFill/>
+              <a:ln>
+                <a:noFill/>
+              </a:ln>
+            </p:spPr>
+          </p:pic>
+          <p:pic>
+            <p:nvPicPr>
+              <p:cNvPr id="21" name="Obrázok 20">
+                <a:extLst>
+                  <a:ext uri="{FF2B5EF4-FFF2-40B4-BE49-F238E27FC236}">
+                    <a16:creationId xmlns:a16="http://schemas.microsoft.com/office/drawing/2014/main" id="{F3F59C7D-AD0D-EE0E-6B6F-8F8DEB74F9A0}"/>
+                  </a:ext>
+                </a:extLst>
+              </p:cNvPr>
+              <p:cNvPicPr>
+                <a:picLocks noChangeAspect="1"/>
+              </p:cNvPicPr>
+              <p:nvPr/>
+            </p:nvPicPr>
+            <p:blipFill>
+              <a:blip r:embed="rId9" cstate="print">
+                <a:extLst>
+                  <a:ext uri="{28A0092B-C50C-407E-A947-70E740481C1C}">
+                    <a14:useLocalDpi xmlns:a14="http://schemas.microsoft.com/office/drawing/2010/main" val="0"/>
+                  </a:ext>
+                </a:extLst>
+              </a:blip>
+              <a:srcRect/>
+              <a:stretch>
+                <a:fillRect/>
+              </a:stretch>
+            </p:blipFill>
+            <p:spPr bwMode="auto">
+              <a:xfrm>
+                <a:off x="3300653" y="3452494"/>
+                <a:ext cx="2065020" cy="2065020"/>
+              </a:xfrm>
+              <a:prstGeom prst="rect">
+                <a:avLst/>
+              </a:prstGeom>
+              <a:noFill/>
+              <a:ln>
+                <a:noFill/>
+              </a:ln>
+            </p:spPr>
+          </p:pic>
+          <p:sp>
+            <p:nvSpPr>
+              <p:cNvPr id="22" name="Textové pole 13">
+                <a:extLst>
+                  <a:ext uri="{FF2B5EF4-FFF2-40B4-BE49-F238E27FC236}">
+                    <a16:creationId xmlns:a16="http://schemas.microsoft.com/office/drawing/2014/main" id="{80BA52C6-BE98-712E-ADE0-5C3855BE29AA}"/>
+                  </a:ext>
+                </a:extLst>
+              </p:cNvPr>
+              <p:cNvSpPr txBox="1"/>
+              <p:nvPr/>
+            </p:nvSpPr>
+            <p:spPr>
+              <a:xfrm>
+                <a:off x="3315893" y="5479414"/>
+                <a:ext cx="1986280" cy="330835"/>
+              </a:xfrm>
+              <a:prstGeom prst="rect">
+                <a:avLst/>
+              </a:prstGeom>
+              <a:noFill/>
+              <a:ln w="6350">
+                <a:noFill/>
+              </a:ln>
+            </p:spPr>
+            <p:txBody>
+              <a:bodyPr rot="0" spcFirstLastPara="0" vert="horz" wrap="square" lIns="0" tIns="0" rIns="0" bIns="0" numCol="1" spcCol="0" rtlCol="0" fromWordArt="0" anchor="ctr" anchorCtr="0" forceAA="0" compatLnSpc="1">
+                <a:prstTxWarp prst="textNoShape">
+                  <a:avLst/>
+                </a:prstTxWarp>
+                <a:noAutofit/>
+              </a:bodyPr>
+              <a:lstStyle/>
+              <a:p>
+                <a:pPr algn="ctr">
+                  <a:lnSpc>
+                    <a:spcPct val="107000"/>
+                  </a:lnSpc>
+                  <a:spcAft>
+                    <a:spcPts val="800"/>
+                  </a:spcAft>
+                </a:pPr>
+                <a:r>
+                  <a:rPr lang="sk-SK" sz="1200" i="1" dirty="0">
+                    <a:solidFill>
+                      <a:schemeClr val="bg1"/>
+                    </a:solidFill>
+                    <a:effectLst/>
+                    <a:latin typeface="Times New Roman" panose="02020603050405020304" pitchFamily="18" charset="0"/>
+                    <a:ea typeface="Calibri" panose="020F0502020204030204" pitchFamily="34" charset="0"/>
+                    <a:cs typeface="Times New Roman" panose="02020603050405020304" pitchFamily="18" charset="0"/>
+                  </a:rPr>
+                  <a:t>Originál</a:t>
+                </a:r>
+                <a:endParaRPr lang="en-US" sz="1200" dirty="0">
+                  <a:solidFill>
+                    <a:schemeClr val="bg1"/>
+                  </a:solidFill>
+                  <a:effectLst/>
+                  <a:latin typeface="Times New Roman" panose="02020603050405020304" pitchFamily="18" charset="0"/>
+                  <a:ea typeface="Calibri" panose="020F0502020204030204" pitchFamily="34" charset="0"/>
+                  <a:cs typeface="Times New Roman" panose="02020603050405020304" pitchFamily="18" charset="0"/>
+                </a:endParaRPr>
+              </a:p>
+            </p:txBody>
+          </p:sp>
+          <p:sp>
+            <p:nvSpPr>
+              <p:cNvPr id="23" name="Textové pole 14">
+                <a:extLst>
+                  <a:ext uri="{FF2B5EF4-FFF2-40B4-BE49-F238E27FC236}">
+                    <a16:creationId xmlns:a16="http://schemas.microsoft.com/office/drawing/2014/main" id="{C8AD9D20-B019-C11D-41F3-48A8AFAF9B0F}"/>
+                  </a:ext>
+                </a:extLst>
+              </p:cNvPr>
+              <p:cNvSpPr txBox="1"/>
+              <p:nvPr/>
+            </p:nvSpPr>
+            <p:spPr>
+              <a:xfrm>
+                <a:off x="5775883" y="5489574"/>
+                <a:ext cx="2059305" cy="285750"/>
+              </a:xfrm>
+              <a:prstGeom prst="rect">
+                <a:avLst/>
+              </a:prstGeom>
+              <a:noFill/>
+              <a:ln w="6350">
+                <a:noFill/>
+              </a:ln>
+            </p:spPr>
+            <p:txBody>
+              <a:bodyPr rot="0" spcFirstLastPara="0" vert="horz" wrap="square" lIns="0" tIns="0" rIns="0" bIns="0" numCol="1" spcCol="0" rtlCol="0" fromWordArt="0" anchor="ctr" anchorCtr="0" forceAA="0" compatLnSpc="1">
+                <a:prstTxWarp prst="textNoShape">
+                  <a:avLst/>
+                </a:prstTxWarp>
+                <a:noAutofit/>
+              </a:bodyPr>
+              <a:lstStyle/>
+              <a:p>
+                <a:pPr algn="ctr">
+                  <a:lnSpc>
+                    <a:spcPct val="107000"/>
+                  </a:lnSpc>
+                  <a:spcAft>
+                    <a:spcPts val="800"/>
+                  </a:spcAft>
+                </a:pPr>
+                <a:r>
+                  <a:rPr lang="sk-SK" sz="1200" i="1" dirty="0">
+                    <a:solidFill>
+                      <a:schemeClr val="bg1"/>
+                    </a:solidFill>
+                    <a:effectLst/>
+                    <a:latin typeface="Times New Roman" panose="02020603050405020304" pitchFamily="18" charset="0"/>
+                    <a:ea typeface="Calibri" panose="020F0502020204030204" pitchFamily="34" charset="0"/>
+                    <a:cs typeface="Times New Roman" panose="02020603050405020304" pitchFamily="18" charset="0"/>
+                  </a:rPr>
+                  <a:t>Variácia</a:t>
+                </a:r>
+                <a:endParaRPr lang="en-US" sz="1200" dirty="0">
+                  <a:solidFill>
+                    <a:schemeClr val="bg1"/>
+                  </a:solidFill>
+                  <a:effectLst/>
+                  <a:latin typeface="Times New Roman" panose="02020603050405020304" pitchFamily="18" charset="0"/>
+                  <a:ea typeface="Calibri" panose="020F0502020204030204" pitchFamily="34" charset="0"/>
+                  <a:cs typeface="Times New Roman" panose="02020603050405020304" pitchFamily="18" charset="0"/>
+                </a:endParaRPr>
+              </a:p>
+            </p:txBody>
+          </p:sp>
+        </p:grpSp>
       </p:grpSp>
     </p:spTree>
     <p:extLst>
       <p:ext uri="{BB962C8B-B14F-4D97-AF65-F5344CB8AC3E}">
-        <p14:creationId xmlns:p14="http://schemas.microsoft.com/office/powerpoint/2010/main" val="2067531360"/>
+        <p14:creationId xmlns:p14="http://schemas.microsoft.com/office/powerpoint/2010/main" val="1568401115"/>
       </p:ext>
     </p:extLst>
   </p:cSld>
   <p:clrMapOvr>
     <a:masterClrMapping/>
   </p:clrMapOvr>
+  <mc:AlternateContent xmlns:mc="http://schemas.openxmlformats.org/markup-compatibility/2006">
+    <mc:Choice xmlns:p14="http://schemas.microsoft.com/office/powerpoint/2010/main" Requires="p14">
+      <p:transition spd="slow" p14:dur="2000" advClick="0" advTm="50000"/>
+    </mc:Choice>
+    <mc:Fallback>
+      <p:transition spd="slow" advClick="0" advTm="50000"/>
+    </mc:Fallback>
+  </mc:AlternateContent>
   <p:timing>
     <p:tnLst>
       <p:par>
-        <p:cTn id="1" dur="indefinite" restart="never" nodeType="tmRoot"/>
+        <p:cTn id="1" dur="indefinite" restart="never" nodeType="tmRoot">
+          <p:childTnLst>
+            <p:seq concurrent="1" nextAc="seek">
+              <p:cTn id="2" dur="indefinite" nodeType="mainSeq">
+                <p:childTnLst>
+                  <p:par>
+                    <p:cTn id="3" fill="hold">
+                      <p:stCondLst>
+                        <p:cond delay="indefinite"/>
+                        <p:cond evt="onBegin" delay="0">
+                          <p:tn val="2"/>
+                        </p:cond>
+                      </p:stCondLst>
+                      <p:childTnLst>
+                        <p:par>
+                          <p:cTn id="4" fill="hold">
+                            <p:stCondLst>
+                              <p:cond delay="0"/>
+                            </p:stCondLst>
+                            <p:childTnLst>
+                              <p:par>
+                                <p:cTn id="5" presetID="1" presetClass="entr" presetSubtype="0" fill="hold" nodeType="withEffect">
+                                  <p:stCondLst>
+                                    <p:cond delay="0"/>
+                                  </p:stCondLst>
+                                  <p:childTnLst>
+                                    <p:set>
+                                      <p:cBhvr>
+                                        <p:cTn id="6" dur="1" fill="hold">
+                                          <p:stCondLst>
+                                            <p:cond delay="0"/>
+                                          </p:stCondLst>
+                                        </p:cTn>
+                                        <p:tgtEl>
+                                          <p:spTgt spid="5"/>
+                                        </p:tgtEl>
+                                        <p:attrNameLst>
+                                          <p:attrName>style.visibility</p:attrName>
+                                        </p:attrNameLst>
+                                      </p:cBhvr>
+                                      <p:to>
+                                        <p:strVal val="visible"/>
+                                      </p:to>
+                                    </p:set>
+                                  </p:childTnLst>
+                                </p:cTn>
+                              </p:par>
+                            </p:childTnLst>
+                          </p:cTn>
+                        </p:par>
+                        <p:par>
+                          <p:cTn id="7" fill="hold">
+                            <p:stCondLst>
+                              <p:cond delay="0"/>
+                            </p:stCondLst>
+                            <p:childTnLst>
+                              <p:par>
+                                <p:cTn id="8" presetID="1" presetClass="entr" presetSubtype="0" fill="hold" nodeType="afterEffect">
+                                  <p:stCondLst>
+                                    <p:cond delay="20000"/>
+                                  </p:stCondLst>
+                                  <p:childTnLst>
+                                    <p:set>
+                                      <p:cBhvr>
+                                        <p:cTn id="9" dur="1" fill="hold">
+                                          <p:stCondLst>
+                                            <p:cond delay="0"/>
+                                          </p:stCondLst>
+                                        </p:cTn>
+                                        <p:tgtEl>
+                                          <p:spTgt spid="10"/>
+                                        </p:tgtEl>
+                                        <p:attrNameLst>
+                                          <p:attrName>style.visibility</p:attrName>
+                                        </p:attrNameLst>
+                                      </p:cBhvr>
+                                      <p:to>
+                                        <p:strVal val="visible"/>
+                                      </p:to>
+                                    </p:set>
+                                  </p:childTnLst>
+                                </p:cTn>
+                              </p:par>
+                            </p:childTnLst>
+                          </p:cTn>
+                        </p:par>
+                        <p:par>
+                          <p:cTn id="10" fill="hold">
+                            <p:stCondLst>
+                              <p:cond delay="20000"/>
+                            </p:stCondLst>
+                            <p:childTnLst>
+                              <p:par>
+                                <p:cTn id="11" presetID="1" presetClass="entr" presetSubtype="0" fill="hold" nodeType="afterEffect">
+                                  <p:stCondLst>
+                                    <p:cond delay="8500"/>
+                                  </p:stCondLst>
+                                  <p:childTnLst>
+                                    <p:set>
+                                      <p:cBhvr>
+                                        <p:cTn id="12" dur="1" fill="hold">
+                                          <p:stCondLst>
+                                            <p:cond delay="0"/>
+                                          </p:stCondLst>
+                                        </p:cTn>
+                                        <p:tgtEl>
+                                          <p:spTgt spid="19"/>
+                                        </p:tgtEl>
+                                        <p:attrNameLst>
+                                          <p:attrName>style.visibility</p:attrName>
+                                        </p:attrNameLst>
+                                      </p:cBhvr>
+                                      <p:to>
+                                        <p:strVal val="visible"/>
+                                      </p:to>
+                                    </p:set>
+                                  </p:childTnLst>
+                                </p:cTn>
+                              </p:par>
+                            </p:childTnLst>
+                          </p:cTn>
+                        </p:par>
+                        <p:par>
+                          <p:cTn id="13" fill="hold">
+                            <p:stCondLst>
+                              <p:cond delay="28500"/>
+                            </p:stCondLst>
+                            <p:childTnLst>
+                              <p:par>
+                                <p:cTn id="14" presetID="1" presetClass="entr" presetSubtype="0" fill="hold" nodeType="afterEffect">
+                                  <p:stCondLst>
+                                    <p:cond delay="11000"/>
+                                  </p:stCondLst>
+                                  <p:childTnLst>
+                                    <p:set>
+                                      <p:cBhvr>
+                                        <p:cTn id="15" dur="1" fill="hold">
+                                          <p:stCondLst>
+                                            <p:cond delay="0"/>
+                                          </p:stCondLst>
+                                        </p:cTn>
+                                        <p:tgtEl>
+                                          <p:spTgt spid="26"/>
+                                        </p:tgtEl>
+                                        <p:attrNameLst>
+                                          <p:attrName>style.visibility</p:attrName>
+                                        </p:attrNameLst>
+                                      </p:cBhvr>
+                                      <p:to>
+                                        <p:strVal val="visible"/>
+                                      </p:to>
+                                    </p:set>
+                                  </p:childTnLst>
+                                </p:cTn>
+                              </p:par>
+                            </p:childTnLst>
+                          </p:cTn>
+                        </p:par>
+                      </p:childTnLst>
+                    </p:cTn>
+                  </p:par>
+                </p:childTnLst>
+              </p:cTn>
+              <p:prevCondLst>
+                <p:cond evt="onPrev" delay="0">
+                  <p:tgtEl>
+                    <p:sldTgt/>
+                  </p:tgtEl>
+                </p:cond>
+              </p:prevCondLst>
+              <p:nextCondLst>
+                <p:cond evt="onNext" delay="0">
+                  <p:tgtEl>
+                    <p:sldTgt/>
+                  </p:tgtEl>
+                </p:cond>
+              </p:nextCondLst>
+            </p:seq>
+          </p:childTnLst>
+        </p:cTn>
       </p:par>
     </p:tnLst>
   </p:timing>
 </p:sld>
 </file>
 
-<file path=ppt/slides/slide5.xml><?xml version="1.0" encoding="utf-8"?>
+<file path=ppt/slides/slide8.xml><?xml version="1.0" encoding="utf-8"?>
 <p:sld xmlns:a="http://schemas.openxmlformats.org/drawingml/2006/main" xmlns:r="http://schemas.openxmlformats.org/officeDocument/2006/relationships" xmlns:p="http://schemas.openxmlformats.org/presentationml/2006/main">
   <p:cSld>
     <p:spTree>
@@ -7019,7 +10557,13 @@
       </p:grpSpPr>
       <p:sp>
         <p:nvSpPr>
-          <p:cNvPr id="2" name="Nadpis 1"/>
+          <p:cNvPr id="2" name="Nadpis 1">
+            <a:extLst>
+              <a:ext uri="{FF2B5EF4-FFF2-40B4-BE49-F238E27FC236}">
+                <a16:creationId xmlns:a16="http://schemas.microsoft.com/office/drawing/2014/main" id="{F9B9C164-70B0-8B7F-F945-25B6CEFD567E}"/>
+              </a:ext>
+            </a:extLst>
+          </p:cNvPr>
           <p:cNvSpPr>
             <a:spLocks noGrp="1"/>
           </p:cNvSpPr>
@@ -7033,155 +10577,230 @@
           <a:lstStyle/>
           <a:p>
             <a:r>
-              <a:rPr lang="sk-SK" dirty="0" smtClean="0"/>
-              <a:t>Trénovanie neurónových sietí</a:t>
-            </a:r>
-            <a:endParaRPr lang="sk-SK" dirty="0"/>
+              <a:rPr lang="sk-SK" dirty="0"/>
+              <a:t>ChatGPT</a:t>
+            </a:r>
           </a:p>
         </p:txBody>
       </p:sp>
       <p:pic>
         <p:nvPicPr>
-          <p:cNvPr id="4" name="Obrázok 3"/>
+          <p:cNvPr id="5122" name="Picture 2" descr="ChatGPT Logo and symbol, meaning, history, PNG, brand">
+            <a:extLst>
+              <a:ext uri="{FF2B5EF4-FFF2-40B4-BE49-F238E27FC236}">
+                <a16:creationId xmlns:a16="http://schemas.microsoft.com/office/drawing/2014/main" id="{F92CEB67-D430-C21C-6C72-2F6E578FD5EF}"/>
+              </a:ext>
+            </a:extLst>
+          </p:cNvPr>
           <p:cNvPicPr>
-            <a:picLocks noChangeAspect="1"/>
+            <a:picLocks noChangeAspect="1" noChangeArrowheads="1"/>
           </p:cNvPicPr>
           <p:nvPr/>
         </p:nvPicPr>
         <p:blipFill>
-          <a:blip r:embed="rId2">
+          <a:blip r:embed="rId2" cstate="print">
             <a:extLst>
               <a:ext uri="{28A0092B-C50C-407E-A947-70E740481C1C}">
                 <a14:useLocalDpi xmlns:a14="http://schemas.microsoft.com/office/drawing/2010/main" val="0"/>
               </a:ext>
             </a:extLst>
           </a:blip>
+          <a:srcRect/>
           <a:stretch>
             <a:fillRect/>
           </a:stretch>
         </p:blipFill>
-        <p:spPr>
+        <p:spPr bwMode="auto">
           <a:xfrm>
-            <a:off x="2118018" y="1580050"/>
-            <a:ext cx="7945316" cy="5098244"/>
+            <a:off x="2630552" y="1815504"/>
+            <a:ext cx="6920248" cy="3892640"/>
           </a:xfrm>
           <a:prstGeom prst="rect">
             <a:avLst/>
           </a:prstGeom>
+          <a:noFill/>
+          <a:extLst>
+            <a:ext uri="{909E8E84-426E-40DD-AFC4-6F175D3DCCD1}">
+              <a14:hiddenFill xmlns:a14="http://schemas.microsoft.com/office/drawing/2010/main">
+                <a:solidFill>
+                  <a:srgbClr val="FFFFFF"/>
+                </a:solidFill>
+              </a14:hiddenFill>
+            </a:ext>
+          </a:extLst>
         </p:spPr>
       </p:pic>
-      <p:grpSp>
-        <p:nvGrpSpPr>
-          <p:cNvPr id="7" name="Skupina 6"/>
-          <p:cNvGrpSpPr/>
+      <p:pic>
+        <p:nvPicPr>
+          <p:cNvPr id="4" name="Obrázok 3" descr="Obrázok">
+            <a:extLst>
+              <a:ext uri="{FF2B5EF4-FFF2-40B4-BE49-F238E27FC236}">
+                <a16:creationId xmlns:a16="http://schemas.microsoft.com/office/drawing/2014/main" id="{82903BFC-99FF-B6C9-61DE-A24CA9C47329}"/>
+              </a:ext>
+            </a:extLst>
+          </p:cNvPr>
+          <p:cNvPicPr>
+            <a:picLocks noChangeAspect="1"/>
+          </p:cNvPicPr>
           <p:nvPr/>
-        </p:nvGrpSpPr>
-        <p:grpSpPr>
+        </p:nvPicPr>
+        <p:blipFill rotWithShape="1">
+          <a:blip r:embed="rId3" cstate="print">
+            <a:extLst>
+              <a:ext uri="{28A0092B-C50C-407E-A947-70E740481C1C}">
+                <a14:useLocalDpi xmlns:a14="http://schemas.microsoft.com/office/drawing/2010/main" val="0"/>
+              </a:ext>
+            </a:extLst>
+          </a:blip>
+          <a:srcRect t="41115" b="8277"/>
+          <a:stretch/>
+        </p:blipFill>
+        <p:spPr bwMode="auto">
           <a:xfrm>
-            <a:off x="2118018" y="1714500"/>
-            <a:ext cx="5715000" cy="2861896"/>
-            <a:chOff x="2118018" y="1714500"/>
-            <a:chExt cx="5715000" cy="2861896"/>
+            <a:off x="260494" y="1452094"/>
+            <a:ext cx="11660364" cy="5273898"/>
           </a:xfrm>
-        </p:grpSpPr>
-        <p:sp>
-          <p:nvSpPr>
-            <p:cNvPr id="6" name="Obdĺžnik 5"/>
-            <p:cNvSpPr/>
-            <p:nvPr/>
-          </p:nvSpPr>
-          <p:spPr>
-            <a:xfrm>
-              <a:off x="2118018" y="1714500"/>
-              <a:ext cx="5689928" cy="2831123"/>
-            </a:xfrm>
-            <a:prstGeom prst="rect">
-              <a:avLst/>
-            </a:prstGeom>
-            <a:solidFill>
-              <a:schemeClr val="tx1"/>
-            </a:solidFill>
-            <a:ln>
-              <a:noFill/>
-            </a:ln>
-          </p:spPr>
-          <p:style>
-            <a:lnRef idx="2">
-              <a:schemeClr val="accent1">
-                <a:shade val="50000"/>
-              </a:schemeClr>
-            </a:lnRef>
-            <a:fillRef idx="1">
-              <a:schemeClr val="accent1"/>
-            </a:fillRef>
-            <a:effectRef idx="0">
-              <a:schemeClr val="accent1"/>
-            </a:effectRef>
-            <a:fontRef idx="minor">
-              <a:schemeClr val="lt1"/>
-            </a:fontRef>
-          </p:style>
-          <p:txBody>
-            <a:bodyPr rtlCol="0" anchor="ctr"/>
-            <a:lstStyle/>
-            <a:p>
-              <a:pPr algn="ctr"/>
-              <a:endParaRPr lang="sk-SK"/>
-            </a:p>
-          </p:txBody>
-        </p:sp>
-        <p:pic>
-          <p:nvPicPr>
-            <p:cNvPr id="5" name="Obrázok 4"/>
-            <p:cNvPicPr>
-              <a:picLocks noChangeAspect="1"/>
-            </p:cNvPicPr>
-            <p:nvPr/>
-          </p:nvPicPr>
-          <p:blipFill>
-            <a:blip r:embed="rId3">
-              <a:extLst>
-                <a:ext uri="{28A0092B-C50C-407E-A947-70E740481C1C}">
-                  <a14:useLocalDpi xmlns:a14="http://schemas.microsoft.com/office/drawing/2010/main" val="0"/>
-                </a:ext>
-              </a:extLst>
-            </a:blip>
-            <a:stretch>
-              <a:fillRect/>
-            </a:stretch>
-          </p:blipFill>
-          <p:spPr>
-            <a:xfrm>
-              <a:off x="2118018" y="1718896"/>
-              <a:ext cx="5715000" cy="2857500"/>
-            </a:xfrm>
-            <a:prstGeom prst="rect">
-              <a:avLst/>
-            </a:prstGeom>
-          </p:spPr>
-        </p:pic>
-      </p:grpSp>
+          <a:prstGeom prst="rect">
+            <a:avLst/>
+          </a:prstGeom>
+          <a:noFill/>
+          <a:ln>
+            <a:noFill/>
+          </a:ln>
+          <a:extLst>
+            <a:ext uri="{53640926-AAD7-44D8-BBD7-CCE9431645EC}">
+              <a14:shadowObscured xmlns:a14="http://schemas.microsoft.com/office/drawing/2010/main"/>
+            </a:ext>
+          </a:extLst>
+        </p:spPr>
+      </p:pic>
     </p:spTree>
     <p:extLst>
       <p:ext uri="{BB962C8B-B14F-4D97-AF65-F5344CB8AC3E}">
-        <p14:creationId xmlns:p14="http://schemas.microsoft.com/office/powerpoint/2010/main" val="1780057052"/>
+        <p14:creationId xmlns:p14="http://schemas.microsoft.com/office/powerpoint/2010/main" val="4231414507"/>
       </p:ext>
     </p:extLst>
   </p:cSld>
   <p:clrMapOvr>
     <a:masterClrMapping/>
   </p:clrMapOvr>
+  <mc:AlternateContent xmlns:mc="http://schemas.openxmlformats.org/markup-compatibility/2006">
+    <mc:Choice xmlns:p14="http://schemas.microsoft.com/office/powerpoint/2010/main" Requires="p14">
+      <p:transition spd="slow" p14:dur="2000" advClick="0" advTm="89000"/>
+    </mc:Choice>
+    <mc:Fallback>
+      <p:transition spd="slow" advClick="0" advTm="89000"/>
+    </mc:Fallback>
+  </mc:AlternateContent>
   <p:timing>
     <p:tnLst>
       <p:par>
-        <p:cTn id="1" dur="indefinite" restart="never" nodeType="tmRoot"/>
+        <p:cTn id="1" dur="indefinite" restart="never" nodeType="tmRoot">
+          <p:childTnLst>
+            <p:seq concurrent="1" nextAc="seek">
+              <p:cTn id="2" dur="indefinite" nodeType="mainSeq">
+                <p:childTnLst>
+                  <p:par>
+                    <p:cTn id="3" fill="hold">
+                      <p:stCondLst>
+                        <p:cond delay="indefinite"/>
+                        <p:cond evt="onBegin" delay="0">
+                          <p:tn val="2"/>
+                        </p:cond>
+                      </p:stCondLst>
+                      <p:childTnLst>
+                        <p:par>
+                          <p:cTn id="4" fill="hold">
+                            <p:stCondLst>
+                              <p:cond delay="0"/>
+                            </p:stCondLst>
+                            <p:childTnLst>
+                              <p:par>
+                                <p:cTn id="5" presetID="1" presetClass="entr" presetSubtype="0" fill="hold" nodeType="afterEffect">
+                                  <p:stCondLst>
+                                    <p:cond delay="55000"/>
+                                  </p:stCondLst>
+                                  <p:childTnLst>
+                                    <p:set>
+                                      <p:cBhvr>
+                                        <p:cTn id="6" dur="1" fill="hold">
+                                          <p:stCondLst>
+                                            <p:cond delay="0"/>
+                                          </p:stCondLst>
+                                        </p:cTn>
+                                        <p:tgtEl>
+                                          <p:spTgt spid="4"/>
+                                        </p:tgtEl>
+                                        <p:attrNameLst>
+                                          <p:attrName>style.visibility</p:attrName>
+                                        </p:attrNameLst>
+                                      </p:cBhvr>
+                                      <p:to>
+                                        <p:strVal val="visible"/>
+                                      </p:to>
+                                    </p:set>
+                                  </p:childTnLst>
+                                </p:cTn>
+                              </p:par>
+                              <p:par>
+                                <p:cTn id="7" presetID="1" presetClass="entr" presetSubtype="0" fill="hold" nodeType="withEffect">
+                                  <p:stCondLst>
+                                    <p:cond delay="0"/>
+                                  </p:stCondLst>
+                                  <p:childTnLst>
+                                    <p:set>
+                                      <p:cBhvr>
+                                        <p:cTn id="8" dur="1" fill="hold">
+                                          <p:stCondLst>
+                                            <p:cond delay="0"/>
+                                          </p:stCondLst>
+                                        </p:cTn>
+                                        <p:tgtEl>
+                                          <p:spTgt spid="5122"/>
+                                        </p:tgtEl>
+                                        <p:attrNameLst>
+                                          <p:attrName>style.visibility</p:attrName>
+                                        </p:attrNameLst>
+                                      </p:cBhvr>
+                                      <p:to>
+                                        <p:strVal val="visible"/>
+                                      </p:to>
+                                    </p:set>
+                                  </p:childTnLst>
+                                </p:cTn>
+                              </p:par>
+                            </p:childTnLst>
+                          </p:cTn>
+                        </p:par>
+                      </p:childTnLst>
+                    </p:cTn>
+                  </p:par>
+                </p:childTnLst>
+              </p:cTn>
+              <p:prevCondLst>
+                <p:cond evt="onPrev" delay="0">
+                  <p:tgtEl>
+                    <p:sldTgt/>
+                  </p:tgtEl>
+                </p:cond>
+              </p:prevCondLst>
+              <p:nextCondLst>
+                <p:cond evt="onNext" delay="0">
+                  <p:tgtEl>
+                    <p:sldTgt/>
+                  </p:tgtEl>
+                </p:cond>
+              </p:nextCondLst>
+            </p:seq>
+          </p:childTnLst>
+        </p:cTn>
       </p:par>
     </p:tnLst>
   </p:timing>
 </p:sld>
 </file>
 
-<file path=ppt/slides/slide6.xml><?xml version="1.0" encoding="utf-8"?>
+<file path=ppt/slides/slide9.xml><?xml version="1.0" encoding="utf-8"?>
 <p:sld xmlns:a="http://schemas.openxmlformats.org/drawingml/2006/main" xmlns:r="http://schemas.openxmlformats.org/officeDocument/2006/relationships" xmlns:p="http://schemas.openxmlformats.org/presentationml/2006/main">
   <p:cSld>
     <p:spTree>
@@ -7200,7 +10819,13 @@
       </p:grpSpPr>
       <p:sp>
         <p:nvSpPr>
-          <p:cNvPr id="2" name="Nadpis 1"/>
+          <p:cNvPr id="2" name="Nadpis 1">
+            <a:extLst>
+              <a:ext uri="{FF2B5EF4-FFF2-40B4-BE49-F238E27FC236}">
+                <a16:creationId xmlns:a16="http://schemas.microsoft.com/office/drawing/2014/main" id="{A41EB936-A20A-1320-049C-3B58A7EE5734}"/>
+              </a:ext>
+            </a:extLst>
+          </p:cNvPr>
           <p:cNvSpPr>
             <a:spLocks noGrp="1"/>
           </p:cNvSpPr>
@@ -7214,49 +10839,486 @@
           <a:lstStyle/>
           <a:p>
             <a:r>
-              <a:rPr lang="sk-SK" dirty="0" smtClean="0"/>
-              <a:t>Ďakujem za pozornosť</a:t>
-            </a:r>
-            <a:endParaRPr lang="sk-SK" dirty="0"/>
-          </a:p>
-        </p:txBody>
-      </p:sp>
-      <p:sp>
-        <p:nvSpPr>
-          <p:cNvPr id="3" name="Zástupný objekt pre text 2"/>
-          <p:cNvSpPr>
-            <a:spLocks noGrp="1"/>
-          </p:cNvSpPr>
-          <p:nvPr>
-            <p:ph type="body" sz="half" idx="2"/>
-          </p:nvPr>
-        </p:nvSpPr>
-        <p:spPr/>
-        <p:txBody>
-          <a:bodyPr/>
+              <a:rPr lang="sk-SK" dirty="0"/>
+              <a:t>Praktická časť</a:t>
+            </a:r>
+          </a:p>
+        </p:txBody>
+      </p:sp>
+      <p:sp>
+        <p:nvSpPr>
+          <p:cNvPr id="3" name="Zástupný objekt pre obsah 2">
+            <a:extLst>
+              <a:ext uri="{FF2B5EF4-FFF2-40B4-BE49-F238E27FC236}">
+                <a16:creationId xmlns:a16="http://schemas.microsoft.com/office/drawing/2014/main" id="{07DCC24C-E056-1CEB-DD66-04C8DD3D0FE6}"/>
+              </a:ext>
+            </a:extLst>
+          </p:cNvPr>
+          <p:cNvSpPr>
+            <a:spLocks noGrp="1"/>
+          </p:cNvSpPr>
+          <p:nvPr>
+            <p:ph idx="1"/>
+          </p:nvPr>
+        </p:nvSpPr>
+        <p:spPr>
+          <a:xfrm>
+            <a:off x="412124" y="1732449"/>
+            <a:ext cx="11410681" cy="4848655"/>
+          </a:xfrm>
+        </p:spPr>
+        <p:txBody>
+          <a:bodyPr numCol="2">
+            <a:noAutofit/>
+          </a:bodyPr>
           <a:lstStyle/>
           <a:p>
-            <a:endParaRPr lang="sk-SK"/>
+            <a:r>
+              <a:rPr lang="sk-SK" sz="2200" dirty="0" err="1">
+                <a:latin typeface="Arial" panose="020B0604020202020204" pitchFamily="34" charset="0"/>
+                <a:cs typeface="Arial" panose="020B0604020202020204" pitchFamily="34" charset="0"/>
+              </a:rPr>
+              <a:t>from</a:t>
+            </a:r>
+            <a:r>
+              <a:rPr lang="sk-SK" sz="2200" dirty="0">
+                <a:latin typeface="Arial" panose="020B0604020202020204" pitchFamily="34" charset="0"/>
+                <a:cs typeface="Arial" panose="020B0604020202020204" pitchFamily="34" charset="0"/>
+              </a:rPr>
+              <a:t> </a:t>
+            </a:r>
+            <a:r>
+              <a:rPr lang="sk-SK" sz="2200" dirty="0" err="1">
+                <a:latin typeface="Arial" panose="020B0604020202020204" pitchFamily="34" charset="0"/>
+                <a:cs typeface="Arial" panose="020B0604020202020204" pitchFamily="34" charset="0"/>
+              </a:rPr>
+              <a:t>tensorflow</a:t>
+            </a:r>
+            <a:r>
+              <a:rPr lang="sk-SK" sz="2200" dirty="0">
+                <a:latin typeface="Arial" panose="020B0604020202020204" pitchFamily="34" charset="0"/>
+                <a:cs typeface="Arial" panose="020B0604020202020204" pitchFamily="34" charset="0"/>
+              </a:rPr>
+              <a:t> import </a:t>
+            </a:r>
+            <a:r>
+              <a:rPr lang="sk-SK" sz="2200" dirty="0" err="1">
+                <a:latin typeface="Arial" panose="020B0604020202020204" pitchFamily="34" charset="0"/>
+                <a:cs typeface="Arial" panose="020B0604020202020204" pitchFamily="34" charset="0"/>
+              </a:rPr>
+              <a:t>keras</a:t>
+            </a:r>
+            <a:endParaRPr lang="sk-SK" sz="2200" dirty="0">
+              <a:latin typeface="Arial" panose="020B0604020202020204" pitchFamily="34" charset="0"/>
+              <a:cs typeface="Arial" panose="020B0604020202020204" pitchFamily="34" charset="0"/>
+            </a:endParaRPr>
+          </a:p>
+          <a:p>
+            <a:r>
+              <a:rPr lang="sk-SK" sz="2200" dirty="0" err="1">
+                <a:latin typeface="Arial" panose="020B0604020202020204" pitchFamily="34" charset="0"/>
+                <a:cs typeface="Arial" panose="020B0604020202020204" pitchFamily="34" charset="0"/>
+              </a:rPr>
+              <a:t>from</a:t>
+            </a:r>
+            <a:r>
+              <a:rPr lang="sk-SK" sz="2200" dirty="0">
+                <a:latin typeface="Arial" panose="020B0604020202020204" pitchFamily="34" charset="0"/>
+                <a:cs typeface="Arial" panose="020B0604020202020204" pitchFamily="34" charset="0"/>
+              </a:rPr>
+              <a:t> </a:t>
+            </a:r>
+            <a:r>
+              <a:rPr lang="sk-SK" sz="2200" dirty="0" err="1">
+                <a:latin typeface="Arial" panose="020B0604020202020204" pitchFamily="34" charset="0"/>
+                <a:cs typeface="Arial" panose="020B0604020202020204" pitchFamily="34" charset="0"/>
+              </a:rPr>
+              <a:t>keras.utils</a:t>
+            </a:r>
+            <a:r>
+              <a:rPr lang="sk-SK" sz="2200" dirty="0">
+                <a:latin typeface="Arial" panose="020B0604020202020204" pitchFamily="34" charset="0"/>
+                <a:cs typeface="Arial" panose="020B0604020202020204" pitchFamily="34" charset="0"/>
+              </a:rPr>
+              <a:t> import </a:t>
+            </a:r>
+            <a:r>
+              <a:rPr lang="sk-SK" sz="2200" dirty="0" err="1">
+                <a:latin typeface="Arial" panose="020B0604020202020204" pitchFamily="34" charset="0"/>
+                <a:cs typeface="Arial" panose="020B0604020202020204" pitchFamily="34" charset="0"/>
+              </a:rPr>
+              <a:t>np_utils</a:t>
+            </a:r>
+            <a:endParaRPr lang="sk-SK" sz="2200" dirty="0">
+              <a:latin typeface="Arial" panose="020B0604020202020204" pitchFamily="34" charset="0"/>
+              <a:cs typeface="Arial" panose="020B0604020202020204" pitchFamily="34" charset="0"/>
+            </a:endParaRPr>
+          </a:p>
+          <a:p>
+            <a:r>
+              <a:rPr lang="sk-SK" sz="2200" dirty="0" err="1">
+                <a:latin typeface="Arial" panose="020B0604020202020204" pitchFamily="34" charset="0"/>
+                <a:cs typeface="Arial" panose="020B0604020202020204" pitchFamily="34" charset="0"/>
+              </a:rPr>
+              <a:t>from</a:t>
+            </a:r>
+            <a:r>
+              <a:rPr lang="sk-SK" sz="2200" dirty="0">
+                <a:latin typeface="Arial" panose="020B0604020202020204" pitchFamily="34" charset="0"/>
+                <a:cs typeface="Arial" panose="020B0604020202020204" pitchFamily="34" charset="0"/>
+              </a:rPr>
+              <a:t> </a:t>
+            </a:r>
+            <a:r>
+              <a:rPr lang="sk-SK" sz="2200" dirty="0" err="1">
+                <a:latin typeface="Arial" panose="020B0604020202020204" pitchFamily="34" charset="0"/>
+                <a:cs typeface="Arial" panose="020B0604020202020204" pitchFamily="34" charset="0"/>
+              </a:rPr>
+              <a:t>keras.datasets</a:t>
+            </a:r>
+            <a:r>
+              <a:rPr lang="sk-SK" sz="2200" dirty="0">
+                <a:latin typeface="Arial" panose="020B0604020202020204" pitchFamily="34" charset="0"/>
+                <a:cs typeface="Arial" panose="020B0604020202020204" pitchFamily="34" charset="0"/>
+              </a:rPr>
+              <a:t> import cifar10</a:t>
+            </a:r>
+          </a:p>
+          <a:p>
+            <a:endParaRPr lang="sk-SK" sz="2200" dirty="0">
+              <a:latin typeface="Arial" panose="020B0604020202020204" pitchFamily="34" charset="0"/>
+              <a:cs typeface="Arial" panose="020B0604020202020204" pitchFamily="34" charset="0"/>
+            </a:endParaRPr>
+          </a:p>
+          <a:p>
+            <a:r>
+              <a:rPr lang="sk-SK" sz="2200" dirty="0">
+                <a:latin typeface="Arial" panose="020B0604020202020204" pitchFamily="34" charset="0"/>
+                <a:cs typeface="Arial" panose="020B0604020202020204" pitchFamily="34" charset="0"/>
+              </a:rPr>
+              <a:t>(</a:t>
+            </a:r>
+            <a:r>
+              <a:rPr lang="sk-SK" sz="2200" dirty="0" err="1">
+                <a:latin typeface="Arial" panose="020B0604020202020204" pitchFamily="34" charset="0"/>
+                <a:cs typeface="Arial" panose="020B0604020202020204" pitchFamily="34" charset="0"/>
+              </a:rPr>
+              <a:t>X_train</a:t>
+            </a:r>
+            <a:r>
+              <a:rPr lang="sk-SK" sz="2200" dirty="0">
+                <a:latin typeface="Arial" panose="020B0604020202020204" pitchFamily="34" charset="0"/>
+                <a:cs typeface="Arial" panose="020B0604020202020204" pitchFamily="34" charset="0"/>
+              </a:rPr>
+              <a:t>, </a:t>
+            </a:r>
+            <a:r>
+              <a:rPr lang="sk-SK" sz="2200" dirty="0" err="1">
+                <a:latin typeface="Arial" panose="020B0604020202020204" pitchFamily="34" charset="0"/>
+                <a:cs typeface="Arial" panose="020B0604020202020204" pitchFamily="34" charset="0"/>
+              </a:rPr>
+              <a:t>y_train</a:t>
+            </a:r>
+            <a:r>
+              <a:rPr lang="sk-SK" sz="2200" dirty="0">
+                <a:latin typeface="Arial" panose="020B0604020202020204" pitchFamily="34" charset="0"/>
+                <a:cs typeface="Arial" panose="020B0604020202020204" pitchFamily="34" charset="0"/>
+              </a:rPr>
+              <a:t>), (</a:t>
+            </a:r>
+            <a:r>
+              <a:rPr lang="sk-SK" sz="2200" dirty="0" err="1">
+                <a:latin typeface="Arial" panose="020B0604020202020204" pitchFamily="34" charset="0"/>
+                <a:cs typeface="Arial" panose="020B0604020202020204" pitchFamily="34" charset="0"/>
+              </a:rPr>
+              <a:t>X_test</a:t>
+            </a:r>
+            <a:r>
+              <a:rPr lang="sk-SK" sz="2200" dirty="0">
+                <a:latin typeface="Arial" panose="020B0604020202020204" pitchFamily="34" charset="0"/>
+                <a:cs typeface="Arial" panose="020B0604020202020204" pitchFamily="34" charset="0"/>
+              </a:rPr>
+              <a:t>, </a:t>
+            </a:r>
+            <a:r>
+              <a:rPr lang="sk-SK" sz="2200" dirty="0" err="1">
+                <a:latin typeface="Arial" panose="020B0604020202020204" pitchFamily="34" charset="0"/>
+                <a:cs typeface="Arial" panose="020B0604020202020204" pitchFamily="34" charset="0"/>
+              </a:rPr>
+              <a:t>y_test</a:t>
+            </a:r>
+            <a:r>
+              <a:rPr lang="sk-SK" sz="2200" dirty="0">
+                <a:latin typeface="Arial" panose="020B0604020202020204" pitchFamily="34" charset="0"/>
+                <a:cs typeface="Arial" panose="020B0604020202020204" pitchFamily="34" charset="0"/>
+              </a:rPr>
+              <a:t>) = cifar10.load_data()</a:t>
+            </a:r>
+          </a:p>
+          <a:p>
+            <a:r>
+              <a:rPr lang="sk-SK" sz="2200" dirty="0" err="1">
+                <a:latin typeface="Arial" panose="020B0604020202020204" pitchFamily="34" charset="0"/>
+                <a:cs typeface="Arial" panose="020B0604020202020204" pitchFamily="34" charset="0"/>
+              </a:rPr>
+              <a:t>X_train</a:t>
+            </a:r>
+            <a:r>
+              <a:rPr lang="sk-SK" sz="2200" dirty="0">
+                <a:latin typeface="Arial" panose="020B0604020202020204" pitchFamily="34" charset="0"/>
+                <a:cs typeface="Arial" panose="020B0604020202020204" pitchFamily="34" charset="0"/>
+              </a:rPr>
+              <a:t> = </a:t>
+            </a:r>
+            <a:r>
+              <a:rPr lang="sk-SK" sz="2200" dirty="0" err="1">
+                <a:latin typeface="Arial" panose="020B0604020202020204" pitchFamily="34" charset="0"/>
+                <a:cs typeface="Arial" panose="020B0604020202020204" pitchFamily="34" charset="0"/>
+              </a:rPr>
+              <a:t>X_train.astype</a:t>
+            </a:r>
+            <a:r>
+              <a:rPr lang="sk-SK" sz="2200" dirty="0">
+                <a:latin typeface="Arial" panose="020B0604020202020204" pitchFamily="34" charset="0"/>
+                <a:cs typeface="Arial" panose="020B0604020202020204" pitchFamily="34" charset="0"/>
+              </a:rPr>
+              <a:t>('float32')</a:t>
+            </a:r>
+          </a:p>
+          <a:p>
+            <a:r>
+              <a:rPr lang="sk-SK" sz="2200" dirty="0" err="1">
+                <a:latin typeface="Arial" panose="020B0604020202020204" pitchFamily="34" charset="0"/>
+                <a:cs typeface="Arial" panose="020B0604020202020204" pitchFamily="34" charset="0"/>
+              </a:rPr>
+              <a:t>X_test</a:t>
+            </a:r>
+            <a:r>
+              <a:rPr lang="sk-SK" sz="2200" dirty="0">
+                <a:latin typeface="Arial" panose="020B0604020202020204" pitchFamily="34" charset="0"/>
+                <a:cs typeface="Arial" panose="020B0604020202020204" pitchFamily="34" charset="0"/>
+              </a:rPr>
+              <a:t> = </a:t>
+            </a:r>
+            <a:r>
+              <a:rPr lang="sk-SK" sz="2200" dirty="0" err="1">
+                <a:latin typeface="Arial" panose="020B0604020202020204" pitchFamily="34" charset="0"/>
+                <a:cs typeface="Arial" panose="020B0604020202020204" pitchFamily="34" charset="0"/>
+              </a:rPr>
+              <a:t>X_test.astype</a:t>
+            </a:r>
+            <a:r>
+              <a:rPr lang="sk-SK" sz="2200" dirty="0">
+                <a:latin typeface="Arial" panose="020B0604020202020204" pitchFamily="34" charset="0"/>
+                <a:cs typeface="Arial" panose="020B0604020202020204" pitchFamily="34" charset="0"/>
+              </a:rPr>
+              <a:t>('float32')</a:t>
+            </a:r>
+          </a:p>
+          <a:p>
+            <a:r>
+              <a:rPr lang="sk-SK" sz="2200" dirty="0" err="1">
+                <a:latin typeface="Arial" panose="020B0604020202020204" pitchFamily="34" charset="0"/>
+                <a:cs typeface="Arial" panose="020B0604020202020204" pitchFamily="34" charset="0"/>
+              </a:rPr>
+              <a:t>X_train</a:t>
+            </a:r>
+            <a:r>
+              <a:rPr lang="sk-SK" sz="2200" dirty="0">
+                <a:latin typeface="Arial" panose="020B0604020202020204" pitchFamily="34" charset="0"/>
+                <a:cs typeface="Arial" panose="020B0604020202020204" pitchFamily="34" charset="0"/>
+              </a:rPr>
+              <a:t> = </a:t>
+            </a:r>
+            <a:r>
+              <a:rPr lang="sk-SK" sz="2200" dirty="0" err="1">
+                <a:latin typeface="Arial" panose="020B0604020202020204" pitchFamily="34" charset="0"/>
+                <a:cs typeface="Arial" panose="020B0604020202020204" pitchFamily="34" charset="0"/>
+              </a:rPr>
+              <a:t>X_train</a:t>
+            </a:r>
+            <a:r>
+              <a:rPr lang="sk-SK" sz="2200" dirty="0">
+                <a:latin typeface="Arial" panose="020B0604020202020204" pitchFamily="34" charset="0"/>
+                <a:cs typeface="Arial" panose="020B0604020202020204" pitchFamily="34" charset="0"/>
+              </a:rPr>
+              <a:t> / 255.0</a:t>
+            </a:r>
+          </a:p>
+          <a:p>
+            <a:r>
+              <a:rPr lang="sk-SK" sz="2200" dirty="0" err="1">
+                <a:latin typeface="Arial" panose="020B0604020202020204" pitchFamily="34" charset="0"/>
+                <a:cs typeface="Arial" panose="020B0604020202020204" pitchFamily="34" charset="0"/>
+              </a:rPr>
+              <a:t>X_test</a:t>
+            </a:r>
+            <a:r>
+              <a:rPr lang="sk-SK" sz="2200" dirty="0">
+                <a:latin typeface="Arial" panose="020B0604020202020204" pitchFamily="34" charset="0"/>
+                <a:cs typeface="Arial" panose="020B0604020202020204" pitchFamily="34" charset="0"/>
+              </a:rPr>
+              <a:t> = </a:t>
+            </a:r>
+            <a:r>
+              <a:rPr lang="sk-SK" sz="2200" dirty="0" err="1">
+                <a:latin typeface="Arial" panose="020B0604020202020204" pitchFamily="34" charset="0"/>
+                <a:cs typeface="Arial" panose="020B0604020202020204" pitchFamily="34" charset="0"/>
+              </a:rPr>
+              <a:t>X_test</a:t>
+            </a:r>
+            <a:r>
+              <a:rPr lang="sk-SK" sz="2200" dirty="0">
+                <a:latin typeface="Arial" panose="020B0604020202020204" pitchFamily="34" charset="0"/>
+                <a:cs typeface="Arial" panose="020B0604020202020204" pitchFamily="34" charset="0"/>
+              </a:rPr>
+              <a:t> / 255.0</a:t>
+            </a:r>
+          </a:p>
+          <a:p>
+            <a:endParaRPr lang="sk-SK" sz="2200" dirty="0">
+              <a:latin typeface="Arial" panose="020B0604020202020204" pitchFamily="34" charset="0"/>
+              <a:cs typeface="Arial" panose="020B0604020202020204" pitchFamily="34" charset="0"/>
+            </a:endParaRPr>
+          </a:p>
+          <a:p>
+            <a:r>
+              <a:rPr lang="sk-SK" sz="2200" dirty="0" err="1">
+                <a:latin typeface="Arial" panose="020B0604020202020204" pitchFamily="34" charset="0"/>
+                <a:cs typeface="Arial" panose="020B0604020202020204" pitchFamily="34" charset="0"/>
+              </a:rPr>
+              <a:t>y_train</a:t>
+            </a:r>
+            <a:r>
+              <a:rPr lang="sk-SK" sz="2200" dirty="0">
+                <a:latin typeface="Arial" panose="020B0604020202020204" pitchFamily="34" charset="0"/>
+                <a:cs typeface="Arial" panose="020B0604020202020204" pitchFamily="34" charset="0"/>
+              </a:rPr>
+              <a:t> = </a:t>
+            </a:r>
+            <a:r>
+              <a:rPr lang="sk-SK" sz="2200" dirty="0" err="1">
+                <a:latin typeface="Arial" panose="020B0604020202020204" pitchFamily="34" charset="0"/>
+                <a:cs typeface="Arial" panose="020B0604020202020204" pitchFamily="34" charset="0"/>
+              </a:rPr>
+              <a:t>np_utils.to_categorical</a:t>
+            </a:r>
+            <a:r>
+              <a:rPr lang="sk-SK" sz="2200" dirty="0">
+                <a:latin typeface="Arial" panose="020B0604020202020204" pitchFamily="34" charset="0"/>
+                <a:cs typeface="Arial" panose="020B0604020202020204" pitchFamily="34" charset="0"/>
+              </a:rPr>
+              <a:t>(</a:t>
+            </a:r>
+            <a:r>
+              <a:rPr lang="sk-SK" sz="2200" dirty="0" err="1">
+                <a:latin typeface="Arial" panose="020B0604020202020204" pitchFamily="34" charset="0"/>
+                <a:cs typeface="Arial" panose="020B0604020202020204" pitchFamily="34" charset="0"/>
+              </a:rPr>
+              <a:t>y_train</a:t>
+            </a:r>
+            <a:r>
+              <a:rPr lang="sk-SK" sz="2200" dirty="0">
+                <a:latin typeface="Arial" panose="020B0604020202020204" pitchFamily="34" charset="0"/>
+                <a:cs typeface="Arial" panose="020B0604020202020204" pitchFamily="34" charset="0"/>
+              </a:rPr>
+              <a:t>)</a:t>
+            </a:r>
+          </a:p>
+          <a:p>
+            <a:r>
+              <a:rPr lang="sk-SK" sz="2200" dirty="0" err="1">
+                <a:latin typeface="Arial" panose="020B0604020202020204" pitchFamily="34" charset="0"/>
+                <a:cs typeface="Arial" panose="020B0604020202020204" pitchFamily="34" charset="0"/>
+              </a:rPr>
+              <a:t>y_test</a:t>
+            </a:r>
+            <a:r>
+              <a:rPr lang="sk-SK" sz="2200" dirty="0">
+                <a:latin typeface="Arial" panose="020B0604020202020204" pitchFamily="34" charset="0"/>
+                <a:cs typeface="Arial" panose="020B0604020202020204" pitchFamily="34" charset="0"/>
+              </a:rPr>
+              <a:t> = </a:t>
+            </a:r>
+            <a:r>
+              <a:rPr lang="sk-SK" sz="2200" dirty="0" err="1">
+                <a:latin typeface="Arial" panose="020B0604020202020204" pitchFamily="34" charset="0"/>
+                <a:cs typeface="Arial" panose="020B0604020202020204" pitchFamily="34" charset="0"/>
+              </a:rPr>
+              <a:t>np_utils.to_categorical</a:t>
+            </a:r>
+            <a:r>
+              <a:rPr lang="sk-SK" sz="2200" dirty="0">
+                <a:latin typeface="Arial" panose="020B0604020202020204" pitchFamily="34" charset="0"/>
+                <a:cs typeface="Arial" panose="020B0604020202020204" pitchFamily="34" charset="0"/>
+              </a:rPr>
+              <a:t>(</a:t>
+            </a:r>
+            <a:r>
+              <a:rPr lang="sk-SK" sz="2200" dirty="0" err="1">
+                <a:latin typeface="Arial" panose="020B0604020202020204" pitchFamily="34" charset="0"/>
+                <a:cs typeface="Arial" panose="020B0604020202020204" pitchFamily="34" charset="0"/>
+              </a:rPr>
+              <a:t>y_test</a:t>
+            </a:r>
+            <a:r>
+              <a:rPr lang="sk-SK" sz="2200" dirty="0">
+                <a:latin typeface="Arial" panose="020B0604020202020204" pitchFamily="34" charset="0"/>
+                <a:cs typeface="Arial" panose="020B0604020202020204" pitchFamily="34" charset="0"/>
+              </a:rPr>
+              <a:t>)</a:t>
+            </a:r>
+          </a:p>
+          <a:p>
+            <a:r>
+              <a:rPr lang="sk-SK" sz="2200" dirty="0" err="1">
+                <a:latin typeface="Arial" panose="020B0604020202020204" pitchFamily="34" charset="0"/>
+                <a:cs typeface="Arial" panose="020B0604020202020204" pitchFamily="34" charset="0"/>
+              </a:rPr>
+              <a:t>class_num</a:t>
+            </a:r>
+            <a:r>
+              <a:rPr lang="sk-SK" sz="2200" dirty="0">
+                <a:latin typeface="Arial" panose="020B0604020202020204" pitchFamily="34" charset="0"/>
+                <a:cs typeface="Arial" panose="020B0604020202020204" pitchFamily="34" charset="0"/>
+              </a:rPr>
+              <a:t> = </a:t>
+            </a:r>
+            <a:r>
+              <a:rPr lang="sk-SK" sz="2200" dirty="0" err="1">
+                <a:latin typeface="Arial" panose="020B0604020202020204" pitchFamily="34" charset="0"/>
+                <a:cs typeface="Arial" panose="020B0604020202020204" pitchFamily="34" charset="0"/>
+              </a:rPr>
+              <a:t>y_test.shape</a:t>
+            </a:r>
+            <a:r>
+              <a:rPr lang="sk-SK" sz="2200" dirty="0">
+                <a:latin typeface="Arial" panose="020B0604020202020204" pitchFamily="34" charset="0"/>
+                <a:cs typeface="Arial" panose="020B0604020202020204" pitchFamily="34" charset="0"/>
+              </a:rPr>
+              <a:t>[1]</a:t>
+            </a:r>
           </a:p>
         </p:txBody>
       </p:sp>
     </p:spTree>
     <p:extLst>
       <p:ext uri="{BB962C8B-B14F-4D97-AF65-F5344CB8AC3E}">
-        <p14:creationId xmlns:p14="http://schemas.microsoft.com/office/powerpoint/2010/main" val="3561178146"/>
+        <p14:creationId xmlns:p14="http://schemas.microsoft.com/office/powerpoint/2010/main" val="4028568845"/>
       </p:ext>
     </p:extLst>
   </p:cSld>
   <p:clrMapOvr>
     <a:masterClrMapping/>
   </p:clrMapOvr>
-  <p:timing>
-    <p:tnLst>
-      <p:par>
-        <p:cTn id="1" dur="indefinite" restart="never" nodeType="tmRoot"/>
-      </p:par>
-    </p:tnLst>
-  </p:timing>
+  <mc:AlternateContent xmlns:mc="http://schemas.openxmlformats.org/markup-compatibility/2006">
+    <mc:Choice xmlns:p14="http://schemas.microsoft.com/office/powerpoint/2010/main" Requires="p14">
+      <p:transition spd="slow" p14:dur="2000" advClick="0" advTm="55000"/>
+    </mc:Choice>
+    <mc:Fallback>
+      <p:transition spd="slow" advClick="0" advTm="55000"/>
+    </mc:Fallback>
+  </mc:AlternateContent>
 </p:sld>
 </file>
 
@@ -7500,4 +11562,299 @@
     </a:ext>
   </a:extLst>
 </a:theme>
+</file>
+
+<file path=ppt/theme/theme2.xml><?xml version="1.0" encoding="utf-8"?>
+<a:theme xmlns:a="http://schemas.openxmlformats.org/drawingml/2006/main" name="Motív Office">
+  <a:themeElements>
+    <a:clrScheme name="Office">
+      <a:dk1>
+        <a:sysClr val="windowText" lastClr="000000"/>
+      </a:dk1>
+      <a:lt1>
+        <a:sysClr val="window" lastClr="FFFFFF"/>
+      </a:lt1>
+      <a:dk2>
+        <a:srgbClr val="44546A"/>
+      </a:dk2>
+      <a:lt2>
+        <a:srgbClr val="E7E6E6"/>
+      </a:lt2>
+      <a:accent1>
+        <a:srgbClr val="4472C4"/>
+      </a:accent1>
+      <a:accent2>
+        <a:srgbClr val="ED7D31"/>
+      </a:accent2>
+      <a:accent3>
+        <a:srgbClr val="A5A5A5"/>
+      </a:accent3>
+      <a:accent4>
+        <a:srgbClr val="FFC000"/>
+      </a:accent4>
+      <a:accent5>
+        <a:srgbClr val="5B9BD5"/>
+      </a:accent5>
+      <a:accent6>
+        <a:srgbClr val="70AD47"/>
+      </a:accent6>
+      <a:hlink>
+        <a:srgbClr val="0563C1"/>
+      </a:hlink>
+      <a:folHlink>
+        <a:srgbClr val="954F72"/>
+      </a:folHlink>
+    </a:clrScheme>
+    <a:fontScheme name="Office">
+      <a:majorFont>
+        <a:latin typeface="Calibri Light" panose="020F0302020204030204"/>
+        <a:ea typeface=""/>
+        <a:cs typeface=""/>
+        <a:font script="Jpan" typeface="游ゴシック Light"/>
+        <a:font script="Hang" typeface="맑은 고딕"/>
+        <a:font script="Hans" typeface="等线 Light"/>
+        <a:font script="Hant" typeface="新細明體"/>
+        <a:font script="Arab" typeface="Times New Roman"/>
+        <a:font script="Hebr" typeface="Times New Roman"/>
+        <a:font script="Thai" typeface="Angsana New"/>
+        <a:font script="Ethi" typeface="Nyala"/>
+        <a:font script="Beng" typeface="Vrinda"/>
+        <a:font script="Gujr" typeface="Shruti"/>
+        <a:font script="Khmr" typeface="MoolBoran"/>
+        <a:font script="Knda" typeface="Tunga"/>
+        <a:font script="Guru" typeface="Raavi"/>
+        <a:font script="Cans" typeface="Euphemia"/>
+        <a:font script="Cher" typeface="Plantagenet Cherokee"/>
+        <a:font script="Yiii" typeface="Microsoft Yi Baiti"/>
+        <a:font script="Tibt" typeface="Microsoft Himalaya"/>
+        <a:font script="Thaa" typeface="MV Boli"/>
+        <a:font script="Deva" typeface="Mangal"/>
+        <a:font script="Telu" typeface="Gautami"/>
+        <a:font script="Taml" typeface="Latha"/>
+        <a:font script="Syrc" typeface="Estrangelo Edessa"/>
+        <a:font script="Orya" typeface="Kalinga"/>
+        <a:font script="Mlym" typeface="Kartika"/>
+        <a:font script="Laoo" typeface="DokChampa"/>
+        <a:font script="Sinh" typeface="Iskoola Pota"/>
+        <a:font script="Mong" typeface="Mongolian Baiti"/>
+        <a:font script="Viet" typeface="Times New Roman"/>
+        <a:font script="Uigh" typeface="Microsoft Uighur"/>
+        <a:font script="Geor" typeface="Sylfaen"/>
+        <a:font script="Armn" typeface="Arial"/>
+        <a:font script="Bugi" typeface="Leelawadee UI"/>
+        <a:font script="Bopo" typeface="Microsoft JhengHei"/>
+        <a:font script="Java" typeface="Javanese Text"/>
+        <a:font script="Lisu" typeface="Segoe UI"/>
+        <a:font script="Mymr" typeface="Myanmar Text"/>
+        <a:font script="Nkoo" typeface="Ebrima"/>
+        <a:font script="Olck" typeface="Nirmala UI"/>
+        <a:font script="Osma" typeface="Ebrima"/>
+        <a:font script="Phag" typeface="Phagspa"/>
+        <a:font script="Syrn" typeface="Estrangelo Edessa"/>
+        <a:font script="Syrj" typeface="Estrangelo Edessa"/>
+        <a:font script="Syre" typeface="Estrangelo Edessa"/>
+        <a:font script="Sora" typeface="Nirmala UI"/>
+        <a:font script="Tale" typeface="Microsoft Tai Le"/>
+        <a:font script="Talu" typeface="Microsoft New Tai Lue"/>
+        <a:font script="Tfng" typeface="Ebrima"/>
+      </a:majorFont>
+      <a:minorFont>
+        <a:latin typeface="Calibri" panose="020F0502020204030204"/>
+        <a:ea typeface=""/>
+        <a:cs typeface=""/>
+        <a:font script="Jpan" typeface="游ゴシック"/>
+        <a:font script="Hang" typeface="맑은 고딕"/>
+        <a:font script="Hans" typeface="等线"/>
+        <a:font script="Hant" typeface="新細明體"/>
+        <a:font script="Arab" typeface="Arial"/>
+        <a:font script="Hebr" typeface="Arial"/>
+        <a:font script="Thai" typeface="Cordia New"/>
+        <a:font script="Ethi" typeface="Nyala"/>
+        <a:font script="Beng" typeface="Vrinda"/>
+        <a:font script="Gujr" typeface="Shruti"/>
+        <a:font script="Khmr" typeface="DaunPenh"/>
+        <a:font script="Knda" typeface="Tunga"/>
+        <a:font script="Guru" typeface="Raavi"/>
+        <a:font script="Cans" typeface="Euphemia"/>
+        <a:font script="Cher" typeface="Plantagenet Cherokee"/>
+        <a:font script="Yiii" typeface="Microsoft Yi Baiti"/>
+        <a:font script="Tibt" typeface="Microsoft Himalaya"/>
+        <a:font script="Thaa" typeface="MV Boli"/>
+        <a:font script="Deva" typeface="Mangal"/>
+        <a:font script="Telu" typeface="Gautami"/>
+        <a:font script="Taml" typeface="Latha"/>
+        <a:font script="Syrc" typeface="Estrangelo Edessa"/>
+        <a:font script="Orya" typeface="Kalinga"/>
+        <a:font script="Mlym" typeface="Kartika"/>
+        <a:font script="Laoo" typeface="DokChampa"/>
+        <a:font script="Sinh" typeface="Iskoola Pota"/>
+        <a:font script="Mong" typeface="Mongolian Baiti"/>
+        <a:font script="Viet" typeface="Arial"/>
+        <a:font script="Uigh" typeface="Microsoft Uighur"/>
+        <a:font script="Geor" typeface="Sylfaen"/>
+        <a:font script="Armn" typeface="Arial"/>
+        <a:font script="Bugi" typeface="Leelawadee UI"/>
+        <a:font script="Bopo" typeface="Microsoft JhengHei"/>
+        <a:font script="Java" typeface="Javanese Text"/>
+        <a:font script="Lisu" typeface="Segoe UI"/>
+        <a:font script="Mymr" typeface="Myanmar Text"/>
+        <a:font script="Nkoo" typeface="Ebrima"/>
+        <a:font script="Olck" typeface="Nirmala UI"/>
+        <a:font script="Osma" typeface="Ebrima"/>
+        <a:font script="Phag" typeface="Phagspa"/>
+        <a:font script="Syrn" typeface="Estrangelo Edessa"/>
+        <a:font script="Syrj" typeface="Estrangelo Edessa"/>
+        <a:font script="Syre" typeface="Estrangelo Edessa"/>
+        <a:font script="Sora" typeface="Nirmala UI"/>
+        <a:font script="Tale" typeface="Microsoft Tai Le"/>
+        <a:font script="Talu" typeface="Microsoft New Tai Lue"/>
+        <a:font script="Tfng" typeface="Ebrima"/>
+      </a:minorFont>
+    </a:fontScheme>
+    <a:fmtScheme name="Office">
+      <a:fillStyleLst>
+        <a:solidFill>
+          <a:schemeClr val="phClr"/>
+        </a:solidFill>
+        <a:gradFill rotWithShape="1">
+          <a:gsLst>
+            <a:gs pos="0">
+              <a:schemeClr val="phClr">
+                <a:lumMod val="110000"/>
+                <a:satMod val="105000"/>
+                <a:tint val="67000"/>
+              </a:schemeClr>
+            </a:gs>
+            <a:gs pos="50000">
+              <a:schemeClr val="phClr">
+                <a:lumMod val="105000"/>
+                <a:satMod val="103000"/>
+                <a:tint val="73000"/>
+              </a:schemeClr>
+            </a:gs>
+            <a:gs pos="100000">
+              <a:schemeClr val="phClr">
+                <a:lumMod val="105000"/>
+                <a:satMod val="109000"/>
+                <a:tint val="81000"/>
+              </a:schemeClr>
+            </a:gs>
+          </a:gsLst>
+          <a:lin ang="5400000" scaled="0"/>
+        </a:gradFill>
+        <a:gradFill rotWithShape="1">
+          <a:gsLst>
+            <a:gs pos="0">
+              <a:schemeClr val="phClr">
+                <a:satMod val="103000"/>
+                <a:lumMod val="102000"/>
+                <a:tint val="94000"/>
+              </a:schemeClr>
+            </a:gs>
+            <a:gs pos="50000">
+              <a:schemeClr val="phClr">
+                <a:satMod val="110000"/>
+                <a:lumMod val="100000"/>
+                <a:shade val="100000"/>
+              </a:schemeClr>
+            </a:gs>
+            <a:gs pos="100000">
+              <a:schemeClr val="phClr">
+                <a:lumMod val="99000"/>
+                <a:satMod val="120000"/>
+                <a:shade val="78000"/>
+              </a:schemeClr>
+            </a:gs>
+          </a:gsLst>
+          <a:lin ang="5400000" scaled="0"/>
+        </a:gradFill>
+      </a:fillStyleLst>
+      <a:lnStyleLst>
+        <a:ln w="6350" cap="flat" cmpd="sng" algn="ctr">
+          <a:solidFill>
+            <a:schemeClr val="phClr"/>
+          </a:solidFill>
+          <a:prstDash val="solid"/>
+          <a:miter lim="800000"/>
+        </a:ln>
+        <a:ln w="12700" cap="flat" cmpd="sng" algn="ctr">
+          <a:solidFill>
+            <a:schemeClr val="phClr"/>
+          </a:solidFill>
+          <a:prstDash val="solid"/>
+          <a:miter lim="800000"/>
+        </a:ln>
+        <a:ln w="19050" cap="flat" cmpd="sng" algn="ctr">
+          <a:solidFill>
+            <a:schemeClr val="phClr"/>
+          </a:solidFill>
+          <a:prstDash val="solid"/>
+          <a:miter lim="800000"/>
+        </a:ln>
+      </a:lnStyleLst>
+      <a:effectStyleLst>
+        <a:effectStyle>
+          <a:effectLst/>
+        </a:effectStyle>
+        <a:effectStyle>
+          <a:effectLst/>
+        </a:effectStyle>
+        <a:effectStyle>
+          <a:effectLst>
+            <a:outerShdw blurRad="57150" dist="19050" dir="5400000" algn="ctr" rotWithShape="0">
+              <a:srgbClr val="000000">
+                <a:alpha val="63000"/>
+              </a:srgbClr>
+            </a:outerShdw>
+          </a:effectLst>
+        </a:effectStyle>
+      </a:effectStyleLst>
+      <a:bgFillStyleLst>
+        <a:solidFill>
+          <a:schemeClr val="phClr"/>
+        </a:solidFill>
+        <a:solidFill>
+          <a:schemeClr val="phClr">
+            <a:tint val="95000"/>
+            <a:satMod val="170000"/>
+          </a:schemeClr>
+        </a:solidFill>
+        <a:gradFill rotWithShape="1">
+          <a:gsLst>
+            <a:gs pos="0">
+              <a:schemeClr val="phClr">
+                <a:tint val="93000"/>
+                <a:satMod val="150000"/>
+                <a:shade val="98000"/>
+                <a:lumMod val="102000"/>
+              </a:schemeClr>
+            </a:gs>
+            <a:gs pos="50000">
+              <a:schemeClr val="phClr">
+                <a:tint val="98000"/>
+                <a:satMod val="130000"/>
+                <a:shade val="90000"/>
+                <a:lumMod val="103000"/>
+              </a:schemeClr>
+            </a:gs>
+            <a:gs pos="100000">
+              <a:schemeClr val="phClr">
+                <a:shade val="63000"/>
+                <a:satMod val="120000"/>
+              </a:schemeClr>
+            </a:gs>
+          </a:gsLst>
+          <a:lin ang="5400000" scaled="0"/>
+        </a:gradFill>
+      </a:bgFillStyleLst>
+    </a:fmtScheme>
+  </a:themeElements>
+  <a:objectDefaults/>
+  <a:extraClrSchemeLst/>
+  <a:extLst>
+    <a:ext uri="{05A4C25C-085E-4340-85A3-A5531E510DB2}">
+      <thm15:themeFamily xmlns:thm15="http://schemas.microsoft.com/office/thememl/2012/main" name="Office Theme" id="{62F939B6-93AF-4DB8-9C6B-D6C7DFDC589F}" vid="{4A3C46E8-61CC-4603-A589-7422A47A8E4A}"/>
+    </a:ext>
+  </a:extLst>
+</a:theme>
 </file>
--- a/SOČ/Prezentácia/SOČ-prezentacia-TV.pptx
+++ b/SOČ/Prezentácia/SOČ-prezentacia-TV.pptx
@@ -5,22 +5,23 @@
     <p:sldMasterId id="2147483660" r:id="rId1"/>
   </p:sldMasterIdLst>
   <p:notesMasterIdLst>
-    <p:notesMasterId r:id="rId15"/>
+    <p:notesMasterId r:id="rId16"/>
   </p:notesMasterIdLst>
   <p:sldIdLst>
     <p:sldId id="256" r:id="rId2"/>
-    <p:sldId id="257" r:id="rId3"/>
-    <p:sldId id="267" r:id="rId4"/>
-    <p:sldId id="270" r:id="rId5"/>
-    <p:sldId id="268" r:id="rId6"/>
-    <p:sldId id="261" r:id="rId7"/>
-    <p:sldId id="269" r:id="rId8"/>
-    <p:sldId id="271" r:id="rId9"/>
-    <p:sldId id="262" r:id="rId10"/>
-    <p:sldId id="263" r:id="rId11"/>
-    <p:sldId id="264" r:id="rId12"/>
-    <p:sldId id="265" r:id="rId13"/>
-    <p:sldId id="259" r:id="rId14"/>
+    <p:sldId id="272" r:id="rId3"/>
+    <p:sldId id="257" r:id="rId4"/>
+    <p:sldId id="267" r:id="rId5"/>
+    <p:sldId id="270" r:id="rId6"/>
+    <p:sldId id="268" r:id="rId7"/>
+    <p:sldId id="261" r:id="rId8"/>
+    <p:sldId id="269" r:id="rId9"/>
+    <p:sldId id="271" r:id="rId10"/>
+    <p:sldId id="262" r:id="rId11"/>
+    <p:sldId id="263" r:id="rId12"/>
+    <p:sldId id="264" r:id="rId13"/>
+    <p:sldId id="265" r:id="rId14"/>
+    <p:sldId id="259" r:id="rId15"/>
   </p:sldIdLst>
   <p:sldSz cx="12192000" cy="6858000"/>
   <p:notesSz cx="6858000" cy="9144000"/>
@@ -209,7 +210,7 @@
           <a:p>
             <a:fld id="{21011C19-7C25-48FB-A0CC-BE27822AD094}" type="datetimeFigureOut">
               <a:rPr lang="sk-SK" smtClean="0"/>
-              <a:t>13. 3. 2023</a:t>
+              <a:t>16. 3. 2023</a:t>
             </a:fld>
             <a:endParaRPr lang="sk-SK"/>
           </a:p>
@@ -541,7 +542,7 @@
           <a:p>
             <a:fld id="{07A9A6AC-F1A7-4A03-8DB2-FFA2B3A9EA10}" type="slidenum">
               <a:rPr lang="sk-SK" smtClean="0"/>
-              <a:t>9</a:t>
+              <a:t>10</a:t>
             </a:fld>
             <a:endParaRPr lang="sk-SK"/>
           </a:p>
@@ -745,7 +746,7 @@
           <a:p>
             <a:fld id="{12E5C828-21AA-455D-9B31-A22531D01353}" type="datetimeFigureOut">
               <a:rPr lang="sk-SK" smtClean="0"/>
-              <a:t>12. 3. 2023</a:t>
+              <a:t>16. 3. 2023</a:t>
             </a:fld>
             <a:endParaRPr lang="sk-SK"/>
           </a:p>
@@ -1043,7 +1044,7 @@
           <a:p>
             <a:fld id="{12E5C828-21AA-455D-9B31-A22531D01353}" type="datetimeFigureOut">
               <a:rPr lang="sk-SK" smtClean="0"/>
-              <a:t>12. 3. 2023</a:t>
+              <a:t>16. 3. 2023</a:t>
             </a:fld>
             <a:endParaRPr lang="sk-SK"/>
           </a:p>
@@ -1235,7 +1236,7 @@
           <a:p>
             <a:fld id="{12E5C828-21AA-455D-9B31-A22531D01353}" type="datetimeFigureOut">
               <a:rPr lang="sk-SK" smtClean="0"/>
-              <a:t>12. 3. 2023</a:t>
+              <a:t>16. 3. 2023</a:t>
             </a:fld>
             <a:endParaRPr lang="sk-SK"/>
           </a:p>
@@ -1496,7 +1497,7 @@
           <a:p>
             <a:fld id="{12E5C828-21AA-455D-9B31-A22531D01353}" type="datetimeFigureOut">
               <a:rPr lang="sk-SK" smtClean="0"/>
-              <a:t>12. 3. 2023</a:t>
+              <a:t>16. 3. 2023</a:t>
             </a:fld>
             <a:endParaRPr lang="sk-SK"/>
           </a:p>
@@ -1920,7 +1921,7 @@
           <a:p>
             <a:fld id="{12E5C828-21AA-455D-9B31-A22531D01353}" type="datetimeFigureOut">
               <a:rPr lang="sk-SK" smtClean="0"/>
-              <a:t>12. 3. 2023</a:t>
+              <a:t>16. 3. 2023</a:t>
             </a:fld>
             <a:endParaRPr lang="sk-SK"/>
           </a:p>
@@ -2457,7 +2458,7 @@
           <a:p>
             <a:fld id="{12E5C828-21AA-455D-9B31-A22531D01353}" type="datetimeFigureOut">
               <a:rPr lang="sk-SK" smtClean="0"/>
-              <a:t>12. 3. 2023</a:t>
+              <a:t>16. 3. 2023</a:t>
             </a:fld>
             <a:endParaRPr lang="sk-SK"/>
           </a:p>
@@ -3321,7 +3322,7 @@
           <a:p>
             <a:fld id="{12E5C828-21AA-455D-9B31-A22531D01353}" type="datetimeFigureOut">
               <a:rPr lang="sk-SK" smtClean="0"/>
-              <a:t>12. 3. 2023</a:t>
+              <a:t>16. 3. 2023</a:t>
             </a:fld>
             <a:endParaRPr lang="sk-SK"/>
           </a:p>
@@ -3491,7 +3492,7 @@
           <a:p>
             <a:fld id="{12E5C828-21AA-455D-9B31-A22531D01353}" type="datetimeFigureOut">
               <a:rPr lang="sk-SK" smtClean="0"/>
-              <a:t>12. 3. 2023</a:t>
+              <a:t>16. 3. 2023</a:t>
             </a:fld>
             <a:endParaRPr lang="sk-SK"/>
           </a:p>
@@ -3675,7 +3676,7 @@
           <a:p>
             <a:fld id="{12E5C828-21AA-455D-9B31-A22531D01353}" type="datetimeFigureOut">
               <a:rPr lang="sk-SK" smtClean="0"/>
-              <a:t>12. 3. 2023</a:t>
+              <a:t>16. 3. 2023</a:t>
             </a:fld>
             <a:endParaRPr lang="sk-SK"/>
           </a:p>
@@ -3845,7 +3846,7 @@
           <a:p>
             <a:fld id="{12E5C828-21AA-455D-9B31-A22531D01353}" type="datetimeFigureOut">
               <a:rPr lang="sk-SK" smtClean="0"/>
-              <a:t>12. 3. 2023</a:t>
+              <a:t>16. 3. 2023</a:t>
             </a:fld>
             <a:endParaRPr lang="sk-SK"/>
           </a:p>
@@ -4089,7 +4090,7 @@
           <a:p>
             <a:fld id="{12E5C828-21AA-455D-9B31-A22531D01353}" type="datetimeFigureOut">
               <a:rPr lang="sk-SK" smtClean="0"/>
-              <a:t>12. 3. 2023</a:t>
+              <a:t>16. 3. 2023</a:t>
             </a:fld>
             <a:endParaRPr lang="sk-SK"/>
           </a:p>
@@ -4325,7 +4326,7 @@
           <a:p>
             <a:fld id="{12E5C828-21AA-455D-9B31-A22531D01353}" type="datetimeFigureOut">
               <a:rPr lang="sk-SK" smtClean="0"/>
-              <a:t>12. 3. 2023</a:t>
+              <a:t>16. 3. 2023</a:t>
             </a:fld>
             <a:endParaRPr lang="sk-SK"/>
           </a:p>
@@ -4791,7 +4792,7 @@
           <a:p>
             <a:fld id="{12E5C828-21AA-455D-9B31-A22531D01353}" type="datetimeFigureOut">
               <a:rPr lang="sk-SK" smtClean="0"/>
-              <a:t>12. 3. 2023</a:t>
+              <a:t>16. 3. 2023</a:t>
             </a:fld>
             <a:endParaRPr lang="sk-SK"/>
           </a:p>
@@ -4909,7 +4910,7 @@
           <a:p>
             <a:fld id="{12E5C828-21AA-455D-9B31-A22531D01353}" type="datetimeFigureOut">
               <a:rPr lang="sk-SK" smtClean="0"/>
-              <a:t>12. 3. 2023</a:t>
+              <a:t>16. 3. 2023</a:t>
             </a:fld>
             <a:endParaRPr lang="sk-SK"/>
           </a:p>
@@ -5004,7 +5005,7 @@
           <a:p>
             <a:fld id="{12E5C828-21AA-455D-9B31-A22531D01353}" type="datetimeFigureOut">
               <a:rPr lang="sk-SK" smtClean="0"/>
-              <a:t>12. 3. 2023</a:t>
+              <a:t>16. 3. 2023</a:t>
             </a:fld>
             <a:endParaRPr lang="sk-SK"/>
           </a:p>
@@ -5259,7 +5260,7 @@
           <a:p>
             <a:fld id="{12E5C828-21AA-455D-9B31-A22531D01353}" type="datetimeFigureOut">
               <a:rPr lang="sk-SK" smtClean="0"/>
-              <a:t>12. 3. 2023</a:t>
+              <a:t>16. 3. 2023</a:t>
             </a:fld>
             <a:endParaRPr lang="sk-SK"/>
           </a:p>
@@ -5559,7 +5560,7 @@
           <a:p>
             <a:fld id="{12E5C828-21AA-455D-9B31-A22531D01353}" type="datetimeFigureOut">
               <a:rPr lang="sk-SK" smtClean="0"/>
-              <a:t>12. 3. 2023</a:t>
+              <a:t>16. 3. 2023</a:t>
             </a:fld>
             <a:endParaRPr lang="sk-SK"/>
           </a:p>
@@ -5793,7 +5794,7 @@
           <a:p>
             <a:fld id="{12E5C828-21AA-455D-9B31-A22531D01353}" type="datetimeFigureOut">
               <a:rPr lang="sk-SK" smtClean="0"/>
-              <a:t>12. 3. 2023</a:t>
+              <a:t>16. 3. 2023</a:t>
             </a:fld>
             <a:endParaRPr lang="sk-SK"/>
           </a:p>
@@ -6521,14 +6522,6 @@
   <p:clrMapOvr>
     <a:masterClrMapping/>
   </p:clrMapOvr>
-  <mc:AlternateContent xmlns:mc="http://schemas.openxmlformats.org/markup-compatibility/2006">
-    <mc:Choice xmlns:p14="http://schemas.microsoft.com/office/powerpoint/2010/main" Requires="p14">
-      <p:transition spd="slow" p14:dur="2000" advClick="0" advTm="17000"/>
-    </mc:Choice>
-    <mc:Fallback>
-      <p:transition spd="slow" advClick="0" advTm="17000"/>
-    </mc:Fallback>
-  </mc:AlternateContent>
 </p:sld>
 </file>
 
@@ -6554,6 +6547,1100 @@
           <p:cNvPr id="2" name="Nadpis 1">
             <a:extLst>
               <a:ext uri="{FF2B5EF4-FFF2-40B4-BE49-F238E27FC236}">
+                <a16:creationId xmlns:a16="http://schemas.microsoft.com/office/drawing/2014/main" id="{A41EB936-A20A-1320-049C-3B58A7EE5734}"/>
+              </a:ext>
+            </a:extLst>
+          </p:cNvPr>
+          <p:cNvSpPr>
+            <a:spLocks noGrp="1"/>
+          </p:cNvSpPr>
+          <p:nvPr>
+            <p:ph type="title"/>
+          </p:nvPr>
+        </p:nvSpPr>
+        <p:spPr/>
+        <p:txBody>
+          <a:bodyPr/>
+          <a:lstStyle/>
+          <a:p>
+            <a:r>
+              <a:rPr lang="sk-SK" dirty="0"/>
+              <a:t>Praktická časť</a:t>
+            </a:r>
+          </a:p>
+        </p:txBody>
+      </p:sp>
+      <p:sp>
+        <p:nvSpPr>
+          <p:cNvPr id="3" name="Zástupný objekt pre obsah 2">
+            <a:extLst>
+              <a:ext uri="{FF2B5EF4-FFF2-40B4-BE49-F238E27FC236}">
+                <a16:creationId xmlns:a16="http://schemas.microsoft.com/office/drawing/2014/main" id="{07DCC24C-E056-1CEB-DD66-04C8DD3D0FE6}"/>
+              </a:ext>
+            </a:extLst>
+          </p:cNvPr>
+          <p:cNvSpPr>
+            <a:spLocks noGrp="1"/>
+          </p:cNvSpPr>
+          <p:nvPr>
+            <p:ph idx="1"/>
+          </p:nvPr>
+        </p:nvSpPr>
+        <p:spPr>
+          <a:xfrm>
+            <a:off x="412124" y="1732449"/>
+            <a:ext cx="11410681" cy="4848655"/>
+          </a:xfrm>
+        </p:spPr>
+        <p:txBody>
+          <a:bodyPr numCol="2">
+            <a:noAutofit/>
+          </a:bodyPr>
+          <a:lstStyle/>
+          <a:p>
+            <a:r>
+              <a:rPr lang="sk-SK" sz="2200" dirty="0" err="1">
+                <a:latin typeface="Arial" panose="020B0604020202020204" pitchFamily="34" charset="0"/>
+                <a:cs typeface="Arial" panose="020B0604020202020204" pitchFamily="34" charset="0"/>
+              </a:rPr>
+              <a:t>from</a:t>
+            </a:r>
+            <a:r>
+              <a:rPr lang="sk-SK" sz="2200" dirty="0">
+                <a:latin typeface="Arial" panose="020B0604020202020204" pitchFamily="34" charset="0"/>
+                <a:cs typeface="Arial" panose="020B0604020202020204" pitchFamily="34" charset="0"/>
+              </a:rPr>
+              <a:t> </a:t>
+            </a:r>
+            <a:r>
+              <a:rPr lang="sk-SK" sz="2200" dirty="0" err="1">
+                <a:latin typeface="Arial" panose="020B0604020202020204" pitchFamily="34" charset="0"/>
+                <a:cs typeface="Arial" panose="020B0604020202020204" pitchFamily="34" charset="0"/>
+              </a:rPr>
+              <a:t>tensorflow</a:t>
+            </a:r>
+            <a:r>
+              <a:rPr lang="sk-SK" sz="2200" dirty="0">
+                <a:latin typeface="Arial" panose="020B0604020202020204" pitchFamily="34" charset="0"/>
+                <a:cs typeface="Arial" panose="020B0604020202020204" pitchFamily="34" charset="0"/>
+              </a:rPr>
+              <a:t> import </a:t>
+            </a:r>
+            <a:r>
+              <a:rPr lang="sk-SK" sz="2200" dirty="0" err="1">
+                <a:latin typeface="Arial" panose="020B0604020202020204" pitchFamily="34" charset="0"/>
+                <a:cs typeface="Arial" panose="020B0604020202020204" pitchFamily="34" charset="0"/>
+              </a:rPr>
+              <a:t>keras</a:t>
+            </a:r>
+            <a:endParaRPr lang="sk-SK" sz="2200" dirty="0">
+              <a:latin typeface="Arial" panose="020B0604020202020204" pitchFamily="34" charset="0"/>
+              <a:cs typeface="Arial" panose="020B0604020202020204" pitchFamily="34" charset="0"/>
+            </a:endParaRPr>
+          </a:p>
+          <a:p>
+            <a:r>
+              <a:rPr lang="sk-SK" sz="2200" dirty="0" err="1">
+                <a:latin typeface="Arial" panose="020B0604020202020204" pitchFamily="34" charset="0"/>
+                <a:cs typeface="Arial" panose="020B0604020202020204" pitchFamily="34" charset="0"/>
+              </a:rPr>
+              <a:t>from</a:t>
+            </a:r>
+            <a:r>
+              <a:rPr lang="sk-SK" sz="2200" dirty="0">
+                <a:latin typeface="Arial" panose="020B0604020202020204" pitchFamily="34" charset="0"/>
+                <a:cs typeface="Arial" panose="020B0604020202020204" pitchFamily="34" charset="0"/>
+              </a:rPr>
+              <a:t> </a:t>
+            </a:r>
+            <a:r>
+              <a:rPr lang="sk-SK" sz="2200" dirty="0" err="1">
+                <a:latin typeface="Arial" panose="020B0604020202020204" pitchFamily="34" charset="0"/>
+                <a:cs typeface="Arial" panose="020B0604020202020204" pitchFamily="34" charset="0"/>
+              </a:rPr>
+              <a:t>keras.utils</a:t>
+            </a:r>
+            <a:r>
+              <a:rPr lang="sk-SK" sz="2200" dirty="0">
+                <a:latin typeface="Arial" panose="020B0604020202020204" pitchFamily="34" charset="0"/>
+                <a:cs typeface="Arial" panose="020B0604020202020204" pitchFamily="34" charset="0"/>
+              </a:rPr>
+              <a:t> import </a:t>
+            </a:r>
+            <a:r>
+              <a:rPr lang="sk-SK" sz="2200" dirty="0" err="1">
+                <a:latin typeface="Arial" panose="020B0604020202020204" pitchFamily="34" charset="0"/>
+                <a:cs typeface="Arial" panose="020B0604020202020204" pitchFamily="34" charset="0"/>
+              </a:rPr>
+              <a:t>np_utils</a:t>
+            </a:r>
+            <a:endParaRPr lang="sk-SK" sz="2200" dirty="0">
+              <a:latin typeface="Arial" panose="020B0604020202020204" pitchFamily="34" charset="0"/>
+              <a:cs typeface="Arial" panose="020B0604020202020204" pitchFamily="34" charset="0"/>
+            </a:endParaRPr>
+          </a:p>
+          <a:p>
+            <a:r>
+              <a:rPr lang="sk-SK" sz="2200" dirty="0" err="1">
+                <a:latin typeface="Arial" panose="020B0604020202020204" pitchFamily="34" charset="0"/>
+                <a:cs typeface="Arial" panose="020B0604020202020204" pitchFamily="34" charset="0"/>
+              </a:rPr>
+              <a:t>from</a:t>
+            </a:r>
+            <a:r>
+              <a:rPr lang="sk-SK" sz="2200" dirty="0">
+                <a:latin typeface="Arial" panose="020B0604020202020204" pitchFamily="34" charset="0"/>
+                <a:cs typeface="Arial" panose="020B0604020202020204" pitchFamily="34" charset="0"/>
+              </a:rPr>
+              <a:t> </a:t>
+            </a:r>
+            <a:r>
+              <a:rPr lang="sk-SK" sz="2200" dirty="0" err="1">
+                <a:latin typeface="Arial" panose="020B0604020202020204" pitchFamily="34" charset="0"/>
+                <a:cs typeface="Arial" panose="020B0604020202020204" pitchFamily="34" charset="0"/>
+              </a:rPr>
+              <a:t>keras.datasets</a:t>
+            </a:r>
+            <a:r>
+              <a:rPr lang="sk-SK" sz="2200" dirty="0">
+                <a:latin typeface="Arial" panose="020B0604020202020204" pitchFamily="34" charset="0"/>
+                <a:cs typeface="Arial" panose="020B0604020202020204" pitchFamily="34" charset="0"/>
+              </a:rPr>
+              <a:t> import cifar10</a:t>
+            </a:r>
+          </a:p>
+          <a:p>
+            <a:endParaRPr lang="sk-SK" sz="2200" dirty="0">
+              <a:latin typeface="Arial" panose="020B0604020202020204" pitchFamily="34" charset="0"/>
+              <a:cs typeface="Arial" panose="020B0604020202020204" pitchFamily="34" charset="0"/>
+            </a:endParaRPr>
+          </a:p>
+          <a:p>
+            <a:r>
+              <a:rPr lang="sk-SK" sz="2200" dirty="0">
+                <a:latin typeface="Arial" panose="020B0604020202020204" pitchFamily="34" charset="0"/>
+                <a:cs typeface="Arial" panose="020B0604020202020204" pitchFamily="34" charset="0"/>
+              </a:rPr>
+              <a:t>(</a:t>
+            </a:r>
+            <a:r>
+              <a:rPr lang="sk-SK" sz="2200" dirty="0" err="1">
+                <a:latin typeface="Arial" panose="020B0604020202020204" pitchFamily="34" charset="0"/>
+                <a:cs typeface="Arial" panose="020B0604020202020204" pitchFamily="34" charset="0"/>
+              </a:rPr>
+              <a:t>X_train</a:t>
+            </a:r>
+            <a:r>
+              <a:rPr lang="sk-SK" sz="2200" dirty="0">
+                <a:latin typeface="Arial" panose="020B0604020202020204" pitchFamily="34" charset="0"/>
+                <a:cs typeface="Arial" panose="020B0604020202020204" pitchFamily="34" charset="0"/>
+              </a:rPr>
+              <a:t>, </a:t>
+            </a:r>
+            <a:r>
+              <a:rPr lang="sk-SK" sz="2200" dirty="0" err="1">
+                <a:latin typeface="Arial" panose="020B0604020202020204" pitchFamily="34" charset="0"/>
+                <a:cs typeface="Arial" panose="020B0604020202020204" pitchFamily="34" charset="0"/>
+              </a:rPr>
+              <a:t>y_train</a:t>
+            </a:r>
+            <a:r>
+              <a:rPr lang="sk-SK" sz="2200" dirty="0">
+                <a:latin typeface="Arial" panose="020B0604020202020204" pitchFamily="34" charset="0"/>
+                <a:cs typeface="Arial" panose="020B0604020202020204" pitchFamily="34" charset="0"/>
+              </a:rPr>
+              <a:t>), (</a:t>
+            </a:r>
+            <a:r>
+              <a:rPr lang="sk-SK" sz="2200" dirty="0" err="1">
+                <a:latin typeface="Arial" panose="020B0604020202020204" pitchFamily="34" charset="0"/>
+                <a:cs typeface="Arial" panose="020B0604020202020204" pitchFamily="34" charset="0"/>
+              </a:rPr>
+              <a:t>X_test</a:t>
+            </a:r>
+            <a:r>
+              <a:rPr lang="sk-SK" sz="2200" dirty="0">
+                <a:latin typeface="Arial" panose="020B0604020202020204" pitchFamily="34" charset="0"/>
+                <a:cs typeface="Arial" panose="020B0604020202020204" pitchFamily="34" charset="0"/>
+              </a:rPr>
+              <a:t>, </a:t>
+            </a:r>
+            <a:r>
+              <a:rPr lang="sk-SK" sz="2200" dirty="0" err="1">
+                <a:latin typeface="Arial" panose="020B0604020202020204" pitchFamily="34" charset="0"/>
+                <a:cs typeface="Arial" panose="020B0604020202020204" pitchFamily="34" charset="0"/>
+              </a:rPr>
+              <a:t>y_test</a:t>
+            </a:r>
+            <a:r>
+              <a:rPr lang="sk-SK" sz="2200" dirty="0">
+                <a:latin typeface="Arial" panose="020B0604020202020204" pitchFamily="34" charset="0"/>
+                <a:cs typeface="Arial" panose="020B0604020202020204" pitchFamily="34" charset="0"/>
+              </a:rPr>
+              <a:t>) = cifar10.load_data()</a:t>
+            </a:r>
+          </a:p>
+          <a:p>
+            <a:r>
+              <a:rPr lang="sk-SK" sz="2200" dirty="0" err="1">
+                <a:latin typeface="Arial" panose="020B0604020202020204" pitchFamily="34" charset="0"/>
+                <a:cs typeface="Arial" panose="020B0604020202020204" pitchFamily="34" charset="0"/>
+              </a:rPr>
+              <a:t>X_train</a:t>
+            </a:r>
+            <a:r>
+              <a:rPr lang="sk-SK" sz="2200" dirty="0">
+                <a:latin typeface="Arial" panose="020B0604020202020204" pitchFamily="34" charset="0"/>
+                <a:cs typeface="Arial" panose="020B0604020202020204" pitchFamily="34" charset="0"/>
+              </a:rPr>
+              <a:t> = </a:t>
+            </a:r>
+            <a:r>
+              <a:rPr lang="sk-SK" sz="2200" dirty="0" err="1">
+                <a:latin typeface="Arial" panose="020B0604020202020204" pitchFamily="34" charset="0"/>
+                <a:cs typeface="Arial" panose="020B0604020202020204" pitchFamily="34" charset="0"/>
+              </a:rPr>
+              <a:t>X_train.astype</a:t>
+            </a:r>
+            <a:r>
+              <a:rPr lang="sk-SK" sz="2200" dirty="0">
+                <a:latin typeface="Arial" panose="020B0604020202020204" pitchFamily="34" charset="0"/>
+                <a:cs typeface="Arial" panose="020B0604020202020204" pitchFamily="34" charset="0"/>
+              </a:rPr>
+              <a:t>('float32')</a:t>
+            </a:r>
+          </a:p>
+          <a:p>
+            <a:r>
+              <a:rPr lang="sk-SK" sz="2200" dirty="0" err="1">
+                <a:latin typeface="Arial" panose="020B0604020202020204" pitchFamily="34" charset="0"/>
+                <a:cs typeface="Arial" panose="020B0604020202020204" pitchFamily="34" charset="0"/>
+              </a:rPr>
+              <a:t>X_test</a:t>
+            </a:r>
+            <a:r>
+              <a:rPr lang="sk-SK" sz="2200" dirty="0">
+                <a:latin typeface="Arial" panose="020B0604020202020204" pitchFamily="34" charset="0"/>
+                <a:cs typeface="Arial" panose="020B0604020202020204" pitchFamily="34" charset="0"/>
+              </a:rPr>
+              <a:t> = </a:t>
+            </a:r>
+            <a:r>
+              <a:rPr lang="sk-SK" sz="2200" dirty="0" err="1">
+                <a:latin typeface="Arial" panose="020B0604020202020204" pitchFamily="34" charset="0"/>
+                <a:cs typeface="Arial" panose="020B0604020202020204" pitchFamily="34" charset="0"/>
+              </a:rPr>
+              <a:t>X_test.astype</a:t>
+            </a:r>
+            <a:r>
+              <a:rPr lang="sk-SK" sz="2200" dirty="0">
+                <a:latin typeface="Arial" panose="020B0604020202020204" pitchFamily="34" charset="0"/>
+                <a:cs typeface="Arial" panose="020B0604020202020204" pitchFamily="34" charset="0"/>
+              </a:rPr>
+              <a:t>('float32')</a:t>
+            </a:r>
+          </a:p>
+          <a:p>
+            <a:r>
+              <a:rPr lang="sk-SK" sz="2200" dirty="0" err="1">
+                <a:latin typeface="Arial" panose="020B0604020202020204" pitchFamily="34" charset="0"/>
+                <a:cs typeface="Arial" panose="020B0604020202020204" pitchFamily="34" charset="0"/>
+              </a:rPr>
+              <a:t>X_train</a:t>
+            </a:r>
+            <a:r>
+              <a:rPr lang="sk-SK" sz="2200" dirty="0">
+                <a:latin typeface="Arial" panose="020B0604020202020204" pitchFamily="34" charset="0"/>
+                <a:cs typeface="Arial" panose="020B0604020202020204" pitchFamily="34" charset="0"/>
+              </a:rPr>
+              <a:t> = </a:t>
+            </a:r>
+            <a:r>
+              <a:rPr lang="sk-SK" sz="2200" dirty="0" err="1">
+                <a:latin typeface="Arial" panose="020B0604020202020204" pitchFamily="34" charset="0"/>
+                <a:cs typeface="Arial" panose="020B0604020202020204" pitchFamily="34" charset="0"/>
+              </a:rPr>
+              <a:t>X_train</a:t>
+            </a:r>
+            <a:r>
+              <a:rPr lang="sk-SK" sz="2200" dirty="0">
+                <a:latin typeface="Arial" panose="020B0604020202020204" pitchFamily="34" charset="0"/>
+                <a:cs typeface="Arial" panose="020B0604020202020204" pitchFamily="34" charset="0"/>
+              </a:rPr>
+              <a:t> / 255.0</a:t>
+            </a:r>
+          </a:p>
+          <a:p>
+            <a:r>
+              <a:rPr lang="sk-SK" sz="2200" dirty="0" err="1">
+                <a:latin typeface="Arial" panose="020B0604020202020204" pitchFamily="34" charset="0"/>
+                <a:cs typeface="Arial" panose="020B0604020202020204" pitchFamily="34" charset="0"/>
+              </a:rPr>
+              <a:t>X_test</a:t>
+            </a:r>
+            <a:r>
+              <a:rPr lang="sk-SK" sz="2200" dirty="0">
+                <a:latin typeface="Arial" panose="020B0604020202020204" pitchFamily="34" charset="0"/>
+                <a:cs typeface="Arial" panose="020B0604020202020204" pitchFamily="34" charset="0"/>
+              </a:rPr>
+              <a:t> = </a:t>
+            </a:r>
+            <a:r>
+              <a:rPr lang="sk-SK" sz="2200" dirty="0" err="1">
+                <a:latin typeface="Arial" panose="020B0604020202020204" pitchFamily="34" charset="0"/>
+                <a:cs typeface="Arial" panose="020B0604020202020204" pitchFamily="34" charset="0"/>
+              </a:rPr>
+              <a:t>X_test</a:t>
+            </a:r>
+            <a:r>
+              <a:rPr lang="sk-SK" sz="2200" dirty="0">
+                <a:latin typeface="Arial" panose="020B0604020202020204" pitchFamily="34" charset="0"/>
+                <a:cs typeface="Arial" panose="020B0604020202020204" pitchFamily="34" charset="0"/>
+              </a:rPr>
+              <a:t> / 255.0</a:t>
+            </a:r>
+          </a:p>
+          <a:p>
+            <a:endParaRPr lang="sk-SK" sz="2200" dirty="0">
+              <a:latin typeface="Arial" panose="020B0604020202020204" pitchFamily="34" charset="0"/>
+              <a:cs typeface="Arial" panose="020B0604020202020204" pitchFamily="34" charset="0"/>
+            </a:endParaRPr>
+          </a:p>
+          <a:p>
+            <a:r>
+              <a:rPr lang="sk-SK" sz="2200" dirty="0" err="1">
+                <a:latin typeface="Arial" panose="020B0604020202020204" pitchFamily="34" charset="0"/>
+                <a:cs typeface="Arial" panose="020B0604020202020204" pitchFamily="34" charset="0"/>
+              </a:rPr>
+              <a:t>y_train</a:t>
+            </a:r>
+            <a:r>
+              <a:rPr lang="sk-SK" sz="2200" dirty="0">
+                <a:latin typeface="Arial" panose="020B0604020202020204" pitchFamily="34" charset="0"/>
+                <a:cs typeface="Arial" panose="020B0604020202020204" pitchFamily="34" charset="0"/>
+              </a:rPr>
+              <a:t> = </a:t>
+            </a:r>
+            <a:r>
+              <a:rPr lang="sk-SK" sz="2200" dirty="0" err="1">
+                <a:latin typeface="Arial" panose="020B0604020202020204" pitchFamily="34" charset="0"/>
+                <a:cs typeface="Arial" panose="020B0604020202020204" pitchFamily="34" charset="0"/>
+              </a:rPr>
+              <a:t>np_utils.to_categorical</a:t>
+            </a:r>
+            <a:r>
+              <a:rPr lang="sk-SK" sz="2200" dirty="0">
+                <a:latin typeface="Arial" panose="020B0604020202020204" pitchFamily="34" charset="0"/>
+                <a:cs typeface="Arial" panose="020B0604020202020204" pitchFamily="34" charset="0"/>
+              </a:rPr>
+              <a:t>(</a:t>
+            </a:r>
+            <a:r>
+              <a:rPr lang="sk-SK" sz="2200" dirty="0" err="1">
+                <a:latin typeface="Arial" panose="020B0604020202020204" pitchFamily="34" charset="0"/>
+                <a:cs typeface="Arial" panose="020B0604020202020204" pitchFamily="34" charset="0"/>
+              </a:rPr>
+              <a:t>y_train</a:t>
+            </a:r>
+            <a:r>
+              <a:rPr lang="sk-SK" sz="2200" dirty="0">
+                <a:latin typeface="Arial" panose="020B0604020202020204" pitchFamily="34" charset="0"/>
+                <a:cs typeface="Arial" panose="020B0604020202020204" pitchFamily="34" charset="0"/>
+              </a:rPr>
+              <a:t>)</a:t>
+            </a:r>
+          </a:p>
+          <a:p>
+            <a:r>
+              <a:rPr lang="sk-SK" sz="2200" dirty="0" err="1">
+                <a:latin typeface="Arial" panose="020B0604020202020204" pitchFamily="34" charset="0"/>
+                <a:cs typeface="Arial" panose="020B0604020202020204" pitchFamily="34" charset="0"/>
+              </a:rPr>
+              <a:t>y_test</a:t>
+            </a:r>
+            <a:r>
+              <a:rPr lang="sk-SK" sz="2200" dirty="0">
+                <a:latin typeface="Arial" panose="020B0604020202020204" pitchFamily="34" charset="0"/>
+                <a:cs typeface="Arial" panose="020B0604020202020204" pitchFamily="34" charset="0"/>
+              </a:rPr>
+              <a:t> = </a:t>
+            </a:r>
+            <a:r>
+              <a:rPr lang="sk-SK" sz="2200" dirty="0" err="1">
+                <a:latin typeface="Arial" panose="020B0604020202020204" pitchFamily="34" charset="0"/>
+                <a:cs typeface="Arial" panose="020B0604020202020204" pitchFamily="34" charset="0"/>
+              </a:rPr>
+              <a:t>np_utils.to_categorical</a:t>
+            </a:r>
+            <a:r>
+              <a:rPr lang="sk-SK" sz="2200" dirty="0">
+                <a:latin typeface="Arial" panose="020B0604020202020204" pitchFamily="34" charset="0"/>
+                <a:cs typeface="Arial" panose="020B0604020202020204" pitchFamily="34" charset="0"/>
+              </a:rPr>
+              <a:t>(</a:t>
+            </a:r>
+            <a:r>
+              <a:rPr lang="sk-SK" sz="2200" dirty="0" err="1">
+                <a:latin typeface="Arial" panose="020B0604020202020204" pitchFamily="34" charset="0"/>
+                <a:cs typeface="Arial" panose="020B0604020202020204" pitchFamily="34" charset="0"/>
+              </a:rPr>
+              <a:t>y_test</a:t>
+            </a:r>
+            <a:r>
+              <a:rPr lang="sk-SK" sz="2200" dirty="0">
+                <a:latin typeface="Arial" panose="020B0604020202020204" pitchFamily="34" charset="0"/>
+                <a:cs typeface="Arial" panose="020B0604020202020204" pitchFamily="34" charset="0"/>
+              </a:rPr>
+              <a:t>)</a:t>
+            </a:r>
+          </a:p>
+          <a:p>
+            <a:r>
+              <a:rPr lang="sk-SK" sz="2200" dirty="0" err="1">
+                <a:latin typeface="Arial" panose="020B0604020202020204" pitchFamily="34" charset="0"/>
+                <a:cs typeface="Arial" panose="020B0604020202020204" pitchFamily="34" charset="0"/>
+              </a:rPr>
+              <a:t>class_num</a:t>
+            </a:r>
+            <a:r>
+              <a:rPr lang="sk-SK" sz="2200" dirty="0">
+                <a:latin typeface="Arial" panose="020B0604020202020204" pitchFamily="34" charset="0"/>
+                <a:cs typeface="Arial" panose="020B0604020202020204" pitchFamily="34" charset="0"/>
+              </a:rPr>
+              <a:t> = </a:t>
+            </a:r>
+            <a:r>
+              <a:rPr lang="sk-SK" sz="2200" dirty="0" err="1">
+                <a:latin typeface="Arial" panose="020B0604020202020204" pitchFamily="34" charset="0"/>
+                <a:cs typeface="Arial" panose="020B0604020202020204" pitchFamily="34" charset="0"/>
+              </a:rPr>
+              <a:t>y_test.shape</a:t>
+            </a:r>
+            <a:r>
+              <a:rPr lang="sk-SK" sz="2200" dirty="0">
+                <a:latin typeface="Arial" panose="020B0604020202020204" pitchFamily="34" charset="0"/>
+                <a:cs typeface="Arial" panose="020B0604020202020204" pitchFamily="34" charset="0"/>
+              </a:rPr>
+              <a:t>[1]</a:t>
+            </a:r>
+          </a:p>
+        </p:txBody>
+      </p:sp>
+    </p:spTree>
+    <p:extLst>
+      <p:ext uri="{BB962C8B-B14F-4D97-AF65-F5344CB8AC3E}">
+        <p14:creationId xmlns:p14="http://schemas.microsoft.com/office/powerpoint/2010/main" val="4028568845"/>
+      </p:ext>
+    </p:extLst>
+  </p:cSld>
+  <p:clrMapOvr>
+    <a:masterClrMapping/>
+  </p:clrMapOvr>
+  <mc:AlternateContent xmlns:mc="http://schemas.openxmlformats.org/markup-compatibility/2006" xmlns:p14="http://schemas.microsoft.com/office/powerpoint/2010/main">
+    <mc:Choice Requires="p14">
+      <p:transition spd="slow" p14:dur="2000" advClick="0"/>
+    </mc:Choice>
+    <mc:Fallback xmlns="">
+      <p:transition spd="slow" advClick="0"/>
+    </mc:Fallback>
+  </mc:AlternateContent>
+  <p:timing>
+    <p:tnLst>
+      <p:par>
+        <p:cTn id="1" dur="indefinite" restart="never" nodeType="tmRoot">
+          <p:childTnLst>
+            <p:seq concurrent="1" nextAc="seek">
+              <p:cTn id="2" dur="indefinite" nodeType="mainSeq">
+                <p:childTnLst>
+                  <p:par>
+                    <p:cTn id="3" fill="hold">
+                      <p:stCondLst>
+                        <p:cond delay="indefinite"/>
+                      </p:stCondLst>
+                      <p:childTnLst>
+                        <p:par>
+                          <p:cTn id="4" fill="hold">
+                            <p:stCondLst>
+                              <p:cond delay="0"/>
+                            </p:stCondLst>
+                            <p:childTnLst>
+                              <p:par>
+                                <p:cTn id="5" presetID="1" presetClass="entr" presetSubtype="0" fill="hold" grpId="0" nodeType="clickEffect">
+                                  <p:stCondLst>
+                                    <p:cond delay="0"/>
+                                  </p:stCondLst>
+                                  <p:childTnLst>
+                                    <p:set>
+                                      <p:cBhvr>
+                                        <p:cTn id="6" dur="1" fill="hold">
+                                          <p:stCondLst>
+                                            <p:cond delay="0"/>
+                                          </p:stCondLst>
+                                        </p:cTn>
+                                        <p:tgtEl>
+                                          <p:spTgt spid="3">
+                                            <p:txEl>
+                                              <p:pRg st="0" end="0"/>
+                                            </p:txEl>
+                                          </p:spTgt>
+                                        </p:tgtEl>
+                                        <p:attrNameLst>
+                                          <p:attrName>style.visibility</p:attrName>
+                                        </p:attrNameLst>
+                                      </p:cBhvr>
+                                      <p:to>
+                                        <p:strVal val="visible"/>
+                                      </p:to>
+                                    </p:set>
+                                  </p:childTnLst>
+                                </p:cTn>
+                              </p:par>
+                            </p:childTnLst>
+                          </p:cTn>
+                        </p:par>
+                      </p:childTnLst>
+                    </p:cTn>
+                  </p:par>
+                  <p:par>
+                    <p:cTn id="7" fill="hold">
+                      <p:stCondLst>
+                        <p:cond delay="indefinite"/>
+                      </p:stCondLst>
+                      <p:childTnLst>
+                        <p:par>
+                          <p:cTn id="8" fill="hold">
+                            <p:stCondLst>
+                              <p:cond delay="0"/>
+                            </p:stCondLst>
+                            <p:childTnLst>
+                              <p:par>
+                                <p:cTn id="9" presetID="1" presetClass="entr" presetSubtype="0" fill="hold" grpId="0" nodeType="clickEffect">
+                                  <p:stCondLst>
+                                    <p:cond delay="0"/>
+                                  </p:stCondLst>
+                                  <p:childTnLst>
+                                    <p:set>
+                                      <p:cBhvr>
+                                        <p:cTn id="10" dur="1" fill="hold">
+                                          <p:stCondLst>
+                                            <p:cond delay="0"/>
+                                          </p:stCondLst>
+                                        </p:cTn>
+                                        <p:tgtEl>
+                                          <p:spTgt spid="3">
+                                            <p:txEl>
+                                              <p:pRg st="1" end="1"/>
+                                            </p:txEl>
+                                          </p:spTgt>
+                                        </p:tgtEl>
+                                        <p:attrNameLst>
+                                          <p:attrName>style.visibility</p:attrName>
+                                        </p:attrNameLst>
+                                      </p:cBhvr>
+                                      <p:to>
+                                        <p:strVal val="visible"/>
+                                      </p:to>
+                                    </p:set>
+                                  </p:childTnLst>
+                                </p:cTn>
+                              </p:par>
+                            </p:childTnLst>
+                          </p:cTn>
+                        </p:par>
+                      </p:childTnLst>
+                    </p:cTn>
+                  </p:par>
+                  <p:par>
+                    <p:cTn id="11" fill="hold">
+                      <p:stCondLst>
+                        <p:cond delay="indefinite"/>
+                      </p:stCondLst>
+                      <p:childTnLst>
+                        <p:par>
+                          <p:cTn id="12" fill="hold">
+                            <p:stCondLst>
+                              <p:cond delay="0"/>
+                            </p:stCondLst>
+                            <p:childTnLst>
+                              <p:par>
+                                <p:cTn id="13" presetID="1" presetClass="entr" presetSubtype="0" fill="hold" grpId="0" nodeType="clickEffect">
+                                  <p:stCondLst>
+                                    <p:cond delay="0"/>
+                                  </p:stCondLst>
+                                  <p:childTnLst>
+                                    <p:set>
+                                      <p:cBhvr>
+                                        <p:cTn id="14" dur="1" fill="hold">
+                                          <p:stCondLst>
+                                            <p:cond delay="0"/>
+                                          </p:stCondLst>
+                                        </p:cTn>
+                                        <p:tgtEl>
+                                          <p:spTgt spid="3">
+                                            <p:txEl>
+                                              <p:pRg st="2" end="2"/>
+                                            </p:txEl>
+                                          </p:spTgt>
+                                        </p:tgtEl>
+                                        <p:attrNameLst>
+                                          <p:attrName>style.visibility</p:attrName>
+                                        </p:attrNameLst>
+                                      </p:cBhvr>
+                                      <p:to>
+                                        <p:strVal val="visible"/>
+                                      </p:to>
+                                    </p:set>
+                                  </p:childTnLst>
+                                </p:cTn>
+                              </p:par>
+                            </p:childTnLst>
+                          </p:cTn>
+                        </p:par>
+                      </p:childTnLst>
+                    </p:cTn>
+                  </p:par>
+                  <p:par>
+                    <p:cTn id="15" fill="hold">
+                      <p:stCondLst>
+                        <p:cond delay="indefinite"/>
+                      </p:stCondLst>
+                      <p:childTnLst>
+                        <p:par>
+                          <p:cTn id="16" fill="hold">
+                            <p:stCondLst>
+                              <p:cond delay="0"/>
+                            </p:stCondLst>
+                            <p:childTnLst>
+                              <p:par>
+                                <p:cTn id="17" presetID="1" presetClass="entr" presetSubtype="0" fill="hold" grpId="0" nodeType="clickEffect">
+                                  <p:stCondLst>
+                                    <p:cond delay="0"/>
+                                  </p:stCondLst>
+                                  <p:childTnLst>
+                                    <p:set>
+                                      <p:cBhvr>
+                                        <p:cTn id="18" dur="1" fill="hold">
+                                          <p:stCondLst>
+                                            <p:cond delay="0"/>
+                                          </p:stCondLst>
+                                        </p:cTn>
+                                        <p:tgtEl>
+                                          <p:spTgt spid="3">
+                                            <p:txEl>
+                                              <p:pRg st="4" end="4"/>
+                                            </p:txEl>
+                                          </p:spTgt>
+                                        </p:tgtEl>
+                                        <p:attrNameLst>
+                                          <p:attrName>style.visibility</p:attrName>
+                                        </p:attrNameLst>
+                                      </p:cBhvr>
+                                      <p:to>
+                                        <p:strVal val="visible"/>
+                                      </p:to>
+                                    </p:set>
+                                  </p:childTnLst>
+                                </p:cTn>
+                              </p:par>
+                            </p:childTnLst>
+                          </p:cTn>
+                        </p:par>
+                      </p:childTnLst>
+                    </p:cTn>
+                  </p:par>
+                  <p:par>
+                    <p:cTn id="19" fill="hold">
+                      <p:stCondLst>
+                        <p:cond delay="indefinite"/>
+                      </p:stCondLst>
+                      <p:childTnLst>
+                        <p:par>
+                          <p:cTn id="20" fill="hold">
+                            <p:stCondLst>
+                              <p:cond delay="0"/>
+                            </p:stCondLst>
+                            <p:childTnLst>
+                              <p:par>
+                                <p:cTn id="21" presetID="1" presetClass="entr" presetSubtype="0" fill="hold" grpId="0" nodeType="clickEffect">
+                                  <p:stCondLst>
+                                    <p:cond delay="0"/>
+                                  </p:stCondLst>
+                                  <p:childTnLst>
+                                    <p:set>
+                                      <p:cBhvr>
+                                        <p:cTn id="22" dur="1" fill="hold">
+                                          <p:stCondLst>
+                                            <p:cond delay="0"/>
+                                          </p:stCondLst>
+                                        </p:cTn>
+                                        <p:tgtEl>
+                                          <p:spTgt spid="3">
+                                            <p:txEl>
+                                              <p:pRg st="5" end="5"/>
+                                            </p:txEl>
+                                          </p:spTgt>
+                                        </p:tgtEl>
+                                        <p:attrNameLst>
+                                          <p:attrName>style.visibility</p:attrName>
+                                        </p:attrNameLst>
+                                      </p:cBhvr>
+                                      <p:to>
+                                        <p:strVal val="visible"/>
+                                      </p:to>
+                                    </p:set>
+                                  </p:childTnLst>
+                                </p:cTn>
+                              </p:par>
+                            </p:childTnLst>
+                          </p:cTn>
+                        </p:par>
+                      </p:childTnLst>
+                    </p:cTn>
+                  </p:par>
+                  <p:par>
+                    <p:cTn id="23" fill="hold">
+                      <p:stCondLst>
+                        <p:cond delay="indefinite"/>
+                      </p:stCondLst>
+                      <p:childTnLst>
+                        <p:par>
+                          <p:cTn id="24" fill="hold">
+                            <p:stCondLst>
+                              <p:cond delay="0"/>
+                            </p:stCondLst>
+                            <p:childTnLst>
+                              <p:par>
+                                <p:cTn id="25" presetID="1" presetClass="entr" presetSubtype="0" fill="hold" grpId="0" nodeType="clickEffect">
+                                  <p:stCondLst>
+                                    <p:cond delay="0"/>
+                                  </p:stCondLst>
+                                  <p:childTnLst>
+                                    <p:set>
+                                      <p:cBhvr>
+                                        <p:cTn id="26" dur="1" fill="hold">
+                                          <p:stCondLst>
+                                            <p:cond delay="0"/>
+                                          </p:stCondLst>
+                                        </p:cTn>
+                                        <p:tgtEl>
+                                          <p:spTgt spid="3">
+                                            <p:txEl>
+                                              <p:pRg st="6" end="6"/>
+                                            </p:txEl>
+                                          </p:spTgt>
+                                        </p:tgtEl>
+                                        <p:attrNameLst>
+                                          <p:attrName>style.visibility</p:attrName>
+                                        </p:attrNameLst>
+                                      </p:cBhvr>
+                                      <p:to>
+                                        <p:strVal val="visible"/>
+                                      </p:to>
+                                    </p:set>
+                                  </p:childTnLst>
+                                </p:cTn>
+                              </p:par>
+                            </p:childTnLst>
+                          </p:cTn>
+                        </p:par>
+                      </p:childTnLst>
+                    </p:cTn>
+                  </p:par>
+                  <p:par>
+                    <p:cTn id="27" fill="hold">
+                      <p:stCondLst>
+                        <p:cond delay="indefinite"/>
+                      </p:stCondLst>
+                      <p:childTnLst>
+                        <p:par>
+                          <p:cTn id="28" fill="hold">
+                            <p:stCondLst>
+                              <p:cond delay="0"/>
+                            </p:stCondLst>
+                            <p:childTnLst>
+                              <p:par>
+                                <p:cTn id="29" presetID="1" presetClass="entr" presetSubtype="0" fill="hold" grpId="0" nodeType="clickEffect">
+                                  <p:stCondLst>
+                                    <p:cond delay="0"/>
+                                  </p:stCondLst>
+                                  <p:childTnLst>
+                                    <p:set>
+                                      <p:cBhvr>
+                                        <p:cTn id="30" dur="1" fill="hold">
+                                          <p:stCondLst>
+                                            <p:cond delay="0"/>
+                                          </p:stCondLst>
+                                        </p:cTn>
+                                        <p:tgtEl>
+                                          <p:spTgt spid="3">
+                                            <p:txEl>
+                                              <p:pRg st="7" end="7"/>
+                                            </p:txEl>
+                                          </p:spTgt>
+                                        </p:tgtEl>
+                                        <p:attrNameLst>
+                                          <p:attrName>style.visibility</p:attrName>
+                                        </p:attrNameLst>
+                                      </p:cBhvr>
+                                      <p:to>
+                                        <p:strVal val="visible"/>
+                                      </p:to>
+                                    </p:set>
+                                  </p:childTnLst>
+                                </p:cTn>
+                              </p:par>
+                            </p:childTnLst>
+                          </p:cTn>
+                        </p:par>
+                      </p:childTnLst>
+                    </p:cTn>
+                  </p:par>
+                  <p:par>
+                    <p:cTn id="31" fill="hold">
+                      <p:stCondLst>
+                        <p:cond delay="indefinite"/>
+                      </p:stCondLst>
+                      <p:childTnLst>
+                        <p:par>
+                          <p:cTn id="32" fill="hold">
+                            <p:stCondLst>
+                              <p:cond delay="0"/>
+                            </p:stCondLst>
+                            <p:childTnLst>
+                              <p:par>
+                                <p:cTn id="33" presetID="1" presetClass="entr" presetSubtype="0" fill="hold" grpId="0" nodeType="clickEffect">
+                                  <p:stCondLst>
+                                    <p:cond delay="0"/>
+                                  </p:stCondLst>
+                                  <p:childTnLst>
+                                    <p:set>
+                                      <p:cBhvr>
+                                        <p:cTn id="34" dur="1" fill="hold">
+                                          <p:stCondLst>
+                                            <p:cond delay="0"/>
+                                          </p:stCondLst>
+                                        </p:cTn>
+                                        <p:tgtEl>
+                                          <p:spTgt spid="3">
+                                            <p:txEl>
+                                              <p:pRg st="8" end="8"/>
+                                            </p:txEl>
+                                          </p:spTgt>
+                                        </p:tgtEl>
+                                        <p:attrNameLst>
+                                          <p:attrName>style.visibility</p:attrName>
+                                        </p:attrNameLst>
+                                      </p:cBhvr>
+                                      <p:to>
+                                        <p:strVal val="visible"/>
+                                      </p:to>
+                                    </p:set>
+                                  </p:childTnLst>
+                                </p:cTn>
+                              </p:par>
+                            </p:childTnLst>
+                          </p:cTn>
+                        </p:par>
+                      </p:childTnLst>
+                    </p:cTn>
+                  </p:par>
+                  <p:par>
+                    <p:cTn id="35" fill="hold">
+                      <p:stCondLst>
+                        <p:cond delay="indefinite"/>
+                      </p:stCondLst>
+                      <p:childTnLst>
+                        <p:par>
+                          <p:cTn id="36" fill="hold">
+                            <p:stCondLst>
+                              <p:cond delay="0"/>
+                            </p:stCondLst>
+                            <p:childTnLst>
+                              <p:par>
+                                <p:cTn id="37" presetID="1" presetClass="entr" presetSubtype="0" fill="hold" grpId="0" nodeType="clickEffect">
+                                  <p:stCondLst>
+                                    <p:cond delay="0"/>
+                                  </p:stCondLst>
+                                  <p:childTnLst>
+                                    <p:set>
+                                      <p:cBhvr>
+                                        <p:cTn id="38" dur="1" fill="hold">
+                                          <p:stCondLst>
+                                            <p:cond delay="0"/>
+                                          </p:stCondLst>
+                                        </p:cTn>
+                                        <p:tgtEl>
+                                          <p:spTgt spid="3">
+                                            <p:txEl>
+                                              <p:pRg st="10" end="10"/>
+                                            </p:txEl>
+                                          </p:spTgt>
+                                        </p:tgtEl>
+                                        <p:attrNameLst>
+                                          <p:attrName>style.visibility</p:attrName>
+                                        </p:attrNameLst>
+                                      </p:cBhvr>
+                                      <p:to>
+                                        <p:strVal val="visible"/>
+                                      </p:to>
+                                    </p:set>
+                                  </p:childTnLst>
+                                </p:cTn>
+                              </p:par>
+                            </p:childTnLst>
+                          </p:cTn>
+                        </p:par>
+                      </p:childTnLst>
+                    </p:cTn>
+                  </p:par>
+                  <p:par>
+                    <p:cTn id="39" fill="hold">
+                      <p:stCondLst>
+                        <p:cond delay="indefinite"/>
+                      </p:stCondLst>
+                      <p:childTnLst>
+                        <p:par>
+                          <p:cTn id="40" fill="hold">
+                            <p:stCondLst>
+                              <p:cond delay="0"/>
+                            </p:stCondLst>
+                            <p:childTnLst>
+                              <p:par>
+                                <p:cTn id="41" presetID="1" presetClass="entr" presetSubtype="0" fill="hold" grpId="0" nodeType="clickEffect">
+                                  <p:stCondLst>
+                                    <p:cond delay="0"/>
+                                  </p:stCondLst>
+                                  <p:childTnLst>
+                                    <p:set>
+                                      <p:cBhvr>
+                                        <p:cTn id="42" dur="1" fill="hold">
+                                          <p:stCondLst>
+                                            <p:cond delay="0"/>
+                                          </p:stCondLst>
+                                        </p:cTn>
+                                        <p:tgtEl>
+                                          <p:spTgt spid="3">
+                                            <p:txEl>
+                                              <p:pRg st="11" end="11"/>
+                                            </p:txEl>
+                                          </p:spTgt>
+                                        </p:tgtEl>
+                                        <p:attrNameLst>
+                                          <p:attrName>style.visibility</p:attrName>
+                                        </p:attrNameLst>
+                                      </p:cBhvr>
+                                      <p:to>
+                                        <p:strVal val="visible"/>
+                                      </p:to>
+                                    </p:set>
+                                  </p:childTnLst>
+                                </p:cTn>
+                              </p:par>
+                            </p:childTnLst>
+                          </p:cTn>
+                        </p:par>
+                      </p:childTnLst>
+                    </p:cTn>
+                  </p:par>
+                  <p:par>
+                    <p:cTn id="43" fill="hold">
+                      <p:stCondLst>
+                        <p:cond delay="indefinite"/>
+                      </p:stCondLst>
+                      <p:childTnLst>
+                        <p:par>
+                          <p:cTn id="44" fill="hold">
+                            <p:stCondLst>
+                              <p:cond delay="0"/>
+                            </p:stCondLst>
+                            <p:childTnLst>
+                              <p:par>
+                                <p:cTn id="45" presetID="1" presetClass="entr" presetSubtype="0" fill="hold" grpId="0" nodeType="clickEffect">
+                                  <p:stCondLst>
+                                    <p:cond delay="0"/>
+                                  </p:stCondLst>
+                                  <p:childTnLst>
+                                    <p:set>
+                                      <p:cBhvr>
+                                        <p:cTn id="46" dur="1" fill="hold">
+                                          <p:stCondLst>
+                                            <p:cond delay="0"/>
+                                          </p:stCondLst>
+                                        </p:cTn>
+                                        <p:tgtEl>
+                                          <p:spTgt spid="3">
+                                            <p:txEl>
+                                              <p:pRg st="12" end="12"/>
+                                            </p:txEl>
+                                          </p:spTgt>
+                                        </p:tgtEl>
+                                        <p:attrNameLst>
+                                          <p:attrName>style.visibility</p:attrName>
+                                        </p:attrNameLst>
+                                      </p:cBhvr>
+                                      <p:to>
+                                        <p:strVal val="visible"/>
+                                      </p:to>
+                                    </p:set>
+                                  </p:childTnLst>
+                                </p:cTn>
+                              </p:par>
+                            </p:childTnLst>
+                          </p:cTn>
+                        </p:par>
+                      </p:childTnLst>
+                    </p:cTn>
+                  </p:par>
+                </p:childTnLst>
+              </p:cTn>
+              <p:prevCondLst>
+                <p:cond evt="onPrev" delay="0">
+                  <p:tgtEl>
+                    <p:sldTgt/>
+                  </p:tgtEl>
+                </p:cond>
+              </p:prevCondLst>
+              <p:nextCondLst>
+                <p:cond evt="onNext" delay="0">
+                  <p:tgtEl>
+                    <p:sldTgt/>
+                  </p:tgtEl>
+                </p:cond>
+              </p:nextCondLst>
+            </p:seq>
+          </p:childTnLst>
+        </p:cTn>
+      </p:par>
+    </p:tnLst>
+    <p:bldLst>
+      <p:bldP spid="3" grpId="0" build="p"/>
+    </p:bldLst>
+  </p:timing>
+</p:sld>
+</file>
+
+<file path=ppt/slides/slide11.xml><?xml version="1.0" encoding="utf-8"?>
+<p:sld xmlns:a="http://schemas.openxmlformats.org/drawingml/2006/main" xmlns:r="http://schemas.openxmlformats.org/officeDocument/2006/relationships" xmlns:p="http://schemas.openxmlformats.org/presentationml/2006/main">
+  <p:cSld>
+    <p:spTree>
+      <p:nvGrpSpPr>
+        <p:cNvPr id="1" name=""/>
+        <p:cNvGrpSpPr/>
+        <p:nvPr/>
+      </p:nvGrpSpPr>
+      <p:grpSpPr>
+        <a:xfrm>
+          <a:off x="0" y="0"/>
+          <a:ext cx="0" cy="0"/>
+          <a:chOff x="0" y="0"/>
+          <a:chExt cx="0" cy="0"/>
+        </a:xfrm>
+      </p:grpSpPr>
+      <p:sp>
+        <p:nvSpPr>
+          <p:cNvPr id="2" name="Nadpis 1">
+            <a:extLst>
+              <a:ext uri="{FF2B5EF4-FFF2-40B4-BE49-F238E27FC236}">
                 <a16:creationId xmlns:a16="http://schemas.microsoft.com/office/drawing/2014/main" id="{0CC28920-11B9-3F11-184E-F61216C77634}"/>
               </a:ext>
             </a:extLst>
@@ -6968,18 +8055,18 @@
   <p:clrMapOvr>
     <a:masterClrMapping/>
   </p:clrMapOvr>
-  <mc:AlternateContent xmlns:mc="http://schemas.openxmlformats.org/markup-compatibility/2006">
-    <mc:Choice xmlns:p14="http://schemas.microsoft.com/office/powerpoint/2010/main" Requires="p14">
-      <p:transition spd="slow" p14:dur="2000" advClick="0" advTm="90000"/>
+  <mc:AlternateContent xmlns:mc="http://schemas.openxmlformats.org/markup-compatibility/2006" xmlns:p14="http://schemas.microsoft.com/office/powerpoint/2010/main">
+    <mc:Choice Requires="p14">
+      <p:transition spd="slow" p14:dur="2000" advClick="0"/>
     </mc:Choice>
-    <mc:Fallback>
-      <p:transition spd="slow" advClick="0" advTm="90000"/>
+    <mc:Fallback xmlns="">
+      <p:transition spd="slow" advClick="0"/>
     </mc:Fallback>
   </mc:AlternateContent>
 </p:sld>
 </file>
 
-<file path=ppt/slides/slide11.xml><?xml version="1.0" encoding="utf-8"?>
+<file path=ppt/slides/slide12.xml><?xml version="1.0" encoding="utf-8"?>
 <p:sld xmlns:a="http://schemas.openxmlformats.org/drawingml/2006/main" xmlns:r="http://schemas.openxmlformats.org/officeDocument/2006/relationships" xmlns:p="http://schemas.openxmlformats.org/presentationml/2006/main">
   <p:cSld>
     <p:spTree>
@@ -7485,393 +8572,12 @@
   <p:clrMapOvr>
     <a:masterClrMapping/>
   </p:clrMapOvr>
-  <mc:AlternateContent xmlns:mc="http://schemas.openxmlformats.org/markup-compatibility/2006">
-    <mc:Choice xmlns:p14="http://schemas.microsoft.com/office/powerpoint/2010/main" Requires="p14">
-      <p:transition spd="slow" p14:dur="2000" advClick="0" advTm="30000"/>
+  <mc:AlternateContent xmlns:mc="http://schemas.openxmlformats.org/markup-compatibility/2006" xmlns:p14="http://schemas.microsoft.com/office/powerpoint/2010/main">
+    <mc:Choice Requires="p14">
+      <p:transition spd="slow" p14:dur="2000" advClick="0"/>
     </mc:Choice>
-    <mc:Fallback>
-      <p:transition spd="slow" advClick="0" advTm="30000"/>
-    </mc:Fallback>
-  </mc:AlternateContent>
-</p:sld>
-</file>
-
-<file path=ppt/slides/slide12.xml><?xml version="1.0" encoding="utf-8"?>
-<p:sld xmlns:a="http://schemas.openxmlformats.org/drawingml/2006/main" xmlns:r="http://schemas.openxmlformats.org/officeDocument/2006/relationships" xmlns:p="http://schemas.openxmlformats.org/presentationml/2006/main">
-  <p:cSld>
-    <p:spTree>
-      <p:nvGrpSpPr>
-        <p:cNvPr id="1" name=""/>
-        <p:cNvGrpSpPr/>
-        <p:nvPr/>
-      </p:nvGrpSpPr>
-      <p:grpSpPr>
-        <a:xfrm>
-          <a:off x="0" y="0"/>
-          <a:ext cx="0" cy="0"/>
-          <a:chOff x="0" y="0"/>
-          <a:chExt cx="0" cy="0"/>
-        </a:xfrm>
-      </p:grpSpPr>
-      <p:sp>
-        <p:nvSpPr>
-          <p:cNvPr id="2" name="Nadpis 1">
-            <a:extLst>
-              <a:ext uri="{FF2B5EF4-FFF2-40B4-BE49-F238E27FC236}">
-                <a16:creationId xmlns:a16="http://schemas.microsoft.com/office/drawing/2014/main" id="{0616B20C-D357-A024-0CAB-4E425F4ECBD9}"/>
-              </a:ext>
-            </a:extLst>
-          </p:cNvPr>
-          <p:cNvSpPr>
-            <a:spLocks noGrp="1"/>
-          </p:cNvSpPr>
-          <p:nvPr>
-            <p:ph type="title"/>
-          </p:nvPr>
-        </p:nvSpPr>
-        <p:spPr/>
-        <p:txBody>
-          <a:bodyPr/>
-          <a:lstStyle/>
-          <a:p>
-            <a:r>
-              <a:rPr lang="sk-SK" dirty="0"/>
-              <a:t>Praktická časť</a:t>
-            </a:r>
-          </a:p>
-        </p:txBody>
-      </p:sp>
-      <p:sp>
-        <p:nvSpPr>
-          <p:cNvPr id="3" name="Zástupný objekt pre obsah 2">
-            <a:extLst>
-              <a:ext uri="{FF2B5EF4-FFF2-40B4-BE49-F238E27FC236}">
-                <a16:creationId xmlns:a16="http://schemas.microsoft.com/office/drawing/2014/main" id="{1D10A48D-C108-AE16-9951-93083D2E74DB}"/>
-              </a:ext>
-            </a:extLst>
-          </p:cNvPr>
-          <p:cNvSpPr>
-            <a:spLocks noGrp="1"/>
-          </p:cNvSpPr>
-          <p:nvPr>
-            <p:ph idx="1"/>
-          </p:nvPr>
-        </p:nvSpPr>
-        <p:spPr>
-          <a:xfrm>
-            <a:off x="359275" y="1745328"/>
-            <a:ext cx="11462802" cy="4058751"/>
-          </a:xfrm>
-        </p:spPr>
-        <p:txBody>
-          <a:bodyPr>
-            <a:normAutofit/>
-          </a:bodyPr>
-          <a:lstStyle/>
-          <a:p>
-            <a:r>
-              <a:rPr lang="sk-SK" sz="2200" dirty="0" err="1">
-                <a:latin typeface="Arial" panose="020B0604020202020204" pitchFamily="34" charset="0"/>
-                <a:cs typeface="Arial" panose="020B0604020202020204" pitchFamily="34" charset="0"/>
-              </a:rPr>
-              <a:t>model.add</a:t>
-            </a:r>
-            <a:r>
-              <a:rPr lang="sk-SK" sz="2200" dirty="0">
-                <a:latin typeface="Arial" panose="020B0604020202020204" pitchFamily="34" charset="0"/>
-                <a:cs typeface="Arial" panose="020B0604020202020204" pitchFamily="34" charset="0"/>
-              </a:rPr>
-              <a:t>(</a:t>
-            </a:r>
-            <a:r>
-              <a:rPr lang="sk-SK" sz="2200" dirty="0" err="1">
-                <a:latin typeface="Arial" panose="020B0604020202020204" pitchFamily="34" charset="0"/>
-                <a:cs typeface="Arial" panose="020B0604020202020204" pitchFamily="34" charset="0"/>
-              </a:rPr>
-              <a:t>keras.layers.Dense</a:t>
-            </a:r>
-            <a:r>
-              <a:rPr lang="sk-SK" sz="2200" dirty="0">
-                <a:latin typeface="Arial" panose="020B0604020202020204" pitchFamily="34" charset="0"/>
-                <a:cs typeface="Arial" panose="020B0604020202020204" pitchFamily="34" charset="0"/>
-              </a:rPr>
-              <a:t>(</a:t>
-            </a:r>
-            <a:r>
-              <a:rPr lang="sk-SK" sz="2200" dirty="0" err="1">
-                <a:latin typeface="Arial" panose="020B0604020202020204" pitchFamily="34" charset="0"/>
-                <a:cs typeface="Arial" panose="020B0604020202020204" pitchFamily="34" charset="0"/>
-              </a:rPr>
-              <a:t>class_num</a:t>
-            </a:r>
-            <a:r>
-              <a:rPr lang="sk-SK" sz="2200" dirty="0">
-                <a:latin typeface="Arial" panose="020B0604020202020204" pitchFamily="34" charset="0"/>
-                <a:cs typeface="Arial" panose="020B0604020202020204" pitchFamily="34" charset="0"/>
-              </a:rPr>
-              <a:t>, </a:t>
-            </a:r>
-            <a:r>
-              <a:rPr lang="sk-SK" sz="2200" dirty="0" err="1">
-                <a:latin typeface="Arial" panose="020B0604020202020204" pitchFamily="34" charset="0"/>
-                <a:cs typeface="Arial" panose="020B0604020202020204" pitchFamily="34" charset="0"/>
-              </a:rPr>
-              <a:t>activation</a:t>
-            </a:r>
-            <a:r>
-              <a:rPr lang="sk-SK" sz="2200" dirty="0">
-                <a:latin typeface="Arial" panose="020B0604020202020204" pitchFamily="34" charset="0"/>
-                <a:cs typeface="Arial" panose="020B0604020202020204" pitchFamily="34" charset="0"/>
-              </a:rPr>
-              <a:t>='</a:t>
-            </a:r>
-            <a:r>
-              <a:rPr lang="sk-SK" sz="2200" dirty="0" err="1">
-                <a:latin typeface="Arial" panose="020B0604020202020204" pitchFamily="34" charset="0"/>
-                <a:cs typeface="Arial" panose="020B0604020202020204" pitchFamily="34" charset="0"/>
-              </a:rPr>
-              <a:t>softmax</a:t>
-            </a:r>
-            <a:r>
-              <a:rPr lang="sk-SK" sz="2200" dirty="0">
-                <a:latin typeface="Arial" panose="020B0604020202020204" pitchFamily="34" charset="0"/>
-                <a:cs typeface="Arial" panose="020B0604020202020204" pitchFamily="34" charset="0"/>
-              </a:rPr>
-              <a:t>'))</a:t>
-            </a:r>
-          </a:p>
-          <a:p>
-            <a:r>
-              <a:rPr lang="sk-SK" sz="2200" dirty="0" err="1">
-                <a:latin typeface="Arial" panose="020B0604020202020204" pitchFamily="34" charset="0"/>
-                <a:cs typeface="Arial" panose="020B0604020202020204" pitchFamily="34" charset="0"/>
-              </a:rPr>
-              <a:t>model.compile</a:t>
-            </a:r>
-            <a:r>
-              <a:rPr lang="sk-SK" sz="2200" dirty="0">
-                <a:latin typeface="Arial" panose="020B0604020202020204" pitchFamily="34" charset="0"/>
-                <a:cs typeface="Arial" panose="020B0604020202020204" pitchFamily="34" charset="0"/>
-              </a:rPr>
-              <a:t>(</a:t>
-            </a:r>
-            <a:r>
-              <a:rPr lang="sk-SK" sz="2200" dirty="0" err="1">
-                <a:latin typeface="Arial" panose="020B0604020202020204" pitchFamily="34" charset="0"/>
-                <a:cs typeface="Arial" panose="020B0604020202020204" pitchFamily="34" charset="0"/>
-              </a:rPr>
-              <a:t>loss</a:t>
-            </a:r>
-            <a:r>
-              <a:rPr lang="sk-SK" sz="2200" dirty="0">
-                <a:latin typeface="Arial" panose="020B0604020202020204" pitchFamily="34" charset="0"/>
-                <a:cs typeface="Arial" panose="020B0604020202020204" pitchFamily="34" charset="0"/>
-              </a:rPr>
-              <a:t>='</a:t>
-            </a:r>
-            <a:r>
-              <a:rPr lang="sk-SK" sz="2200" dirty="0" err="1">
-                <a:latin typeface="Arial" panose="020B0604020202020204" pitchFamily="34" charset="0"/>
-                <a:cs typeface="Arial" panose="020B0604020202020204" pitchFamily="34" charset="0"/>
-              </a:rPr>
-              <a:t>categorical_crossentropy</a:t>
-            </a:r>
-            <a:r>
-              <a:rPr lang="sk-SK" sz="2200" dirty="0">
-                <a:latin typeface="Arial" panose="020B0604020202020204" pitchFamily="34" charset="0"/>
-                <a:cs typeface="Arial" panose="020B0604020202020204" pitchFamily="34" charset="0"/>
-              </a:rPr>
-              <a:t>', </a:t>
-            </a:r>
-            <a:r>
-              <a:rPr lang="sk-SK" sz="2200" dirty="0" err="1">
-                <a:latin typeface="Arial" panose="020B0604020202020204" pitchFamily="34" charset="0"/>
-                <a:cs typeface="Arial" panose="020B0604020202020204" pitchFamily="34" charset="0"/>
-              </a:rPr>
-              <a:t>optimizer</a:t>
-            </a:r>
-            <a:r>
-              <a:rPr lang="sk-SK" sz="2200" dirty="0">
-                <a:latin typeface="Arial" panose="020B0604020202020204" pitchFamily="34" charset="0"/>
-                <a:cs typeface="Arial" panose="020B0604020202020204" pitchFamily="34" charset="0"/>
-              </a:rPr>
-              <a:t>='</a:t>
-            </a:r>
-            <a:r>
-              <a:rPr lang="sk-SK" sz="2200" dirty="0" err="1">
-                <a:latin typeface="Arial" panose="020B0604020202020204" pitchFamily="34" charset="0"/>
-                <a:cs typeface="Arial" panose="020B0604020202020204" pitchFamily="34" charset="0"/>
-              </a:rPr>
-              <a:t>adam</a:t>
-            </a:r>
-            <a:r>
-              <a:rPr lang="sk-SK" sz="2200" dirty="0">
-                <a:latin typeface="Arial" panose="020B0604020202020204" pitchFamily="34" charset="0"/>
-                <a:cs typeface="Arial" panose="020B0604020202020204" pitchFamily="34" charset="0"/>
-              </a:rPr>
-              <a:t>', </a:t>
-            </a:r>
-            <a:r>
-              <a:rPr lang="sk-SK" sz="2200" dirty="0" err="1">
-                <a:latin typeface="Arial" panose="020B0604020202020204" pitchFamily="34" charset="0"/>
-                <a:cs typeface="Arial" panose="020B0604020202020204" pitchFamily="34" charset="0"/>
-              </a:rPr>
-              <a:t>metrics</a:t>
-            </a:r>
-            <a:r>
-              <a:rPr lang="sk-SK" sz="2200" dirty="0">
-                <a:latin typeface="Arial" panose="020B0604020202020204" pitchFamily="34" charset="0"/>
-                <a:cs typeface="Arial" panose="020B0604020202020204" pitchFamily="34" charset="0"/>
-              </a:rPr>
-              <a:t>=['</a:t>
-            </a:r>
-            <a:r>
-              <a:rPr lang="sk-SK" sz="2200" dirty="0" err="1">
-                <a:latin typeface="Arial" panose="020B0604020202020204" pitchFamily="34" charset="0"/>
-                <a:cs typeface="Arial" panose="020B0604020202020204" pitchFamily="34" charset="0"/>
-              </a:rPr>
-              <a:t>accuracy</a:t>
-            </a:r>
-            <a:r>
-              <a:rPr lang="sk-SK" sz="2200" dirty="0">
-                <a:latin typeface="Arial" panose="020B0604020202020204" pitchFamily="34" charset="0"/>
-                <a:cs typeface="Arial" panose="020B0604020202020204" pitchFamily="34" charset="0"/>
-              </a:rPr>
-              <a:t>'])</a:t>
-            </a:r>
-          </a:p>
-          <a:p>
-            <a:r>
-              <a:rPr lang="sk-SK" sz="2200" dirty="0" err="1">
-                <a:latin typeface="Arial" panose="020B0604020202020204" pitchFamily="34" charset="0"/>
-                <a:cs typeface="Arial" panose="020B0604020202020204" pitchFamily="34" charset="0"/>
-              </a:rPr>
-              <a:t>model.fit</a:t>
-            </a:r>
-            <a:r>
-              <a:rPr lang="sk-SK" sz="2200" dirty="0">
-                <a:latin typeface="Arial" panose="020B0604020202020204" pitchFamily="34" charset="0"/>
-                <a:cs typeface="Arial" panose="020B0604020202020204" pitchFamily="34" charset="0"/>
-              </a:rPr>
-              <a:t>(</a:t>
-            </a:r>
-            <a:r>
-              <a:rPr lang="sk-SK" sz="2200" dirty="0" err="1">
-                <a:latin typeface="Arial" panose="020B0604020202020204" pitchFamily="34" charset="0"/>
-                <a:cs typeface="Arial" panose="020B0604020202020204" pitchFamily="34" charset="0"/>
-              </a:rPr>
-              <a:t>X_train</a:t>
-            </a:r>
-            <a:r>
-              <a:rPr lang="sk-SK" sz="2200" dirty="0">
-                <a:latin typeface="Arial" panose="020B0604020202020204" pitchFamily="34" charset="0"/>
-                <a:cs typeface="Arial" panose="020B0604020202020204" pitchFamily="34" charset="0"/>
-              </a:rPr>
-              <a:t>, </a:t>
-            </a:r>
-            <a:r>
-              <a:rPr lang="sk-SK" sz="2200" dirty="0" err="1">
-                <a:latin typeface="Arial" panose="020B0604020202020204" pitchFamily="34" charset="0"/>
-                <a:cs typeface="Arial" panose="020B0604020202020204" pitchFamily="34" charset="0"/>
-              </a:rPr>
-              <a:t>y_train</a:t>
-            </a:r>
-            <a:r>
-              <a:rPr lang="sk-SK" sz="2200" dirty="0">
-                <a:latin typeface="Arial" panose="020B0604020202020204" pitchFamily="34" charset="0"/>
-                <a:cs typeface="Arial" panose="020B0604020202020204" pitchFamily="34" charset="0"/>
-              </a:rPr>
-              <a:t>, </a:t>
-            </a:r>
-            <a:r>
-              <a:rPr lang="sk-SK" sz="2200" dirty="0" err="1">
-                <a:latin typeface="Arial" panose="020B0604020202020204" pitchFamily="34" charset="0"/>
-                <a:cs typeface="Arial" panose="020B0604020202020204" pitchFamily="34" charset="0"/>
-              </a:rPr>
-              <a:t>validation_data</a:t>
-            </a:r>
-            <a:r>
-              <a:rPr lang="sk-SK" sz="2200" dirty="0">
-                <a:latin typeface="Arial" panose="020B0604020202020204" pitchFamily="34" charset="0"/>
-                <a:cs typeface="Arial" panose="020B0604020202020204" pitchFamily="34" charset="0"/>
-              </a:rPr>
-              <a:t>=(</a:t>
-            </a:r>
-            <a:r>
-              <a:rPr lang="sk-SK" sz="2200" dirty="0" err="1">
-                <a:latin typeface="Arial" panose="020B0604020202020204" pitchFamily="34" charset="0"/>
-                <a:cs typeface="Arial" panose="020B0604020202020204" pitchFamily="34" charset="0"/>
-              </a:rPr>
-              <a:t>X_test</a:t>
-            </a:r>
-            <a:r>
-              <a:rPr lang="sk-SK" sz="2200" dirty="0">
-                <a:latin typeface="Arial" panose="020B0604020202020204" pitchFamily="34" charset="0"/>
-                <a:cs typeface="Arial" panose="020B0604020202020204" pitchFamily="34" charset="0"/>
-              </a:rPr>
-              <a:t>, </a:t>
-            </a:r>
-            <a:r>
-              <a:rPr lang="sk-SK" sz="2200" dirty="0" err="1">
-                <a:latin typeface="Arial" panose="020B0604020202020204" pitchFamily="34" charset="0"/>
-                <a:cs typeface="Arial" panose="020B0604020202020204" pitchFamily="34" charset="0"/>
-              </a:rPr>
-              <a:t>y_test</a:t>
-            </a:r>
-            <a:r>
-              <a:rPr lang="sk-SK" sz="2200" dirty="0">
-                <a:latin typeface="Arial" panose="020B0604020202020204" pitchFamily="34" charset="0"/>
-                <a:cs typeface="Arial" panose="020B0604020202020204" pitchFamily="34" charset="0"/>
-              </a:rPr>
-              <a:t>), </a:t>
-            </a:r>
-            <a:r>
-              <a:rPr lang="sk-SK" sz="2200" dirty="0" err="1">
-                <a:latin typeface="Arial" panose="020B0604020202020204" pitchFamily="34" charset="0"/>
-                <a:cs typeface="Arial" panose="020B0604020202020204" pitchFamily="34" charset="0"/>
-              </a:rPr>
-              <a:t>epochs</a:t>
-            </a:r>
-            <a:r>
-              <a:rPr lang="sk-SK" sz="2200" dirty="0">
-                <a:latin typeface="Arial" panose="020B0604020202020204" pitchFamily="34" charset="0"/>
-                <a:cs typeface="Arial" panose="020B0604020202020204" pitchFamily="34" charset="0"/>
-              </a:rPr>
-              <a:t>=25, </a:t>
-            </a:r>
-            <a:r>
-              <a:rPr lang="sk-SK" sz="2200" dirty="0" err="1">
-                <a:latin typeface="Arial" panose="020B0604020202020204" pitchFamily="34" charset="0"/>
-                <a:cs typeface="Arial" panose="020B0604020202020204" pitchFamily="34" charset="0"/>
-              </a:rPr>
-              <a:t>batch_size</a:t>
-            </a:r>
-            <a:r>
-              <a:rPr lang="sk-SK" sz="2200" dirty="0">
-                <a:latin typeface="Arial" panose="020B0604020202020204" pitchFamily="34" charset="0"/>
-                <a:cs typeface="Arial" panose="020B0604020202020204" pitchFamily="34" charset="0"/>
-              </a:rPr>
-              <a:t>=64)</a:t>
-            </a:r>
-          </a:p>
-        </p:txBody>
-      </p:sp>
-    </p:spTree>
-    <p:extLst>
-      <p:ext uri="{BB962C8B-B14F-4D97-AF65-F5344CB8AC3E}">
-        <p14:creationId xmlns:p14="http://schemas.microsoft.com/office/powerpoint/2010/main" val="1425733147"/>
-      </p:ext>
-    </p:extLst>
-  </p:cSld>
-  <p:clrMapOvr>
-    <a:masterClrMapping/>
-  </p:clrMapOvr>
-  <mc:AlternateContent xmlns:mc="http://schemas.openxmlformats.org/markup-compatibility/2006">
-    <mc:Choice xmlns:p14="http://schemas.microsoft.com/office/powerpoint/2010/main" Requires="p14">
-      <p:transition spd="slow" p14:dur="2000" advClick="0" advTm="70000"/>
-    </mc:Choice>
-    <mc:Fallback>
-      <p:transition spd="slow" advClick="0" advTm="70000"/>
+    <mc:Fallback xmlns="">
+      <p:transition spd="slow" advClick="0"/>
     </mc:Fallback>
   </mc:AlternateContent>
 </p:sld>
@@ -7896,6 +8602,387 @@
       </p:grpSpPr>
       <p:sp>
         <p:nvSpPr>
+          <p:cNvPr id="2" name="Nadpis 1">
+            <a:extLst>
+              <a:ext uri="{FF2B5EF4-FFF2-40B4-BE49-F238E27FC236}">
+                <a16:creationId xmlns:a16="http://schemas.microsoft.com/office/drawing/2014/main" id="{0616B20C-D357-A024-0CAB-4E425F4ECBD9}"/>
+              </a:ext>
+            </a:extLst>
+          </p:cNvPr>
+          <p:cNvSpPr>
+            <a:spLocks noGrp="1"/>
+          </p:cNvSpPr>
+          <p:nvPr>
+            <p:ph type="title"/>
+          </p:nvPr>
+        </p:nvSpPr>
+        <p:spPr/>
+        <p:txBody>
+          <a:bodyPr/>
+          <a:lstStyle/>
+          <a:p>
+            <a:r>
+              <a:rPr lang="sk-SK" dirty="0"/>
+              <a:t>Praktická časť</a:t>
+            </a:r>
+          </a:p>
+        </p:txBody>
+      </p:sp>
+      <p:sp>
+        <p:nvSpPr>
+          <p:cNvPr id="3" name="Zástupný objekt pre obsah 2">
+            <a:extLst>
+              <a:ext uri="{FF2B5EF4-FFF2-40B4-BE49-F238E27FC236}">
+                <a16:creationId xmlns:a16="http://schemas.microsoft.com/office/drawing/2014/main" id="{1D10A48D-C108-AE16-9951-93083D2E74DB}"/>
+              </a:ext>
+            </a:extLst>
+          </p:cNvPr>
+          <p:cNvSpPr>
+            <a:spLocks noGrp="1"/>
+          </p:cNvSpPr>
+          <p:nvPr>
+            <p:ph idx="1"/>
+          </p:nvPr>
+        </p:nvSpPr>
+        <p:spPr>
+          <a:xfrm>
+            <a:off x="359275" y="1745328"/>
+            <a:ext cx="11462802" cy="4058751"/>
+          </a:xfrm>
+        </p:spPr>
+        <p:txBody>
+          <a:bodyPr>
+            <a:normAutofit/>
+          </a:bodyPr>
+          <a:lstStyle/>
+          <a:p>
+            <a:r>
+              <a:rPr lang="sk-SK" sz="2200" dirty="0" err="1">
+                <a:latin typeface="Arial" panose="020B0604020202020204" pitchFamily="34" charset="0"/>
+                <a:cs typeface="Arial" panose="020B0604020202020204" pitchFamily="34" charset="0"/>
+              </a:rPr>
+              <a:t>model.add</a:t>
+            </a:r>
+            <a:r>
+              <a:rPr lang="sk-SK" sz="2200" dirty="0">
+                <a:latin typeface="Arial" panose="020B0604020202020204" pitchFamily="34" charset="0"/>
+                <a:cs typeface="Arial" panose="020B0604020202020204" pitchFamily="34" charset="0"/>
+              </a:rPr>
+              <a:t>(</a:t>
+            </a:r>
+            <a:r>
+              <a:rPr lang="sk-SK" sz="2200" dirty="0" err="1">
+                <a:latin typeface="Arial" panose="020B0604020202020204" pitchFamily="34" charset="0"/>
+                <a:cs typeface="Arial" panose="020B0604020202020204" pitchFamily="34" charset="0"/>
+              </a:rPr>
+              <a:t>keras.layers.Dense</a:t>
+            </a:r>
+            <a:r>
+              <a:rPr lang="sk-SK" sz="2200" dirty="0">
+                <a:latin typeface="Arial" panose="020B0604020202020204" pitchFamily="34" charset="0"/>
+                <a:cs typeface="Arial" panose="020B0604020202020204" pitchFamily="34" charset="0"/>
+              </a:rPr>
+              <a:t>(</a:t>
+            </a:r>
+            <a:r>
+              <a:rPr lang="sk-SK" sz="2200" dirty="0" err="1">
+                <a:latin typeface="Arial" panose="020B0604020202020204" pitchFamily="34" charset="0"/>
+                <a:cs typeface="Arial" panose="020B0604020202020204" pitchFamily="34" charset="0"/>
+              </a:rPr>
+              <a:t>class_num</a:t>
+            </a:r>
+            <a:r>
+              <a:rPr lang="sk-SK" sz="2200" dirty="0">
+                <a:latin typeface="Arial" panose="020B0604020202020204" pitchFamily="34" charset="0"/>
+                <a:cs typeface="Arial" panose="020B0604020202020204" pitchFamily="34" charset="0"/>
+              </a:rPr>
+              <a:t>, </a:t>
+            </a:r>
+            <a:r>
+              <a:rPr lang="sk-SK" sz="2200" dirty="0" err="1">
+                <a:latin typeface="Arial" panose="020B0604020202020204" pitchFamily="34" charset="0"/>
+                <a:cs typeface="Arial" panose="020B0604020202020204" pitchFamily="34" charset="0"/>
+              </a:rPr>
+              <a:t>activation</a:t>
+            </a:r>
+            <a:r>
+              <a:rPr lang="sk-SK" sz="2200" dirty="0">
+                <a:latin typeface="Arial" panose="020B0604020202020204" pitchFamily="34" charset="0"/>
+                <a:cs typeface="Arial" panose="020B0604020202020204" pitchFamily="34" charset="0"/>
+              </a:rPr>
+              <a:t>='</a:t>
+            </a:r>
+            <a:r>
+              <a:rPr lang="sk-SK" sz="2200" dirty="0" err="1">
+                <a:latin typeface="Arial" panose="020B0604020202020204" pitchFamily="34" charset="0"/>
+                <a:cs typeface="Arial" panose="020B0604020202020204" pitchFamily="34" charset="0"/>
+              </a:rPr>
+              <a:t>softmax</a:t>
+            </a:r>
+            <a:r>
+              <a:rPr lang="sk-SK" sz="2200" dirty="0">
+                <a:latin typeface="Arial" panose="020B0604020202020204" pitchFamily="34" charset="0"/>
+                <a:cs typeface="Arial" panose="020B0604020202020204" pitchFamily="34" charset="0"/>
+              </a:rPr>
+              <a:t>'))</a:t>
+            </a:r>
+          </a:p>
+          <a:p>
+            <a:r>
+              <a:rPr lang="sk-SK" sz="2200" dirty="0" err="1">
+                <a:latin typeface="Arial" panose="020B0604020202020204" pitchFamily="34" charset="0"/>
+                <a:cs typeface="Arial" panose="020B0604020202020204" pitchFamily="34" charset="0"/>
+              </a:rPr>
+              <a:t>model.compile</a:t>
+            </a:r>
+            <a:r>
+              <a:rPr lang="sk-SK" sz="2200" dirty="0">
+                <a:latin typeface="Arial" panose="020B0604020202020204" pitchFamily="34" charset="0"/>
+                <a:cs typeface="Arial" panose="020B0604020202020204" pitchFamily="34" charset="0"/>
+              </a:rPr>
+              <a:t>(</a:t>
+            </a:r>
+            <a:r>
+              <a:rPr lang="sk-SK" sz="2200" dirty="0" err="1">
+                <a:latin typeface="Arial" panose="020B0604020202020204" pitchFamily="34" charset="0"/>
+                <a:cs typeface="Arial" panose="020B0604020202020204" pitchFamily="34" charset="0"/>
+              </a:rPr>
+              <a:t>loss</a:t>
+            </a:r>
+            <a:r>
+              <a:rPr lang="sk-SK" sz="2200" dirty="0">
+                <a:latin typeface="Arial" panose="020B0604020202020204" pitchFamily="34" charset="0"/>
+                <a:cs typeface="Arial" panose="020B0604020202020204" pitchFamily="34" charset="0"/>
+              </a:rPr>
+              <a:t>='</a:t>
+            </a:r>
+            <a:r>
+              <a:rPr lang="sk-SK" sz="2200" dirty="0" err="1">
+                <a:latin typeface="Arial" panose="020B0604020202020204" pitchFamily="34" charset="0"/>
+                <a:cs typeface="Arial" panose="020B0604020202020204" pitchFamily="34" charset="0"/>
+              </a:rPr>
+              <a:t>categorical_crossentropy</a:t>
+            </a:r>
+            <a:r>
+              <a:rPr lang="sk-SK" sz="2200" dirty="0">
+                <a:latin typeface="Arial" panose="020B0604020202020204" pitchFamily="34" charset="0"/>
+                <a:cs typeface="Arial" panose="020B0604020202020204" pitchFamily="34" charset="0"/>
+              </a:rPr>
+              <a:t>', </a:t>
+            </a:r>
+            <a:r>
+              <a:rPr lang="sk-SK" sz="2200" dirty="0" err="1">
+                <a:latin typeface="Arial" panose="020B0604020202020204" pitchFamily="34" charset="0"/>
+                <a:cs typeface="Arial" panose="020B0604020202020204" pitchFamily="34" charset="0"/>
+              </a:rPr>
+              <a:t>optimizer</a:t>
+            </a:r>
+            <a:r>
+              <a:rPr lang="sk-SK" sz="2200" dirty="0">
+                <a:latin typeface="Arial" panose="020B0604020202020204" pitchFamily="34" charset="0"/>
+                <a:cs typeface="Arial" panose="020B0604020202020204" pitchFamily="34" charset="0"/>
+              </a:rPr>
+              <a:t>='</a:t>
+            </a:r>
+            <a:r>
+              <a:rPr lang="sk-SK" sz="2200" dirty="0" err="1">
+                <a:latin typeface="Arial" panose="020B0604020202020204" pitchFamily="34" charset="0"/>
+                <a:cs typeface="Arial" panose="020B0604020202020204" pitchFamily="34" charset="0"/>
+              </a:rPr>
+              <a:t>adam</a:t>
+            </a:r>
+            <a:r>
+              <a:rPr lang="sk-SK" sz="2200" dirty="0">
+                <a:latin typeface="Arial" panose="020B0604020202020204" pitchFamily="34" charset="0"/>
+                <a:cs typeface="Arial" panose="020B0604020202020204" pitchFamily="34" charset="0"/>
+              </a:rPr>
+              <a:t>', </a:t>
+            </a:r>
+            <a:r>
+              <a:rPr lang="sk-SK" sz="2200" dirty="0" err="1">
+                <a:latin typeface="Arial" panose="020B0604020202020204" pitchFamily="34" charset="0"/>
+                <a:cs typeface="Arial" panose="020B0604020202020204" pitchFamily="34" charset="0"/>
+              </a:rPr>
+              <a:t>metrics</a:t>
+            </a:r>
+            <a:r>
+              <a:rPr lang="sk-SK" sz="2200" dirty="0">
+                <a:latin typeface="Arial" panose="020B0604020202020204" pitchFamily="34" charset="0"/>
+                <a:cs typeface="Arial" panose="020B0604020202020204" pitchFamily="34" charset="0"/>
+              </a:rPr>
+              <a:t>=['</a:t>
+            </a:r>
+            <a:r>
+              <a:rPr lang="sk-SK" sz="2200" dirty="0" err="1">
+                <a:latin typeface="Arial" panose="020B0604020202020204" pitchFamily="34" charset="0"/>
+                <a:cs typeface="Arial" panose="020B0604020202020204" pitchFamily="34" charset="0"/>
+              </a:rPr>
+              <a:t>accuracy</a:t>
+            </a:r>
+            <a:r>
+              <a:rPr lang="sk-SK" sz="2200" dirty="0">
+                <a:latin typeface="Arial" panose="020B0604020202020204" pitchFamily="34" charset="0"/>
+                <a:cs typeface="Arial" panose="020B0604020202020204" pitchFamily="34" charset="0"/>
+              </a:rPr>
+              <a:t>'])</a:t>
+            </a:r>
+          </a:p>
+          <a:p>
+            <a:r>
+              <a:rPr lang="sk-SK" sz="2200" dirty="0" err="1">
+                <a:latin typeface="Arial" panose="020B0604020202020204" pitchFamily="34" charset="0"/>
+                <a:cs typeface="Arial" panose="020B0604020202020204" pitchFamily="34" charset="0"/>
+              </a:rPr>
+              <a:t>model.fit</a:t>
+            </a:r>
+            <a:r>
+              <a:rPr lang="sk-SK" sz="2200" dirty="0">
+                <a:latin typeface="Arial" panose="020B0604020202020204" pitchFamily="34" charset="0"/>
+                <a:cs typeface="Arial" panose="020B0604020202020204" pitchFamily="34" charset="0"/>
+              </a:rPr>
+              <a:t>(</a:t>
+            </a:r>
+            <a:r>
+              <a:rPr lang="sk-SK" sz="2200" dirty="0" err="1">
+                <a:latin typeface="Arial" panose="020B0604020202020204" pitchFamily="34" charset="0"/>
+                <a:cs typeface="Arial" panose="020B0604020202020204" pitchFamily="34" charset="0"/>
+              </a:rPr>
+              <a:t>X_train</a:t>
+            </a:r>
+            <a:r>
+              <a:rPr lang="sk-SK" sz="2200" dirty="0">
+                <a:latin typeface="Arial" panose="020B0604020202020204" pitchFamily="34" charset="0"/>
+                <a:cs typeface="Arial" panose="020B0604020202020204" pitchFamily="34" charset="0"/>
+              </a:rPr>
+              <a:t>, </a:t>
+            </a:r>
+            <a:r>
+              <a:rPr lang="sk-SK" sz="2200" dirty="0" err="1">
+                <a:latin typeface="Arial" panose="020B0604020202020204" pitchFamily="34" charset="0"/>
+                <a:cs typeface="Arial" panose="020B0604020202020204" pitchFamily="34" charset="0"/>
+              </a:rPr>
+              <a:t>y_train</a:t>
+            </a:r>
+            <a:r>
+              <a:rPr lang="sk-SK" sz="2200" dirty="0">
+                <a:latin typeface="Arial" panose="020B0604020202020204" pitchFamily="34" charset="0"/>
+                <a:cs typeface="Arial" panose="020B0604020202020204" pitchFamily="34" charset="0"/>
+              </a:rPr>
+              <a:t>, </a:t>
+            </a:r>
+            <a:r>
+              <a:rPr lang="sk-SK" sz="2200" dirty="0" err="1">
+                <a:latin typeface="Arial" panose="020B0604020202020204" pitchFamily="34" charset="0"/>
+                <a:cs typeface="Arial" panose="020B0604020202020204" pitchFamily="34" charset="0"/>
+              </a:rPr>
+              <a:t>validation_data</a:t>
+            </a:r>
+            <a:r>
+              <a:rPr lang="sk-SK" sz="2200" dirty="0">
+                <a:latin typeface="Arial" panose="020B0604020202020204" pitchFamily="34" charset="0"/>
+                <a:cs typeface="Arial" panose="020B0604020202020204" pitchFamily="34" charset="0"/>
+              </a:rPr>
+              <a:t>=(</a:t>
+            </a:r>
+            <a:r>
+              <a:rPr lang="sk-SK" sz="2200" dirty="0" err="1">
+                <a:latin typeface="Arial" panose="020B0604020202020204" pitchFamily="34" charset="0"/>
+                <a:cs typeface="Arial" panose="020B0604020202020204" pitchFamily="34" charset="0"/>
+              </a:rPr>
+              <a:t>X_test</a:t>
+            </a:r>
+            <a:r>
+              <a:rPr lang="sk-SK" sz="2200" dirty="0">
+                <a:latin typeface="Arial" panose="020B0604020202020204" pitchFamily="34" charset="0"/>
+                <a:cs typeface="Arial" panose="020B0604020202020204" pitchFamily="34" charset="0"/>
+              </a:rPr>
+              <a:t>, </a:t>
+            </a:r>
+            <a:r>
+              <a:rPr lang="sk-SK" sz="2200" dirty="0" err="1">
+                <a:latin typeface="Arial" panose="020B0604020202020204" pitchFamily="34" charset="0"/>
+                <a:cs typeface="Arial" panose="020B0604020202020204" pitchFamily="34" charset="0"/>
+              </a:rPr>
+              <a:t>y_test</a:t>
+            </a:r>
+            <a:r>
+              <a:rPr lang="sk-SK" sz="2200" dirty="0">
+                <a:latin typeface="Arial" panose="020B0604020202020204" pitchFamily="34" charset="0"/>
+                <a:cs typeface="Arial" panose="020B0604020202020204" pitchFamily="34" charset="0"/>
+              </a:rPr>
+              <a:t>), </a:t>
+            </a:r>
+            <a:r>
+              <a:rPr lang="sk-SK" sz="2200" dirty="0" err="1">
+                <a:latin typeface="Arial" panose="020B0604020202020204" pitchFamily="34" charset="0"/>
+                <a:cs typeface="Arial" panose="020B0604020202020204" pitchFamily="34" charset="0"/>
+              </a:rPr>
+              <a:t>epochs</a:t>
+            </a:r>
+            <a:r>
+              <a:rPr lang="sk-SK" sz="2200" dirty="0">
+                <a:latin typeface="Arial" panose="020B0604020202020204" pitchFamily="34" charset="0"/>
+                <a:cs typeface="Arial" panose="020B0604020202020204" pitchFamily="34" charset="0"/>
+              </a:rPr>
+              <a:t>=25, </a:t>
+            </a:r>
+            <a:r>
+              <a:rPr lang="sk-SK" sz="2200" dirty="0" err="1">
+                <a:latin typeface="Arial" panose="020B0604020202020204" pitchFamily="34" charset="0"/>
+                <a:cs typeface="Arial" panose="020B0604020202020204" pitchFamily="34" charset="0"/>
+              </a:rPr>
+              <a:t>batch_size</a:t>
+            </a:r>
+            <a:r>
+              <a:rPr lang="sk-SK" sz="2200" dirty="0">
+                <a:latin typeface="Arial" panose="020B0604020202020204" pitchFamily="34" charset="0"/>
+                <a:cs typeface="Arial" panose="020B0604020202020204" pitchFamily="34" charset="0"/>
+              </a:rPr>
+              <a:t>=64)</a:t>
+            </a:r>
+          </a:p>
+        </p:txBody>
+      </p:sp>
+    </p:spTree>
+    <p:extLst>
+      <p:ext uri="{BB962C8B-B14F-4D97-AF65-F5344CB8AC3E}">
+        <p14:creationId xmlns:p14="http://schemas.microsoft.com/office/powerpoint/2010/main" val="1425733147"/>
+      </p:ext>
+    </p:extLst>
+  </p:cSld>
+  <p:clrMapOvr>
+    <a:masterClrMapping/>
+  </p:clrMapOvr>
+  <mc:AlternateContent xmlns:mc="http://schemas.openxmlformats.org/markup-compatibility/2006" xmlns:p14="http://schemas.microsoft.com/office/powerpoint/2010/main">
+    <mc:Choice Requires="p14">
+      <p:transition spd="slow" p14:dur="2000" advClick="0"/>
+    </mc:Choice>
+    <mc:Fallback xmlns="">
+      <p:transition spd="slow" advClick="0"/>
+    </mc:Fallback>
+  </mc:AlternateContent>
+</p:sld>
+</file>
+
+<file path=ppt/slides/slide14.xml><?xml version="1.0" encoding="utf-8"?>
+<p:sld xmlns:a="http://schemas.openxmlformats.org/drawingml/2006/main" xmlns:r="http://schemas.openxmlformats.org/officeDocument/2006/relationships" xmlns:p="http://schemas.openxmlformats.org/presentationml/2006/main">
+  <p:cSld>
+    <p:spTree>
+      <p:nvGrpSpPr>
+        <p:cNvPr id="1" name=""/>
+        <p:cNvGrpSpPr/>
+        <p:nvPr/>
+      </p:nvGrpSpPr>
+      <p:grpSpPr>
+        <a:xfrm>
+          <a:off x="0" y="0"/>
+          <a:ext cx="0" cy="0"/>
+          <a:chOff x="0" y="0"/>
+          <a:chExt cx="0" cy="0"/>
+        </a:xfrm>
+      </p:grpSpPr>
+      <p:sp>
+        <p:nvSpPr>
           <p:cNvPr id="2" name="Nadpis 1"/>
           <p:cNvSpPr>
             <a:spLocks noGrp="1"/>
@@ -7931,12 +9018,12 @@
   <p:clrMapOvr>
     <a:masterClrMapping/>
   </p:clrMapOvr>
-  <mc:AlternateContent xmlns:mc="http://schemas.openxmlformats.org/markup-compatibility/2006">
-    <mc:Choice xmlns:p14="http://schemas.microsoft.com/office/powerpoint/2010/main" Requires="p14">
-      <p:transition spd="slow" p14:dur="2000" advClick="0" advTm="20000"/>
+  <mc:AlternateContent xmlns:mc="http://schemas.openxmlformats.org/markup-compatibility/2006" xmlns:p14="http://schemas.microsoft.com/office/powerpoint/2010/main">
+    <mc:Choice Requires="p14">
+      <p:transition spd="slow" p14:dur="2000" advClick="0"/>
     </mc:Choice>
-    <mc:Fallback>
-      <p:transition spd="slow" advClick="0" advTm="20000"/>
+    <mc:Fallback xmlns="">
+      <p:transition spd="slow" advClick="0"/>
     </mc:Fallback>
   </mc:AlternateContent>
 </p:sld>
@@ -7959,9 +9046,91 @@
           <a:chExt cx="0" cy="0"/>
         </a:xfrm>
       </p:grpSpPr>
+      <p:sp>
+        <p:nvSpPr>
+          <p:cNvPr id="2" name="Nadpis 1">
+            <a:extLst>
+              <a:ext uri="{FF2B5EF4-FFF2-40B4-BE49-F238E27FC236}">
+                <a16:creationId xmlns:a16="http://schemas.microsoft.com/office/drawing/2014/main" id="{877928C0-73B1-AEA7-575A-6FEDFDE11D88}"/>
+              </a:ext>
+            </a:extLst>
+          </p:cNvPr>
+          <p:cNvSpPr>
+            <a:spLocks noGrp="1"/>
+          </p:cNvSpPr>
+          <p:nvPr>
+            <p:ph type="title"/>
+          </p:nvPr>
+        </p:nvSpPr>
+        <p:spPr/>
+        <p:txBody>
+          <a:bodyPr/>
+          <a:lstStyle/>
+          <a:p>
+            <a:r>
+              <a:rPr lang="en-US" dirty="0" err="1"/>
+              <a:t>Cie</a:t>
+            </a:r>
+            <a:r>
+              <a:rPr lang="sk-SK" dirty="0"/>
+              <a:t>ľ mojej práce</a:t>
+            </a:r>
+          </a:p>
+        </p:txBody>
+      </p:sp>
+      <p:sp>
+        <p:nvSpPr>
+          <p:cNvPr id="3" name="Zástupný objekt pre obsah 2">
+            <a:extLst>
+              <a:ext uri="{FF2B5EF4-FFF2-40B4-BE49-F238E27FC236}">
+                <a16:creationId xmlns:a16="http://schemas.microsoft.com/office/drawing/2014/main" id="{73F1F7DB-497C-A215-C727-C1983BE2BD79}"/>
+              </a:ext>
+            </a:extLst>
+          </p:cNvPr>
+          <p:cNvSpPr>
+            <a:spLocks noGrp="1"/>
+          </p:cNvSpPr>
+          <p:nvPr>
+            <p:ph idx="1"/>
+          </p:nvPr>
+        </p:nvSpPr>
+        <p:spPr/>
+        <p:txBody>
+          <a:bodyPr/>
+          <a:lstStyle/>
+          <a:p>
+            <a:pPr marL="36900" indent="0" algn="ctr">
+              <a:buNone/>
+            </a:pPr>
+            <a:r>
+              <a:rPr lang="sk-SK" sz="1800" b="1" dirty="0">
+                <a:solidFill>
+                  <a:schemeClr val="tx1"/>
+                </a:solidFill>
+                <a:effectLst/>
+                <a:latin typeface="Roboto" panose="02000000000000000000" pitchFamily="2" charset="0"/>
+                <a:ea typeface="Calibri" panose="020F0502020204030204" pitchFamily="34" charset="0"/>
+                <a:cs typeface="Arial" panose="020B0604020202020204" pitchFamily="34" charset="0"/>
+              </a:rPr>
+              <a:t>informovať ľudí o Umelej inteligencii</a:t>
+            </a:r>
+            <a:endParaRPr lang="sk-SK" dirty="0">
+              <a:solidFill>
+                <a:schemeClr val="tx1"/>
+              </a:solidFill>
+            </a:endParaRPr>
+          </a:p>
+        </p:txBody>
+      </p:sp>
       <p:pic>
         <p:nvPicPr>
-          <p:cNvPr id="7" name="Zástupný objekt pre obsah 4"/>
+          <p:cNvPr id="4" name="Zástupný objekt pre obsah 4">
+            <a:extLst>
+              <a:ext uri="{FF2B5EF4-FFF2-40B4-BE49-F238E27FC236}">
+                <a16:creationId xmlns:a16="http://schemas.microsoft.com/office/drawing/2014/main" id="{5FF95AE4-2D06-1EAD-606C-754E3A4FA0D5}"/>
+              </a:ext>
+            </a:extLst>
+          </p:cNvPr>
           <p:cNvPicPr>
             <a:picLocks noChangeAspect="1"/>
           </p:cNvPicPr>
@@ -7996,37 +9165,19 @@
           </a:effectLst>
         </p:spPr>
       </p:pic>
-      <p:sp>
-        <p:nvSpPr>
-          <p:cNvPr id="2" name="Nadpis 1"/>
-          <p:cNvSpPr>
-            <a:spLocks noGrp="1"/>
-          </p:cNvSpPr>
-          <p:nvPr>
-            <p:ph type="title"/>
-          </p:nvPr>
-        </p:nvSpPr>
-        <p:spPr/>
-        <p:txBody>
-          <a:bodyPr/>
-          <a:lstStyle/>
-          <a:p>
-            <a:r>
-              <a:rPr lang="sk-SK" dirty="0"/>
-              <a:t>Úvod</a:t>
-            </a:r>
-          </a:p>
-        </p:txBody>
-      </p:sp>
       <p:pic>
         <p:nvPicPr>
-          <p:cNvPr id="4" name="Zástupný objekt pre obsah 3"/>
+          <p:cNvPr id="5" name="Zástupný objekt pre obsah 3">
+            <a:extLst>
+              <a:ext uri="{FF2B5EF4-FFF2-40B4-BE49-F238E27FC236}">
+                <a16:creationId xmlns:a16="http://schemas.microsoft.com/office/drawing/2014/main" id="{CFE42120-62A8-7F84-AC19-2EF931C4119A}"/>
+              </a:ext>
+            </a:extLst>
+          </p:cNvPr>
           <p:cNvPicPr>
-            <a:picLocks noGrp="1" noChangeAspect="1"/>
+            <a:picLocks noChangeAspect="1"/>
           </p:cNvPicPr>
-          <p:nvPr>
-            <p:ph idx="1"/>
-          </p:nvPr>
+          <p:nvPr/>
         </p:nvPicPr>
         <p:blipFill>
           <a:blip r:embed="rId3">
@@ -8045,56 +9196,28 @@
             <a:off x="1264260" y="1852612"/>
             <a:ext cx="4826416" cy="3633788"/>
           </a:xfrm>
-        </p:spPr>
-      </p:pic>
-      <p:pic>
-        <p:nvPicPr>
-          <p:cNvPr id="8" name="Obrázok 7"/>
-          <p:cNvPicPr>
-            <a:picLocks noChangeAspect="1"/>
-          </p:cNvPicPr>
-          <p:nvPr/>
-        </p:nvPicPr>
-        <p:blipFill>
-          <a:blip r:embed="rId4" cstate="print">
-            <a:extLst>
-              <a:ext uri="{28A0092B-C50C-407E-A947-70E740481C1C}">
-                <a14:useLocalDpi xmlns:a14="http://schemas.microsoft.com/office/drawing/2010/main" val="0"/>
-              </a:ext>
-            </a:extLst>
-          </a:blip>
-          <a:stretch>
-            <a:fillRect/>
-          </a:stretch>
-        </p:blipFill>
-        <p:spPr>
-          <a:xfrm>
-            <a:off x="1945732" y="1371600"/>
-            <a:ext cx="7465304" cy="5099538"/>
-          </a:xfrm>
           <a:prstGeom prst="rect">
             <a:avLst/>
           </a:prstGeom>
+          <a:effectLst>
+            <a:outerShdw blurRad="25400" dir="17880000">
+              <a:srgbClr val="000000">
+                <a:alpha val="46000"/>
+              </a:srgbClr>
+            </a:outerShdw>
+          </a:effectLst>
         </p:spPr>
       </p:pic>
     </p:spTree>
     <p:extLst>
       <p:ext uri="{BB962C8B-B14F-4D97-AF65-F5344CB8AC3E}">
-        <p14:creationId xmlns:p14="http://schemas.microsoft.com/office/powerpoint/2010/main" val="83311261"/>
+        <p14:creationId xmlns:p14="http://schemas.microsoft.com/office/powerpoint/2010/main" val="1093829013"/>
       </p:ext>
     </p:extLst>
   </p:cSld>
   <p:clrMapOvr>
     <a:masterClrMapping/>
   </p:clrMapOvr>
-  <mc:AlternateContent xmlns:mc="http://schemas.openxmlformats.org/markup-compatibility/2006">
-    <mc:Choice xmlns:p14="http://schemas.microsoft.com/office/powerpoint/2010/main" Requires="p14">
-      <p:transition spd="slow" p14:dur="2000" advClick="0" advTm="45000"/>
-    </mc:Choice>
-    <mc:Fallback>
-      <p:transition spd="slow" advClick="0" advTm="45000"/>
-    </mc:Fallback>
-  </mc:AlternateContent>
   <p:timing>
     <p:tnLst>
       <p:par>
@@ -8107,9 +9230,6 @@
                     <p:cTn id="3" fill="hold">
                       <p:stCondLst>
                         <p:cond delay="indefinite"/>
-                        <p:cond evt="onBegin" delay="0">
-                          <p:tn val="2"/>
-                        </p:cond>
                       </p:stCondLst>
                       <p:childTnLst>
                         <p:par>
@@ -8119,7 +9239,7 @@
                             </p:stCondLst>
                             <p:childTnLst>
                               <p:par>
-                                <p:cTn id="5" presetID="1" presetClass="entr" presetSubtype="0" fill="hold" nodeType="withEffect">
+                                <p:cTn id="5" presetID="1" presetClass="entr" presetSubtype="0" fill="hold" nodeType="clickEffect">
                                   <p:stCondLst>
                                     <p:cond delay="0"/>
                                   </p:stCondLst>
@@ -8132,7 +9252,7 @@
                                           </p:stCondLst>
                                         </p:cTn>
                                         <p:tgtEl>
-                                          <p:spTgt spid="4"/>
+                                          <p:spTgt spid="5"/>
                                         </p:tgtEl>
                                         <p:attrNameLst>
                                           <p:attrName>style.visibility</p:attrName>
@@ -8159,43 +9279,7 @@
                                           </p:stCondLst>
                                         </p:cTn>
                                         <p:tgtEl>
-                                          <p:spTgt spid="7"/>
-                                        </p:tgtEl>
-                                        <p:attrNameLst>
-                                          <p:attrName>style.visibility</p:attrName>
-                                        </p:attrNameLst>
-                                      </p:cBhvr>
-                                      <p:to>
-                                        <p:strVal val="visible"/>
-                                      </p:to>
-                                    </p:set>
-                                  </p:childTnLst>
-                                </p:cTn>
-                              </p:par>
-                            </p:childTnLst>
-                          </p:cTn>
-                        </p:par>
-                        <p:par>
-                          <p:cTn id="9" fill="hold">
-                            <p:stCondLst>
-                              <p:cond delay="0"/>
-                            </p:stCondLst>
-                            <p:childTnLst>
-                              <p:par>
-                                <p:cTn id="10" presetID="1" presetClass="entr" presetSubtype="0" fill="hold" nodeType="afterEffect">
-                                  <p:stCondLst>
-                                    <p:cond delay="20000"/>
-                                  </p:stCondLst>
-                                  <p:childTnLst>
-                                    <p:set>
-                                      <p:cBhvr>
-                                        <p:cTn id="11" dur="1" fill="hold">
-                                          <p:stCondLst>
-                                            <p:cond delay="0"/>
-                                          </p:stCondLst>
-                                        </p:cTn>
-                                        <p:tgtEl>
-                                          <p:spTgt spid="8"/>
+                                          <p:spTgt spid="4"/>
                                         </p:tgtEl>
                                         <p:attrNameLst>
                                           <p:attrName>style.visibility</p:attrName>
@@ -8258,6 +9342,196 @@
       </p:grpSpPr>
       <p:sp>
         <p:nvSpPr>
+          <p:cNvPr id="2" name="Nadpis 1"/>
+          <p:cNvSpPr>
+            <a:spLocks noGrp="1"/>
+          </p:cNvSpPr>
+          <p:nvPr>
+            <p:ph type="title"/>
+          </p:nvPr>
+        </p:nvSpPr>
+        <p:spPr/>
+        <p:txBody>
+          <a:bodyPr/>
+          <a:lstStyle/>
+          <a:p>
+            <a:r>
+              <a:rPr lang="sk-SK" dirty="0"/>
+              <a:t>Úvod</a:t>
+            </a:r>
+          </a:p>
+        </p:txBody>
+      </p:sp>
+      <p:pic>
+        <p:nvPicPr>
+          <p:cNvPr id="8" name="Obrázok 7"/>
+          <p:cNvPicPr>
+            <a:picLocks noChangeAspect="1"/>
+          </p:cNvPicPr>
+          <p:nvPr/>
+        </p:nvPicPr>
+        <p:blipFill>
+          <a:blip r:embed="rId2" cstate="print">
+            <a:extLst>
+              <a:ext uri="{28A0092B-C50C-407E-A947-70E740481C1C}">
+                <a14:useLocalDpi xmlns:a14="http://schemas.microsoft.com/office/drawing/2010/main" val="0"/>
+              </a:ext>
+            </a:extLst>
+          </a:blip>
+          <a:stretch>
+            <a:fillRect/>
+          </a:stretch>
+        </p:blipFill>
+        <p:spPr>
+          <a:xfrm>
+            <a:off x="1945732" y="1371600"/>
+            <a:ext cx="7465304" cy="5099538"/>
+          </a:xfrm>
+          <a:prstGeom prst="rect">
+            <a:avLst/>
+          </a:prstGeom>
+        </p:spPr>
+      </p:pic>
+      <p:sp>
+        <p:nvSpPr>
+          <p:cNvPr id="5" name="Zástupný objekt pre obsah 4">
+            <a:extLst>
+              <a:ext uri="{FF2B5EF4-FFF2-40B4-BE49-F238E27FC236}">
+                <a16:creationId xmlns:a16="http://schemas.microsoft.com/office/drawing/2014/main" id="{A1AC6D5E-DFF9-F0D5-302C-344BAEE68C4E}"/>
+              </a:ext>
+            </a:extLst>
+          </p:cNvPr>
+          <p:cNvSpPr>
+            <a:spLocks noGrp="1"/>
+          </p:cNvSpPr>
+          <p:nvPr>
+            <p:ph idx="1"/>
+          </p:nvPr>
+        </p:nvSpPr>
+        <p:spPr/>
+        <p:txBody>
+          <a:bodyPr/>
+          <a:lstStyle/>
+          <a:p>
+            <a:endParaRPr lang="sk-SK" dirty="0"/>
+          </a:p>
+        </p:txBody>
+      </p:sp>
+    </p:spTree>
+    <p:extLst>
+      <p:ext uri="{BB962C8B-B14F-4D97-AF65-F5344CB8AC3E}">
+        <p14:creationId xmlns:p14="http://schemas.microsoft.com/office/powerpoint/2010/main" val="83311261"/>
+      </p:ext>
+    </p:extLst>
+  </p:cSld>
+  <p:clrMapOvr>
+    <a:masterClrMapping/>
+  </p:clrMapOvr>
+  <mc:AlternateContent xmlns:mc="http://schemas.openxmlformats.org/markup-compatibility/2006" xmlns:p14="http://schemas.microsoft.com/office/powerpoint/2010/main">
+    <mc:Choice Requires="p14">
+      <p:transition spd="slow" p14:dur="2000" advClick="0"/>
+    </mc:Choice>
+    <mc:Fallback xmlns="">
+      <p:transition spd="slow" advClick="0"/>
+    </mc:Fallback>
+  </mc:AlternateContent>
+  <p:timing>
+    <p:tnLst>
+      <p:par>
+        <p:cTn id="1" dur="indefinite" restart="never" nodeType="tmRoot">
+          <p:childTnLst>
+            <p:seq concurrent="1" nextAc="seek">
+              <p:cTn id="2" dur="indefinite" nodeType="mainSeq">
+                <p:childTnLst>
+                  <p:par>
+                    <p:cTn id="3" fill="hold">
+                      <p:stCondLst>
+                        <p:cond delay="indefinite"/>
+                      </p:stCondLst>
+                      <p:childTnLst>
+                        <p:par>
+                          <p:cTn id="4" fill="hold">
+                            <p:stCondLst>
+                              <p:cond delay="0"/>
+                            </p:stCondLst>
+                            <p:childTnLst>
+                              <p:par>
+                                <p:cTn id="5" presetID="1" presetClass="entr" presetSubtype="0" fill="hold" nodeType="clickEffect">
+                                  <p:stCondLst>
+                                    <p:cond delay="0"/>
+                                  </p:stCondLst>
+                                  <p:childTnLst>
+                                    <p:set>
+                                      <p:cBhvr>
+                                        <p:cTn id="6" dur="1" fill="hold">
+                                          <p:stCondLst>
+                                            <p:cond delay="0"/>
+                                          </p:stCondLst>
+                                        </p:cTn>
+                                        <p:tgtEl>
+                                          <p:spTgt spid="8"/>
+                                        </p:tgtEl>
+                                        <p:attrNameLst>
+                                          <p:attrName>style.visibility</p:attrName>
+                                        </p:attrNameLst>
+                                      </p:cBhvr>
+                                      <p:to>
+                                        <p:strVal val="visible"/>
+                                      </p:to>
+                                    </p:set>
+                                  </p:childTnLst>
+                                </p:cTn>
+                              </p:par>
+                            </p:childTnLst>
+                          </p:cTn>
+                        </p:par>
+                      </p:childTnLst>
+                    </p:cTn>
+                  </p:par>
+                </p:childTnLst>
+              </p:cTn>
+              <p:prevCondLst>
+                <p:cond evt="onPrev" delay="0">
+                  <p:tgtEl>
+                    <p:sldTgt/>
+                  </p:tgtEl>
+                </p:cond>
+              </p:prevCondLst>
+              <p:nextCondLst>
+                <p:cond evt="onNext" delay="0">
+                  <p:tgtEl>
+                    <p:sldTgt/>
+                  </p:tgtEl>
+                </p:cond>
+              </p:nextCondLst>
+            </p:seq>
+          </p:childTnLst>
+        </p:cTn>
+      </p:par>
+    </p:tnLst>
+  </p:timing>
+</p:sld>
+</file>
+
+<file path=ppt/slides/slide4.xml><?xml version="1.0" encoding="utf-8"?>
+<p:sld xmlns:a="http://schemas.openxmlformats.org/drawingml/2006/main" xmlns:r="http://schemas.openxmlformats.org/officeDocument/2006/relationships" xmlns:p="http://schemas.openxmlformats.org/presentationml/2006/main">
+  <p:cSld>
+    <p:spTree>
+      <p:nvGrpSpPr>
+        <p:cNvPr id="1" name=""/>
+        <p:cNvGrpSpPr/>
+        <p:nvPr/>
+      </p:nvGrpSpPr>
+      <p:grpSpPr>
+        <a:xfrm>
+          <a:off x="0" y="0"/>
+          <a:ext cx="0" cy="0"/>
+          <a:chOff x="0" y="0"/>
+          <a:chExt cx="0" cy="0"/>
+        </a:xfrm>
+      </p:grpSpPr>
+      <p:sp>
+        <p:nvSpPr>
           <p:cNvPr id="2" name="Nadpis 1">
             <a:extLst>
               <a:ext uri="{FF2B5EF4-FFF2-40B4-BE49-F238E27FC236}">
@@ -8347,12 +9621,12 @@
   <p:clrMapOvr>
     <a:masterClrMapping/>
   </p:clrMapOvr>
-  <mc:AlternateContent xmlns:mc="http://schemas.openxmlformats.org/markup-compatibility/2006">
-    <mc:Choice xmlns:p14="http://schemas.microsoft.com/office/powerpoint/2010/main" Requires="p14">
-      <p:transition spd="slow" p14:dur="2000" advClick="0" advTm="60000"/>
+  <mc:AlternateContent xmlns:mc="http://schemas.openxmlformats.org/markup-compatibility/2006" xmlns:p14="http://schemas.microsoft.com/office/powerpoint/2010/main">
+    <mc:Choice Requires="p14">
+      <p:transition spd="slow" p14:dur="2000" advClick="0"/>
     </mc:Choice>
-    <mc:Fallback>
-      <p:transition spd="slow" advClick="0" advTm="60000"/>
+    <mc:Fallback xmlns="">
+      <p:transition spd="slow" advClick="0"/>
     </mc:Fallback>
   </mc:AlternateContent>
   <p:timing>
@@ -8367,9 +9641,6 @@
                     <p:cTn id="3" fill="hold">
                       <p:stCondLst>
                         <p:cond delay="indefinite"/>
-                        <p:cond evt="onBegin" delay="0">
-                          <p:tn val="2"/>
-                        </p:cond>
                       </p:stCondLst>
                       <p:childTnLst>
                         <p:par>
@@ -8379,7 +9650,7 @@
                             </p:stCondLst>
                             <p:childTnLst>
                               <p:par>
-                                <p:cTn id="5" presetID="1" presetClass="entr" presetSubtype="0" fill="hold" nodeType="withEffect">
+                                <p:cTn id="5" presetID="1" presetClass="entr" presetSubtype="0" fill="hold" nodeType="clickEffect">
                                   <p:stCondLst>
                                     <p:cond delay="0"/>
                                   </p:stCondLst>
@@ -8436,7 +9707,7 @@
 </p:sld>
 </file>
 
-<file path=ppt/slides/slide4.xml><?xml version="1.0" encoding="utf-8"?>
+<file path=ppt/slides/slide5.xml><?xml version="1.0" encoding="utf-8"?>
 <p:sld xmlns:a="http://schemas.openxmlformats.org/drawingml/2006/main" xmlns:r="http://schemas.openxmlformats.org/officeDocument/2006/relationships" xmlns:p="http://schemas.openxmlformats.org/presentationml/2006/main">
   <p:cSld>
     <p:spTree>
@@ -8742,12 +10013,12 @@
   <p:clrMapOvr>
     <a:masterClrMapping/>
   </p:clrMapOvr>
-  <mc:AlternateContent xmlns:mc="http://schemas.openxmlformats.org/markup-compatibility/2006">
-    <mc:Choice xmlns:p14="http://schemas.microsoft.com/office/powerpoint/2010/main" Requires="p14">
-      <p:transition spd="slow" p14:dur="2000" advClick="0" advTm="35000"/>
+  <mc:AlternateContent xmlns:mc="http://schemas.openxmlformats.org/markup-compatibility/2006" xmlns:p14="http://schemas.microsoft.com/office/powerpoint/2010/main">
+    <mc:Choice Requires="p14">
+      <p:transition spd="slow" p14:dur="2000" advClick="0"/>
     </mc:Choice>
-    <mc:Fallback>
-      <p:transition spd="slow" advClick="0" advTm="35000"/>
+    <mc:Fallback xmlns="">
+      <p:transition spd="slow" advClick="0"/>
     </mc:Fallback>
   </mc:AlternateContent>
   <p:timing>
@@ -8800,306 +10071,39 @@
                                   </p:childTnLst>
                                 </p:cTn>
                               </p:par>
+                            </p:childTnLst>
+                          </p:cTn>
+                        </p:par>
+                      </p:childTnLst>
+                    </p:cTn>
+                  </p:par>
+                  <p:par>
+                    <p:cTn id="7" fill="hold">
+                      <p:stCondLst>
+                        <p:cond delay="indefinite"/>
+                      </p:stCondLst>
+                      <p:childTnLst>
+                        <p:par>
+                          <p:cTn id="8" fill="hold">
+                            <p:stCondLst>
+                              <p:cond delay="0"/>
+                            </p:stCondLst>
+                            <p:childTnLst>
                               <p:par>
-                                <p:cTn id="7" presetID="1" presetClass="entr" presetSubtype="0" fill="hold" nodeType="withEffect">
+                                <p:cTn id="9" presetID="1" presetClass="entr" presetSubtype="0" fill="hold" nodeType="clickEffect">
                                   <p:stCondLst>
                                     <p:cond delay="0"/>
                                   </p:stCondLst>
                                   <p:childTnLst>
                                     <p:set>
                                       <p:cBhvr>
-                                        <p:cTn id="8" dur="1" fill="hold">
+                                        <p:cTn id="10" dur="1" fill="hold">
                                           <p:stCondLst>
                                             <p:cond delay="0"/>
                                           </p:stCondLst>
                                         </p:cTn>
                                         <p:tgtEl>
                                           <p:spTgt spid="7"/>
-                                        </p:tgtEl>
-                                        <p:attrNameLst>
-                                          <p:attrName>style.visibility</p:attrName>
-                                        </p:attrNameLst>
-                                      </p:cBhvr>
-                                      <p:to>
-                                        <p:strVal val="visible"/>
-                                      </p:to>
-                                    </p:set>
-                                  </p:childTnLst>
-                                </p:cTn>
-                              </p:par>
-                            </p:childTnLst>
-                          </p:cTn>
-                        </p:par>
-                      </p:childTnLst>
-                    </p:cTn>
-                  </p:par>
-                </p:childTnLst>
-              </p:cTn>
-              <p:prevCondLst>
-                <p:cond evt="onPrev" delay="0">
-                  <p:tgtEl>
-                    <p:sldTgt/>
-                  </p:tgtEl>
-                </p:cond>
-              </p:prevCondLst>
-              <p:nextCondLst>
-                <p:cond evt="onNext" delay="0">
-                  <p:tgtEl>
-                    <p:sldTgt/>
-                  </p:tgtEl>
-                </p:cond>
-              </p:nextCondLst>
-            </p:seq>
-          </p:childTnLst>
-        </p:cTn>
-      </p:par>
-    </p:tnLst>
-  </p:timing>
-</p:sld>
-</file>
-
-<file path=ppt/slides/slide5.xml><?xml version="1.0" encoding="utf-8"?>
-<p:sld xmlns:a="http://schemas.openxmlformats.org/drawingml/2006/main" xmlns:r="http://schemas.openxmlformats.org/officeDocument/2006/relationships" xmlns:p="http://schemas.openxmlformats.org/presentationml/2006/main">
-  <p:cSld>
-    <p:spTree>
-      <p:nvGrpSpPr>
-        <p:cNvPr id="1" name=""/>
-        <p:cNvGrpSpPr/>
-        <p:nvPr/>
-      </p:nvGrpSpPr>
-      <p:grpSpPr>
-        <a:xfrm>
-          <a:off x="0" y="0"/>
-          <a:ext cx="0" cy="0"/>
-          <a:chOff x="0" y="0"/>
-          <a:chExt cx="0" cy="0"/>
-        </a:xfrm>
-      </p:grpSpPr>
-      <p:sp>
-        <p:nvSpPr>
-          <p:cNvPr id="2" name="Nadpis 1">
-            <a:extLst>
-              <a:ext uri="{FF2B5EF4-FFF2-40B4-BE49-F238E27FC236}">
-                <a16:creationId xmlns:a16="http://schemas.microsoft.com/office/drawing/2014/main" id="{4BEC554D-578A-5D1F-122F-6E30F6DA78E9}"/>
-              </a:ext>
-            </a:extLst>
-          </p:cNvPr>
-          <p:cNvSpPr>
-            <a:spLocks noGrp="1"/>
-          </p:cNvSpPr>
-          <p:nvPr>
-            <p:ph type="title"/>
-          </p:nvPr>
-        </p:nvSpPr>
-        <p:spPr/>
-        <p:txBody>
-          <a:bodyPr/>
-          <a:lstStyle/>
-          <a:p>
-            <a:r>
-              <a:rPr lang="en-US" dirty="0" err="1"/>
-              <a:t>Viacvrstvov</a:t>
-            </a:r>
-            <a:r>
-              <a:rPr lang="sk-SK" dirty="0"/>
-              <a:t>ý </a:t>
-            </a:r>
-            <a:r>
-              <a:rPr lang="sk-SK" dirty="0" err="1"/>
-              <a:t>perceptron</a:t>
-            </a:r>
-            <a:endParaRPr lang="sk-SK" dirty="0"/>
-          </a:p>
-        </p:txBody>
-      </p:sp>
-      <p:pic>
-        <p:nvPicPr>
-          <p:cNvPr id="4098" name="Picture 2">
-            <a:extLst>
-              <a:ext uri="{FF2B5EF4-FFF2-40B4-BE49-F238E27FC236}">
-                <a16:creationId xmlns:a16="http://schemas.microsoft.com/office/drawing/2014/main" id="{328703EB-06B9-7393-6549-95D6614BE1BD}"/>
-              </a:ext>
-            </a:extLst>
-          </p:cNvPr>
-          <p:cNvPicPr>
-            <a:picLocks noChangeAspect="1" noChangeArrowheads="1"/>
-          </p:cNvPicPr>
-          <p:nvPr/>
-        </p:nvPicPr>
-        <p:blipFill>
-          <a:blip r:embed="rId2">
-            <a:extLst>
-              <a:ext uri="{28A0092B-C50C-407E-A947-70E740481C1C}">
-                <a14:useLocalDpi xmlns:a14="http://schemas.microsoft.com/office/drawing/2010/main" val="0"/>
-              </a:ext>
-            </a:extLst>
-          </a:blip>
-          <a:srcRect/>
-          <a:stretch>
-            <a:fillRect/>
-          </a:stretch>
-        </p:blipFill>
-        <p:spPr bwMode="auto">
-          <a:xfrm>
-            <a:off x="2899197" y="1833954"/>
-            <a:ext cx="6382957" cy="3622395"/>
-          </a:xfrm>
-          <a:prstGeom prst="rect">
-            <a:avLst/>
-          </a:prstGeom>
-          <a:noFill/>
-          <a:extLst>
-            <a:ext uri="{909E8E84-426E-40DD-AFC4-6F175D3DCCD1}">
-              <a14:hiddenFill xmlns:a14="http://schemas.microsoft.com/office/drawing/2010/main">
-                <a:solidFill>
-                  <a:srgbClr val="FFFFFF"/>
-                </a:solidFill>
-              </a14:hiddenFill>
-            </a:ext>
-          </a:extLst>
-        </p:spPr>
-      </p:pic>
-      <p:pic>
-        <p:nvPicPr>
-          <p:cNvPr id="4" name="Picture 2" descr="Electrical Systems: Linear and Nonlinear Systems in Electrical Engineering">
-            <a:extLst>
-              <a:ext uri="{FF2B5EF4-FFF2-40B4-BE49-F238E27FC236}">
-                <a16:creationId xmlns:a16="http://schemas.microsoft.com/office/drawing/2014/main" id="{A7208469-E49C-5403-4D74-77AFCC5B484B}"/>
-              </a:ext>
-            </a:extLst>
-          </p:cNvPr>
-          <p:cNvPicPr>
-            <a:picLocks noGrp="1" noChangeAspect="1" noChangeArrowheads="1"/>
-          </p:cNvPicPr>
-          <p:nvPr>
-            <p:ph idx="1"/>
-          </p:nvPr>
-        </p:nvPicPr>
-        <p:blipFill>
-          <a:blip r:embed="rId3">
-            <a:extLst>
-              <a:ext uri="{28A0092B-C50C-407E-A947-70E740481C1C}">
-                <a14:useLocalDpi xmlns:a14="http://schemas.microsoft.com/office/drawing/2010/main" val="0"/>
-              </a:ext>
-            </a:extLst>
-          </a:blip>
-          <a:srcRect/>
-          <a:stretch>
-            <a:fillRect/>
-          </a:stretch>
-        </p:blipFill>
-        <p:spPr bwMode="auto">
-          <a:xfrm>
-            <a:off x="960375" y="1615532"/>
-            <a:ext cx="10260599" cy="4059237"/>
-          </a:xfrm>
-          <a:prstGeom prst="rect">
-            <a:avLst/>
-          </a:prstGeom>
-          <a:noFill/>
-          <a:extLst>
-            <a:ext uri="{909E8E84-426E-40DD-AFC4-6F175D3DCCD1}">
-              <a14:hiddenFill xmlns:a14="http://schemas.microsoft.com/office/drawing/2010/main">
-                <a:solidFill>
-                  <a:srgbClr val="FFFFFF"/>
-                </a:solidFill>
-              </a14:hiddenFill>
-            </a:ext>
-          </a:extLst>
-        </p:spPr>
-      </p:pic>
-    </p:spTree>
-    <p:extLst>
-      <p:ext uri="{BB962C8B-B14F-4D97-AF65-F5344CB8AC3E}">
-        <p14:creationId xmlns:p14="http://schemas.microsoft.com/office/powerpoint/2010/main" val="2788083261"/>
-      </p:ext>
-    </p:extLst>
-  </p:cSld>
-  <p:clrMapOvr>
-    <a:masterClrMapping/>
-  </p:clrMapOvr>
-  <mc:AlternateContent xmlns:mc="http://schemas.openxmlformats.org/markup-compatibility/2006">
-    <mc:Choice xmlns:p14="http://schemas.microsoft.com/office/powerpoint/2010/main" Requires="p14">
-      <p:transition spd="slow" p14:dur="2000" advClick="0" advTm="26000"/>
-    </mc:Choice>
-    <mc:Fallback>
-      <p:transition spd="slow" advClick="0" advTm="26000"/>
-    </mc:Fallback>
-  </mc:AlternateContent>
-  <p:timing>
-    <p:tnLst>
-      <p:par>
-        <p:cTn id="1" dur="indefinite" restart="never" nodeType="tmRoot">
-          <p:childTnLst>
-            <p:seq concurrent="1" nextAc="seek">
-              <p:cTn id="2" dur="indefinite" nodeType="mainSeq">
-                <p:childTnLst>
-                  <p:par>
-                    <p:cTn id="3" fill="hold">
-                      <p:stCondLst>
-                        <p:cond delay="indefinite"/>
-                        <p:cond evt="onBegin" delay="0">
-                          <p:tn val="2"/>
-                        </p:cond>
-                      </p:stCondLst>
-                      <p:childTnLst>
-                        <p:par>
-                          <p:cTn id="4" fill="hold">
-                            <p:stCondLst>
-                              <p:cond delay="0"/>
-                            </p:stCondLst>
-                            <p:childTnLst>
-                              <p:par>
-                                <p:cTn id="5" presetID="1" presetClass="entr" presetSubtype="0" fill="hold" nodeType="withEffect">
-                                  <p:stCondLst>
-                                    <p:cond delay="0"/>
-                                  </p:stCondLst>
-                                  <p:childTnLst>
-                                    <p:set>
-                                      <p:cBhvr>
-                                        <p:cTn id="6" dur="1" fill="hold">
-                                          <p:stCondLst>
-                                            <p:cond delay="0"/>
-                                          </p:stCondLst>
-                                        </p:cTn>
-                                        <p:tgtEl>
-                                          <p:spTgt spid="4098"/>
-                                        </p:tgtEl>
-                                        <p:attrNameLst>
-                                          <p:attrName>style.visibility</p:attrName>
-                                        </p:attrNameLst>
-                                      </p:cBhvr>
-                                      <p:to>
-                                        <p:strVal val="visible"/>
-                                      </p:to>
-                                    </p:set>
-                                  </p:childTnLst>
-                                </p:cTn>
-                              </p:par>
-                            </p:childTnLst>
-                          </p:cTn>
-                        </p:par>
-                        <p:par>
-                          <p:cTn id="7" fill="hold">
-                            <p:stCondLst>
-                              <p:cond delay="0"/>
-                            </p:stCondLst>
-                            <p:childTnLst>
-                              <p:par>
-                                <p:cTn id="8" presetID="1" presetClass="entr" presetSubtype="0" fill="hold" nodeType="afterEffect">
-                                  <p:stCondLst>
-                                    <p:cond delay="10000"/>
-                                  </p:stCondLst>
-                                  <p:childTnLst>
-                                    <p:set>
-                                      <p:cBhvr>
-                                        <p:cTn id="9" dur="1" fill="hold">
-                                          <p:stCondLst>
-                                            <p:cond delay="0"/>
-                                          </p:stCondLst>
-                                        </p:cTn>
-                                        <p:tgtEl>
-                                          <p:spTgt spid="4"/>
                                         </p:tgtEl>
                                         <p:attrNameLst>
                                           <p:attrName>style.visibility</p:attrName>
@@ -9162,6 +10166,300 @@
       </p:grpSpPr>
       <p:sp>
         <p:nvSpPr>
+          <p:cNvPr id="2" name="Nadpis 1">
+            <a:extLst>
+              <a:ext uri="{FF2B5EF4-FFF2-40B4-BE49-F238E27FC236}">
+                <a16:creationId xmlns:a16="http://schemas.microsoft.com/office/drawing/2014/main" id="{4BEC554D-578A-5D1F-122F-6E30F6DA78E9}"/>
+              </a:ext>
+            </a:extLst>
+          </p:cNvPr>
+          <p:cNvSpPr>
+            <a:spLocks noGrp="1"/>
+          </p:cNvSpPr>
+          <p:nvPr>
+            <p:ph type="title"/>
+          </p:nvPr>
+        </p:nvSpPr>
+        <p:spPr/>
+        <p:txBody>
+          <a:bodyPr/>
+          <a:lstStyle/>
+          <a:p>
+            <a:r>
+              <a:rPr lang="en-US" dirty="0" err="1"/>
+              <a:t>Viacvrstvov</a:t>
+            </a:r>
+            <a:r>
+              <a:rPr lang="sk-SK" dirty="0"/>
+              <a:t>ý </a:t>
+            </a:r>
+            <a:r>
+              <a:rPr lang="sk-SK" dirty="0" err="1"/>
+              <a:t>perceptron</a:t>
+            </a:r>
+            <a:endParaRPr lang="sk-SK" dirty="0"/>
+          </a:p>
+        </p:txBody>
+      </p:sp>
+      <p:pic>
+        <p:nvPicPr>
+          <p:cNvPr id="4098" name="Picture 2">
+            <a:extLst>
+              <a:ext uri="{FF2B5EF4-FFF2-40B4-BE49-F238E27FC236}">
+                <a16:creationId xmlns:a16="http://schemas.microsoft.com/office/drawing/2014/main" id="{328703EB-06B9-7393-6549-95D6614BE1BD}"/>
+              </a:ext>
+            </a:extLst>
+          </p:cNvPr>
+          <p:cNvPicPr>
+            <a:picLocks noChangeAspect="1" noChangeArrowheads="1"/>
+          </p:cNvPicPr>
+          <p:nvPr/>
+        </p:nvPicPr>
+        <p:blipFill>
+          <a:blip r:embed="rId2">
+            <a:extLst>
+              <a:ext uri="{28A0092B-C50C-407E-A947-70E740481C1C}">
+                <a14:useLocalDpi xmlns:a14="http://schemas.microsoft.com/office/drawing/2010/main" val="0"/>
+              </a:ext>
+            </a:extLst>
+          </a:blip>
+          <a:srcRect/>
+          <a:stretch>
+            <a:fillRect/>
+          </a:stretch>
+        </p:blipFill>
+        <p:spPr bwMode="auto">
+          <a:xfrm>
+            <a:off x="2899197" y="1617802"/>
+            <a:ext cx="6382957" cy="3622395"/>
+          </a:xfrm>
+          <a:prstGeom prst="rect">
+            <a:avLst/>
+          </a:prstGeom>
+          <a:noFill/>
+          <a:extLst>
+            <a:ext uri="{909E8E84-426E-40DD-AFC4-6F175D3DCCD1}">
+              <a14:hiddenFill xmlns:a14="http://schemas.microsoft.com/office/drawing/2010/main">
+                <a:solidFill>
+                  <a:srgbClr val="FFFFFF"/>
+                </a:solidFill>
+              </a14:hiddenFill>
+            </a:ext>
+          </a:extLst>
+        </p:spPr>
+      </p:pic>
+      <p:pic>
+        <p:nvPicPr>
+          <p:cNvPr id="4" name="Picture 2" descr="Electrical Systems: Linear and Nonlinear Systems in Electrical Engineering">
+            <a:extLst>
+              <a:ext uri="{FF2B5EF4-FFF2-40B4-BE49-F238E27FC236}">
+                <a16:creationId xmlns:a16="http://schemas.microsoft.com/office/drawing/2014/main" id="{A7208469-E49C-5403-4D74-77AFCC5B484B}"/>
+              </a:ext>
+            </a:extLst>
+          </p:cNvPr>
+          <p:cNvPicPr>
+            <a:picLocks noGrp="1" noChangeAspect="1" noChangeArrowheads="1"/>
+          </p:cNvPicPr>
+          <p:nvPr>
+            <p:ph idx="1"/>
+          </p:nvPr>
+        </p:nvPicPr>
+        <p:blipFill>
+          <a:blip r:embed="rId3">
+            <a:extLst>
+              <a:ext uri="{28A0092B-C50C-407E-A947-70E740481C1C}">
+                <a14:useLocalDpi xmlns:a14="http://schemas.microsoft.com/office/drawing/2010/main" val="0"/>
+              </a:ext>
+            </a:extLst>
+          </a:blip>
+          <a:srcRect/>
+          <a:stretch>
+            <a:fillRect/>
+          </a:stretch>
+        </p:blipFill>
+        <p:spPr bwMode="auto">
+          <a:xfrm>
+            <a:off x="960375" y="1617802"/>
+            <a:ext cx="10260599" cy="4059237"/>
+          </a:xfrm>
+          <a:prstGeom prst="rect">
+            <a:avLst/>
+          </a:prstGeom>
+          <a:noFill/>
+          <a:extLst>
+            <a:ext uri="{909E8E84-426E-40DD-AFC4-6F175D3DCCD1}">
+              <a14:hiddenFill xmlns:a14="http://schemas.microsoft.com/office/drawing/2010/main">
+                <a:solidFill>
+                  <a:srgbClr val="FFFFFF"/>
+                </a:solidFill>
+              </a14:hiddenFill>
+            </a:ext>
+          </a:extLst>
+        </p:spPr>
+      </p:pic>
+    </p:spTree>
+    <p:extLst>
+      <p:ext uri="{BB962C8B-B14F-4D97-AF65-F5344CB8AC3E}">
+        <p14:creationId xmlns:p14="http://schemas.microsoft.com/office/powerpoint/2010/main" val="2788083261"/>
+      </p:ext>
+    </p:extLst>
+  </p:cSld>
+  <p:clrMapOvr>
+    <a:masterClrMapping/>
+  </p:clrMapOvr>
+  <mc:AlternateContent xmlns:mc="http://schemas.openxmlformats.org/markup-compatibility/2006" xmlns:p14="http://schemas.microsoft.com/office/powerpoint/2010/main">
+    <mc:Choice Requires="p14">
+      <p:transition spd="slow" p14:dur="2000" advClick="0"/>
+    </mc:Choice>
+    <mc:Fallback xmlns="">
+      <p:transition spd="slow" advClick="0"/>
+    </mc:Fallback>
+  </mc:AlternateContent>
+  <p:timing>
+    <p:tnLst>
+      <p:par>
+        <p:cTn id="1" dur="indefinite" restart="never" nodeType="tmRoot">
+          <p:childTnLst>
+            <p:seq concurrent="1" nextAc="seek">
+              <p:cTn id="2" dur="indefinite" nodeType="mainSeq">
+                <p:childTnLst>
+                  <p:par>
+                    <p:cTn id="3" fill="hold">
+                      <p:stCondLst>
+                        <p:cond delay="indefinite"/>
+                        <p:cond evt="onBegin" delay="0">
+                          <p:tn val="2"/>
+                        </p:cond>
+                      </p:stCondLst>
+                      <p:childTnLst>
+                        <p:par>
+                          <p:cTn id="4" fill="hold">
+                            <p:stCondLst>
+                              <p:cond delay="0"/>
+                            </p:stCondLst>
+                            <p:childTnLst>
+                              <p:par>
+                                <p:cTn id="5" presetID="1" presetClass="entr" presetSubtype="0" fill="hold" nodeType="withEffect">
+                                  <p:stCondLst>
+                                    <p:cond delay="0"/>
+                                  </p:stCondLst>
+                                  <p:childTnLst>
+                                    <p:set>
+                                      <p:cBhvr>
+                                        <p:cTn id="6" dur="1" fill="hold">
+                                          <p:stCondLst>
+                                            <p:cond delay="0"/>
+                                          </p:stCondLst>
+                                        </p:cTn>
+                                        <p:tgtEl>
+                                          <p:spTgt spid="4098"/>
+                                        </p:tgtEl>
+                                        <p:attrNameLst>
+                                          <p:attrName>style.visibility</p:attrName>
+                                        </p:attrNameLst>
+                                      </p:cBhvr>
+                                      <p:to>
+                                        <p:strVal val="visible"/>
+                                      </p:to>
+                                    </p:set>
+                                  </p:childTnLst>
+                                </p:cTn>
+                              </p:par>
+                            </p:childTnLst>
+                          </p:cTn>
+                        </p:par>
+                      </p:childTnLst>
+                    </p:cTn>
+                  </p:par>
+                  <p:par>
+                    <p:cTn id="7" fill="hold">
+                      <p:stCondLst>
+                        <p:cond delay="indefinite"/>
+                      </p:stCondLst>
+                      <p:childTnLst>
+                        <p:par>
+                          <p:cTn id="8" fill="hold">
+                            <p:stCondLst>
+                              <p:cond delay="0"/>
+                            </p:stCondLst>
+                            <p:childTnLst>
+                              <p:par>
+                                <p:cTn id="9" presetID="1" presetClass="entr" presetSubtype="0" fill="hold" nodeType="clickEffect">
+                                  <p:stCondLst>
+                                    <p:cond delay="0"/>
+                                  </p:stCondLst>
+                                  <p:childTnLst>
+                                    <p:set>
+                                      <p:cBhvr>
+                                        <p:cTn id="10" dur="1" fill="hold">
+                                          <p:stCondLst>
+                                            <p:cond delay="0"/>
+                                          </p:stCondLst>
+                                        </p:cTn>
+                                        <p:tgtEl>
+                                          <p:spTgt spid="4"/>
+                                        </p:tgtEl>
+                                        <p:attrNameLst>
+                                          <p:attrName>style.visibility</p:attrName>
+                                        </p:attrNameLst>
+                                      </p:cBhvr>
+                                      <p:to>
+                                        <p:strVal val="visible"/>
+                                      </p:to>
+                                    </p:set>
+                                  </p:childTnLst>
+                                </p:cTn>
+                              </p:par>
+                            </p:childTnLst>
+                          </p:cTn>
+                        </p:par>
+                      </p:childTnLst>
+                    </p:cTn>
+                  </p:par>
+                </p:childTnLst>
+              </p:cTn>
+              <p:prevCondLst>
+                <p:cond evt="onPrev" delay="0">
+                  <p:tgtEl>
+                    <p:sldTgt/>
+                  </p:tgtEl>
+                </p:cond>
+              </p:prevCondLst>
+              <p:nextCondLst>
+                <p:cond evt="onNext" delay="0">
+                  <p:tgtEl>
+                    <p:sldTgt/>
+                  </p:tgtEl>
+                </p:cond>
+              </p:nextCondLst>
+            </p:seq>
+          </p:childTnLst>
+        </p:cTn>
+      </p:par>
+    </p:tnLst>
+  </p:timing>
+</p:sld>
+</file>
+
+<file path=ppt/slides/slide7.xml><?xml version="1.0" encoding="utf-8"?>
+<p:sld xmlns:a="http://schemas.openxmlformats.org/drawingml/2006/main" xmlns:r="http://schemas.openxmlformats.org/officeDocument/2006/relationships" xmlns:p="http://schemas.openxmlformats.org/presentationml/2006/main">
+  <p:cSld>
+    <p:spTree>
+      <p:nvGrpSpPr>
+        <p:cNvPr id="1" name=""/>
+        <p:cNvGrpSpPr/>
+        <p:nvPr/>
+      </p:nvGrpSpPr>
+      <p:grpSpPr>
+        <a:xfrm>
+          <a:off x="0" y="0"/>
+          <a:ext cx="0" cy="0"/>
+          <a:chOff x="0" y="0"/>
+          <a:chExt cx="0" cy="0"/>
+        </a:xfrm>
+      </p:grpSpPr>
+      <p:sp>
+        <p:nvSpPr>
           <p:cNvPr id="2" name="Nadpis 1"/>
           <p:cNvSpPr>
             <a:spLocks noGrp="1"/>
@@ -9222,18 +10520,18 @@
   <p:clrMapOvr>
     <a:masterClrMapping/>
   </p:clrMapOvr>
-  <mc:AlternateContent xmlns:mc="http://schemas.openxmlformats.org/markup-compatibility/2006">
-    <mc:Choice xmlns:p14="http://schemas.microsoft.com/office/powerpoint/2010/main" Requires="p14">
-      <p:transition spd="slow" p14:dur="2000" advClick="0" advTm="32000"/>
+  <mc:AlternateContent xmlns:mc="http://schemas.openxmlformats.org/markup-compatibility/2006" xmlns:p14="http://schemas.microsoft.com/office/powerpoint/2010/main">
+    <mc:Choice Requires="p14">
+      <p:transition spd="slow" p14:dur="2000" advClick="0"/>
     </mc:Choice>
-    <mc:Fallback>
-      <p:transition spd="slow" advClick="0" advTm="32000"/>
+    <mc:Fallback xmlns="">
+      <p:transition spd="slow" advClick="0"/>
     </mc:Fallback>
   </mc:AlternateContent>
 </p:sld>
 </file>
 
-<file path=ppt/slides/slide7.xml><?xml version="1.0" encoding="utf-8"?>
+<file path=ppt/slides/slide8.xml><?xml version="1.0" encoding="utf-8"?>
 <p:sld xmlns:a="http://schemas.openxmlformats.org/drawingml/2006/main" xmlns:r="http://schemas.openxmlformats.org/officeDocument/2006/relationships" xmlns:p="http://schemas.openxmlformats.org/presentationml/2006/main">
   <p:cSld>
     <p:spTree>
@@ -10341,12 +11639,12 @@
   <p:clrMapOvr>
     <a:masterClrMapping/>
   </p:clrMapOvr>
-  <mc:AlternateContent xmlns:mc="http://schemas.openxmlformats.org/markup-compatibility/2006">
-    <mc:Choice xmlns:p14="http://schemas.microsoft.com/office/powerpoint/2010/main" Requires="p14">
-      <p:transition spd="slow" p14:dur="2000" advClick="0" advTm="50000"/>
+  <mc:AlternateContent xmlns:mc="http://schemas.openxmlformats.org/markup-compatibility/2006" xmlns:p14="http://schemas.microsoft.com/office/powerpoint/2010/main">
+    <mc:Choice Requires="p14">
+      <p:transition spd="slow" p14:dur="2000" advClick="0"/>
     </mc:Choice>
-    <mc:Fallback>
-      <p:transition spd="slow" advClick="0" advTm="50000"/>
+    <mc:Fallback xmlns="">
+      <p:transition spd="slow" advClick="0"/>
     </mc:Fallback>
   </mc:AlternateContent>
   <p:timing>
@@ -10402,21 +11700,30 @@
                             </p:childTnLst>
                           </p:cTn>
                         </p:par>
+                      </p:childTnLst>
+                    </p:cTn>
+                  </p:par>
+                  <p:par>
+                    <p:cTn id="7" fill="hold">
+                      <p:stCondLst>
+                        <p:cond delay="indefinite"/>
+                      </p:stCondLst>
+                      <p:childTnLst>
                         <p:par>
-                          <p:cTn id="7" fill="hold">
+                          <p:cTn id="8" fill="hold">
                             <p:stCondLst>
                               <p:cond delay="0"/>
                             </p:stCondLst>
                             <p:childTnLst>
                               <p:par>
-                                <p:cTn id="8" presetID="1" presetClass="entr" presetSubtype="0" fill="hold" nodeType="afterEffect">
+                                <p:cTn id="9" presetID="1" presetClass="entr" presetSubtype="0" fill="hold" nodeType="clickEffect">
                                   <p:stCondLst>
-                                    <p:cond delay="20000"/>
+                                    <p:cond delay="0"/>
                                   </p:stCondLst>
                                   <p:childTnLst>
                                     <p:set>
                                       <p:cBhvr>
-                                        <p:cTn id="9" dur="1" fill="hold">
+                                        <p:cTn id="10" dur="1" fill="hold">
                                           <p:stCondLst>
                                             <p:cond delay="0"/>
                                           </p:stCondLst>
@@ -10438,21 +11745,30 @@
                             </p:childTnLst>
                           </p:cTn>
                         </p:par>
+                      </p:childTnLst>
+                    </p:cTn>
+                  </p:par>
+                  <p:par>
+                    <p:cTn id="11" fill="hold">
+                      <p:stCondLst>
+                        <p:cond delay="indefinite"/>
+                      </p:stCondLst>
+                      <p:childTnLst>
                         <p:par>
-                          <p:cTn id="10" fill="hold">
+                          <p:cTn id="12" fill="hold">
                             <p:stCondLst>
-                              <p:cond delay="20000"/>
+                              <p:cond delay="0"/>
                             </p:stCondLst>
                             <p:childTnLst>
                               <p:par>
-                                <p:cTn id="11" presetID="1" presetClass="entr" presetSubtype="0" fill="hold" nodeType="afterEffect">
+                                <p:cTn id="13" presetID="1" presetClass="entr" presetSubtype="0" fill="hold" nodeType="clickEffect">
                                   <p:stCondLst>
-                                    <p:cond delay="8500"/>
+                                    <p:cond delay="0"/>
                                   </p:stCondLst>
                                   <p:childTnLst>
                                     <p:set>
                                       <p:cBhvr>
-                                        <p:cTn id="12" dur="1" fill="hold">
+                                        <p:cTn id="14" dur="1" fill="hold">
                                           <p:stCondLst>
                                             <p:cond delay="0"/>
                                           </p:stCondLst>
@@ -10474,21 +11790,30 @@
                             </p:childTnLst>
                           </p:cTn>
                         </p:par>
+                      </p:childTnLst>
+                    </p:cTn>
+                  </p:par>
+                  <p:par>
+                    <p:cTn id="15" fill="hold">
+                      <p:stCondLst>
+                        <p:cond delay="indefinite"/>
+                      </p:stCondLst>
+                      <p:childTnLst>
                         <p:par>
-                          <p:cTn id="13" fill="hold">
+                          <p:cTn id="16" fill="hold">
                             <p:stCondLst>
-                              <p:cond delay="28500"/>
+                              <p:cond delay="0"/>
                             </p:stCondLst>
                             <p:childTnLst>
                               <p:par>
-                                <p:cTn id="14" presetID="1" presetClass="entr" presetSubtype="0" fill="hold" nodeType="afterEffect">
+                                <p:cTn id="17" presetID="1" presetClass="entr" presetSubtype="0" fill="hold" nodeType="clickEffect">
                                   <p:stCondLst>
-                                    <p:cond delay="11000"/>
+                                    <p:cond delay="0"/>
                                   </p:stCondLst>
                                   <p:childTnLst>
                                     <p:set>
                                       <p:cBhvr>
-                                        <p:cTn id="15" dur="1" fill="hold">
+                                        <p:cTn id="18" dur="1" fill="hold">
                                           <p:stCondLst>
                                             <p:cond delay="0"/>
                                           </p:stCondLst>
@@ -10538,7 +11863,7 @@
 </p:sld>
 </file>
 
-<file path=ppt/slides/slide8.xml><?xml version="1.0" encoding="utf-8"?>
+<file path=ppt/slides/slide9.xml><?xml version="1.0" encoding="utf-8"?>
 <p:sld xmlns:a="http://schemas.openxmlformats.org/drawingml/2006/main" xmlns:r="http://schemas.openxmlformats.org/officeDocument/2006/relationships" xmlns:p="http://schemas.openxmlformats.org/presentationml/2006/main">
   <p:cSld>
     <p:spTree>
@@ -10684,12 +12009,12 @@
   <p:clrMapOvr>
     <a:masterClrMapping/>
   </p:clrMapOvr>
-  <mc:AlternateContent xmlns:mc="http://schemas.openxmlformats.org/markup-compatibility/2006">
-    <mc:Choice xmlns:p14="http://schemas.microsoft.com/office/powerpoint/2010/main" Requires="p14">
-      <p:transition spd="slow" p14:dur="2000" advClick="0" advTm="89000"/>
+  <mc:AlternateContent xmlns:mc="http://schemas.openxmlformats.org/markup-compatibility/2006" xmlns:p14="http://schemas.microsoft.com/office/powerpoint/2010/main">
+    <mc:Choice Requires="p14">
+      <p:transition spd="slow" p14:dur="2000" advClick="0"/>
     </mc:Choice>
-    <mc:Fallback>
-      <p:transition spd="slow" advClick="0" advTm="89000"/>
+    <mc:Fallback xmlns="">
+      <p:transition spd="slow" advClick="0"/>
     </mc:Fallback>
   </mc:AlternateContent>
   <p:timing>
@@ -10797,528 +12122,6 @@
       </p:par>
     </p:tnLst>
   </p:timing>
-</p:sld>
-</file>
-
-<file path=ppt/slides/slide9.xml><?xml version="1.0" encoding="utf-8"?>
-<p:sld xmlns:a="http://schemas.openxmlformats.org/drawingml/2006/main" xmlns:r="http://schemas.openxmlformats.org/officeDocument/2006/relationships" xmlns:p="http://schemas.openxmlformats.org/presentationml/2006/main">
-  <p:cSld>
-    <p:spTree>
-      <p:nvGrpSpPr>
-        <p:cNvPr id="1" name=""/>
-        <p:cNvGrpSpPr/>
-        <p:nvPr/>
-      </p:nvGrpSpPr>
-      <p:grpSpPr>
-        <a:xfrm>
-          <a:off x="0" y="0"/>
-          <a:ext cx="0" cy="0"/>
-          <a:chOff x="0" y="0"/>
-          <a:chExt cx="0" cy="0"/>
-        </a:xfrm>
-      </p:grpSpPr>
-      <p:sp>
-        <p:nvSpPr>
-          <p:cNvPr id="2" name="Nadpis 1">
-            <a:extLst>
-              <a:ext uri="{FF2B5EF4-FFF2-40B4-BE49-F238E27FC236}">
-                <a16:creationId xmlns:a16="http://schemas.microsoft.com/office/drawing/2014/main" id="{A41EB936-A20A-1320-049C-3B58A7EE5734}"/>
-              </a:ext>
-            </a:extLst>
-          </p:cNvPr>
-          <p:cNvSpPr>
-            <a:spLocks noGrp="1"/>
-          </p:cNvSpPr>
-          <p:nvPr>
-            <p:ph type="title"/>
-          </p:nvPr>
-        </p:nvSpPr>
-        <p:spPr/>
-        <p:txBody>
-          <a:bodyPr/>
-          <a:lstStyle/>
-          <a:p>
-            <a:r>
-              <a:rPr lang="sk-SK" dirty="0"/>
-              <a:t>Praktická časť</a:t>
-            </a:r>
-          </a:p>
-        </p:txBody>
-      </p:sp>
-      <p:sp>
-        <p:nvSpPr>
-          <p:cNvPr id="3" name="Zástupný objekt pre obsah 2">
-            <a:extLst>
-              <a:ext uri="{FF2B5EF4-FFF2-40B4-BE49-F238E27FC236}">
-                <a16:creationId xmlns:a16="http://schemas.microsoft.com/office/drawing/2014/main" id="{07DCC24C-E056-1CEB-DD66-04C8DD3D0FE6}"/>
-              </a:ext>
-            </a:extLst>
-          </p:cNvPr>
-          <p:cNvSpPr>
-            <a:spLocks noGrp="1"/>
-          </p:cNvSpPr>
-          <p:nvPr>
-            <p:ph idx="1"/>
-          </p:nvPr>
-        </p:nvSpPr>
-        <p:spPr>
-          <a:xfrm>
-            <a:off x="412124" y="1732449"/>
-            <a:ext cx="11410681" cy="4848655"/>
-          </a:xfrm>
-        </p:spPr>
-        <p:txBody>
-          <a:bodyPr numCol="2">
-            <a:noAutofit/>
-          </a:bodyPr>
-          <a:lstStyle/>
-          <a:p>
-            <a:r>
-              <a:rPr lang="sk-SK" sz="2200" dirty="0" err="1">
-                <a:latin typeface="Arial" panose="020B0604020202020204" pitchFamily="34" charset="0"/>
-                <a:cs typeface="Arial" panose="020B0604020202020204" pitchFamily="34" charset="0"/>
-              </a:rPr>
-              <a:t>from</a:t>
-            </a:r>
-            <a:r>
-              <a:rPr lang="sk-SK" sz="2200" dirty="0">
-                <a:latin typeface="Arial" panose="020B0604020202020204" pitchFamily="34" charset="0"/>
-                <a:cs typeface="Arial" panose="020B0604020202020204" pitchFamily="34" charset="0"/>
-              </a:rPr>
-              <a:t> </a:t>
-            </a:r>
-            <a:r>
-              <a:rPr lang="sk-SK" sz="2200" dirty="0" err="1">
-                <a:latin typeface="Arial" panose="020B0604020202020204" pitchFamily="34" charset="0"/>
-                <a:cs typeface="Arial" panose="020B0604020202020204" pitchFamily="34" charset="0"/>
-              </a:rPr>
-              <a:t>tensorflow</a:t>
-            </a:r>
-            <a:r>
-              <a:rPr lang="sk-SK" sz="2200" dirty="0">
-                <a:latin typeface="Arial" panose="020B0604020202020204" pitchFamily="34" charset="0"/>
-                <a:cs typeface="Arial" panose="020B0604020202020204" pitchFamily="34" charset="0"/>
-              </a:rPr>
-              <a:t> import </a:t>
-            </a:r>
-            <a:r>
-              <a:rPr lang="sk-SK" sz="2200" dirty="0" err="1">
-                <a:latin typeface="Arial" panose="020B0604020202020204" pitchFamily="34" charset="0"/>
-                <a:cs typeface="Arial" panose="020B0604020202020204" pitchFamily="34" charset="0"/>
-              </a:rPr>
-              <a:t>keras</a:t>
-            </a:r>
-            <a:endParaRPr lang="sk-SK" sz="2200" dirty="0">
-              <a:latin typeface="Arial" panose="020B0604020202020204" pitchFamily="34" charset="0"/>
-              <a:cs typeface="Arial" panose="020B0604020202020204" pitchFamily="34" charset="0"/>
-            </a:endParaRPr>
-          </a:p>
-          <a:p>
-            <a:r>
-              <a:rPr lang="sk-SK" sz="2200" dirty="0" err="1">
-                <a:latin typeface="Arial" panose="020B0604020202020204" pitchFamily="34" charset="0"/>
-                <a:cs typeface="Arial" panose="020B0604020202020204" pitchFamily="34" charset="0"/>
-              </a:rPr>
-              <a:t>from</a:t>
-            </a:r>
-            <a:r>
-              <a:rPr lang="sk-SK" sz="2200" dirty="0">
-                <a:latin typeface="Arial" panose="020B0604020202020204" pitchFamily="34" charset="0"/>
-                <a:cs typeface="Arial" panose="020B0604020202020204" pitchFamily="34" charset="0"/>
-              </a:rPr>
-              <a:t> </a:t>
-            </a:r>
-            <a:r>
-              <a:rPr lang="sk-SK" sz="2200" dirty="0" err="1">
-                <a:latin typeface="Arial" panose="020B0604020202020204" pitchFamily="34" charset="0"/>
-                <a:cs typeface="Arial" panose="020B0604020202020204" pitchFamily="34" charset="0"/>
-              </a:rPr>
-              <a:t>keras.utils</a:t>
-            </a:r>
-            <a:r>
-              <a:rPr lang="sk-SK" sz="2200" dirty="0">
-                <a:latin typeface="Arial" panose="020B0604020202020204" pitchFamily="34" charset="0"/>
-                <a:cs typeface="Arial" panose="020B0604020202020204" pitchFamily="34" charset="0"/>
-              </a:rPr>
-              <a:t> import </a:t>
-            </a:r>
-            <a:r>
-              <a:rPr lang="sk-SK" sz="2200" dirty="0" err="1">
-                <a:latin typeface="Arial" panose="020B0604020202020204" pitchFamily="34" charset="0"/>
-                <a:cs typeface="Arial" panose="020B0604020202020204" pitchFamily="34" charset="0"/>
-              </a:rPr>
-              <a:t>np_utils</a:t>
-            </a:r>
-            <a:endParaRPr lang="sk-SK" sz="2200" dirty="0">
-              <a:latin typeface="Arial" panose="020B0604020202020204" pitchFamily="34" charset="0"/>
-              <a:cs typeface="Arial" panose="020B0604020202020204" pitchFamily="34" charset="0"/>
-            </a:endParaRPr>
-          </a:p>
-          <a:p>
-            <a:r>
-              <a:rPr lang="sk-SK" sz="2200" dirty="0" err="1">
-                <a:latin typeface="Arial" panose="020B0604020202020204" pitchFamily="34" charset="0"/>
-                <a:cs typeface="Arial" panose="020B0604020202020204" pitchFamily="34" charset="0"/>
-              </a:rPr>
-              <a:t>from</a:t>
-            </a:r>
-            <a:r>
-              <a:rPr lang="sk-SK" sz="2200" dirty="0">
-                <a:latin typeface="Arial" panose="020B0604020202020204" pitchFamily="34" charset="0"/>
-                <a:cs typeface="Arial" panose="020B0604020202020204" pitchFamily="34" charset="0"/>
-              </a:rPr>
-              <a:t> </a:t>
-            </a:r>
-            <a:r>
-              <a:rPr lang="sk-SK" sz="2200" dirty="0" err="1">
-                <a:latin typeface="Arial" panose="020B0604020202020204" pitchFamily="34" charset="0"/>
-                <a:cs typeface="Arial" panose="020B0604020202020204" pitchFamily="34" charset="0"/>
-              </a:rPr>
-              <a:t>keras.datasets</a:t>
-            </a:r>
-            <a:r>
-              <a:rPr lang="sk-SK" sz="2200" dirty="0">
-                <a:latin typeface="Arial" panose="020B0604020202020204" pitchFamily="34" charset="0"/>
-                <a:cs typeface="Arial" panose="020B0604020202020204" pitchFamily="34" charset="0"/>
-              </a:rPr>
-              <a:t> import cifar10</a:t>
-            </a:r>
-          </a:p>
-          <a:p>
-            <a:endParaRPr lang="sk-SK" sz="2200" dirty="0">
-              <a:latin typeface="Arial" panose="020B0604020202020204" pitchFamily="34" charset="0"/>
-              <a:cs typeface="Arial" panose="020B0604020202020204" pitchFamily="34" charset="0"/>
-            </a:endParaRPr>
-          </a:p>
-          <a:p>
-            <a:r>
-              <a:rPr lang="sk-SK" sz="2200" dirty="0">
-                <a:latin typeface="Arial" panose="020B0604020202020204" pitchFamily="34" charset="0"/>
-                <a:cs typeface="Arial" panose="020B0604020202020204" pitchFamily="34" charset="0"/>
-              </a:rPr>
-              <a:t>(</a:t>
-            </a:r>
-            <a:r>
-              <a:rPr lang="sk-SK" sz="2200" dirty="0" err="1">
-                <a:latin typeface="Arial" panose="020B0604020202020204" pitchFamily="34" charset="0"/>
-                <a:cs typeface="Arial" panose="020B0604020202020204" pitchFamily="34" charset="0"/>
-              </a:rPr>
-              <a:t>X_train</a:t>
-            </a:r>
-            <a:r>
-              <a:rPr lang="sk-SK" sz="2200" dirty="0">
-                <a:latin typeface="Arial" panose="020B0604020202020204" pitchFamily="34" charset="0"/>
-                <a:cs typeface="Arial" panose="020B0604020202020204" pitchFamily="34" charset="0"/>
-              </a:rPr>
-              <a:t>, </a:t>
-            </a:r>
-            <a:r>
-              <a:rPr lang="sk-SK" sz="2200" dirty="0" err="1">
-                <a:latin typeface="Arial" panose="020B0604020202020204" pitchFamily="34" charset="0"/>
-                <a:cs typeface="Arial" panose="020B0604020202020204" pitchFamily="34" charset="0"/>
-              </a:rPr>
-              <a:t>y_train</a:t>
-            </a:r>
-            <a:r>
-              <a:rPr lang="sk-SK" sz="2200" dirty="0">
-                <a:latin typeface="Arial" panose="020B0604020202020204" pitchFamily="34" charset="0"/>
-                <a:cs typeface="Arial" panose="020B0604020202020204" pitchFamily="34" charset="0"/>
-              </a:rPr>
-              <a:t>), (</a:t>
-            </a:r>
-            <a:r>
-              <a:rPr lang="sk-SK" sz="2200" dirty="0" err="1">
-                <a:latin typeface="Arial" panose="020B0604020202020204" pitchFamily="34" charset="0"/>
-                <a:cs typeface="Arial" panose="020B0604020202020204" pitchFamily="34" charset="0"/>
-              </a:rPr>
-              <a:t>X_test</a:t>
-            </a:r>
-            <a:r>
-              <a:rPr lang="sk-SK" sz="2200" dirty="0">
-                <a:latin typeface="Arial" panose="020B0604020202020204" pitchFamily="34" charset="0"/>
-                <a:cs typeface="Arial" panose="020B0604020202020204" pitchFamily="34" charset="0"/>
-              </a:rPr>
-              <a:t>, </a:t>
-            </a:r>
-            <a:r>
-              <a:rPr lang="sk-SK" sz="2200" dirty="0" err="1">
-                <a:latin typeface="Arial" panose="020B0604020202020204" pitchFamily="34" charset="0"/>
-                <a:cs typeface="Arial" panose="020B0604020202020204" pitchFamily="34" charset="0"/>
-              </a:rPr>
-              <a:t>y_test</a:t>
-            </a:r>
-            <a:r>
-              <a:rPr lang="sk-SK" sz="2200" dirty="0">
-                <a:latin typeface="Arial" panose="020B0604020202020204" pitchFamily="34" charset="0"/>
-                <a:cs typeface="Arial" panose="020B0604020202020204" pitchFamily="34" charset="0"/>
-              </a:rPr>
-              <a:t>) = cifar10.load_data()</a:t>
-            </a:r>
-          </a:p>
-          <a:p>
-            <a:r>
-              <a:rPr lang="sk-SK" sz="2200" dirty="0" err="1">
-                <a:latin typeface="Arial" panose="020B0604020202020204" pitchFamily="34" charset="0"/>
-                <a:cs typeface="Arial" panose="020B0604020202020204" pitchFamily="34" charset="0"/>
-              </a:rPr>
-              <a:t>X_train</a:t>
-            </a:r>
-            <a:r>
-              <a:rPr lang="sk-SK" sz="2200" dirty="0">
-                <a:latin typeface="Arial" panose="020B0604020202020204" pitchFamily="34" charset="0"/>
-                <a:cs typeface="Arial" panose="020B0604020202020204" pitchFamily="34" charset="0"/>
-              </a:rPr>
-              <a:t> = </a:t>
-            </a:r>
-            <a:r>
-              <a:rPr lang="sk-SK" sz="2200" dirty="0" err="1">
-                <a:latin typeface="Arial" panose="020B0604020202020204" pitchFamily="34" charset="0"/>
-                <a:cs typeface="Arial" panose="020B0604020202020204" pitchFamily="34" charset="0"/>
-              </a:rPr>
-              <a:t>X_train.astype</a:t>
-            </a:r>
-            <a:r>
-              <a:rPr lang="sk-SK" sz="2200" dirty="0">
-                <a:latin typeface="Arial" panose="020B0604020202020204" pitchFamily="34" charset="0"/>
-                <a:cs typeface="Arial" panose="020B0604020202020204" pitchFamily="34" charset="0"/>
-              </a:rPr>
-              <a:t>('float32')</a:t>
-            </a:r>
-          </a:p>
-          <a:p>
-            <a:r>
-              <a:rPr lang="sk-SK" sz="2200" dirty="0" err="1">
-                <a:latin typeface="Arial" panose="020B0604020202020204" pitchFamily="34" charset="0"/>
-                <a:cs typeface="Arial" panose="020B0604020202020204" pitchFamily="34" charset="0"/>
-              </a:rPr>
-              <a:t>X_test</a:t>
-            </a:r>
-            <a:r>
-              <a:rPr lang="sk-SK" sz="2200" dirty="0">
-                <a:latin typeface="Arial" panose="020B0604020202020204" pitchFamily="34" charset="0"/>
-                <a:cs typeface="Arial" panose="020B0604020202020204" pitchFamily="34" charset="0"/>
-              </a:rPr>
-              <a:t> = </a:t>
-            </a:r>
-            <a:r>
-              <a:rPr lang="sk-SK" sz="2200" dirty="0" err="1">
-                <a:latin typeface="Arial" panose="020B0604020202020204" pitchFamily="34" charset="0"/>
-                <a:cs typeface="Arial" panose="020B0604020202020204" pitchFamily="34" charset="0"/>
-              </a:rPr>
-              <a:t>X_test.astype</a:t>
-            </a:r>
-            <a:r>
-              <a:rPr lang="sk-SK" sz="2200" dirty="0">
-                <a:latin typeface="Arial" panose="020B0604020202020204" pitchFamily="34" charset="0"/>
-                <a:cs typeface="Arial" panose="020B0604020202020204" pitchFamily="34" charset="0"/>
-              </a:rPr>
-              <a:t>('float32')</a:t>
-            </a:r>
-          </a:p>
-          <a:p>
-            <a:r>
-              <a:rPr lang="sk-SK" sz="2200" dirty="0" err="1">
-                <a:latin typeface="Arial" panose="020B0604020202020204" pitchFamily="34" charset="0"/>
-                <a:cs typeface="Arial" panose="020B0604020202020204" pitchFamily="34" charset="0"/>
-              </a:rPr>
-              <a:t>X_train</a:t>
-            </a:r>
-            <a:r>
-              <a:rPr lang="sk-SK" sz="2200" dirty="0">
-                <a:latin typeface="Arial" panose="020B0604020202020204" pitchFamily="34" charset="0"/>
-                <a:cs typeface="Arial" panose="020B0604020202020204" pitchFamily="34" charset="0"/>
-              </a:rPr>
-              <a:t> = </a:t>
-            </a:r>
-            <a:r>
-              <a:rPr lang="sk-SK" sz="2200" dirty="0" err="1">
-                <a:latin typeface="Arial" panose="020B0604020202020204" pitchFamily="34" charset="0"/>
-                <a:cs typeface="Arial" panose="020B0604020202020204" pitchFamily="34" charset="0"/>
-              </a:rPr>
-              <a:t>X_train</a:t>
-            </a:r>
-            <a:r>
-              <a:rPr lang="sk-SK" sz="2200" dirty="0">
-                <a:latin typeface="Arial" panose="020B0604020202020204" pitchFamily="34" charset="0"/>
-                <a:cs typeface="Arial" panose="020B0604020202020204" pitchFamily="34" charset="0"/>
-              </a:rPr>
-              <a:t> / 255.0</a:t>
-            </a:r>
-          </a:p>
-          <a:p>
-            <a:r>
-              <a:rPr lang="sk-SK" sz="2200" dirty="0" err="1">
-                <a:latin typeface="Arial" panose="020B0604020202020204" pitchFamily="34" charset="0"/>
-                <a:cs typeface="Arial" panose="020B0604020202020204" pitchFamily="34" charset="0"/>
-              </a:rPr>
-              <a:t>X_test</a:t>
-            </a:r>
-            <a:r>
-              <a:rPr lang="sk-SK" sz="2200" dirty="0">
-                <a:latin typeface="Arial" panose="020B0604020202020204" pitchFamily="34" charset="0"/>
-                <a:cs typeface="Arial" panose="020B0604020202020204" pitchFamily="34" charset="0"/>
-              </a:rPr>
-              <a:t> = </a:t>
-            </a:r>
-            <a:r>
-              <a:rPr lang="sk-SK" sz="2200" dirty="0" err="1">
-                <a:latin typeface="Arial" panose="020B0604020202020204" pitchFamily="34" charset="0"/>
-                <a:cs typeface="Arial" panose="020B0604020202020204" pitchFamily="34" charset="0"/>
-              </a:rPr>
-              <a:t>X_test</a:t>
-            </a:r>
-            <a:r>
-              <a:rPr lang="sk-SK" sz="2200" dirty="0">
-                <a:latin typeface="Arial" panose="020B0604020202020204" pitchFamily="34" charset="0"/>
-                <a:cs typeface="Arial" panose="020B0604020202020204" pitchFamily="34" charset="0"/>
-              </a:rPr>
-              <a:t> / 255.0</a:t>
-            </a:r>
-          </a:p>
-          <a:p>
-            <a:endParaRPr lang="sk-SK" sz="2200" dirty="0">
-              <a:latin typeface="Arial" panose="020B0604020202020204" pitchFamily="34" charset="0"/>
-              <a:cs typeface="Arial" panose="020B0604020202020204" pitchFamily="34" charset="0"/>
-            </a:endParaRPr>
-          </a:p>
-          <a:p>
-            <a:r>
-              <a:rPr lang="sk-SK" sz="2200" dirty="0" err="1">
-                <a:latin typeface="Arial" panose="020B0604020202020204" pitchFamily="34" charset="0"/>
-                <a:cs typeface="Arial" panose="020B0604020202020204" pitchFamily="34" charset="0"/>
-              </a:rPr>
-              <a:t>y_train</a:t>
-            </a:r>
-            <a:r>
-              <a:rPr lang="sk-SK" sz="2200" dirty="0">
-                <a:latin typeface="Arial" panose="020B0604020202020204" pitchFamily="34" charset="0"/>
-                <a:cs typeface="Arial" panose="020B0604020202020204" pitchFamily="34" charset="0"/>
-              </a:rPr>
-              <a:t> = </a:t>
-            </a:r>
-            <a:r>
-              <a:rPr lang="sk-SK" sz="2200" dirty="0" err="1">
-                <a:latin typeface="Arial" panose="020B0604020202020204" pitchFamily="34" charset="0"/>
-                <a:cs typeface="Arial" panose="020B0604020202020204" pitchFamily="34" charset="0"/>
-              </a:rPr>
-              <a:t>np_utils.to_categorical</a:t>
-            </a:r>
-            <a:r>
-              <a:rPr lang="sk-SK" sz="2200" dirty="0">
-                <a:latin typeface="Arial" panose="020B0604020202020204" pitchFamily="34" charset="0"/>
-                <a:cs typeface="Arial" panose="020B0604020202020204" pitchFamily="34" charset="0"/>
-              </a:rPr>
-              <a:t>(</a:t>
-            </a:r>
-            <a:r>
-              <a:rPr lang="sk-SK" sz="2200" dirty="0" err="1">
-                <a:latin typeface="Arial" panose="020B0604020202020204" pitchFamily="34" charset="0"/>
-                <a:cs typeface="Arial" panose="020B0604020202020204" pitchFamily="34" charset="0"/>
-              </a:rPr>
-              <a:t>y_train</a:t>
-            </a:r>
-            <a:r>
-              <a:rPr lang="sk-SK" sz="2200" dirty="0">
-                <a:latin typeface="Arial" panose="020B0604020202020204" pitchFamily="34" charset="0"/>
-                <a:cs typeface="Arial" panose="020B0604020202020204" pitchFamily="34" charset="0"/>
-              </a:rPr>
-              <a:t>)</a:t>
-            </a:r>
-          </a:p>
-          <a:p>
-            <a:r>
-              <a:rPr lang="sk-SK" sz="2200" dirty="0" err="1">
-                <a:latin typeface="Arial" panose="020B0604020202020204" pitchFamily="34" charset="0"/>
-                <a:cs typeface="Arial" panose="020B0604020202020204" pitchFamily="34" charset="0"/>
-              </a:rPr>
-              <a:t>y_test</a:t>
-            </a:r>
-            <a:r>
-              <a:rPr lang="sk-SK" sz="2200" dirty="0">
-                <a:latin typeface="Arial" panose="020B0604020202020204" pitchFamily="34" charset="0"/>
-                <a:cs typeface="Arial" panose="020B0604020202020204" pitchFamily="34" charset="0"/>
-              </a:rPr>
-              <a:t> = </a:t>
-            </a:r>
-            <a:r>
-              <a:rPr lang="sk-SK" sz="2200" dirty="0" err="1">
-                <a:latin typeface="Arial" panose="020B0604020202020204" pitchFamily="34" charset="0"/>
-                <a:cs typeface="Arial" panose="020B0604020202020204" pitchFamily="34" charset="0"/>
-              </a:rPr>
-              <a:t>np_utils.to_categorical</a:t>
-            </a:r>
-            <a:r>
-              <a:rPr lang="sk-SK" sz="2200" dirty="0">
-                <a:latin typeface="Arial" panose="020B0604020202020204" pitchFamily="34" charset="0"/>
-                <a:cs typeface="Arial" panose="020B0604020202020204" pitchFamily="34" charset="0"/>
-              </a:rPr>
-              <a:t>(</a:t>
-            </a:r>
-            <a:r>
-              <a:rPr lang="sk-SK" sz="2200" dirty="0" err="1">
-                <a:latin typeface="Arial" panose="020B0604020202020204" pitchFamily="34" charset="0"/>
-                <a:cs typeface="Arial" panose="020B0604020202020204" pitchFamily="34" charset="0"/>
-              </a:rPr>
-              <a:t>y_test</a:t>
-            </a:r>
-            <a:r>
-              <a:rPr lang="sk-SK" sz="2200" dirty="0">
-                <a:latin typeface="Arial" panose="020B0604020202020204" pitchFamily="34" charset="0"/>
-                <a:cs typeface="Arial" panose="020B0604020202020204" pitchFamily="34" charset="0"/>
-              </a:rPr>
-              <a:t>)</a:t>
-            </a:r>
-          </a:p>
-          <a:p>
-            <a:r>
-              <a:rPr lang="sk-SK" sz="2200" dirty="0" err="1">
-                <a:latin typeface="Arial" panose="020B0604020202020204" pitchFamily="34" charset="0"/>
-                <a:cs typeface="Arial" panose="020B0604020202020204" pitchFamily="34" charset="0"/>
-              </a:rPr>
-              <a:t>class_num</a:t>
-            </a:r>
-            <a:r>
-              <a:rPr lang="sk-SK" sz="2200" dirty="0">
-                <a:latin typeface="Arial" panose="020B0604020202020204" pitchFamily="34" charset="0"/>
-                <a:cs typeface="Arial" panose="020B0604020202020204" pitchFamily="34" charset="0"/>
-              </a:rPr>
-              <a:t> = </a:t>
-            </a:r>
-            <a:r>
-              <a:rPr lang="sk-SK" sz="2200" dirty="0" err="1">
-                <a:latin typeface="Arial" panose="020B0604020202020204" pitchFamily="34" charset="0"/>
-                <a:cs typeface="Arial" panose="020B0604020202020204" pitchFamily="34" charset="0"/>
-              </a:rPr>
-              <a:t>y_test.shape</a:t>
-            </a:r>
-            <a:r>
-              <a:rPr lang="sk-SK" sz="2200" dirty="0">
-                <a:latin typeface="Arial" panose="020B0604020202020204" pitchFamily="34" charset="0"/>
-                <a:cs typeface="Arial" panose="020B0604020202020204" pitchFamily="34" charset="0"/>
-              </a:rPr>
-              <a:t>[1]</a:t>
-            </a:r>
-          </a:p>
-        </p:txBody>
-      </p:sp>
-    </p:spTree>
-    <p:extLst>
-      <p:ext uri="{BB962C8B-B14F-4D97-AF65-F5344CB8AC3E}">
-        <p14:creationId xmlns:p14="http://schemas.microsoft.com/office/powerpoint/2010/main" val="4028568845"/>
-      </p:ext>
-    </p:extLst>
-  </p:cSld>
-  <p:clrMapOvr>
-    <a:masterClrMapping/>
-  </p:clrMapOvr>
-  <mc:AlternateContent xmlns:mc="http://schemas.openxmlformats.org/markup-compatibility/2006">
-    <mc:Choice xmlns:p14="http://schemas.microsoft.com/office/powerpoint/2010/main" Requires="p14">
-      <p:transition spd="slow" p14:dur="2000" advClick="0" advTm="55000"/>
-    </mc:Choice>
-    <mc:Fallback>
-      <p:transition spd="slow" advClick="0" advTm="55000"/>
-    </mc:Fallback>
-  </mc:AlternateContent>
 </p:sld>
 </file>
 
